--- a/Training-material/day 1/05b_A4-print-out-part1.pptx
+++ b/Training-material/day 1/05b_A4-print-out-part1.pptx
@@ -1,20 +1,20 @@
 
 <file path=ppt/presentation.xml><?xml version="1.0" encoding="utf-8"?>
-<p:presentation xmlns:a="http://schemas.openxmlformats.org/drawingml/2006/main" xmlns:r="http://schemas.openxmlformats.org/officeDocument/2006/relationships" xmlns:mc="http://schemas.openxmlformats.org/markup-compatibility/2006" xmlns:mv="urn:schemas-microsoft-com:mac:vml" xmlns:p="http://schemas.openxmlformats.org/presentationml/2006/main" xmlns:c="http://schemas.openxmlformats.org/drawingml/2006/chart" xmlns:dgm="http://schemas.openxmlformats.org/drawingml/2006/diagram" xmlns:o="urn:schemas-microsoft-com:office:office" xmlns:v="urn:schemas-microsoft-com:vml" xmlns:pvml="urn:schemas-microsoft-com:office:powerpoint" xmlns:com="http://schemas.openxmlformats.org/drawingml/2006/compatibility" xmlns:p14="http://schemas.microsoft.com/office/powerpoint/2010/main" xmlns:p15="http://schemas.microsoft.com/office/powerpoint/2012/main" xmlns:ahyp="http://schemas.microsoft.com/office/drawing/2018/hyperlinkcolor" autoCompressPictures="0" strictFirstAndLastChars="0" saveSubsetFonts="1">
+<p:presentation xmlns:a="http://schemas.openxmlformats.org/drawingml/2006/main" xmlns:r="http://schemas.openxmlformats.org/officeDocument/2006/relationships" xmlns:p="http://schemas.openxmlformats.org/presentationml/2006/main" strictFirstAndLastChars="0" saveSubsetFonts="1" autoCompressPictures="0">
   <p:sldMasterIdLst>
-    <p:sldMasterId id="2147483648" r:id="rId3"/>
+    <p:sldMasterId id="2147483648" r:id="rId1"/>
   </p:sldMasterIdLst>
   <p:notesMasterIdLst>
     <p:notesMasterId r:id="rId4"/>
   </p:notesMasterIdLst>
   <p:sldIdLst>
-    <p:sldId id="256" r:id="rId5"/>
-    <p:sldId id="257" r:id="rId6"/>
+    <p:sldId id="256" r:id="rId2"/>
+    <p:sldId id="257" r:id="rId3"/>
   </p:sldIdLst>
-  <p:sldSz cy="6858000" cx="9906000"/>
+  <p:sldSz cx="9906000" cy="6858000" type="A4"/>
   <p:notesSz cx="6858000" cy="9144000"/>
   <p:defaultTextStyle>
-    <a:defPPr lvl="0" marR="0" rtl="0" algn="l">
+    <a:defPPr marR="0" lvl="0" algn="l" rtl="0">
       <a:lnSpc>
         <a:spcPct val="100000"/>
       </a:lnSpc>
@@ -25,7 +25,7 @@
         <a:spcPts val="0"/>
       </a:spcAft>
     </a:defPPr>
-    <a:lvl1pPr lvl="0" marR="0" rtl="0" algn="l">
+    <a:lvl1pPr marR="0" lvl="0" algn="l" rtl="0">
       <a:lnSpc>
         <a:spcPct val="100000"/>
       </a:lnSpc>
@@ -39,7 +39,7 @@
         <a:srgbClr val="000000"/>
       </a:buClr>
       <a:buFont typeface="Arial"/>
-      <a:defRPr b="0" i="0" sz="1400" u="none" cap="none" strike="noStrike">
+      <a:defRPr sz="1400" b="0" i="0" u="none" strike="noStrike" cap="none">
         <a:solidFill>
           <a:srgbClr val="000000"/>
         </a:solidFill>
@@ -49,7 +49,7 @@
         <a:sym typeface="Arial"/>
       </a:defRPr>
     </a:lvl1pPr>
-    <a:lvl2pPr lvl="1" marR="0" rtl="0" algn="l">
+    <a:lvl2pPr marR="0" lvl="1" algn="l" rtl="0">
       <a:lnSpc>
         <a:spcPct val="100000"/>
       </a:lnSpc>
@@ -63,7 +63,7 @@
         <a:srgbClr val="000000"/>
       </a:buClr>
       <a:buFont typeface="Arial"/>
-      <a:defRPr b="0" i="0" sz="1400" u="none" cap="none" strike="noStrike">
+      <a:defRPr sz="1400" b="0" i="0" u="none" strike="noStrike" cap="none">
         <a:solidFill>
           <a:srgbClr val="000000"/>
         </a:solidFill>
@@ -73,7 +73,7 @@
         <a:sym typeface="Arial"/>
       </a:defRPr>
     </a:lvl2pPr>
-    <a:lvl3pPr lvl="2" marR="0" rtl="0" algn="l">
+    <a:lvl3pPr marR="0" lvl="2" algn="l" rtl="0">
       <a:lnSpc>
         <a:spcPct val="100000"/>
       </a:lnSpc>
@@ -87,7 +87,7 @@
         <a:srgbClr val="000000"/>
       </a:buClr>
       <a:buFont typeface="Arial"/>
-      <a:defRPr b="0" i="0" sz="1400" u="none" cap="none" strike="noStrike">
+      <a:defRPr sz="1400" b="0" i="0" u="none" strike="noStrike" cap="none">
         <a:solidFill>
           <a:srgbClr val="000000"/>
         </a:solidFill>
@@ -97,7 +97,7 @@
         <a:sym typeface="Arial"/>
       </a:defRPr>
     </a:lvl3pPr>
-    <a:lvl4pPr lvl="3" marR="0" rtl="0" algn="l">
+    <a:lvl4pPr marR="0" lvl="3" algn="l" rtl="0">
       <a:lnSpc>
         <a:spcPct val="100000"/>
       </a:lnSpc>
@@ -111,7 +111,7 @@
         <a:srgbClr val="000000"/>
       </a:buClr>
       <a:buFont typeface="Arial"/>
-      <a:defRPr b="0" i="0" sz="1400" u="none" cap="none" strike="noStrike">
+      <a:defRPr sz="1400" b="0" i="0" u="none" strike="noStrike" cap="none">
         <a:solidFill>
           <a:srgbClr val="000000"/>
         </a:solidFill>
@@ -121,7 +121,7 @@
         <a:sym typeface="Arial"/>
       </a:defRPr>
     </a:lvl4pPr>
-    <a:lvl5pPr lvl="4" marR="0" rtl="0" algn="l">
+    <a:lvl5pPr marR="0" lvl="4" algn="l" rtl="0">
       <a:lnSpc>
         <a:spcPct val="100000"/>
       </a:lnSpc>
@@ -135,7 +135,7 @@
         <a:srgbClr val="000000"/>
       </a:buClr>
       <a:buFont typeface="Arial"/>
-      <a:defRPr b="0" i="0" sz="1400" u="none" cap="none" strike="noStrike">
+      <a:defRPr sz="1400" b="0" i="0" u="none" strike="noStrike" cap="none">
         <a:solidFill>
           <a:srgbClr val="000000"/>
         </a:solidFill>
@@ -145,7 +145,7 @@
         <a:sym typeface="Arial"/>
       </a:defRPr>
     </a:lvl5pPr>
-    <a:lvl6pPr lvl="5" marR="0" rtl="0" algn="l">
+    <a:lvl6pPr marR="0" lvl="5" algn="l" rtl="0">
       <a:lnSpc>
         <a:spcPct val="100000"/>
       </a:lnSpc>
@@ -159,7 +159,7 @@
         <a:srgbClr val="000000"/>
       </a:buClr>
       <a:buFont typeface="Arial"/>
-      <a:defRPr b="0" i="0" sz="1400" u="none" cap="none" strike="noStrike">
+      <a:defRPr sz="1400" b="0" i="0" u="none" strike="noStrike" cap="none">
         <a:solidFill>
           <a:srgbClr val="000000"/>
         </a:solidFill>
@@ -169,7 +169,7 @@
         <a:sym typeface="Arial"/>
       </a:defRPr>
     </a:lvl6pPr>
-    <a:lvl7pPr lvl="6" marR="0" rtl="0" algn="l">
+    <a:lvl7pPr marR="0" lvl="6" algn="l" rtl="0">
       <a:lnSpc>
         <a:spcPct val="100000"/>
       </a:lnSpc>
@@ -183,7 +183,7 @@
         <a:srgbClr val="000000"/>
       </a:buClr>
       <a:buFont typeface="Arial"/>
-      <a:defRPr b="0" i="0" sz="1400" u="none" cap="none" strike="noStrike">
+      <a:defRPr sz="1400" b="0" i="0" u="none" strike="noStrike" cap="none">
         <a:solidFill>
           <a:srgbClr val="000000"/>
         </a:solidFill>
@@ -193,7 +193,7 @@
         <a:sym typeface="Arial"/>
       </a:defRPr>
     </a:lvl7pPr>
-    <a:lvl8pPr lvl="7" marR="0" rtl="0" algn="l">
+    <a:lvl8pPr marR="0" lvl="7" algn="l" rtl="0">
       <a:lnSpc>
         <a:spcPct val="100000"/>
       </a:lnSpc>
@@ -207,7 +207,7 @@
         <a:srgbClr val="000000"/>
       </a:buClr>
       <a:buFont typeface="Arial"/>
-      <a:defRPr b="0" i="0" sz="1400" u="none" cap="none" strike="noStrike">
+      <a:defRPr sz="1400" b="0" i="0" u="none" strike="noStrike" cap="none">
         <a:solidFill>
           <a:srgbClr val="000000"/>
         </a:solidFill>
@@ -217,7 +217,7 @@
         <a:sym typeface="Arial"/>
       </a:defRPr>
     </a:lvl8pPr>
-    <a:lvl9pPr lvl="8" marR="0" rtl="0" algn="l">
+    <a:lvl9pPr marR="0" lvl="8" algn="l" rtl="0">
       <a:lnSpc>
         <a:spcPct val="100000"/>
       </a:lnSpc>
@@ -231,7 +231,7 @@
         <a:srgbClr val="000000"/>
       </a:buClr>
       <a:buFont typeface="Arial"/>
-      <a:defRPr b="0" i="0" sz="1400" u="none" cap="none" strike="noStrike">
+      <a:defRPr sz="1400" b="0" i="0" u="none" strike="noStrike" cap="none">
         <a:solidFill>
           <a:srgbClr val="000000"/>
         </a:solidFill>
@@ -244,18 +244,23 @@
   </p:defaultTextStyle>
   <p:extLst>
     <p:ext uri="http://customooxmlschemas.google.com/">
-      <go:slidesCustomData xmlns:go="http://customooxmlschemas.google.com/" r:id="rId7" roundtripDataSignature="AMtx7mhfW8+wTem50ia/3QbvwCIGqNbK8Q=="/>
+      <go:slidesCustomData xmlns:go="http://customooxmlschemas.google.com/" xmlns:ahyp="http://schemas.microsoft.com/office/drawing/2018/hyperlinkcolor" xmlns:p15="http://schemas.microsoft.com/office/powerpoint/2012/main" xmlns:p14="http://schemas.microsoft.com/office/powerpoint/2010/main" xmlns:com="http://schemas.openxmlformats.org/drawingml/2006/compatibility" xmlns:pvml="urn:schemas-microsoft-com:office:powerpoint" xmlns:v="urn:schemas-microsoft-com:vml" xmlns:o="urn:schemas-microsoft-com:office:office" xmlns:dgm="http://schemas.openxmlformats.org/drawingml/2006/diagram" xmlns:c="http://schemas.openxmlformats.org/drawingml/2006/chart" xmlns:mv="urn:schemas-microsoft-com:mac:vml" xmlns:mc="http://schemas.openxmlformats.org/markup-compatibility/2006" xmlns="" r:id="rId7" roundtripDataSignature="AMtx7mhfW8+wTem50ia/3QbvwCIGqNbK8Q=="/>
     </p:ext>
   </p:extLst>
 </p:presentation>
 </file>
 
 <file path=ppt/notesMasters/notesMaster1.xml><?xml version="1.0" encoding="utf-8"?>
-<p:notesMaster xmlns:a="http://schemas.openxmlformats.org/drawingml/2006/main" xmlns:r="http://schemas.openxmlformats.org/officeDocument/2006/relationships" xmlns:mc="http://schemas.openxmlformats.org/markup-compatibility/2006" xmlns:mv="urn:schemas-microsoft-com:mac:vml" xmlns:p="http://schemas.openxmlformats.org/presentationml/2006/main" xmlns:c="http://schemas.openxmlformats.org/drawingml/2006/chart" xmlns:dgm="http://schemas.openxmlformats.org/drawingml/2006/diagram" xmlns:o="urn:schemas-microsoft-com:office:office" xmlns:v="urn:schemas-microsoft-com:vml" xmlns:pvml="urn:schemas-microsoft-com:office:powerpoint" xmlns:com="http://schemas.openxmlformats.org/drawingml/2006/compatibility" xmlns:p14="http://schemas.microsoft.com/office/powerpoint/2010/main" xmlns:p15="http://schemas.microsoft.com/office/powerpoint/2012/main" xmlns:ahyp="http://schemas.microsoft.com/office/drawing/2018/hyperlinkcolor">
+<p:notesMaster xmlns:a="http://schemas.openxmlformats.org/drawingml/2006/main" xmlns:r="http://schemas.openxmlformats.org/officeDocument/2006/relationships" xmlns:p="http://schemas.openxmlformats.org/presentationml/2006/main">
   <p:cSld>
+    <p:bg>
+      <p:bgRef idx="1001">
+        <a:schemeClr val="bg1"/>
+      </p:bgRef>
+    </p:bg>
     <p:spTree>
       <p:nvGrpSpPr>
-        <p:cNvPr id="2" name="Shape 2"/>
+        <p:cNvPr id="1" name="Shape 2"/>
         <p:cNvGrpSpPr/>
         <p:nvPr/>
       </p:nvGrpSpPr>
@@ -270,9 +275,11 @@
       <p:sp>
         <p:nvSpPr>
           <p:cNvPr id="3" name="Google Shape;3;n"/>
-          <p:cNvSpPr/>
+          <p:cNvSpPr>
+            <a:spLocks noGrp="1" noRot="1" noChangeAspect="1"/>
+          </p:cNvSpPr>
           <p:nvPr>
-            <p:ph idx="2" type="sldImg"/>
+            <p:ph type="sldImg" idx="2"/>
           </p:nvPr>
         </p:nvSpPr>
         <p:spPr>
@@ -281,9 +288,13 @@
             <a:ext cx="4572225" cy="3429000"/>
           </a:xfrm>
           <a:custGeom>
-            <a:rect b="b" l="l" r="r" t="t"/>
+            <a:avLst/>
+            <a:gdLst/>
+            <a:ahLst/>
+            <a:cxnLst/>
+            <a:rect l="l" t="t" r="r" b="b"/>
             <a:pathLst>
-              <a:path extrusionOk="0" h="120000" w="120000">
+              <a:path w="120000" h="120000" extrusionOk="0">
                 <a:moveTo>
                   <a:pt x="0" y="0"/>
                 </a:moveTo>
@@ -301,23 +312,25 @@
             </a:pathLst>
           </a:custGeom>
           <a:noFill/>
-          <a:ln cap="flat" cmpd="sng" w="9525">
+          <a:ln w="9525" cap="flat" cmpd="sng">
             <a:solidFill>
               <a:srgbClr val="000000"/>
             </a:solidFill>
             <a:prstDash val="solid"/>
             <a:round/>
-            <a:headEnd len="sm" w="sm" type="none"/>
-            <a:tailEnd len="sm" w="sm" type="none"/>
+            <a:headEnd type="none" w="sm" len="sm"/>
+            <a:tailEnd type="none" w="sm" len="sm"/>
           </a:ln>
         </p:spPr>
       </p:sp>
       <p:sp>
         <p:nvSpPr>
           <p:cNvPr id="4" name="Google Shape;4;n"/>
-          <p:cNvSpPr txBox="1"/>
+          <p:cNvSpPr txBox="1">
+            <a:spLocks noGrp="1"/>
+          </p:cNvSpPr>
           <p:nvPr>
-            <p:ph idx="1" type="body"/>
+            <p:ph type="body" idx="1"/>
           </p:nvPr>
         </p:nvSpPr>
         <p:spPr>
@@ -334,11 +347,11 @@
           </a:ln>
         </p:spPr>
         <p:txBody>
-          <a:bodyPr anchorCtr="0" anchor="t" bIns="91425" lIns="91425" spcFirstLastPara="1" rIns="91425" wrap="square" tIns="91425">
+          <a:bodyPr spcFirstLastPara="1" wrap="square" lIns="91425" tIns="91425" rIns="91425" bIns="91425" anchor="t" anchorCtr="0">
             <a:noAutofit/>
           </a:bodyPr>
           <a:lstStyle>
-            <a:lvl1pPr indent="-298450" lvl="0" marL="457200" marR="0" rtl="0" algn="l">
+            <a:lvl1pPr marL="457200" marR="0" lvl="0" indent="-298450" algn="l" rtl="0">
               <a:lnSpc>
                 <a:spcPct val="100000"/>
               </a:lnSpc>
@@ -354,7 +367,7 @@
               <a:buSzPts val="1100"/>
               <a:buFont typeface="Arial"/>
               <a:buChar char="●"/>
-              <a:defRPr b="0" i="0" sz="1100" u="none" cap="none" strike="noStrike">
+              <a:defRPr sz="1100" b="0" i="0" u="none" strike="noStrike" cap="none">
                 <a:solidFill>
                   <a:srgbClr val="000000"/>
                 </a:solidFill>
@@ -364,7 +377,7 @@
                 <a:sym typeface="Arial"/>
               </a:defRPr>
             </a:lvl1pPr>
-            <a:lvl2pPr indent="-298450" lvl="1" marL="914400" marR="0" rtl="0" algn="l">
+            <a:lvl2pPr marL="914400" marR="0" lvl="1" indent="-298450" algn="l" rtl="0">
               <a:lnSpc>
                 <a:spcPct val="100000"/>
               </a:lnSpc>
@@ -380,7 +393,7 @@
               <a:buSzPts val="1100"/>
               <a:buFont typeface="Arial"/>
               <a:buChar char="○"/>
-              <a:defRPr b="0" i="0" sz="1100" u="none" cap="none" strike="noStrike">
+              <a:defRPr sz="1100" b="0" i="0" u="none" strike="noStrike" cap="none">
                 <a:solidFill>
                   <a:srgbClr val="000000"/>
                 </a:solidFill>
@@ -390,7 +403,7 @@
                 <a:sym typeface="Arial"/>
               </a:defRPr>
             </a:lvl2pPr>
-            <a:lvl3pPr indent="-298450" lvl="2" marL="1371600" marR="0" rtl="0" algn="l">
+            <a:lvl3pPr marL="1371600" marR="0" lvl="2" indent="-298450" algn="l" rtl="0">
               <a:lnSpc>
                 <a:spcPct val="100000"/>
               </a:lnSpc>
@@ -406,7 +419,7 @@
               <a:buSzPts val="1100"/>
               <a:buFont typeface="Arial"/>
               <a:buChar char="■"/>
-              <a:defRPr b="0" i="0" sz="1100" u="none" cap="none" strike="noStrike">
+              <a:defRPr sz="1100" b="0" i="0" u="none" strike="noStrike" cap="none">
                 <a:solidFill>
                   <a:srgbClr val="000000"/>
                 </a:solidFill>
@@ -416,7 +429,7 @@
                 <a:sym typeface="Arial"/>
               </a:defRPr>
             </a:lvl3pPr>
-            <a:lvl4pPr indent="-298450" lvl="3" marL="1828800" marR="0" rtl="0" algn="l">
+            <a:lvl4pPr marL="1828800" marR="0" lvl="3" indent="-298450" algn="l" rtl="0">
               <a:lnSpc>
                 <a:spcPct val="100000"/>
               </a:lnSpc>
@@ -432,7 +445,7 @@
               <a:buSzPts val="1100"/>
               <a:buFont typeface="Arial"/>
               <a:buChar char="●"/>
-              <a:defRPr b="0" i="0" sz="1100" u="none" cap="none" strike="noStrike">
+              <a:defRPr sz="1100" b="0" i="0" u="none" strike="noStrike" cap="none">
                 <a:solidFill>
                   <a:srgbClr val="000000"/>
                 </a:solidFill>
@@ -442,7 +455,7 @@
                 <a:sym typeface="Arial"/>
               </a:defRPr>
             </a:lvl4pPr>
-            <a:lvl5pPr indent="-298450" lvl="4" marL="2286000" marR="0" rtl="0" algn="l">
+            <a:lvl5pPr marL="2286000" marR="0" lvl="4" indent="-298450" algn="l" rtl="0">
               <a:lnSpc>
                 <a:spcPct val="100000"/>
               </a:lnSpc>
@@ -458,7 +471,7 @@
               <a:buSzPts val="1100"/>
               <a:buFont typeface="Arial"/>
               <a:buChar char="○"/>
-              <a:defRPr b="0" i="0" sz="1100" u="none" cap="none" strike="noStrike">
+              <a:defRPr sz="1100" b="0" i="0" u="none" strike="noStrike" cap="none">
                 <a:solidFill>
                   <a:srgbClr val="000000"/>
                 </a:solidFill>
@@ -468,7 +481,7 @@
                 <a:sym typeface="Arial"/>
               </a:defRPr>
             </a:lvl5pPr>
-            <a:lvl6pPr indent="-298450" lvl="5" marL="2743200" marR="0" rtl="0" algn="l">
+            <a:lvl6pPr marL="2743200" marR="0" lvl="5" indent="-298450" algn="l" rtl="0">
               <a:lnSpc>
                 <a:spcPct val="100000"/>
               </a:lnSpc>
@@ -484,7 +497,7 @@
               <a:buSzPts val="1100"/>
               <a:buFont typeface="Arial"/>
               <a:buChar char="■"/>
-              <a:defRPr b="0" i="0" sz="1100" u="none" cap="none" strike="noStrike">
+              <a:defRPr sz="1100" b="0" i="0" u="none" strike="noStrike" cap="none">
                 <a:solidFill>
                   <a:srgbClr val="000000"/>
                 </a:solidFill>
@@ -494,7 +507,7 @@
                 <a:sym typeface="Arial"/>
               </a:defRPr>
             </a:lvl6pPr>
-            <a:lvl7pPr indent="-298450" lvl="6" marL="3200400" marR="0" rtl="0" algn="l">
+            <a:lvl7pPr marL="3200400" marR="0" lvl="6" indent="-298450" algn="l" rtl="0">
               <a:lnSpc>
                 <a:spcPct val="100000"/>
               </a:lnSpc>
@@ -510,7 +523,7 @@
               <a:buSzPts val="1100"/>
               <a:buFont typeface="Arial"/>
               <a:buChar char="●"/>
-              <a:defRPr b="0" i="0" sz="1100" u="none" cap="none" strike="noStrike">
+              <a:defRPr sz="1100" b="0" i="0" u="none" strike="noStrike" cap="none">
                 <a:solidFill>
                   <a:srgbClr val="000000"/>
                 </a:solidFill>
@@ -520,7 +533,7 @@
                 <a:sym typeface="Arial"/>
               </a:defRPr>
             </a:lvl7pPr>
-            <a:lvl8pPr indent="-298450" lvl="7" marL="3657600" marR="0" rtl="0" algn="l">
+            <a:lvl8pPr marL="3657600" marR="0" lvl="7" indent="-298450" algn="l" rtl="0">
               <a:lnSpc>
                 <a:spcPct val="100000"/>
               </a:lnSpc>
@@ -536,7 +549,7 @@
               <a:buSzPts val="1100"/>
               <a:buFont typeface="Arial"/>
               <a:buChar char="○"/>
-              <a:defRPr b="0" i="0" sz="1100" u="none" cap="none" strike="noStrike">
+              <a:defRPr sz="1100" b="0" i="0" u="none" strike="noStrike" cap="none">
                 <a:solidFill>
                   <a:srgbClr val="000000"/>
                 </a:solidFill>
@@ -546,7 +559,7 @@
                 <a:sym typeface="Arial"/>
               </a:defRPr>
             </a:lvl8pPr>
-            <a:lvl9pPr indent="-298450" lvl="8" marL="4114800" marR="0" rtl="0" algn="l">
+            <a:lvl9pPr marL="4114800" marR="0" lvl="8" indent="-298450" algn="l" rtl="0">
               <a:lnSpc>
                 <a:spcPct val="100000"/>
               </a:lnSpc>
@@ -562,7 +575,7 @@
               <a:buSzPts val="1100"/>
               <a:buFont typeface="Arial"/>
               <a:buChar char="■"/>
-              <a:defRPr b="0" i="0" sz="1100" u="none" cap="none" strike="noStrike">
+              <a:defRPr sz="1100" b="0" i="0" u="none" strike="noStrike" cap="none">
                 <a:solidFill>
                   <a:srgbClr val="000000"/>
                 </a:solidFill>
@@ -573,14 +586,16 @@
               </a:defRPr>
             </a:lvl9pPr>
           </a:lstStyle>
-          <a:p/>
+          <a:p>
+            <a:endParaRPr/>
+          </a:p>
         </p:txBody>
       </p:sp>
     </p:spTree>
   </p:cSld>
-  <p:clrMap accent1="accent1" accent2="accent2" accent3="accent3" accent4="accent4" accent5="accent5" accent6="accent6" bg1="lt1" bg2="dk2" tx1="dk1" tx2="lt2" folHlink="folHlink" hlink="hlink"/>
+  <p:clrMap bg1="lt1" tx1="dk1" bg2="dk2" tx2="lt2" accent1="accent1" accent2="accent2" accent3="accent3" accent4="accent4" accent5="accent5" accent6="accent6" hlink="hlink" folHlink="folHlink"/>
   <p:notesStyle>
-    <a:defPPr lvl="0" marR="0" rtl="0" algn="l">
+    <a:defPPr marR="0" lvl="0" algn="l" rtl="0">
       <a:lnSpc>
         <a:spcPct val="100000"/>
       </a:lnSpc>
@@ -591,7 +606,7 @@
         <a:spcPts val="0"/>
       </a:spcAft>
     </a:defPPr>
-    <a:lvl1pPr lvl="0" marR="0" rtl="0" algn="l">
+    <a:lvl1pPr marR="0" lvl="0" algn="l" rtl="0">
       <a:lnSpc>
         <a:spcPct val="100000"/>
       </a:lnSpc>
@@ -605,7 +620,7 @@
         <a:srgbClr val="000000"/>
       </a:buClr>
       <a:buFont typeface="Arial"/>
-      <a:defRPr b="0" i="0" sz="1400" u="none" cap="none" strike="noStrike">
+      <a:defRPr sz="1400" b="0" i="0" u="none" strike="noStrike" cap="none">
         <a:solidFill>
           <a:srgbClr val="000000"/>
         </a:solidFill>
@@ -615,7 +630,7 @@
         <a:sym typeface="Arial"/>
       </a:defRPr>
     </a:lvl1pPr>
-    <a:lvl2pPr lvl="1" marR="0" rtl="0" algn="l">
+    <a:lvl2pPr marR="0" lvl="1" algn="l" rtl="0">
       <a:lnSpc>
         <a:spcPct val="100000"/>
       </a:lnSpc>
@@ -629,7 +644,7 @@
         <a:srgbClr val="000000"/>
       </a:buClr>
       <a:buFont typeface="Arial"/>
-      <a:defRPr b="0" i="0" sz="1400" u="none" cap="none" strike="noStrike">
+      <a:defRPr sz="1400" b="0" i="0" u="none" strike="noStrike" cap="none">
         <a:solidFill>
           <a:srgbClr val="000000"/>
         </a:solidFill>
@@ -639,7 +654,7 @@
         <a:sym typeface="Arial"/>
       </a:defRPr>
     </a:lvl2pPr>
-    <a:lvl3pPr lvl="2" marR="0" rtl="0" algn="l">
+    <a:lvl3pPr marR="0" lvl="2" algn="l" rtl="0">
       <a:lnSpc>
         <a:spcPct val="100000"/>
       </a:lnSpc>
@@ -653,7 +668,7 @@
         <a:srgbClr val="000000"/>
       </a:buClr>
       <a:buFont typeface="Arial"/>
-      <a:defRPr b="0" i="0" sz="1400" u="none" cap="none" strike="noStrike">
+      <a:defRPr sz="1400" b="0" i="0" u="none" strike="noStrike" cap="none">
         <a:solidFill>
           <a:srgbClr val="000000"/>
         </a:solidFill>
@@ -663,7 +678,7 @@
         <a:sym typeface="Arial"/>
       </a:defRPr>
     </a:lvl3pPr>
-    <a:lvl4pPr lvl="3" marR="0" rtl="0" algn="l">
+    <a:lvl4pPr marR="0" lvl="3" algn="l" rtl="0">
       <a:lnSpc>
         <a:spcPct val="100000"/>
       </a:lnSpc>
@@ -677,7 +692,7 @@
         <a:srgbClr val="000000"/>
       </a:buClr>
       <a:buFont typeface="Arial"/>
-      <a:defRPr b="0" i="0" sz="1400" u="none" cap="none" strike="noStrike">
+      <a:defRPr sz="1400" b="0" i="0" u="none" strike="noStrike" cap="none">
         <a:solidFill>
           <a:srgbClr val="000000"/>
         </a:solidFill>
@@ -687,7 +702,7 @@
         <a:sym typeface="Arial"/>
       </a:defRPr>
     </a:lvl4pPr>
-    <a:lvl5pPr lvl="4" marR="0" rtl="0" algn="l">
+    <a:lvl5pPr marR="0" lvl="4" algn="l" rtl="0">
       <a:lnSpc>
         <a:spcPct val="100000"/>
       </a:lnSpc>
@@ -701,7 +716,7 @@
         <a:srgbClr val="000000"/>
       </a:buClr>
       <a:buFont typeface="Arial"/>
-      <a:defRPr b="0" i="0" sz="1400" u="none" cap="none" strike="noStrike">
+      <a:defRPr sz="1400" b="0" i="0" u="none" strike="noStrike" cap="none">
         <a:solidFill>
           <a:srgbClr val="000000"/>
         </a:solidFill>
@@ -711,7 +726,7 @@
         <a:sym typeface="Arial"/>
       </a:defRPr>
     </a:lvl5pPr>
-    <a:lvl6pPr lvl="5" marR="0" rtl="0" algn="l">
+    <a:lvl6pPr marR="0" lvl="5" algn="l" rtl="0">
       <a:lnSpc>
         <a:spcPct val="100000"/>
       </a:lnSpc>
@@ -725,7 +740,7 @@
         <a:srgbClr val="000000"/>
       </a:buClr>
       <a:buFont typeface="Arial"/>
-      <a:defRPr b="0" i="0" sz="1400" u="none" cap="none" strike="noStrike">
+      <a:defRPr sz="1400" b="0" i="0" u="none" strike="noStrike" cap="none">
         <a:solidFill>
           <a:srgbClr val="000000"/>
         </a:solidFill>
@@ -735,7 +750,7 @@
         <a:sym typeface="Arial"/>
       </a:defRPr>
     </a:lvl6pPr>
-    <a:lvl7pPr lvl="6" marR="0" rtl="0" algn="l">
+    <a:lvl7pPr marR="0" lvl="6" algn="l" rtl="0">
       <a:lnSpc>
         <a:spcPct val="100000"/>
       </a:lnSpc>
@@ -749,7 +764,7 @@
         <a:srgbClr val="000000"/>
       </a:buClr>
       <a:buFont typeface="Arial"/>
-      <a:defRPr b="0" i="0" sz="1400" u="none" cap="none" strike="noStrike">
+      <a:defRPr sz="1400" b="0" i="0" u="none" strike="noStrike" cap="none">
         <a:solidFill>
           <a:srgbClr val="000000"/>
         </a:solidFill>
@@ -759,7 +774,7 @@
         <a:sym typeface="Arial"/>
       </a:defRPr>
     </a:lvl7pPr>
-    <a:lvl8pPr lvl="7" marR="0" rtl="0" algn="l">
+    <a:lvl8pPr marR="0" lvl="7" algn="l" rtl="0">
       <a:lnSpc>
         <a:spcPct val="100000"/>
       </a:lnSpc>
@@ -773,7 +788,7 @@
         <a:srgbClr val="000000"/>
       </a:buClr>
       <a:buFont typeface="Arial"/>
-      <a:defRPr b="0" i="0" sz="1400" u="none" cap="none" strike="noStrike">
+      <a:defRPr sz="1400" b="0" i="0" u="none" strike="noStrike" cap="none">
         <a:solidFill>
           <a:srgbClr val="000000"/>
         </a:solidFill>
@@ -783,7 +798,7 @@
         <a:sym typeface="Arial"/>
       </a:defRPr>
     </a:lvl8pPr>
-    <a:lvl9pPr lvl="8" marR="0" rtl="0" algn="l">
+    <a:lvl9pPr marR="0" lvl="8" algn="l" rtl="0">
       <a:lnSpc>
         <a:spcPct val="100000"/>
       </a:lnSpc>
@@ -797,7 +812,7 @@
         <a:srgbClr val="000000"/>
       </a:buClr>
       <a:buFont typeface="Arial"/>
-      <a:defRPr b="0" i="0" sz="1400" u="none" cap="none" strike="noStrike">
+      <a:defRPr sz="1400" b="0" i="0" u="none" strike="noStrike" cap="none">
         <a:solidFill>
           <a:srgbClr val="000000"/>
         </a:solidFill>
@@ -812,11 +827,11 @@
 </file>
 
 <file path=ppt/notesSlides/notesSlide1.xml><?xml version="1.0" encoding="utf-8"?>
-<p:notes xmlns:a="http://schemas.openxmlformats.org/drawingml/2006/main" xmlns:r="http://schemas.openxmlformats.org/officeDocument/2006/relationships" xmlns:mc="http://schemas.openxmlformats.org/markup-compatibility/2006" xmlns:mv="urn:schemas-microsoft-com:mac:vml" xmlns:p="http://schemas.openxmlformats.org/presentationml/2006/main" xmlns:c="http://schemas.openxmlformats.org/drawingml/2006/chart" xmlns:dgm="http://schemas.openxmlformats.org/drawingml/2006/diagram" xmlns:o="urn:schemas-microsoft-com:office:office" xmlns:v="urn:schemas-microsoft-com:vml" xmlns:pvml="urn:schemas-microsoft-com:office:powerpoint" xmlns:com="http://schemas.openxmlformats.org/drawingml/2006/compatibility" xmlns:p14="http://schemas.microsoft.com/office/powerpoint/2010/main" xmlns:p15="http://schemas.microsoft.com/office/powerpoint/2012/main" xmlns:ahyp="http://schemas.microsoft.com/office/drawing/2018/hyperlinkcolor" showMasterPhAnim="0" showMasterSp="0">
+<p:notes xmlns:a="http://schemas.openxmlformats.org/drawingml/2006/main" xmlns:r="http://schemas.openxmlformats.org/officeDocument/2006/relationships" xmlns:p="http://schemas.openxmlformats.org/presentationml/2006/main" showMasterSp="0" showMasterPhAnim="0">
   <p:cSld>
     <p:spTree>
       <p:nvGrpSpPr>
-        <p:cNvPr id="80" name="Shape 80"/>
+        <p:cNvPr id="1" name="Shape 80"/>
         <p:cNvGrpSpPr/>
         <p:nvPr/>
       </p:nvGrpSpPr>
@@ -831,9 +846,11 @@
       <p:sp>
         <p:nvSpPr>
           <p:cNvPr id="81" name="Google Shape;81;p1:notes"/>
-          <p:cNvSpPr txBox="1"/>
+          <p:cNvSpPr txBox="1">
+            <a:spLocks noGrp="1"/>
+          </p:cNvSpPr>
           <p:nvPr>
-            <p:ph idx="1" type="body"/>
+            <p:ph type="body" idx="1"/>
           </p:nvPr>
         </p:nvSpPr>
         <p:spPr>
@@ -850,12 +867,12 @@
           </a:ln>
         </p:spPr>
         <p:txBody>
-          <a:bodyPr anchorCtr="0" anchor="t" bIns="91425" lIns="91425" spcFirstLastPara="1" rIns="91425" wrap="square" tIns="91425">
+          <a:bodyPr spcFirstLastPara="1" wrap="square" lIns="91425" tIns="91425" rIns="91425" bIns="91425" anchor="t" anchorCtr="0">
             <a:noAutofit/>
           </a:bodyPr>
           <a:lstStyle/>
           <a:p>
-            <a:pPr indent="0" lvl="0" marL="0" rtl="0" algn="l">
+            <a:pPr marL="0" lvl="0" indent="0" algn="l" rtl="0">
               <a:lnSpc>
                 <a:spcPct val="100000"/>
               </a:lnSpc>
@@ -868,9 +885,6 @@
               <a:buSzPts val="1100"/>
               <a:buNone/>
             </a:pPr>
-            <a:r>
-              <a:t/>
-            </a:r>
             <a:endParaRPr/>
           </a:p>
         </p:txBody>
@@ -878,9 +892,11 @@
       <p:sp>
         <p:nvSpPr>
           <p:cNvPr id="82" name="Google Shape;82;p1:notes"/>
-          <p:cNvSpPr/>
+          <p:cNvSpPr>
+            <a:spLocks noGrp="1" noRot="1" noChangeAspect="1"/>
+          </p:cNvSpPr>
           <p:nvPr>
-            <p:ph idx="2" type="sldImg"/>
+            <p:ph type="sldImg" idx="2"/>
           </p:nvPr>
         </p:nvSpPr>
         <p:spPr>
@@ -889,9 +905,13 @@
             <a:ext cx="4572225" cy="3429000"/>
           </a:xfrm>
           <a:custGeom>
-            <a:rect b="b" l="l" r="r" t="t"/>
+            <a:avLst/>
+            <a:gdLst/>
+            <a:ahLst/>
+            <a:cxnLst/>
+            <a:rect l="l" t="t" r="r" b="b"/>
             <a:pathLst>
-              <a:path extrusionOk="0" h="120000" w="120000">
+              <a:path w="120000" h="120000" extrusionOk="0">
                 <a:moveTo>
                   <a:pt x="0" y="0"/>
                 </a:moveTo>
@@ -909,14 +929,14 @@
             </a:pathLst>
           </a:custGeom>
           <a:noFill/>
-          <a:ln cap="flat" cmpd="sng" w="9525">
+          <a:ln w="9525" cap="flat" cmpd="sng">
             <a:solidFill>
               <a:srgbClr val="000000"/>
             </a:solidFill>
             <a:prstDash val="solid"/>
             <a:round/>
-            <a:headEnd len="sm" w="sm" type="none"/>
-            <a:tailEnd len="sm" w="sm" type="none"/>
+            <a:headEnd type="none" w="sm" len="sm"/>
+            <a:tailEnd type="none" w="sm" len="sm"/>
           </a:ln>
         </p:spPr>
       </p:sp>
@@ -929,11 +949,11 @@
 </file>
 
 <file path=ppt/notesSlides/notesSlide2.xml><?xml version="1.0" encoding="utf-8"?>
-<p:notes xmlns:a="http://schemas.openxmlformats.org/drawingml/2006/main" xmlns:r="http://schemas.openxmlformats.org/officeDocument/2006/relationships" xmlns:mc="http://schemas.openxmlformats.org/markup-compatibility/2006" xmlns:mv="urn:schemas-microsoft-com:mac:vml" xmlns:p="http://schemas.openxmlformats.org/presentationml/2006/main" xmlns:c="http://schemas.openxmlformats.org/drawingml/2006/chart" xmlns:dgm="http://schemas.openxmlformats.org/drawingml/2006/diagram" xmlns:o="urn:schemas-microsoft-com:office:office" xmlns:v="urn:schemas-microsoft-com:vml" xmlns:pvml="urn:schemas-microsoft-com:office:powerpoint" xmlns:com="http://schemas.openxmlformats.org/drawingml/2006/compatibility" xmlns:p14="http://schemas.microsoft.com/office/powerpoint/2010/main" xmlns:p15="http://schemas.microsoft.com/office/powerpoint/2012/main" xmlns:ahyp="http://schemas.microsoft.com/office/drawing/2018/hyperlinkcolor" showMasterPhAnim="0" showMasterSp="0">
+<p:notes xmlns:a="http://schemas.openxmlformats.org/drawingml/2006/main" xmlns:r="http://schemas.openxmlformats.org/officeDocument/2006/relationships" xmlns:p="http://schemas.openxmlformats.org/presentationml/2006/main" showMasterSp="0" showMasterPhAnim="0">
   <p:cSld>
     <p:spTree>
       <p:nvGrpSpPr>
-        <p:cNvPr id="116" name="Shape 116"/>
+        <p:cNvPr id="1" name="Shape 116"/>
         <p:cNvGrpSpPr/>
         <p:nvPr/>
       </p:nvGrpSpPr>
@@ -948,9 +968,11 @@
       <p:sp>
         <p:nvSpPr>
           <p:cNvPr id="117" name="Google Shape;117;p2:notes"/>
-          <p:cNvSpPr txBox="1"/>
+          <p:cNvSpPr txBox="1">
+            <a:spLocks noGrp="1"/>
+          </p:cNvSpPr>
           <p:nvPr>
-            <p:ph idx="1" type="body"/>
+            <p:ph type="body" idx="1"/>
           </p:nvPr>
         </p:nvSpPr>
         <p:spPr>
@@ -967,12 +989,12 @@
           </a:ln>
         </p:spPr>
         <p:txBody>
-          <a:bodyPr anchorCtr="0" anchor="t" bIns="91425" lIns="91425" spcFirstLastPara="1" rIns="91425" wrap="square" tIns="91425">
+          <a:bodyPr spcFirstLastPara="1" wrap="square" lIns="91425" tIns="91425" rIns="91425" bIns="91425" anchor="t" anchorCtr="0">
             <a:noAutofit/>
           </a:bodyPr>
           <a:lstStyle/>
           <a:p>
-            <a:pPr indent="0" lvl="0" marL="0" rtl="0" algn="l">
+            <a:pPr marL="0" lvl="0" indent="0" algn="l" rtl="0">
               <a:lnSpc>
                 <a:spcPct val="100000"/>
               </a:lnSpc>
@@ -985,9 +1007,6 @@
               <a:buSzPts val="1100"/>
               <a:buNone/>
             </a:pPr>
-            <a:r>
-              <a:t/>
-            </a:r>
             <a:endParaRPr/>
           </a:p>
         </p:txBody>
@@ -995,20 +1014,26 @@
       <p:sp>
         <p:nvSpPr>
           <p:cNvPr id="118" name="Google Shape;118;p2:notes"/>
-          <p:cNvSpPr/>
+          <p:cNvSpPr>
+            <a:spLocks noGrp="1" noRot="1" noChangeAspect="1"/>
+          </p:cNvSpPr>
           <p:nvPr>
-            <p:ph idx="2" type="sldImg"/>
+            <p:ph type="sldImg" idx="2"/>
           </p:nvPr>
         </p:nvSpPr>
         <p:spPr>
           <a:xfrm>
-            <a:off x="1143225" y="685800"/>
-            <a:ext cx="4572225" cy="3429000"/>
+            <a:off x="952500" y="685800"/>
+            <a:ext cx="4953000" cy="3429000"/>
           </a:xfrm>
           <a:custGeom>
-            <a:rect b="b" l="l" r="r" t="t"/>
+            <a:avLst/>
+            <a:gdLst/>
+            <a:ahLst/>
+            <a:cxnLst/>
+            <a:rect l="l" t="t" r="r" b="b"/>
             <a:pathLst>
-              <a:path extrusionOk="0" h="120000" w="120000">
+              <a:path w="120000" h="120000" extrusionOk="0">
                 <a:moveTo>
                   <a:pt x="0" y="0"/>
                 </a:moveTo>
@@ -1026,14 +1051,14 @@
             </a:pathLst>
           </a:custGeom>
           <a:noFill/>
-          <a:ln cap="flat" cmpd="sng" w="9525">
+          <a:ln w="9525" cap="flat" cmpd="sng">
             <a:solidFill>
               <a:srgbClr val="000000"/>
             </a:solidFill>
             <a:prstDash val="solid"/>
             <a:round/>
-            <a:headEnd len="sm" w="sm" type="none"/>
-            <a:tailEnd len="sm" w="sm" type="none"/>
+            <a:headEnd type="none" w="sm" len="sm"/>
+            <a:tailEnd type="none" w="sm" len="sm"/>
           </a:ln>
         </p:spPr>
       </p:sp>
@@ -1046,11 +1071,11 @@
 </file>
 
 <file path=ppt/slideLayouts/slideLayout1.xml><?xml version="1.0" encoding="utf-8"?>
-<p:sldLayout xmlns:a="http://schemas.openxmlformats.org/drawingml/2006/main" xmlns:r="http://schemas.openxmlformats.org/officeDocument/2006/relationships" xmlns:mc="http://schemas.openxmlformats.org/markup-compatibility/2006" xmlns:mv="urn:schemas-microsoft-com:mac:vml" xmlns:p="http://schemas.openxmlformats.org/presentationml/2006/main" xmlns:c="http://schemas.openxmlformats.org/drawingml/2006/chart" xmlns:dgm="http://schemas.openxmlformats.org/drawingml/2006/diagram" xmlns:o="urn:schemas-microsoft-com:office:office" xmlns:v="urn:schemas-microsoft-com:vml" xmlns:pvml="urn:schemas-microsoft-com:office:powerpoint" xmlns:com="http://schemas.openxmlformats.org/drawingml/2006/compatibility" xmlns:p14="http://schemas.microsoft.com/office/powerpoint/2010/main" xmlns:p15="http://schemas.microsoft.com/office/powerpoint/2012/main" xmlns:ahyp="http://schemas.microsoft.com/office/drawing/2018/hyperlinkcolor" matchingName="Blank" type="blank">
+<p:sldLayout xmlns:a="http://schemas.openxmlformats.org/drawingml/2006/main" xmlns:r="http://schemas.openxmlformats.org/officeDocument/2006/relationships" xmlns:p="http://schemas.openxmlformats.org/presentationml/2006/main" matchingName="Blank" type="blank">
   <p:cSld name="BLANK">
     <p:spTree>
       <p:nvGrpSpPr>
-        <p:cNvPr id="11" name="Shape 11"/>
+        <p:cNvPr id="1" name="Shape 11"/>
         <p:cNvGrpSpPr/>
         <p:nvPr/>
       </p:nvGrpSpPr>
@@ -1065,9 +1090,11 @@
       <p:sp>
         <p:nvSpPr>
           <p:cNvPr id="12" name="Google Shape;12;p4"/>
-          <p:cNvSpPr txBox="1"/>
+          <p:cNvSpPr txBox="1">
+            <a:spLocks noGrp="1"/>
+          </p:cNvSpPr>
           <p:nvPr>
-            <p:ph idx="10" type="dt"/>
+            <p:ph type="dt" idx="10"/>
           </p:nvPr>
         </p:nvSpPr>
         <p:spPr>
@@ -1084,7 +1111,7 @@
           </a:ln>
         </p:spPr>
         <p:txBody>
-          <a:bodyPr anchorCtr="0" anchor="ctr" bIns="45700" lIns="91425" spcFirstLastPara="1" rIns="91425" wrap="square" tIns="45700">
+          <a:bodyPr spcFirstLastPara="1" wrap="square" lIns="91425" tIns="45700" rIns="91425" bIns="45700" anchor="ctr" anchorCtr="0">
             <a:noAutofit/>
           </a:bodyPr>
           <a:lstStyle>
@@ -1215,15 +1242,19 @@
               <a:defRPr/>
             </a:lvl9pPr>
           </a:lstStyle>
-          <a:p/>
+          <a:p>
+            <a:endParaRPr/>
+          </a:p>
         </p:txBody>
       </p:sp>
       <p:sp>
         <p:nvSpPr>
           <p:cNvPr id="13" name="Google Shape;13;p4"/>
-          <p:cNvSpPr txBox="1"/>
+          <p:cNvSpPr txBox="1">
+            <a:spLocks noGrp="1"/>
+          </p:cNvSpPr>
           <p:nvPr>
-            <p:ph idx="11" type="ftr"/>
+            <p:ph type="ftr" idx="11"/>
           </p:nvPr>
         </p:nvSpPr>
         <p:spPr>
@@ -1240,7 +1271,7 @@
           </a:ln>
         </p:spPr>
         <p:txBody>
-          <a:bodyPr anchorCtr="0" anchor="ctr" bIns="45700" lIns="91425" spcFirstLastPara="1" rIns="91425" wrap="square" tIns="45700">
+          <a:bodyPr spcFirstLastPara="1" wrap="square" lIns="91425" tIns="45700" rIns="91425" bIns="45700" anchor="ctr" anchorCtr="0">
             <a:noAutofit/>
           </a:bodyPr>
           <a:lstStyle>
@@ -1371,15 +1402,19 @@
               <a:defRPr/>
             </a:lvl9pPr>
           </a:lstStyle>
-          <a:p/>
+          <a:p>
+            <a:endParaRPr/>
+          </a:p>
         </p:txBody>
       </p:sp>
       <p:sp>
         <p:nvSpPr>
           <p:cNvPr id="14" name="Google Shape;14;p4"/>
-          <p:cNvSpPr txBox="1"/>
+          <p:cNvSpPr txBox="1">
+            <a:spLocks noGrp="1"/>
+          </p:cNvSpPr>
           <p:nvPr>
-            <p:ph idx="12" type="sldNum"/>
+            <p:ph type="sldNum" idx="12"/>
           </p:nvPr>
         </p:nvSpPr>
         <p:spPr>
@@ -1396,11 +1431,11 @@
           </a:ln>
         </p:spPr>
         <p:txBody>
-          <a:bodyPr anchorCtr="0" anchor="ctr" bIns="45700" lIns="91425" spcFirstLastPara="1" rIns="91425" wrap="square" tIns="45700">
+          <a:bodyPr spcFirstLastPara="1" wrap="square" lIns="91425" tIns="45700" rIns="91425" bIns="45700" anchor="ctr" anchorCtr="0">
             <a:noAutofit/>
           </a:bodyPr>
           <a:lstStyle>
-            <a:lvl1pPr indent="0" lvl="0" marL="0" marR="0" algn="r">
+            <a:lvl1pPr marL="0" marR="0" lvl="0" indent="0" algn="r">
               <a:lnSpc>
                 <a:spcPct val="100000"/>
               </a:lnSpc>
@@ -1416,7 +1451,7 @@
               <a:buSzPts val="1200"/>
               <a:buFont typeface="Arial"/>
               <a:buNone/>
-              <a:defRPr b="0" i="0" sz="1200" u="none" cap="none" strike="noStrike">
+              <a:defRPr sz="1200" b="0" i="0" u="none" strike="noStrike" cap="none">
                 <a:solidFill>
                   <a:srgbClr val="888888"/>
                 </a:solidFill>
@@ -1426,7 +1461,7 @@
                 <a:sym typeface="Calibri"/>
               </a:defRPr>
             </a:lvl1pPr>
-            <a:lvl2pPr indent="0" lvl="1" marL="0" marR="0" algn="r">
+            <a:lvl2pPr marL="0" marR="0" lvl="1" indent="0" algn="r">
               <a:lnSpc>
                 <a:spcPct val="100000"/>
               </a:lnSpc>
@@ -1442,7 +1477,7 @@
               <a:buSzPts val="1200"/>
               <a:buFont typeface="Arial"/>
               <a:buNone/>
-              <a:defRPr b="0" i="0" sz="1200" u="none" cap="none" strike="noStrike">
+              <a:defRPr sz="1200" b="0" i="0" u="none" strike="noStrike" cap="none">
                 <a:solidFill>
                   <a:srgbClr val="888888"/>
                 </a:solidFill>
@@ -1452,7 +1487,7 @@
                 <a:sym typeface="Calibri"/>
               </a:defRPr>
             </a:lvl2pPr>
-            <a:lvl3pPr indent="0" lvl="2" marL="0" marR="0" algn="r">
+            <a:lvl3pPr marL="0" marR="0" lvl="2" indent="0" algn="r">
               <a:lnSpc>
                 <a:spcPct val="100000"/>
               </a:lnSpc>
@@ -1468,7 +1503,7 @@
               <a:buSzPts val="1200"/>
               <a:buFont typeface="Arial"/>
               <a:buNone/>
-              <a:defRPr b="0" i="0" sz="1200" u="none" cap="none" strike="noStrike">
+              <a:defRPr sz="1200" b="0" i="0" u="none" strike="noStrike" cap="none">
                 <a:solidFill>
                   <a:srgbClr val="888888"/>
                 </a:solidFill>
@@ -1478,7 +1513,7 @@
                 <a:sym typeface="Calibri"/>
               </a:defRPr>
             </a:lvl3pPr>
-            <a:lvl4pPr indent="0" lvl="3" marL="0" marR="0" algn="r">
+            <a:lvl4pPr marL="0" marR="0" lvl="3" indent="0" algn="r">
               <a:lnSpc>
                 <a:spcPct val="100000"/>
               </a:lnSpc>
@@ -1494,7 +1529,7 @@
               <a:buSzPts val="1200"/>
               <a:buFont typeface="Arial"/>
               <a:buNone/>
-              <a:defRPr b="0" i="0" sz="1200" u="none" cap="none" strike="noStrike">
+              <a:defRPr sz="1200" b="0" i="0" u="none" strike="noStrike" cap="none">
                 <a:solidFill>
                   <a:srgbClr val="888888"/>
                 </a:solidFill>
@@ -1504,7 +1539,7 @@
                 <a:sym typeface="Calibri"/>
               </a:defRPr>
             </a:lvl4pPr>
-            <a:lvl5pPr indent="0" lvl="4" marL="0" marR="0" algn="r">
+            <a:lvl5pPr marL="0" marR="0" lvl="4" indent="0" algn="r">
               <a:lnSpc>
                 <a:spcPct val="100000"/>
               </a:lnSpc>
@@ -1520,7 +1555,7 @@
               <a:buSzPts val="1200"/>
               <a:buFont typeface="Arial"/>
               <a:buNone/>
-              <a:defRPr b="0" i="0" sz="1200" u="none" cap="none" strike="noStrike">
+              <a:defRPr sz="1200" b="0" i="0" u="none" strike="noStrike" cap="none">
                 <a:solidFill>
                   <a:srgbClr val="888888"/>
                 </a:solidFill>
@@ -1530,7 +1565,7 @@
                 <a:sym typeface="Calibri"/>
               </a:defRPr>
             </a:lvl5pPr>
-            <a:lvl6pPr indent="0" lvl="5" marL="0" marR="0" algn="r">
+            <a:lvl6pPr marL="0" marR="0" lvl="5" indent="0" algn="r">
               <a:lnSpc>
                 <a:spcPct val="100000"/>
               </a:lnSpc>
@@ -1546,7 +1581,7 @@
               <a:buSzPts val="1200"/>
               <a:buFont typeface="Arial"/>
               <a:buNone/>
-              <a:defRPr b="0" i="0" sz="1200" u="none" cap="none" strike="noStrike">
+              <a:defRPr sz="1200" b="0" i="0" u="none" strike="noStrike" cap="none">
                 <a:solidFill>
                   <a:srgbClr val="888888"/>
                 </a:solidFill>
@@ -1556,7 +1591,7 @@
                 <a:sym typeface="Calibri"/>
               </a:defRPr>
             </a:lvl6pPr>
-            <a:lvl7pPr indent="0" lvl="6" marL="0" marR="0" algn="r">
+            <a:lvl7pPr marL="0" marR="0" lvl="6" indent="0" algn="r">
               <a:lnSpc>
                 <a:spcPct val="100000"/>
               </a:lnSpc>
@@ -1572,7 +1607,7 @@
               <a:buSzPts val="1200"/>
               <a:buFont typeface="Arial"/>
               <a:buNone/>
-              <a:defRPr b="0" i="0" sz="1200" u="none" cap="none" strike="noStrike">
+              <a:defRPr sz="1200" b="0" i="0" u="none" strike="noStrike" cap="none">
                 <a:solidFill>
                   <a:srgbClr val="888888"/>
                 </a:solidFill>
@@ -1582,7 +1617,7 @@
                 <a:sym typeface="Calibri"/>
               </a:defRPr>
             </a:lvl7pPr>
-            <a:lvl8pPr indent="0" lvl="7" marL="0" marR="0" algn="r">
+            <a:lvl8pPr marL="0" marR="0" lvl="7" indent="0" algn="r">
               <a:lnSpc>
                 <a:spcPct val="100000"/>
               </a:lnSpc>
@@ -1598,7 +1633,7 @@
               <a:buSzPts val="1200"/>
               <a:buFont typeface="Arial"/>
               <a:buNone/>
-              <a:defRPr b="0" i="0" sz="1200" u="none" cap="none" strike="noStrike">
+              <a:defRPr sz="1200" b="0" i="0" u="none" strike="noStrike" cap="none">
                 <a:solidFill>
                   <a:srgbClr val="888888"/>
                 </a:solidFill>
@@ -1608,7 +1643,7 @@
                 <a:sym typeface="Calibri"/>
               </a:defRPr>
             </a:lvl8pPr>
-            <a:lvl9pPr indent="0" lvl="8" marL="0" marR="0" algn="r">
+            <a:lvl9pPr marL="0" marR="0" lvl="8" indent="0" algn="r">
               <a:lnSpc>
                 <a:spcPct val="100000"/>
               </a:lnSpc>
@@ -1624,7 +1659,7 @@
               <a:buSzPts val="1200"/>
               <a:buFont typeface="Arial"/>
               <a:buNone/>
-              <a:defRPr b="0" i="0" sz="1200" u="none" cap="none" strike="noStrike">
+              <a:defRPr sz="1200" b="0" i="0" u="none" strike="noStrike" cap="none">
                 <a:solidFill>
                   <a:srgbClr val="888888"/>
                 </a:solidFill>
@@ -1636,7 +1671,7 @@
             </a:lvl9pPr>
           </a:lstStyle>
           <a:p>
-            <a:pPr indent="0" lvl="0" marL="0" rtl="0" algn="r">
+            <a:pPr marL="0" lvl="0" indent="0" algn="r" rtl="0">
               <a:spcBef>
                 <a:spcPts val="0"/>
               </a:spcBef>
@@ -1662,11 +1697,11 @@
 </file>
 
 <file path=ppt/slideLayouts/slideLayout10.xml><?xml version="1.0" encoding="utf-8"?>
-<p:sldLayout xmlns:a="http://schemas.openxmlformats.org/drawingml/2006/main" xmlns:r="http://schemas.openxmlformats.org/officeDocument/2006/relationships" xmlns:mc="http://schemas.openxmlformats.org/markup-compatibility/2006" xmlns:mv="urn:schemas-microsoft-com:mac:vml" xmlns:p="http://schemas.openxmlformats.org/presentationml/2006/main" xmlns:c="http://schemas.openxmlformats.org/drawingml/2006/chart" xmlns:dgm="http://schemas.openxmlformats.org/drawingml/2006/diagram" xmlns:o="urn:schemas-microsoft-com:office:office" xmlns:v="urn:schemas-microsoft-com:vml" xmlns:pvml="urn:schemas-microsoft-com:office:powerpoint" xmlns:com="http://schemas.openxmlformats.org/drawingml/2006/compatibility" xmlns:p14="http://schemas.microsoft.com/office/powerpoint/2010/main" xmlns:p15="http://schemas.microsoft.com/office/powerpoint/2012/main" xmlns:ahyp="http://schemas.microsoft.com/office/drawing/2018/hyperlinkcolor" matchingName="Title and Vertical Text" type="vertTx">
+<p:sldLayout xmlns:a="http://schemas.openxmlformats.org/drawingml/2006/main" xmlns:r="http://schemas.openxmlformats.org/officeDocument/2006/relationships" xmlns:p="http://schemas.openxmlformats.org/presentationml/2006/main" matchingName="Title and Vertical Text" type="vertTx">
   <p:cSld name="VERTICAL_TEXT">
     <p:spTree>
       <p:nvGrpSpPr>
-        <p:cNvPr id="68" name="Shape 68"/>
+        <p:cNvPr id="1" name="Shape 68"/>
         <p:cNvGrpSpPr/>
         <p:nvPr/>
       </p:nvGrpSpPr>
@@ -1681,7 +1716,9 @@
       <p:sp>
         <p:nvSpPr>
           <p:cNvPr id="69" name="Google Shape;69;p13"/>
-          <p:cNvSpPr txBox="1"/>
+          <p:cNvSpPr txBox="1">
+            <a:spLocks noGrp="1"/>
+          </p:cNvSpPr>
           <p:nvPr>
             <p:ph type="title"/>
           </p:nvPr>
@@ -1700,7 +1737,7 @@
           </a:ln>
         </p:spPr>
         <p:txBody>
-          <a:bodyPr anchorCtr="0" anchor="ctr" bIns="45700" lIns="91425" spcFirstLastPara="1" rIns="91425" wrap="square" tIns="45700">
+          <a:bodyPr spcFirstLastPara="1" wrap="square" lIns="91425" tIns="45700" rIns="91425" bIns="45700" anchor="ctr" anchorCtr="0">
             <a:normAutofit/>
           </a:bodyPr>
           <a:lstStyle>
@@ -1834,15 +1871,19 @@
               <a:defRPr/>
             </a:lvl9pPr>
           </a:lstStyle>
-          <a:p/>
+          <a:p>
+            <a:endParaRPr/>
+          </a:p>
         </p:txBody>
       </p:sp>
       <p:sp>
         <p:nvSpPr>
           <p:cNvPr id="70" name="Google Shape;70;p13"/>
-          <p:cNvSpPr txBox="1"/>
+          <p:cNvSpPr txBox="1">
+            <a:spLocks noGrp="1"/>
+          </p:cNvSpPr>
           <p:nvPr>
-            <p:ph idx="1" type="body"/>
+            <p:ph type="body" idx="1"/>
           </p:nvPr>
         </p:nvSpPr>
         <p:spPr>
@@ -1859,11 +1900,11 @@
           </a:ln>
         </p:spPr>
         <p:txBody>
-          <a:bodyPr anchorCtr="0" anchor="t" bIns="45700" lIns="91425" spcFirstLastPara="1" rIns="91425" wrap="square" tIns="45700">
+          <a:bodyPr spcFirstLastPara="1" wrap="square" lIns="91425" tIns="45700" rIns="91425" bIns="45700" anchor="t" anchorCtr="0">
             <a:normAutofit/>
           </a:bodyPr>
           <a:lstStyle>
-            <a:lvl1pPr indent="-342900" lvl="0" marL="457200" algn="l">
+            <a:lvl1pPr marL="457200" lvl="0" indent="-342900" algn="l">
               <a:lnSpc>
                 <a:spcPct val="90000"/>
               </a:lnSpc>
@@ -1880,7 +1921,7 @@
               <a:buChar char="•"/>
               <a:defRPr/>
             </a:lvl1pPr>
-            <a:lvl2pPr indent="-342900" lvl="1" marL="914400" algn="l">
+            <a:lvl2pPr marL="914400" lvl="1" indent="-342900" algn="l">
               <a:lnSpc>
                 <a:spcPct val="90000"/>
               </a:lnSpc>
@@ -1897,7 +1938,7 @@
               <a:buChar char="•"/>
               <a:defRPr/>
             </a:lvl2pPr>
-            <a:lvl3pPr indent="-342900" lvl="2" marL="1371600" algn="l">
+            <a:lvl3pPr marL="1371600" lvl="2" indent="-342900" algn="l">
               <a:lnSpc>
                 <a:spcPct val="90000"/>
               </a:lnSpc>
@@ -1914,7 +1955,7 @@
               <a:buChar char="•"/>
               <a:defRPr/>
             </a:lvl3pPr>
-            <a:lvl4pPr indent="-342900" lvl="3" marL="1828800" algn="l">
+            <a:lvl4pPr marL="1828800" lvl="3" indent="-342900" algn="l">
               <a:lnSpc>
                 <a:spcPct val="90000"/>
               </a:lnSpc>
@@ -1931,7 +1972,7 @@
               <a:buChar char="•"/>
               <a:defRPr/>
             </a:lvl4pPr>
-            <a:lvl5pPr indent="-342900" lvl="4" marL="2286000" algn="l">
+            <a:lvl5pPr marL="2286000" lvl="4" indent="-342900" algn="l">
               <a:lnSpc>
                 <a:spcPct val="90000"/>
               </a:lnSpc>
@@ -1948,7 +1989,7 @@
               <a:buChar char="•"/>
               <a:defRPr/>
             </a:lvl5pPr>
-            <a:lvl6pPr indent="-342900" lvl="5" marL="2743200" algn="l">
+            <a:lvl6pPr marL="2743200" lvl="5" indent="-342900" algn="l">
               <a:lnSpc>
                 <a:spcPct val="90000"/>
               </a:lnSpc>
@@ -1965,7 +2006,7 @@
               <a:buChar char="•"/>
               <a:defRPr/>
             </a:lvl6pPr>
-            <a:lvl7pPr indent="-342900" lvl="6" marL="3200400" algn="l">
+            <a:lvl7pPr marL="3200400" lvl="6" indent="-342900" algn="l">
               <a:lnSpc>
                 <a:spcPct val="90000"/>
               </a:lnSpc>
@@ -1982,7 +2023,7 @@
               <a:buChar char="•"/>
               <a:defRPr/>
             </a:lvl7pPr>
-            <a:lvl8pPr indent="-342900" lvl="7" marL="3657600" algn="l">
+            <a:lvl8pPr marL="3657600" lvl="7" indent="-342900" algn="l">
               <a:lnSpc>
                 <a:spcPct val="90000"/>
               </a:lnSpc>
@@ -1999,7 +2040,7 @@
               <a:buChar char="•"/>
               <a:defRPr/>
             </a:lvl8pPr>
-            <a:lvl9pPr indent="-342900" lvl="8" marL="4114800" algn="l">
+            <a:lvl9pPr marL="4114800" lvl="8" indent="-342900" algn="l">
               <a:lnSpc>
                 <a:spcPct val="90000"/>
               </a:lnSpc>
@@ -2017,15 +2058,19 @@
               <a:defRPr/>
             </a:lvl9pPr>
           </a:lstStyle>
-          <a:p/>
+          <a:p>
+            <a:endParaRPr/>
+          </a:p>
         </p:txBody>
       </p:sp>
       <p:sp>
         <p:nvSpPr>
           <p:cNvPr id="71" name="Google Shape;71;p13"/>
-          <p:cNvSpPr txBox="1"/>
+          <p:cNvSpPr txBox="1">
+            <a:spLocks noGrp="1"/>
+          </p:cNvSpPr>
           <p:nvPr>
-            <p:ph idx="10" type="dt"/>
+            <p:ph type="dt" idx="10"/>
           </p:nvPr>
         </p:nvSpPr>
         <p:spPr>
@@ -2042,7 +2087,7 @@
           </a:ln>
         </p:spPr>
         <p:txBody>
-          <a:bodyPr anchorCtr="0" anchor="ctr" bIns="45700" lIns="91425" spcFirstLastPara="1" rIns="91425" wrap="square" tIns="45700">
+          <a:bodyPr spcFirstLastPara="1" wrap="square" lIns="91425" tIns="45700" rIns="91425" bIns="45700" anchor="ctr" anchorCtr="0">
             <a:noAutofit/>
           </a:bodyPr>
           <a:lstStyle>
@@ -2173,15 +2218,19 @@
               <a:defRPr/>
             </a:lvl9pPr>
           </a:lstStyle>
-          <a:p/>
+          <a:p>
+            <a:endParaRPr/>
+          </a:p>
         </p:txBody>
       </p:sp>
       <p:sp>
         <p:nvSpPr>
           <p:cNvPr id="72" name="Google Shape;72;p13"/>
-          <p:cNvSpPr txBox="1"/>
+          <p:cNvSpPr txBox="1">
+            <a:spLocks noGrp="1"/>
+          </p:cNvSpPr>
           <p:nvPr>
-            <p:ph idx="11" type="ftr"/>
+            <p:ph type="ftr" idx="11"/>
           </p:nvPr>
         </p:nvSpPr>
         <p:spPr>
@@ -2198,7 +2247,7 @@
           </a:ln>
         </p:spPr>
         <p:txBody>
-          <a:bodyPr anchorCtr="0" anchor="ctr" bIns="45700" lIns="91425" spcFirstLastPara="1" rIns="91425" wrap="square" tIns="45700">
+          <a:bodyPr spcFirstLastPara="1" wrap="square" lIns="91425" tIns="45700" rIns="91425" bIns="45700" anchor="ctr" anchorCtr="0">
             <a:noAutofit/>
           </a:bodyPr>
           <a:lstStyle>
@@ -2329,15 +2378,19 @@
               <a:defRPr/>
             </a:lvl9pPr>
           </a:lstStyle>
-          <a:p/>
+          <a:p>
+            <a:endParaRPr/>
+          </a:p>
         </p:txBody>
       </p:sp>
       <p:sp>
         <p:nvSpPr>
           <p:cNvPr id="73" name="Google Shape;73;p13"/>
-          <p:cNvSpPr txBox="1"/>
+          <p:cNvSpPr txBox="1">
+            <a:spLocks noGrp="1"/>
+          </p:cNvSpPr>
           <p:nvPr>
-            <p:ph idx="12" type="sldNum"/>
+            <p:ph type="sldNum" idx="12"/>
           </p:nvPr>
         </p:nvSpPr>
         <p:spPr>
@@ -2354,11 +2407,11 @@
           </a:ln>
         </p:spPr>
         <p:txBody>
-          <a:bodyPr anchorCtr="0" anchor="ctr" bIns="45700" lIns="91425" spcFirstLastPara="1" rIns="91425" wrap="square" tIns="45700">
+          <a:bodyPr spcFirstLastPara="1" wrap="square" lIns="91425" tIns="45700" rIns="91425" bIns="45700" anchor="ctr" anchorCtr="0">
             <a:noAutofit/>
           </a:bodyPr>
           <a:lstStyle>
-            <a:lvl1pPr indent="0" lvl="0" marL="0" marR="0" algn="r">
+            <a:lvl1pPr marL="0" marR="0" lvl="0" indent="0" algn="r">
               <a:lnSpc>
                 <a:spcPct val="100000"/>
               </a:lnSpc>
@@ -2374,7 +2427,7 @@
               <a:buSzPts val="1200"/>
               <a:buFont typeface="Arial"/>
               <a:buNone/>
-              <a:defRPr b="0" i="0" sz="1200" u="none" cap="none" strike="noStrike">
+              <a:defRPr sz="1200" b="0" i="0" u="none" strike="noStrike" cap="none">
                 <a:solidFill>
                   <a:srgbClr val="888888"/>
                 </a:solidFill>
@@ -2384,7 +2437,7 @@
                 <a:sym typeface="Calibri"/>
               </a:defRPr>
             </a:lvl1pPr>
-            <a:lvl2pPr indent="0" lvl="1" marL="0" marR="0" algn="r">
+            <a:lvl2pPr marL="0" marR="0" lvl="1" indent="0" algn="r">
               <a:lnSpc>
                 <a:spcPct val="100000"/>
               </a:lnSpc>
@@ -2400,7 +2453,7 @@
               <a:buSzPts val="1200"/>
               <a:buFont typeface="Arial"/>
               <a:buNone/>
-              <a:defRPr b="0" i="0" sz="1200" u="none" cap="none" strike="noStrike">
+              <a:defRPr sz="1200" b="0" i="0" u="none" strike="noStrike" cap="none">
                 <a:solidFill>
                   <a:srgbClr val="888888"/>
                 </a:solidFill>
@@ -2410,7 +2463,7 @@
                 <a:sym typeface="Calibri"/>
               </a:defRPr>
             </a:lvl2pPr>
-            <a:lvl3pPr indent="0" lvl="2" marL="0" marR="0" algn="r">
+            <a:lvl3pPr marL="0" marR="0" lvl="2" indent="0" algn="r">
               <a:lnSpc>
                 <a:spcPct val="100000"/>
               </a:lnSpc>
@@ -2426,7 +2479,7 @@
               <a:buSzPts val="1200"/>
               <a:buFont typeface="Arial"/>
               <a:buNone/>
-              <a:defRPr b="0" i="0" sz="1200" u="none" cap="none" strike="noStrike">
+              <a:defRPr sz="1200" b="0" i="0" u="none" strike="noStrike" cap="none">
                 <a:solidFill>
                   <a:srgbClr val="888888"/>
                 </a:solidFill>
@@ -2436,7 +2489,7 @@
                 <a:sym typeface="Calibri"/>
               </a:defRPr>
             </a:lvl3pPr>
-            <a:lvl4pPr indent="0" lvl="3" marL="0" marR="0" algn="r">
+            <a:lvl4pPr marL="0" marR="0" lvl="3" indent="0" algn="r">
               <a:lnSpc>
                 <a:spcPct val="100000"/>
               </a:lnSpc>
@@ -2452,7 +2505,7 @@
               <a:buSzPts val="1200"/>
               <a:buFont typeface="Arial"/>
               <a:buNone/>
-              <a:defRPr b="0" i="0" sz="1200" u="none" cap="none" strike="noStrike">
+              <a:defRPr sz="1200" b="0" i="0" u="none" strike="noStrike" cap="none">
                 <a:solidFill>
                   <a:srgbClr val="888888"/>
                 </a:solidFill>
@@ -2462,7 +2515,7 @@
                 <a:sym typeface="Calibri"/>
               </a:defRPr>
             </a:lvl4pPr>
-            <a:lvl5pPr indent="0" lvl="4" marL="0" marR="0" algn="r">
+            <a:lvl5pPr marL="0" marR="0" lvl="4" indent="0" algn="r">
               <a:lnSpc>
                 <a:spcPct val="100000"/>
               </a:lnSpc>
@@ -2478,7 +2531,7 @@
               <a:buSzPts val="1200"/>
               <a:buFont typeface="Arial"/>
               <a:buNone/>
-              <a:defRPr b="0" i="0" sz="1200" u="none" cap="none" strike="noStrike">
+              <a:defRPr sz="1200" b="0" i="0" u="none" strike="noStrike" cap="none">
                 <a:solidFill>
                   <a:srgbClr val="888888"/>
                 </a:solidFill>
@@ -2488,7 +2541,7 @@
                 <a:sym typeface="Calibri"/>
               </a:defRPr>
             </a:lvl5pPr>
-            <a:lvl6pPr indent="0" lvl="5" marL="0" marR="0" algn="r">
+            <a:lvl6pPr marL="0" marR="0" lvl="5" indent="0" algn="r">
               <a:lnSpc>
                 <a:spcPct val="100000"/>
               </a:lnSpc>
@@ -2504,7 +2557,7 @@
               <a:buSzPts val="1200"/>
               <a:buFont typeface="Arial"/>
               <a:buNone/>
-              <a:defRPr b="0" i="0" sz="1200" u="none" cap="none" strike="noStrike">
+              <a:defRPr sz="1200" b="0" i="0" u="none" strike="noStrike" cap="none">
                 <a:solidFill>
                   <a:srgbClr val="888888"/>
                 </a:solidFill>
@@ -2514,7 +2567,7 @@
                 <a:sym typeface="Calibri"/>
               </a:defRPr>
             </a:lvl6pPr>
-            <a:lvl7pPr indent="0" lvl="6" marL="0" marR="0" algn="r">
+            <a:lvl7pPr marL="0" marR="0" lvl="6" indent="0" algn="r">
               <a:lnSpc>
                 <a:spcPct val="100000"/>
               </a:lnSpc>
@@ -2530,7 +2583,7 @@
               <a:buSzPts val="1200"/>
               <a:buFont typeface="Arial"/>
               <a:buNone/>
-              <a:defRPr b="0" i="0" sz="1200" u="none" cap="none" strike="noStrike">
+              <a:defRPr sz="1200" b="0" i="0" u="none" strike="noStrike" cap="none">
                 <a:solidFill>
                   <a:srgbClr val="888888"/>
                 </a:solidFill>
@@ -2540,7 +2593,7 @@
                 <a:sym typeface="Calibri"/>
               </a:defRPr>
             </a:lvl7pPr>
-            <a:lvl8pPr indent="0" lvl="7" marL="0" marR="0" algn="r">
+            <a:lvl8pPr marL="0" marR="0" lvl="7" indent="0" algn="r">
               <a:lnSpc>
                 <a:spcPct val="100000"/>
               </a:lnSpc>
@@ -2556,7 +2609,7 @@
               <a:buSzPts val="1200"/>
               <a:buFont typeface="Arial"/>
               <a:buNone/>
-              <a:defRPr b="0" i="0" sz="1200" u="none" cap="none" strike="noStrike">
+              <a:defRPr sz="1200" b="0" i="0" u="none" strike="noStrike" cap="none">
                 <a:solidFill>
                   <a:srgbClr val="888888"/>
                 </a:solidFill>
@@ -2566,7 +2619,7 @@
                 <a:sym typeface="Calibri"/>
               </a:defRPr>
             </a:lvl8pPr>
-            <a:lvl9pPr indent="0" lvl="8" marL="0" marR="0" algn="r">
+            <a:lvl9pPr marL="0" marR="0" lvl="8" indent="0" algn="r">
               <a:lnSpc>
                 <a:spcPct val="100000"/>
               </a:lnSpc>
@@ -2582,7 +2635,7 @@
               <a:buSzPts val="1200"/>
               <a:buFont typeface="Arial"/>
               <a:buNone/>
-              <a:defRPr b="0" i="0" sz="1200" u="none" cap="none" strike="noStrike">
+              <a:defRPr sz="1200" b="0" i="0" u="none" strike="noStrike" cap="none">
                 <a:solidFill>
                   <a:srgbClr val="888888"/>
                 </a:solidFill>
@@ -2594,7 +2647,7 @@
             </a:lvl9pPr>
           </a:lstStyle>
           <a:p>
-            <a:pPr indent="0" lvl="0" marL="0" rtl="0" algn="r">
+            <a:pPr marL="0" lvl="0" indent="0" algn="r" rtl="0">
               <a:spcBef>
                 <a:spcPts val="0"/>
               </a:spcBef>
@@ -2620,11 +2673,11 @@
 </file>
 
 <file path=ppt/slideLayouts/slideLayout11.xml><?xml version="1.0" encoding="utf-8"?>
-<p:sldLayout xmlns:a="http://schemas.openxmlformats.org/drawingml/2006/main" xmlns:r="http://schemas.openxmlformats.org/officeDocument/2006/relationships" xmlns:mc="http://schemas.openxmlformats.org/markup-compatibility/2006" xmlns:mv="urn:schemas-microsoft-com:mac:vml" xmlns:p="http://schemas.openxmlformats.org/presentationml/2006/main" xmlns:c="http://schemas.openxmlformats.org/drawingml/2006/chart" xmlns:dgm="http://schemas.openxmlformats.org/drawingml/2006/diagram" xmlns:o="urn:schemas-microsoft-com:office:office" xmlns:v="urn:schemas-microsoft-com:vml" xmlns:pvml="urn:schemas-microsoft-com:office:powerpoint" xmlns:com="http://schemas.openxmlformats.org/drawingml/2006/compatibility" xmlns:p14="http://schemas.microsoft.com/office/powerpoint/2010/main" xmlns:p15="http://schemas.microsoft.com/office/powerpoint/2012/main" xmlns:ahyp="http://schemas.microsoft.com/office/drawing/2018/hyperlinkcolor" matchingName="Vertical Title and Text" type="vertTitleAndTx">
+<p:sldLayout xmlns:a="http://schemas.openxmlformats.org/drawingml/2006/main" xmlns:r="http://schemas.openxmlformats.org/officeDocument/2006/relationships" xmlns:p="http://schemas.openxmlformats.org/presentationml/2006/main" matchingName="Vertical Title and Text" type="vertTitleAndTx">
   <p:cSld name="VERTICAL_TITLE_AND_VERTICAL_TEXT">
     <p:spTree>
       <p:nvGrpSpPr>
-        <p:cNvPr id="74" name="Shape 74"/>
+        <p:cNvPr id="1" name="Shape 74"/>
         <p:cNvGrpSpPr/>
         <p:nvPr/>
       </p:nvGrpSpPr>
@@ -2639,7 +2692,9 @@
       <p:sp>
         <p:nvSpPr>
           <p:cNvPr id="75" name="Google Shape;75;p14"/>
-          <p:cNvSpPr txBox="1"/>
+          <p:cNvSpPr txBox="1">
+            <a:spLocks noGrp="1"/>
+          </p:cNvSpPr>
           <p:nvPr>
             <p:ph type="title"/>
           </p:nvPr>
@@ -2658,7 +2713,7 @@
           </a:ln>
         </p:spPr>
         <p:txBody>
-          <a:bodyPr anchorCtr="0" anchor="ctr" bIns="45700" lIns="91425" spcFirstLastPara="1" rIns="91425" wrap="square" tIns="45700">
+          <a:bodyPr spcFirstLastPara="1" wrap="square" lIns="91425" tIns="45700" rIns="91425" bIns="45700" anchor="ctr" anchorCtr="0">
             <a:normAutofit/>
           </a:bodyPr>
           <a:lstStyle>
@@ -2792,15 +2847,19 @@
               <a:defRPr/>
             </a:lvl9pPr>
           </a:lstStyle>
-          <a:p/>
+          <a:p>
+            <a:endParaRPr/>
+          </a:p>
         </p:txBody>
       </p:sp>
       <p:sp>
         <p:nvSpPr>
           <p:cNvPr id="76" name="Google Shape;76;p14"/>
-          <p:cNvSpPr txBox="1"/>
+          <p:cNvSpPr txBox="1">
+            <a:spLocks noGrp="1"/>
+          </p:cNvSpPr>
           <p:nvPr>
-            <p:ph idx="1" type="body"/>
+            <p:ph type="body" idx="1"/>
           </p:nvPr>
         </p:nvSpPr>
         <p:spPr>
@@ -2817,11 +2876,11 @@
           </a:ln>
         </p:spPr>
         <p:txBody>
-          <a:bodyPr anchorCtr="0" anchor="t" bIns="45700" lIns="91425" spcFirstLastPara="1" rIns="91425" wrap="square" tIns="45700">
+          <a:bodyPr spcFirstLastPara="1" wrap="square" lIns="91425" tIns="45700" rIns="91425" bIns="45700" anchor="t" anchorCtr="0">
             <a:normAutofit/>
           </a:bodyPr>
           <a:lstStyle>
-            <a:lvl1pPr indent="-342900" lvl="0" marL="457200" algn="l">
+            <a:lvl1pPr marL="457200" lvl="0" indent="-342900" algn="l">
               <a:lnSpc>
                 <a:spcPct val="90000"/>
               </a:lnSpc>
@@ -2838,7 +2897,7 @@
               <a:buChar char="•"/>
               <a:defRPr/>
             </a:lvl1pPr>
-            <a:lvl2pPr indent="-342900" lvl="1" marL="914400" algn="l">
+            <a:lvl2pPr marL="914400" lvl="1" indent="-342900" algn="l">
               <a:lnSpc>
                 <a:spcPct val="90000"/>
               </a:lnSpc>
@@ -2855,7 +2914,7 @@
               <a:buChar char="•"/>
               <a:defRPr/>
             </a:lvl2pPr>
-            <a:lvl3pPr indent="-342900" lvl="2" marL="1371600" algn="l">
+            <a:lvl3pPr marL="1371600" lvl="2" indent="-342900" algn="l">
               <a:lnSpc>
                 <a:spcPct val="90000"/>
               </a:lnSpc>
@@ -2872,7 +2931,7 @@
               <a:buChar char="•"/>
               <a:defRPr/>
             </a:lvl3pPr>
-            <a:lvl4pPr indent="-342900" lvl="3" marL="1828800" algn="l">
+            <a:lvl4pPr marL="1828800" lvl="3" indent="-342900" algn="l">
               <a:lnSpc>
                 <a:spcPct val="90000"/>
               </a:lnSpc>
@@ -2889,7 +2948,7 @@
               <a:buChar char="•"/>
               <a:defRPr/>
             </a:lvl4pPr>
-            <a:lvl5pPr indent="-342900" lvl="4" marL="2286000" algn="l">
+            <a:lvl5pPr marL="2286000" lvl="4" indent="-342900" algn="l">
               <a:lnSpc>
                 <a:spcPct val="90000"/>
               </a:lnSpc>
@@ -2906,7 +2965,7 @@
               <a:buChar char="•"/>
               <a:defRPr/>
             </a:lvl5pPr>
-            <a:lvl6pPr indent="-342900" lvl="5" marL="2743200" algn="l">
+            <a:lvl6pPr marL="2743200" lvl="5" indent="-342900" algn="l">
               <a:lnSpc>
                 <a:spcPct val="90000"/>
               </a:lnSpc>
@@ -2923,7 +2982,7 @@
               <a:buChar char="•"/>
               <a:defRPr/>
             </a:lvl6pPr>
-            <a:lvl7pPr indent="-342900" lvl="6" marL="3200400" algn="l">
+            <a:lvl7pPr marL="3200400" lvl="6" indent="-342900" algn="l">
               <a:lnSpc>
                 <a:spcPct val="90000"/>
               </a:lnSpc>
@@ -2940,7 +2999,7 @@
               <a:buChar char="•"/>
               <a:defRPr/>
             </a:lvl7pPr>
-            <a:lvl8pPr indent="-342900" lvl="7" marL="3657600" algn="l">
+            <a:lvl8pPr marL="3657600" lvl="7" indent="-342900" algn="l">
               <a:lnSpc>
                 <a:spcPct val="90000"/>
               </a:lnSpc>
@@ -2957,7 +3016,7 @@
               <a:buChar char="•"/>
               <a:defRPr/>
             </a:lvl8pPr>
-            <a:lvl9pPr indent="-342900" lvl="8" marL="4114800" algn="l">
+            <a:lvl9pPr marL="4114800" lvl="8" indent="-342900" algn="l">
               <a:lnSpc>
                 <a:spcPct val="90000"/>
               </a:lnSpc>
@@ -2975,15 +3034,19 @@
               <a:defRPr/>
             </a:lvl9pPr>
           </a:lstStyle>
-          <a:p/>
+          <a:p>
+            <a:endParaRPr/>
+          </a:p>
         </p:txBody>
       </p:sp>
       <p:sp>
         <p:nvSpPr>
           <p:cNvPr id="77" name="Google Shape;77;p14"/>
-          <p:cNvSpPr txBox="1"/>
+          <p:cNvSpPr txBox="1">
+            <a:spLocks noGrp="1"/>
+          </p:cNvSpPr>
           <p:nvPr>
-            <p:ph idx="10" type="dt"/>
+            <p:ph type="dt" idx="10"/>
           </p:nvPr>
         </p:nvSpPr>
         <p:spPr>
@@ -3000,7 +3063,7 @@
           </a:ln>
         </p:spPr>
         <p:txBody>
-          <a:bodyPr anchorCtr="0" anchor="ctr" bIns="45700" lIns="91425" spcFirstLastPara="1" rIns="91425" wrap="square" tIns="45700">
+          <a:bodyPr spcFirstLastPara="1" wrap="square" lIns="91425" tIns="45700" rIns="91425" bIns="45700" anchor="ctr" anchorCtr="0">
             <a:noAutofit/>
           </a:bodyPr>
           <a:lstStyle>
@@ -3131,15 +3194,19 @@
               <a:defRPr/>
             </a:lvl9pPr>
           </a:lstStyle>
-          <a:p/>
+          <a:p>
+            <a:endParaRPr/>
+          </a:p>
         </p:txBody>
       </p:sp>
       <p:sp>
         <p:nvSpPr>
           <p:cNvPr id="78" name="Google Shape;78;p14"/>
-          <p:cNvSpPr txBox="1"/>
+          <p:cNvSpPr txBox="1">
+            <a:spLocks noGrp="1"/>
+          </p:cNvSpPr>
           <p:nvPr>
-            <p:ph idx="11" type="ftr"/>
+            <p:ph type="ftr" idx="11"/>
           </p:nvPr>
         </p:nvSpPr>
         <p:spPr>
@@ -3156,7 +3223,7 @@
           </a:ln>
         </p:spPr>
         <p:txBody>
-          <a:bodyPr anchorCtr="0" anchor="ctr" bIns="45700" lIns="91425" spcFirstLastPara="1" rIns="91425" wrap="square" tIns="45700">
+          <a:bodyPr spcFirstLastPara="1" wrap="square" lIns="91425" tIns="45700" rIns="91425" bIns="45700" anchor="ctr" anchorCtr="0">
             <a:noAutofit/>
           </a:bodyPr>
           <a:lstStyle>
@@ -3287,15 +3354,19 @@
               <a:defRPr/>
             </a:lvl9pPr>
           </a:lstStyle>
-          <a:p/>
+          <a:p>
+            <a:endParaRPr/>
+          </a:p>
         </p:txBody>
       </p:sp>
       <p:sp>
         <p:nvSpPr>
           <p:cNvPr id="79" name="Google Shape;79;p14"/>
-          <p:cNvSpPr txBox="1"/>
+          <p:cNvSpPr txBox="1">
+            <a:spLocks noGrp="1"/>
+          </p:cNvSpPr>
           <p:nvPr>
-            <p:ph idx="12" type="sldNum"/>
+            <p:ph type="sldNum" idx="12"/>
           </p:nvPr>
         </p:nvSpPr>
         <p:spPr>
@@ -3312,11 +3383,11 @@
           </a:ln>
         </p:spPr>
         <p:txBody>
-          <a:bodyPr anchorCtr="0" anchor="ctr" bIns="45700" lIns="91425" spcFirstLastPara="1" rIns="91425" wrap="square" tIns="45700">
+          <a:bodyPr spcFirstLastPara="1" wrap="square" lIns="91425" tIns="45700" rIns="91425" bIns="45700" anchor="ctr" anchorCtr="0">
             <a:noAutofit/>
           </a:bodyPr>
           <a:lstStyle>
-            <a:lvl1pPr indent="0" lvl="0" marL="0" marR="0" algn="r">
+            <a:lvl1pPr marL="0" marR="0" lvl="0" indent="0" algn="r">
               <a:lnSpc>
                 <a:spcPct val="100000"/>
               </a:lnSpc>
@@ -3332,7 +3403,7 @@
               <a:buSzPts val="1200"/>
               <a:buFont typeface="Arial"/>
               <a:buNone/>
-              <a:defRPr b="0" i="0" sz="1200" u="none" cap="none" strike="noStrike">
+              <a:defRPr sz="1200" b="0" i="0" u="none" strike="noStrike" cap="none">
                 <a:solidFill>
                   <a:srgbClr val="888888"/>
                 </a:solidFill>
@@ -3342,7 +3413,7 @@
                 <a:sym typeface="Calibri"/>
               </a:defRPr>
             </a:lvl1pPr>
-            <a:lvl2pPr indent="0" lvl="1" marL="0" marR="0" algn="r">
+            <a:lvl2pPr marL="0" marR="0" lvl="1" indent="0" algn="r">
               <a:lnSpc>
                 <a:spcPct val="100000"/>
               </a:lnSpc>
@@ -3358,7 +3429,7 @@
               <a:buSzPts val="1200"/>
               <a:buFont typeface="Arial"/>
               <a:buNone/>
-              <a:defRPr b="0" i="0" sz="1200" u="none" cap="none" strike="noStrike">
+              <a:defRPr sz="1200" b="0" i="0" u="none" strike="noStrike" cap="none">
                 <a:solidFill>
                   <a:srgbClr val="888888"/>
                 </a:solidFill>
@@ -3368,7 +3439,7 @@
                 <a:sym typeface="Calibri"/>
               </a:defRPr>
             </a:lvl2pPr>
-            <a:lvl3pPr indent="0" lvl="2" marL="0" marR="0" algn="r">
+            <a:lvl3pPr marL="0" marR="0" lvl="2" indent="0" algn="r">
               <a:lnSpc>
                 <a:spcPct val="100000"/>
               </a:lnSpc>
@@ -3384,7 +3455,7 @@
               <a:buSzPts val="1200"/>
               <a:buFont typeface="Arial"/>
               <a:buNone/>
-              <a:defRPr b="0" i="0" sz="1200" u="none" cap="none" strike="noStrike">
+              <a:defRPr sz="1200" b="0" i="0" u="none" strike="noStrike" cap="none">
                 <a:solidFill>
                   <a:srgbClr val="888888"/>
                 </a:solidFill>
@@ -3394,7 +3465,7 @@
                 <a:sym typeface="Calibri"/>
               </a:defRPr>
             </a:lvl3pPr>
-            <a:lvl4pPr indent="0" lvl="3" marL="0" marR="0" algn="r">
+            <a:lvl4pPr marL="0" marR="0" lvl="3" indent="0" algn="r">
               <a:lnSpc>
                 <a:spcPct val="100000"/>
               </a:lnSpc>
@@ -3410,7 +3481,7 @@
               <a:buSzPts val="1200"/>
               <a:buFont typeface="Arial"/>
               <a:buNone/>
-              <a:defRPr b="0" i="0" sz="1200" u="none" cap="none" strike="noStrike">
+              <a:defRPr sz="1200" b="0" i="0" u="none" strike="noStrike" cap="none">
                 <a:solidFill>
                   <a:srgbClr val="888888"/>
                 </a:solidFill>
@@ -3420,7 +3491,7 @@
                 <a:sym typeface="Calibri"/>
               </a:defRPr>
             </a:lvl4pPr>
-            <a:lvl5pPr indent="0" lvl="4" marL="0" marR="0" algn="r">
+            <a:lvl5pPr marL="0" marR="0" lvl="4" indent="0" algn="r">
               <a:lnSpc>
                 <a:spcPct val="100000"/>
               </a:lnSpc>
@@ -3436,7 +3507,7 @@
               <a:buSzPts val="1200"/>
               <a:buFont typeface="Arial"/>
               <a:buNone/>
-              <a:defRPr b="0" i="0" sz="1200" u="none" cap="none" strike="noStrike">
+              <a:defRPr sz="1200" b="0" i="0" u="none" strike="noStrike" cap="none">
                 <a:solidFill>
                   <a:srgbClr val="888888"/>
                 </a:solidFill>
@@ -3446,7 +3517,7 @@
                 <a:sym typeface="Calibri"/>
               </a:defRPr>
             </a:lvl5pPr>
-            <a:lvl6pPr indent="0" lvl="5" marL="0" marR="0" algn="r">
+            <a:lvl6pPr marL="0" marR="0" lvl="5" indent="0" algn="r">
               <a:lnSpc>
                 <a:spcPct val="100000"/>
               </a:lnSpc>
@@ -3462,7 +3533,7 @@
               <a:buSzPts val="1200"/>
               <a:buFont typeface="Arial"/>
               <a:buNone/>
-              <a:defRPr b="0" i="0" sz="1200" u="none" cap="none" strike="noStrike">
+              <a:defRPr sz="1200" b="0" i="0" u="none" strike="noStrike" cap="none">
                 <a:solidFill>
                   <a:srgbClr val="888888"/>
                 </a:solidFill>
@@ -3472,7 +3543,7 @@
                 <a:sym typeface="Calibri"/>
               </a:defRPr>
             </a:lvl6pPr>
-            <a:lvl7pPr indent="0" lvl="6" marL="0" marR="0" algn="r">
+            <a:lvl7pPr marL="0" marR="0" lvl="6" indent="0" algn="r">
               <a:lnSpc>
                 <a:spcPct val="100000"/>
               </a:lnSpc>
@@ -3488,7 +3559,7 @@
               <a:buSzPts val="1200"/>
               <a:buFont typeface="Arial"/>
               <a:buNone/>
-              <a:defRPr b="0" i="0" sz="1200" u="none" cap="none" strike="noStrike">
+              <a:defRPr sz="1200" b="0" i="0" u="none" strike="noStrike" cap="none">
                 <a:solidFill>
                   <a:srgbClr val="888888"/>
                 </a:solidFill>
@@ -3498,7 +3569,7 @@
                 <a:sym typeface="Calibri"/>
               </a:defRPr>
             </a:lvl7pPr>
-            <a:lvl8pPr indent="0" lvl="7" marL="0" marR="0" algn="r">
+            <a:lvl8pPr marL="0" marR="0" lvl="7" indent="0" algn="r">
               <a:lnSpc>
                 <a:spcPct val="100000"/>
               </a:lnSpc>
@@ -3514,7 +3585,7 @@
               <a:buSzPts val="1200"/>
               <a:buFont typeface="Arial"/>
               <a:buNone/>
-              <a:defRPr b="0" i="0" sz="1200" u="none" cap="none" strike="noStrike">
+              <a:defRPr sz="1200" b="0" i="0" u="none" strike="noStrike" cap="none">
                 <a:solidFill>
                   <a:srgbClr val="888888"/>
                 </a:solidFill>
@@ -3524,7 +3595,7 @@
                 <a:sym typeface="Calibri"/>
               </a:defRPr>
             </a:lvl8pPr>
-            <a:lvl9pPr indent="0" lvl="8" marL="0" marR="0" algn="r">
+            <a:lvl9pPr marL="0" marR="0" lvl="8" indent="0" algn="r">
               <a:lnSpc>
                 <a:spcPct val="100000"/>
               </a:lnSpc>
@@ -3540,7 +3611,7 @@
               <a:buSzPts val="1200"/>
               <a:buFont typeface="Arial"/>
               <a:buNone/>
-              <a:defRPr b="0" i="0" sz="1200" u="none" cap="none" strike="noStrike">
+              <a:defRPr sz="1200" b="0" i="0" u="none" strike="noStrike" cap="none">
                 <a:solidFill>
                   <a:srgbClr val="888888"/>
                 </a:solidFill>
@@ -3552,7 +3623,7 @@
             </a:lvl9pPr>
           </a:lstStyle>
           <a:p>
-            <a:pPr indent="0" lvl="0" marL="0" rtl="0" algn="r">
+            <a:pPr marL="0" lvl="0" indent="0" algn="r" rtl="0">
               <a:spcBef>
                 <a:spcPts val="0"/>
               </a:spcBef>
@@ -3578,11 +3649,11 @@
 </file>
 
 <file path=ppt/slideLayouts/slideLayout2.xml><?xml version="1.0" encoding="utf-8"?>
-<p:sldLayout xmlns:a="http://schemas.openxmlformats.org/drawingml/2006/main" xmlns:r="http://schemas.openxmlformats.org/officeDocument/2006/relationships" xmlns:mc="http://schemas.openxmlformats.org/markup-compatibility/2006" xmlns:mv="urn:schemas-microsoft-com:mac:vml" xmlns:p="http://schemas.openxmlformats.org/presentationml/2006/main" xmlns:c="http://schemas.openxmlformats.org/drawingml/2006/chart" xmlns:dgm="http://schemas.openxmlformats.org/drawingml/2006/diagram" xmlns:o="urn:schemas-microsoft-com:office:office" xmlns:v="urn:schemas-microsoft-com:vml" xmlns:pvml="urn:schemas-microsoft-com:office:powerpoint" xmlns:com="http://schemas.openxmlformats.org/drawingml/2006/compatibility" xmlns:p14="http://schemas.microsoft.com/office/powerpoint/2010/main" xmlns:p15="http://schemas.microsoft.com/office/powerpoint/2012/main" xmlns:ahyp="http://schemas.microsoft.com/office/drawing/2018/hyperlinkcolor" matchingName="Title Slide" type="title">
+<p:sldLayout xmlns:a="http://schemas.openxmlformats.org/drawingml/2006/main" xmlns:r="http://schemas.openxmlformats.org/officeDocument/2006/relationships" xmlns:p="http://schemas.openxmlformats.org/presentationml/2006/main" matchingName="Title Slide" type="title">
   <p:cSld name="TITLE">
     <p:spTree>
       <p:nvGrpSpPr>
-        <p:cNvPr id="15" name="Shape 15"/>
+        <p:cNvPr id="1" name="Shape 15"/>
         <p:cNvGrpSpPr/>
         <p:nvPr/>
       </p:nvGrpSpPr>
@@ -3597,7 +3668,9 @@
       <p:sp>
         <p:nvSpPr>
           <p:cNvPr id="16" name="Google Shape;16;p5"/>
-          <p:cNvSpPr txBox="1"/>
+          <p:cNvSpPr txBox="1">
+            <a:spLocks noGrp="1"/>
+          </p:cNvSpPr>
           <p:nvPr>
             <p:ph type="ctrTitle"/>
           </p:nvPr>
@@ -3616,7 +3689,7 @@
           </a:ln>
         </p:spPr>
         <p:txBody>
-          <a:bodyPr anchorCtr="0" anchor="b" bIns="45700" lIns="91425" spcFirstLastPara="1" rIns="91425" wrap="square" tIns="45700">
+          <a:bodyPr spcFirstLastPara="1" wrap="square" lIns="91425" tIns="45700" rIns="91425" bIns="45700" anchor="b" anchorCtr="0">
             <a:normAutofit/>
           </a:bodyPr>
           <a:lstStyle>
@@ -3751,15 +3824,19 @@
               <a:defRPr/>
             </a:lvl9pPr>
           </a:lstStyle>
-          <a:p/>
+          <a:p>
+            <a:endParaRPr/>
+          </a:p>
         </p:txBody>
       </p:sp>
       <p:sp>
         <p:nvSpPr>
           <p:cNvPr id="17" name="Google Shape;17;p5"/>
-          <p:cNvSpPr txBox="1"/>
+          <p:cNvSpPr txBox="1">
+            <a:spLocks noGrp="1"/>
+          </p:cNvSpPr>
           <p:nvPr>
-            <p:ph idx="1" type="subTitle"/>
+            <p:ph type="subTitle" idx="1"/>
           </p:nvPr>
         </p:nvSpPr>
         <p:spPr>
@@ -3776,7 +3853,7 @@
           </a:ln>
         </p:spPr>
         <p:txBody>
-          <a:bodyPr anchorCtr="0" anchor="t" bIns="45700" lIns="91425" spcFirstLastPara="1" rIns="91425" wrap="square" tIns="45700">
+          <a:bodyPr spcFirstLastPara="1" wrap="square" lIns="91425" tIns="45700" rIns="91425" bIns="45700" anchor="t" anchorCtr="0">
             <a:normAutofit/>
           </a:bodyPr>
           <a:lstStyle>
@@ -3934,15 +4011,19 @@
               <a:defRPr sz="1600"/>
             </a:lvl9pPr>
           </a:lstStyle>
-          <a:p/>
+          <a:p>
+            <a:endParaRPr/>
+          </a:p>
         </p:txBody>
       </p:sp>
       <p:sp>
         <p:nvSpPr>
           <p:cNvPr id="18" name="Google Shape;18;p5"/>
-          <p:cNvSpPr txBox="1"/>
+          <p:cNvSpPr txBox="1">
+            <a:spLocks noGrp="1"/>
+          </p:cNvSpPr>
           <p:nvPr>
-            <p:ph idx="10" type="dt"/>
+            <p:ph type="dt" idx="10"/>
           </p:nvPr>
         </p:nvSpPr>
         <p:spPr>
@@ -3959,7 +4040,7 @@
           </a:ln>
         </p:spPr>
         <p:txBody>
-          <a:bodyPr anchorCtr="0" anchor="ctr" bIns="45700" lIns="91425" spcFirstLastPara="1" rIns="91425" wrap="square" tIns="45700">
+          <a:bodyPr spcFirstLastPara="1" wrap="square" lIns="91425" tIns="45700" rIns="91425" bIns="45700" anchor="ctr" anchorCtr="0">
             <a:noAutofit/>
           </a:bodyPr>
           <a:lstStyle>
@@ -4090,15 +4171,19 @@
               <a:defRPr/>
             </a:lvl9pPr>
           </a:lstStyle>
-          <a:p/>
+          <a:p>
+            <a:endParaRPr/>
+          </a:p>
         </p:txBody>
       </p:sp>
       <p:sp>
         <p:nvSpPr>
           <p:cNvPr id="19" name="Google Shape;19;p5"/>
-          <p:cNvSpPr txBox="1"/>
+          <p:cNvSpPr txBox="1">
+            <a:spLocks noGrp="1"/>
+          </p:cNvSpPr>
           <p:nvPr>
-            <p:ph idx="11" type="ftr"/>
+            <p:ph type="ftr" idx="11"/>
           </p:nvPr>
         </p:nvSpPr>
         <p:spPr>
@@ -4115,7 +4200,7 @@
           </a:ln>
         </p:spPr>
         <p:txBody>
-          <a:bodyPr anchorCtr="0" anchor="ctr" bIns="45700" lIns="91425" spcFirstLastPara="1" rIns="91425" wrap="square" tIns="45700">
+          <a:bodyPr spcFirstLastPara="1" wrap="square" lIns="91425" tIns="45700" rIns="91425" bIns="45700" anchor="ctr" anchorCtr="0">
             <a:noAutofit/>
           </a:bodyPr>
           <a:lstStyle>
@@ -4246,15 +4331,19 @@
               <a:defRPr/>
             </a:lvl9pPr>
           </a:lstStyle>
-          <a:p/>
+          <a:p>
+            <a:endParaRPr/>
+          </a:p>
         </p:txBody>
       </p:sp>
       <p:sp>
         <p:nvSpPr>
           <p:cNvPr id="20" name="Google Shape;20;p5"/>
-          <p:cNvSpPr txBox="1"/>
+          <p:cNvSpPr txBox="1">
+            <a:spLocks noGrp="1"/>
+          </p:cNvSpPr>
           <p:nvPr>
-            <p:ph idx="12" type="sldNum"/>
+            <p:ph type="sldNum" idx="12"/>
           </p:nvPr>
         </p:nvSpPr>
         <p:spPr>
@@ -4271,11 +4360,11 @@
           </a:ln>
         </p:spPr>
         <p:txBody>
-          <a:bodyPr anchorCtr="0" anchor="ctr" bIns="45700" lIns="91425" spcFirstLastPara="1" rIns="91425" wrap="square" tIns="45700">
+          <a:bodyPr spcFirstLastPara="1" wrap="square" lIns="91425" tIns="45700" rIns="91425" bIns="45700" anchor="ctr" anchorCtr="0">
             <a:noAutofit/>
           </a:bodyPr>
           <a:lstStyle>
-            <a:lvl1pPr indent="0" lvl="0" marL="0" marR="0" algn="r">
+            <a:lvl1pPr marL="0" marR="0" lvl="0" indent="0" algn="r">
               <a:lnSpc>
                 <a:spcPct val="100000"/>
               </a:lnSpc>
@@ -4291,7 +4380,7 @@
               <a:buSzPts val="1200"/>
               <a:buFont typeface="Arial"/>
               <a:buNone/>
-              <a:defRPr b="0" i="0" sz="1200" u="none" cap="none" strike="noStrike">
+              <a:defRPr sz="1200" b="0" i="0" u="none" strike="noStrike" cap="none">
                 <a:solidFill>
                   <a:srgbClr val="888888"/>
                 </a:solidFill>
@@ -4301,7 +4390,7 @@
                 <a:sym typeface="Calibri"/>
               </a:defRPr>
             </a:lvl1pPr>
-            <a:lvl2pPr indent="0" lvl="1" marL="0" marR="0" algn="r">
+            <a:lvl2pPr marL="0" marR="0" lvl="1" indent="0" algn="r">
               <a:lnSpc>
                 <a:spcPct val="100000"/>
               </a:lnSpc>
@@ -4317,7 +4406,7 @@
               <a:buSzPts val="1200"/>
               <a:buFont typeface="Arial"/>
               <a:buNone/>
-              <a:defRPr b="0" i="0" sz="1200" u="none" cap="none" strike="noStrike">
+              <a:defRPr sz="1200" b="0" i="0" u="none" strike="noStrike" cap="none">
                 <a:solidFill>
                   <a:srgbClr val="888888"/>
                 </a:solidFill>
@@ -4327,7 +4416,7 @@
                 <a:sym typeface="Calibri"/>
               </a:defRPr>
             </a:lvl2pPr>
-            <a:lvl3pPr indent="0" lvl="2" marL="0" marR="0" algn="r">
+            <a:lvl3pPr marL="0" marR="0" lvl="2" indent="0" algn="r">
               <a:lnSpc>
                 <a:spcPct val="100000"/>
               </a:lnSpc>
@@ -4343,7 +4432,7 @@
               <a:buSzPts val="1200"/>
               <a:buFont typeface="Arial"/>
               <a:buNone/>
-              <a:defRPr b="0" i="0" sz="1200" u="none" cap="none" strike="noStrike">
+              <a:defRPr sz="1200" b="0" i="0" u="none" strike="noStrike" cap="none">
                 <a:solidFill>
                   <a:srgbClr val="888888"/>
                 </a:solidFill>
@@ -4353,7 +4442,7 @@
                 <a:sym typeface="Calibri"/>
               </a:defRPr>
             </a:lvl3pPr>
-            <a:lvl4pPr indent="0" lvl="3" marL="0" marR="0" algn="r">
+            <a:lvl4pPr marL="0" marR="0" lvl="3" indent="0" algn="r">
               <a:lnSpc>
                 <a:spcPct val="100000"/>
               </a:lnSpc>
@@ -4369,7 +4458,7 @@
               <a:buSzPts val="1200"/>
               <a:buFont typeface="Arial"/>
               <a:buNone/>
-              <a:defRPr b="0" i="0" sz="1200" u="none" cap="none" strike="noStrike">
+              <a:defRPr sz="1200" b="0" i="0" u="none" strike="noStrike" cap="none">
                 <a:solidFill>
                   <a:srgbClr val="888888"/>
                 </a:solidFill>
@@ -4379,7 +4468,7 @@
                 <a:sym typeface="Calibri"/>
               </a:defRPr>
             </a:lvl4pPr>
-            <a:lvl5pPr indent="0" lvl="4" marL="0" marR="0" algn="r">
+            <a:lvl5pPr marL="0" marR="0" lvl="4" indent="0" algn="r">
               <a:lnSpc>
                 <a:spcPct val="100000"/>
               </a:lnSpc>
@@ -4395,7 +4484,7 @@
               <a:buSzPts val="1200"/>
               <a:buFont typeface="Arial"/>
               <a:buNone/>
-              <a:defRPr b="0" i="0" sz="1200" u="none" cap="none" strike="noStrike">
+              <a:defRPr sz="1200" b="0" i="0" u="none" strike="noStrike" cap="none">
                 <a:solidFill>
                   <a:srgbClr val="888888"/>
                 </a:solidFill>
@@ -4405,7 +4494,7 @@
                 <a:sym typeface="Calibri"/>
               </a:defRPr>
             </a:lvl5pPr>
-            <a:lvl6pPr indent="0" lvl="5" marL="0" marR="0" algn="r">
+            <a:lvl6pPr marL="0" marR="0" lvl="5" indent="0" algn="r">
               <a:lnSpc>
                 <a:spcPct val="100000"/>
               </a:lnSpc>
@@ -4421,7 +4510,7 @@
               <a:buSzPts val="1200"/>
               <a:buFont typeface="Arial"/>
               <a:buNone/>
-              <a:defRPr b="0" i="0" sz="1200" u="none" cap="none" strike="noStrike">
+              <a:defRPr sz="1200" b="0" i="0" u="none" strike="noStrike" cap="none">
                 <a:solidFill>
                   <a:srgbClr val="888888"/>
                 </a:solidFill>
@@ -4431,7 +4520,7 @@
                 <a:sym typeface="Calibri"/>
               </a:defRPr>
             </a:lvl6pPr>
-            <a:lvl7pPr indent="0" lvl="6" marL="0" marR="0" algn="r">
+            <a:lvl7pPr marL="0" marR="0" lvl="6" indent="0" algn="r">
               <a:lnSpc>
                 <a:spcPct val="100000"/>
               </a:lnSpc>
@@ -4447,7 +4536,7 @@
               <a:buSzPts val="1200"/>
               <a:buFont typeface="Arial"/>
               <a:buNone/>
-              <a:defRPr b="0" i="0" sz="1200" u="none" cap="none" strike="noStrike">
+              <a:defRPr sz="1200" b="0" i="0" u="none" strike="noStrike" cap="none">
                 <a:solidFill>
                   <a:srgbClr val="888888"/>
                 </a:solidFill>
@@ -4457,7 +4546,7 @@
                 <a:sym typeface="Calibri"/>
               </a:defRPr>
             </a:lvl7pPr>
-            <a:lvl8pPr indent="0" lvl="7" marL="0" marR="0" algn="r">
+            <a:lvl8pPr marL="0" marR="0" lvl="7" indent="0" algn="r">
               <a:lnSpc>
                 <a:spcPct val="100000"/>
               </a:lnSpc>
@@ -4473,7 +4562,7 @@
               <a:buSzPts val="1200"/>
               <a:buFont typeface="Arial"/>
               <a:buNone/>
-              <a:defRPr b="0" i="0" sz="1200" u="none" cap="none" strike="noStrike">
+              <a:defRPr sz="1200" b="0" i="0" u="none" strike="noStrike" cap="none">
                 <a:solidFill>
                   <a:srgbClr val="888888"/>
                 </a:solidFill>
@@ -4483,7 +4572,7 @@
                 <a:sym typeface="Calibri"/>
               </a:defRPr>
             </a:lvl8pPr>
-            <a:lvl9pPr indent="0" lvl="8" marL="0" marR="0" algn="r">
+            <a:lvl9pPr marL="0" marR="0" lvl="8" indent="0" algn="r">
               <a:lnSpc>
                 <a:spcPct val="100000"/>
               </a:lnSpc>
@@ -4499,7 +4588,7 @@
               <a:buSzPts val="1200"/>
               <a:buFont typeface="Arial"/>
               <a:buNone/>
-              <a:defRPr b="0" i="0" sz="1200" u="none" cap="none" strike="noStrike">
+              <a:defRPr sz="1200" b="0" i="0" u="none" strike="noStrike" cap="none">
                 <a:solidFill>
                   <a:srgbClr val="888888"/>
                 </a:solidFill>
@@ -4511,7 +4600,7 @@
             </a:lvl9pPr>
           </a:lstStyle>
           <a:p>
-            <a:pPr indent="0" lvl="0" marL="0" rtl="0" algn="r">
+            <a:pPr marL="0" lvl="0" indent="0" algn="r" rtl="0">
               <a:spcBef>
                 <a:spcPts val="0"/>
               </a:spcBef>
@@ -4537,11 +4626,11 @@
 </file>
 
 <file path=ppt/slideLayouts/slideLayout3.xml><?xml version="1.0" encoding="utf-8"?>
-<p:sldLayout xmlns:a="http://schemas.openxmlformats.org/drawingml/2006/main" xmlns:r="http://schemas.openxmlformats.org/officeDocument/2006/relationships" xmlns:mc="http://schemas.openxmlformats.org/markup-compatibility/2006" xmlns:mv="urn:schemas-microsoft-com:mac:vml" xmlns:p="http://schemas.openxmlformats.org/presentationml/2006/main" xmlns:c="http://schemas.openxmlformats.org/drawingml/2006/chart" xmlns:dgm="http://schemas.openxmlformats.org/drawingml/2006/diagram" xmlns:o="urn:schemas-microsoft-com:office:office" xmlns:v="urn:schemas-microsoft-com:vml" xmlns:pvml="urn:schemas-microsoft-com:office:powerpoint" xmlns:com="http://schemas.openxmlformats.org/drawingml/2006/compatibility" xmlns:p14="http://schemas.microsoft.com/office/powerpoint/2010/main" xmlns:p15="http://schemas.microsoft.com/office/powerpoint/2012/main" xmlns:ahyp="http://schemas.microsoft.com/office/drawing/2018/hyperlinkcolor" matchingName="Title and Content" type="obj">
+<p:sldLayout xmlns:a="http://schemas.openxmlformats.org/drawingml/2006/main" xmlns:r="http://schemas.openxmlformats.org/officeDocument/2006/relationships" xmlns:p="http://schemas.openxmlformats.org/presentationml/2006/main" matchingName="Title and Content" type="obj">
   <p:cSld name="OBJECT">
     <p:spTree>
       <p:nvGrpSpPr>
-        <p:cNvPr id="21" name="Shape 21"/>
+        <p:cNvPr id="1" name="Shape 21"/>
         <p:cNvGrpSpPr/>
         <p:nvPr/>
       </p:nvGrpSpPr>
@@ -4556,7 +4645,9 @@
       <p:sp>
         <p:nvSpPr>
           <p:cNvPr id="22" name="Google Shape;22;p6"/>
-          <p:cNvSpPr txBox="1"/>
+          <p:cNvSpPr txBox="1">
+            <a:spLocks noGrp="1"/>
+          </p:cNvSpPr>
           <p:nvPr>
             <p:ph type="title"/>
           </p:nvPr>
@@ -4575,7 +4666,7 @@
           </a:ln>
         </p:spPr>
         <p:txBody>
-          <a:bodyPr anchorCtr="0" anchor="ctr" bIns="45700" lIns="91425" spcFirstLastPara="1" rIns="91425" wrap="square" tIns="45700">
+          <a:bodyPr spcFirstLastPara="1" wrap="square" lIns="91425" tIns="45700" rIns="91425" bIns="45700" anchor="ctr" anchorCtr="0">
             <a:normAutofit/>
           </a:bodyPr>
           <a:lstStyle>
@@ -4709,15 +4800,19 @@
               <a:defRPr/>
             </a:lvl9pPr>
           </a:lstStyle>
-          <a:p/>
+          <a:p>
+            <a:endParaRPr/>
+          </a:p>
         </p:txBody>
       </p:sp>
       <p:sp>
         <p:nvSpPr>
           <p:cNvPr id="23" name="Google Shape;23;p6"/>
-          <p:cNvSpPr txBox="1"/>
+          <p:cNvSpPr txBox="1">
+            <a:spLocks noGrp="1"/>
+          </p:cNvSpPr>
           <p:nvPr>
-            <p:ph idx="1" type="body"/>
+            <p:ph type="body" idx="1"/>
           </p:nvPr>
         </p:nvSpPr>
         <p:spPr>
@@ -4734,11 +4829,11 @@
           </a:ln>
         </p:spPr>
         <p:txBody>
-          <a:bodyPr anchorCtr="0" anchor="t" bIns="45700" lIns="91425" spcFirstLastPara="1" rIns="91425" wrap="square" tIns="45700">
+          <a:bodyPr spcFirstLastPara="1" wrap="square" lIns="91425" tIns="45700" rIns="91425" bIns="45700" anchor="t" anchorCtr="0">
             <a:normAutofit/>
           </a:bodyPr>
           <a:lstStyle>
-            <a:lvl1pPr indent="-342900" lvl="0" marL="457200" algn="l">
+            <a:lvl1pPr marL="457200" lvl="0" indent="-342900" algn="l">
               <a:lnSpc>
                 <a:spcPct val="90000"/>
               </a:lnSpc>
@@ -4755,7 +4850,7 @@
               <a:buChar char="•"/>
               <a:defRPr/>
             </a:lvl1pPr>
-            <a:lvl2pPr indent="-342900" lvl="1" marL="914400" algn="l">
+            <a:lvl2pPr marL="914400" lvl="1" indent="-342900" algn="l">
               <a:lnSpc>
                 <a:spcPct val="90000"/>
               </a:lnSpc>
@@ -4772,7 +4867,7 @@
               <a:buChar char="•"/>
               <a:defRPr/>
             </a:lvl2pPr>
-            <a:lvl3pPr indent="-342900" lvl="2" marL="1371600" algn="l">
+            <a:lvl3pPr marL="1371600" lvl="2" indent="-342900" algn="l">
               <a:lnSpc>
                 <a:spcPct val="90000"/>
               </a:lnSpc>
@@ -4789,7 +4884,7 @@
               <a:buChar char="•"/>
               <a:defRPr/>
             </a:lvl3pPr>
-            <a:lvl4pPr indent="-342900" lvl="3" marL="1828800" algn="l">
+            <a:lvl4pPr marL="1828800" lvl="3" indent="-342900" algn="l">
               <a:lnSpc>
                 <a:spcPct val="90000"/>
               </a:lnSpc>
@@ -4806,7 +4901,7 @@
               <a:buChar char="•"/>
               <a:defRPr/>
             </a:lvl4pPr>
-            <a:lvl5pPr indent="-342900" lvl="4" marL="2286000" algn="l">
+            <a:lvl5pPr marL="2286000" lvl="4" indent="-342900" algn="l">
               <a:lnSpc>
                 <a:spcPct val="90000"/>
               </a:lnSpc>
@@ -4823,7 +4918,7 @@
               <a:buChar char="•"/>
               <a:defRPr/>
             </a:lvl5pPr>
-            <a:lvl6pPr indent="-342900" lvl="5" marL="2743200" algn="l">
+            <a:lvl6pPr marL="2743200" lvl="5" indent="-342900" algn="l">
               <a:lnSpc>
                 <a:spcPct val="90000"/>
               </a:lnSpc>
@@ -4840,7 +4935,7 @@
               <a:buChar char="•"/>
               <a:defRPr/>
             </a:lvl6pPr>
-            <a:lvl7pPr indent="-342900" lvl="6" marL="3200400" algn="l">
+            <a:lvl7pPr marL="3200400" lvl="6" indent="-342900" algn="l">
               <a:lnSpc>
                 <a:spcPct val="90000"/>
               </a:lnSpc>
@@ -4857,7 +4952,7 @@
               <a:buChar char="•"/>
               <a:defRPr/>
             </a:lvl7pPr>
-            <a:lvl8pPr indent="-342900" lvl="7" marL="3657600" algn="l">
+            <a:lvl8pPr marL="3657600" lvl="7" indent="-342900" algn="l">
               <a:lnSpc>
                 <a:spcPct val="90000"/>
               </a:lnSpc>
@@ -4874,7 +4969,7 @@
               <a:buChar char="•"/>
               <a:defRPr/>
             </a:lvl8pPr>
-            <a:lvl9pPr indent="-342900" lvl="8" marL="4114800" algn="l">
+            <a:lvl9pPr marL="4114800" lvl="8" indent="-342900" algn="l">
               <a:lnSpc>
                 <a:spcPct val="90000"/>
               </a:lnSpc>
@@ -4892,15 +4987,19 @@
               <a:defRPr/>
             </a:lvl9pPr>
           </a:lstStyle>
-          <a:p/>
+          <a:p>
+            <a:endParaRPr/>
+          </a:p>
         </p:txBody>
       </p:sp>
       <p:sp>
         <p:nvSpPr>
           <p:cNvPr id="24" name="Google Shape;24;p6"/>
-          <p:cNvSpPr txBox="1"/>
+          <p:cNvSpPr txBox="1">
+            <a:spLocks noGrp="1"/>
+          </p:cNvSpPr>
           <p:nvPr>
-            <p:ph idx="10" type="dt"/>
+            <p:ph type="dt" idx="10"/>
           </p:nvPr>
         </p:nvSpPr>
         <p:spPr>
@@ -4917,7 +5016,7 @@
           </a:ln>
         </p:spPr>
         <p:txBody>
-          <a:bodyPr anchorCtr="0" anchor="ctr" bIns="45700" lIns="91425" spcFirstLastPara="1" rIns="91425" wrap="square" tIns="45700">
+          <a:bodyPr spcFirstLastPara="1" wrap="square" lIns="91425" tIns="45700" rIns="91425" bIns="45700" anchor="ctr" anchorCtr="0">
             <a:noAutofit/>
           </a:bodyPr>
           <a:lstStyle>
@@ -5048,15 +5147,19 @@
               <a:defRPr/>
             </a:lvl9pPr>
           </a:lstStyle>
-          <a:p/>
+          <a:p>
+            <a:endParaRPr/>
+          </a:p>
         </p:txBody>
       </p:sp>
       <p:sp>
         <p:nvSpPr>
           <p:cNvPr id="25" name="Google Shape;25;p6"/>
-          <p:cNvSpPr txBox="1"/>
+          <p:cNvSpPr txBox="1">
+            <a:spLocks noGrp="1"/>
+          </p:cNvSpPr>
           <p:nvPr>
-            <p:ph idx="11" type="ftr"/>
+            <p:ph type="ftr" idx="11"/>
           </p:nvPr>
         </p:nvSpPr>
         <p:spPr>
@@ -5073,7 +5176,7 @@
           </a:ln>
         </p:spPr>
         <p:txBody>
-          <a:bodyPr anchorCtr="0" anchor="ctr" bIns="45700" lIns="91425" spcFirstLastPara="1" rIns="91425" wrap="square" tIns="45700">
+          <a:bodyPr spcFirstLastPara="1" wrap="square" lIns="91425" tIns="45700" rIns="91425" bIns="45700" anchor="ctr" anchorCtr="0">
             <a:noAutofit/>
           </a:bodyPr>
           <a:lstStyle>
@@ -5204,15 +5307,19 @@
               <a:defRPr/>
             </a:lvl9pPr>
           </a:lstStyle>
-          <a:p/>
+          <a:p>
+            <a:endParaRPr/>
+          </a:p>
         </p:txBody>
       </p:sp>
       <p:sp>
         <p:nvSpPr>
           <p:cNvPr id="26" name="Google Shape;26;p6"/>
-          <p:cNvSpPr txBox="1"/>
+          <p:cNvSpPr txBox="1">
+            <a:spLocks noGrp="1"/>
+          </p:cNvSpPr>
           <p:nvPr>
-            <p:ph idx="12" type="sldNum"/>
+            <p:ph type="sldNum" idx="12"/>
           </p:nvPr>
         </p:nvSpPr>
         <p:spPr>
@@ -5229,11 +5336,11 @@
           </a:ln>
         </p:spPr>
         <p:txBody>
-          <a:bodyPr anchorCtr="0" anchor="ctr" bIns="45700" lIns="91425" spcFirstLastPara="1" rIns="91425" wrap="square" tIns="45700">
+          <a:bodyPr spcFirstLastPara="1" wrap="square" lIns="91425" tIns="45700" rIns="91425" bIns="45700" anchor="ctr" anchorCtr="0">
             <a:noAutofit/>
           </a:bodyPr>
           <a:lstStyle>
-            <a:lvl1pPr indent="0" lvl="0" marL="0" marR="0" algn="r">
+            <a:lvl1pPr marL="0" marR="0" lvl="0" indent="0" algn="r">
               <a:lnSpc>
                 <a:spcPct val="100000"/>
               </a:lnSpc>
@@ -5249,7 +5356,7 @@
               <a:buSzPts val="1200"/>
               <a:buFont typeface="Arial"/>
               <a:buNone/>
-              <a:defRPr b="0" i="0" sz="1200" u="none" cap="none" strike="noStrike">
+              <a:defRPr sz="1200" b="0" i="0" u="none" strike="noStrike" cap="none">
                 <a:solidFill>
                   <a:srgbClr val="888888"/>
                 </a:solidFill>
@@ -5259,7 +5366,7 @@
                 <a:sym typeface="Calibri"/>
               </a:defRPr>
             </a:lvl1pPr>
-            <a:lvl2pPr indent="0" lvl="1" marL="0" marR="0" algn="r">
+            <a:lvl2pPr marL="0" marR="0" lvl="1" indent="0" algn="r">
               <a:lnSpc>
                 <a:spcPct val="100000"/>
               </a:lnSpc>
@@ -5275,7 +5382,7 @@
               <a:buSzPts val="1200"/>
               <a:buFont typeface="Arial"/>
               <a:buNone/>
-              <a:defRPr b="0" i="0" sz="1200" u="none" cap="none" strike="noStrike">
+              <a:defRPr sz="1200" b="0" i="0" u="none" strike="noStrike" cap="none">
                 <a:solidFill>
                   <a:srgbClr val="888888"/>
                 </a:solidFill>
@@ -5285,7 +5392,7 @@
                 <a:sym typeface="Calibri"/>
               </a:defRPr>
             </a:lvl2pPr>
-            <a:lvl3pPr indent="0" lvl="2" marL="0" marR="0" algn="r">
+            <a:lvl3pPr marL="0" marR="0" lvl="2" indent="0" algn="r">
               <a:lnSpc>
                 <a:spcPct val="100000"/>
               </a:lnSpc>
@@ -5301,7 +5408,7 @@
               <a:buSzPts val="1200"/>
               <a:buFont typeface="Arial"/>
               <a:buNone/>
-              <a:defRPr b="0" i="0" sz="1200" u="none" cap="none" strike="noStrike">
+              <a:defRPr sz="1200" b="0" i="0" u="none" strike="noStrike" cap="none">
                 <a:solidFill>
                   <a:srgbClr val="888888"/>
                 </a:solidFill>
@@ -5311,7 +5418,7 @@
                 <a:sym typeface="Calibri"/>
               </a:defRPr>
             </a:lvl3pPr>
-            <a:lvl4pPr indent="0" lvl="3" marL="0" marR="0" algn="r">
+            <a:lvl4pPr marL="0" marR="0" lvl="3" indent="0" algn="r">
               <a:lnSpc>
                 <a:spcPct val="100000"/>
               </a:lnSpc>
@@ -5327,7 +5434,7 @@
               <a:buSzPts val="1200"/>
               <a:buFont typeface="Arial"/>
               <a:buNone/>
-              <a:defRPr b="0" i="0" sz="1200" u="none" cap="none" strike="noStrike">
+              <a:defRPr sz="1200" b="0" i="0" u="none" strike="noStrike" cap="none">
                 <a:solidFill>
                   <a:srgbClr val="888888"/>
                 </a:solidFill>
@@ -5337,7 +5444,7 @@
                 <a:sym typeface="Calibri"/>
               </a:defRPr>
             </a:lvl4pPr>
-            <a:lvl5pPr indent="0" lvl="4" marL="0" marR="0" algn="r">
+            <a:lvl5pPr marL="0" marR="0" lvl="4" indent="0" algn="r">
               <a:lnSpc>
                 <a:spcPct val="100000"/>
               </a:lnSpc>
@@ -5353,7 +5460,7 @@
               <a:buSzPts val="1200"/>
               <a:buFont typeface="Arial"/>
               <a:buNone/>
-              <a:defRPr b="0" i="0" sz="1200" u="none" cap="none" strike="noStrike">
+              <a:defRPr sz="1200" b="0" i="0" u="none" strike="noStrike" cap="none">
                 <a:solidFill>
                   <a:srgbClr val="888888"/>
                 </a:solidFill>
@@ -5363,7 +5470,7 @@
                 <a:sym typeface="Calibri"/>
               </a:defRPr>
             </a:lvl5pPr>
-            <a:lvl6pPr indent="0" lvl="5" marL="0" marR="0" algn="r">
+            <a:lvl6pPr marL="0" marR="0" lvl="5" indent="0" algn="r">
               <a:lnSpc>
                 <a:spcPct val="100000"/>
               </a:lnSpc>
@@ -5379,7 +5486,7 @@
               <a:buSzPts val="1200"/>
               <a:buFont typeface="Arial"/>
               <a:buNone/>
-              <a:defRPr b="0" i="0" sz="1200" u="none" cap="none" strike="noStrike">
+              <a:defRPr sz="1200" b="0" i="0" u="none" strike="noStrike" cap="none">
                 <a:solidFill>
                   <a:srgbClr val="888888"/>
                 </a:solidFill>
@@ -5389,7 +5496,7 @@
                 <a:sym typeface="Calibri"/>
               </a:defRPr>
             </a:lvl6pPr>
-            <a:lvl7pPr indent="0" lvl="6" marL="0" marR="0" algn="r">
+            <a:lvl7pPr marL="0" marR="0" lvl="6" indent="0" algn="r">
               <a:lnSpc>
                 <a:spcPct val="100000"/>
               </a:lnSpc>
@@ -5405,7 +5512,7 @@
               <a:buSzPts val="1200"/>
               <a:buFont typeface="Arial"/>
               <a:buNone/>
-              <a:defRPr b="0" i="0" sz="1200" u="none" cap="none" strike="noStrike">
+              <a:defRPr sz="1200" b="0" i="0" u="none" strike="noStrike" cap="none">
                 <a:solidFill>
                   <a:srgbClr val="888888"/>
                 </a:solidFill>
@@ -5415,7 +5522,7 @@
                 <a:sym typeface="Calibri"/>
               </a:defRPr>
             </a:lvl7pPr>
-            <a:lvl8pPr indent="0" lvl="7" marL="0" marR="0" algn="r">
+            <a:lvl8pPr marL="0" marR="0" lvl="7" indent="0" algn="r">
               <a:lnSpc>
                 <a:spcPct val="100000"/>
               </a:lnSpc>
@@ -5431,7 +5538,7 @@
               <a:buSzPts val="1200"/>
               <a:buFont typeface="Arial"/>
               <a:buNone/>
-              <a:defRPr b="0" i="0" sz="1200" u="none" cap="none" strike="noStrike">
+              <a:defRPr sz="1200" b="0" i="0" u="none" strike="noStrike" cap="none">
                 <a:solidFill>
                   <a:srgbClr val="888888"/>
                 </a:solidFill>
@@ -5441,7 +5548,7 @@
                 <a:sym typeface="Calibri"/>
               </a:defRPr>
             </a:lvl8pPr>
-            <a:lvl9pPr indent="0" lvl="8" marL="0" marR="0" algn="r">
+            <a:lvl9pPr marL="0" marR="0" lvl="8" indent="0" algn="r">
               <a:lnSpc>
                 <a:spcPct val="100000"/>
               </a:lnSpc>
@@ -5457,7 +5564,7 @@
               <a:buSzPts val="1200"/>
               <a:buFont typeface="Arial"/>
               <a:buNone/>
-              <a:defRPr b="0" i="0" sz="1200" u="none" cap="none" strike="noStrike">
+              <a:defRPr sz="1200" b="0" i="0" u="none" strike="noStrike" cap="none">
                 <a:solidFill>
                   <a:srgbClr val="888888"/>
                 </a:solidFill>
@@ -5469,7 +5576,7 @@
             </a:lvl9pPr>
           </a:lstStyle>
           <a:p>
-            <a:pPr indent="0" lvl="0" marL="0" rtl="0" algn="r">
+            <a:pPr marL="0" lvl="0" indent="0" algn="r" rtl="0">
               <a:spcBef>
                 <a:spcPts val="0"/>
               </a:spcBef>
@@ -5495,11 +5602,11 @@
 </file>
 
 <file path=ppt/slideLayouts/slideLayout4.xml><?xml version="1.0" encoding="utf-8"?>
-<p:sldLayout xmlns:a="http://schemas.openxmlformats.org/drawingml/2006/main" xmlns:r="http://schemas.openxmlformats.org/officeDocument/2006/relationships" xmlns:mc="http://schemas.openxmlformats.org/markup-compatibility/2006" xmlns:mv="urn:schemas-microsoft-com:mac:vml" xmlns:p="http://schemas.openxmlformats.org/presentationml/2006/main" xmlns:c="http://schemas.openxmlformats.org/drawingml/2006/chart" xmlns:dgm="http://schemas.openxmlformats.org/drawingml/2006/diagram" xmlns:o="urn:schemas-microsoft-com:office:office" xmlns:v="urn:schemas-microsoft-com:vml" xmlns:pvml="urn:schemas-microsoft-com:office:powerpoint" xmlns:com="http://schemas.openxmlformats.org/drawingml/2006/compatibility" xmlns:p14="http://schemas.microsoft.com/office/powerpoint/2010/main" xmlns:p15="http://schemas.microsoft.com/office/powerpoint/2012/main" xmlns:ahyp="http://schemas.microsoft.com/office/drawing/2018/hyperlinkcolor" matchingName="Section Header" type="secHead">
+<p:sldLayout xmlns:a="http://schemas.openxmlformats.org/drawingml/2006/main" xmlns:r="http://schemas.openxmlformats.org/officeDocument/2006/relationships" xmlns:p="http://schemas.openxmlformats.org/presentationml/2006/main" matchingName="Section Header" type="secHead">
   <p:cSld name="SECTION_HEADER">
     <p:spTree>
       <p:nvGrpSpPr>
-        <p:cNvPr id="27" name="Shape 27"/>
+        <p:cNvPr id="1" name="Shape 27"/>
         <p:cNvGrpSpPr/>
         <p:nvPr/>
       </p:nvGrpSpPr>
@@ -5514,7 +5621,9 @@
       <p:sp>
         <p:nvSpPr>
           <p:cNvPr id="28" name="Google Shape;28;p7"/>
-          <p:cNvSpPr txBox="1"/>
+          <p:cNvSpPr txBox="1">
+            <a:spLocks noGrp="1"/>
+          </p:cNvSpPr>
           <p:nvPr>
             <p:ph type="title"/>
           </p:nvPr>
@@ -5533,7 +5642,7 @@
           </a:ln>
         </p:spPr>
         <p:txBody>
-          <a:bodyPr anchorCtr="0" anchor="b" bIns="45700" lIns="91425" spcFirstLastPara="1" rIns="91425" wrap="square" tIns="45700">
+          <a:bodyPr spcFirstLastPara="1" wrap="square" lIns="91425" tIns="45700" rIns="91425" bIns="45700" anchor="b" anchorCtr="0">
             <a:normAutofit/>
           </a:bodyPr>
           <a:lstStyle>
@@ -5668,15 +5777,19 @@
               <a:defRPr/>
             </a:lvl9pPr>
           </a:lstStyle>
-          <a:p/>
+          <a:p>
+            <a:endParaRPr/>
+          </a:p>
         </p:txBody>
       </p:sp>
       <p:sp>
         <p:nvSpPr>
           <p:cNvPr id="29" name="Google Shape;29;p7"/>
-          <p:cNvSpPr txBox="1"/>
+          <p:cNvSpPr txBox="1">
+            <a:spLocks noGrp="1"/>
+          </p:cNvSpPr>
           <p:nvPr>
-            <p:ph idx="1" type="body"/>
+            <p:ph type="body" idx="1"/>
           </p:nvPr>
         </p:nvSpPr>
         <p:spPr>
@@ -5693,11 +5806,11 @@
           </a:ln>
         </p:spPr>
         <p:txBody>
-          <a:bodyPr anchorCtr="0" anchor="t" bIns="45700" lIns="91425" spcFirstLastPara="1" rIns="91425" wrap="square" tIns="45700">
+          <a:bodyPr spcFirstLastPara="1" wrap="square" lIns="91425" tIns="45700" rIns="91425" bIns="45700" anchor="t" anchorCtr="0">
             <a:normAutofit/>
           </a:bodyPr>
           <a:lstStyle>
-            <a:lvl1pPr indent="-228600" lvl="0" marL="457200" algn="l">
+            <a:lvl1pPr marL="457200" lvl="0" indent="-228600" algn="l">
               <a:lnSpc>
                 <a:spcPct val="90000"/>
               </a:lnSpc>
@@ -5718,7 +5831,7 @@
                 </a:solidFill>
               </a:defRPr>
             </a:lvl1pPr>
-            <a:lvl2pPr indent="-228600" lvl="1" marL="914400" algn="l">
+            <a:lvl2pPr marL="914400" lvl="1" indent="-228600" algn="l">
               <a:lnSpc>
                 <a:spcPct val="90000"/>
               </a:lnSpc>
@@ -5739,7 +5852,7 @@
                 </a:solidFill>
               </a:defRPr>
             </a:lvl2pPr>
-            <a:lvl3pPr indent="-228600" lvl="2" marL="1371600" algn="l">
+            <a:lvl3pPr marL="1371600" lvl="2" indent="-228600" algn="l">
               <a:lnSpc>
                 <a:spcPct val="90000"/>
               </a:lnSpc>
@@ -5760,7 +5873,7 @@
                 </a:solidFill>
               </a:defRPr>
             </a:lvl3pPr>
-            <a:lvl4pPr indent="-228600" lvl="3" marL="1828800" algn="l">
+            <a:lvl4pPr marL="1828800" lvl="3" indent="-228600" algn="l">
               <a:lnSpc>
                 <a:spcPct val="90000"/>
               </a:lnSpc>
@@ -5781,7 +5894,7 @@
                 </a:solidFill>
               </a:defRPr>
             </a:lvl4pPr>
-            <a:lvl5pPr indent="-228600" lvl="4" marL="2286000" algn="l">
+            <a:lvl5pPr marL="2286000" lvl="4" indent="-228600" algn="l">
               <a:lnSpc>
                 <a:spcPct val="90000"/>
               </a:lnSpc>
@@ -5802,7 +5915,7 @@
                 </a:solidFill>
               </a:defRPr>
             </a:lvl5pPr>
-            <a:lvl6pPr indent="-228600" lvl="5" marL="2743200" algn="l">
+            <a:lvl6pPr marL="2743200" lvl="5" indent="-228600" algn="l">
               <a:lnSpc>
                 <a:spcPct val="90000"/>
               </a:lnSpc>
@@ -5823,7 +5936,7 @@
                 </a:solidFill>
               </a:defRPr>
             </a:lvl6pPr>
-            <a:lvl7pPr indent="-228600" lvl="6" marL="3200400" algn="l">
+            <a:lvl7pPr marL="3200400" lvl="6" indent="-228600" algn="l">
               <a:lnSpc>
                 <a:spcPct val="90000"/>
               </a:lnSpc>
@@ -5844,7 +5957,7 @@
                 </a:solidFill>
               </a:defRPr>
             </a:lvl7pPr>
-            <a:lvl8pPr indent="-228600" lvl="7" marL="3657600" algn="l">
+            <a:lvl8pPr marL="3657600" lvl="7" indent="-228600" algn="l">
               <a:lnSpc>
                 <a:spcPct val="90000"/>
               </a:lnSpc>
@@ -5865,7 +5978,7 @@
                 </a:solidFill>
               </a:defRPr>
             </a:lvl8pPr>
-            <a:lvl9pPr indent="-228600" lvl="8" marL="4114800" algn="l">
+            <a:lvl9pPr marL="4114800" lvl="8" indent="-228600" algn="l">
               <a:lnSpc>
                 <a:spcPct val="90000"/>
               </a:lnSpc>
@@ -5887,15 +6000,19 @@
               </a:defRPr>
             </a:lvl9pPr>
           </a:lstStyle>
-          <a:p/>
+          <a:p>
+            <a:endParaRPr/>
+          </a:p>
         </p:txBody>
       </p:sp>
       <p:sp>
         <p:nvSpPr>
           <p:cNvPr id="30" name="Google Shape;30;p7"/>
-          <p:cNvSpPr txBox="1"/>
+          <p:cNvSpPr txBox="1">
+            <a:spLocks noGrp="1"/>
+          </p:cNvSpPr>
           <p:nvPr>
-            <p:ph idx="10" type="dt"/>
+            <p:ph type="dt" idx="10"/>
           </p:nvPr>
         </p:nvSpPr>
         <p:spPr>
@@ -5912,7 +6029,7 @@
           </a:ln>
         </p:spPr>
         <p:txBody>
-          <a:bodyPr anchorCtr="0" anchor="ctr" bIns="45700" lIns="91425" spcFirstLastPara="1" rIns="91425" wrap="square" tIns="45700">
+          <a:bodyPr spcFirstLastPara="1" wrap="square" lIns="91425" tIns="45700" rIns="91425" bIns="45700" anchor="ctr" anchorCtr="0">
             <a:noAutofit/>
           </a:bodyPr>
           <a:lstStyle>
@@ -6043,15 +6160,19 @@
               <a:defRPr/>
             </a:lvl9pPr>
           </a:lstStyle>
-          <a:p/>
+          <a:p>
+            <a:endParaRPr/>
+          </a:p>
         </p:txBody>
       </p:sp>
       <p:sp>
         <p:nvSpPr>
           <p:cNvPr id="31" name="Google Shape;31;p7"/>
-          <p:cNvSpPr txBox="1"/>
+          <p:cNvSpPr txBox="1">
+            <a:spLocks noGrp="1"/>
+          </p:cNvSpPr>
           <p:nvPr>
-            <p:ph idx="11" type="ftr"/>
+            <p:ph type="ftr" idx="11"/>
           </p:nvPr>
         </p:nvSpPr>
         <p:spPr>
@@ -6068,7 +6189,7 @@
           </a:ln>
         </p:spPr>
         <p:txBody>
-          <a:bodyPr anchorCtr="0" anchor="ctr" bIns="45700" lIns="91425" spcFirstLastPara="1" rIns="91425" wrap="square" tIns="45700">
+          <a:bodyPr spcFirstLastPara="1" wrap="square" lIns="91425" tIns="45700" rIns="91425" bIns="45700" anchor="ctr" anchorCtr="0">
             <a:noAutofit/>
           </a:bodyPr>
           <a:lstStyle>
@@ -6199,15 +6320,19 @@
               <a:defRPr/>
             </a:lvl9pPr>
           </a:lstStyle>
-          <a:p/>
+          <a:p>
+            <a:endParaRPr/>
+          </a:p>
         </p:txBody>
       </p:sp>
       <p:sp>
         <p:nvSpPr>
           <p:cNvPr id="32" name="Google Shape;32;p7"/>
-          <p:cNvSpPr txBox="1"/>
+          <p:cNvSpPr txBox="1">
+            <a:spLocks noGrp="1"/>
+          </p:cNvSpPr>
           <p:nvPr>
-            <p:ph idx="12" type="sldNum"/>
+            <p:ph type="sldNum" idx="12"/>
           </p:nvPr>
         </p:nvSpPr>
         <p:spPr>
@@ -6224,11 +6349,11 @@
           </a:ln>
         </p:spPr>
         <p:txBody>
-          <a:bodyPr anchorCtr="0" anchor="ctr" bIns="45700" lIns="91425" spcFirstLastPara="1" rIns="91425" wrap="square" tIns="45700">
+          <a:bodyPr spcFirstLastPara="1" wrap="square" lIns="91425" tIns="45700" rIns="91425" bIns="45700" anchor="ctr" anchorCtr="0">
             <a:noAutofit/>
           </a:bodyPr>
           <a:lstStyle>
-            <a:lvl1pPr indent="0" lvl="0" marL="0" marR="0" algn="r">
+            <a:lvl1pPr marL="0" marR="0" lvl="0" indent="0" algn="r">
               <a:lnSpc>
                 <a:spcPct val="100000"/>
               </a:lnSpc>
@@ -6244,7 +6369,7 @@
               <a:buSzPts val="1200"/>
               <a:buFont typeface="Arial"/>
               <a:buNone/>
-              <a:defRPr b="0" i="0" sz="1200" u="none" cap="none" strike="noStrike">
+              <a:defRPr sz="1200" b="0" i="0" u="none" strike="noStrike" cap="none">
                 <a:solidFill>
                   <a:srgbClr val="888888"/>
                 </a:solidFill>
@@ -6254,7 +6379,7 @@
                 <a:sym typeface="Calibri"/>
               </a:defRPr>
             </a:lvl1pPr>
-            <a:lvl2pPr indent="0" lvl="1" marL="0" marR="0" algn="r">
+            <a:lvl2pPr marL="0" marR="0" lvl="1" indent="0" algn="r">
               <a:lnSpc>
                 <a:spcPct val="100000"/>
               </a:lnSpc>
@@ -6270,7 +6395,7 @@
               <a:buSzPts val="1200"/>
               <a:buFont typeface="Arial"/>
               <a:buNone/>
-              <a:defRPr b="0" i="0" sz="1200" u="none" cap="none" strike="noStrike">
+              <a:defRPr sz="1200" b="0" i="0" u="none" strike="noStrike" cap="none">
                 <a:solidFill>
                   <a:srgbClr val="888888"/>
                 </a:solidFill>
@@ -6280,7 +6405,7 @@
                 <a:sym typeface="Calibri"/>
               </a:defRPr>
             </a:lvl2pPr>
-            <a:lvl3pPr indent="0" lvl="2" marL="0" marR="0" algn="r">
+            <a:lvl3pPr marL="0" marR="0" lvl="2" indent="0" algn="r">
               <a:lnSpc>
                 <a:spcPct val="100000"/>
               </a:lnSpc>
@@ -6296,7 +6421,7 @@
               <a:buSzPts val="1200"/>
               <a:buFont typeface="Arial"/>
               <a:buNone/>
-              <a:defRPr b="0" i="0" sz="1200" u="none" cap="none" strike="noStrike">
+              <a:defRPr sz="1200" b="0" i="0" u="none" strike="noStrike" cap="none">
                 <a:solidFill>
                   <a:srgbClr val="888888"/>
                 </a:solidFill>
@@ -6306,7 +6431,7 @@
                 <a:sym typeface="Calibri"/>
               </a:defRPr>
             </a:lvl3pPr>
-            <a:lvl4pPr indent="0" lvl="3" marL="0" marR="0" algn="r">
+            <a:lvl4pPr marL="0" marR="0" lvl="3" indent="0" algn="r">
               <a:lnSpc>
                 <a:spcPct val="100000"/>
               </a:lnSpc>
@@ -6322,7 +6447,7 @@
               <a:buSzPts val="1200"/>
               <a:buFont typeface="Arial"/>
               <a:buNone/>
-              <a:defRPr b="0" i="0" sz="1200" u="none" cap="none" strike="noStrike">
+              <a:defRPr sz="1200" b="0" i="0" u="none" strike="noStrike" cap="none">
                 <a:solidFill>
                   <a:srgbClr val="888888"/>
                 </a:solidFill>
@@ -6332,7 +6457,7 @@
                 <a:sym typeface="Calibri"/>
               </a:defRPr>
             </a:lvl4pPr>
-            <a:lvl5pPr indent="0" lvl="4" marL="0" marR="0" algn="r">
+            <a:lvl5pPr marL="0" marR="0" lvl="4" indent="0" algn="r">
               <a:lnSpc>
                 <a:spcPct val="100000"/>
               </a:lnSpc>
@@ -6348,7 +6473,7 @@
               <a:buSzPts val="1200"/>
               <a:buFont typeface="Arial"/>
               <a:buNone/>
-              <a:defRPr b="0" i="0" sz="1200" u="none" cap="none" strike="noStrike">
+              <a:defRPr sz="1200" b="0" i="0" u="none" strike="noStrike" cap="none">
                 <a:solidFill>
                   <a:srgbClr val="888888"/>
                 </a:solidFill>
@@ -6358,7 +6483,7 @@
                 <a:sym typeface="Calibri"/>
               </a:defRPr>
             </a:lvl5pPr>
-            <a:lvl6pPr indent="0" lvl="5" marL="0" marR="0" algn="r">
+            <a:lvl6pPr marL="0" marR="0" lvl="5" indent="0" algn="r">
               <a:lnSpc>
                 <a:spcPct val="100000"/>
               </a:lnSpc>
@@ -6374,7 +6499,7 @@
               <a:buSzPts val="1200"/>
               <a:buFont typeface="Arial"/>
               <a:buNone/>
-              <a:defRPr b="0" i="0" sz="1200" u="none" cap="none" strike="noStrike">
+              <a:defRPr sz="1200" b="0" i="0" u="none" strike="noStrike" cap="none">
                 <a:solidFill>
                   <a:srgbClr val="888888"/>
                 </a:solidFill>
@@ -6384,7 +6509,7 @@
                 <a:sym typeface="Calibri"/>
               </a:defRPr>
             </a:lvl6pPr>
-            <a:lvl7pPr indent="0" lvl="6" marL="0" marR="0" algn="r">
+            <a:lvl7pPr marL="0" marR="0" lvl="6" indent="0" algn="r">
               <a:lnSpc>
                 <a:spcPct val="100000"/>
               </a:lnSpc>
@@ -6400,7 +6525,7 @@
               <a:buSzPts val="1200"/>
               <a:buFont typeface="Arial"/>
               <a:buNone/>
-              <a:defRPr b="0" i="0" sz="1200" u="none" cap="none" strike="noStrike">
+              <a:defRPr sz="1200" b="0" i="0" u="none" strike="noStrike" cap="none">
                 <a:solidFill>
                   <a:srgbClr val="888888"/>
                 </a:solidFill>
@@ -6410,7 +6535,7 @@
                 <a:sym typeface="Calibri"/>
               </a:defRPr>
             </a:lvl7pPr>
-            <a:lvl8pPr indent="0" lvl="7" marL="0" marR="0" algn="r">
+            <a:lvl8pPr marL="0" marR="0" lvl="7" indent="0" algn="r">
               <a:lnSpc>
                 <a:spcPct val="100000"/>
               </a:lnSpc>
@@ -6426,7 +6551,7 @@
               <a:buSzPts val="1200"/>
               <a:buFont typeface="Arial"/>
               <a:buNone/>
-              <a:defRPr b="0" i="0" sz="1200" u="none" cap="none" strike="noStrike">
+              <a:defRPr sz="1200" b="0" i="0" u="none" strike="noStrike" cap="none">
                 <a:solidFill>
                   <a:srgbClr val="888888"/>
                 </a:solidFill>
@@ -6436,7 +6561,7 @@
                 <a:sym typeface="Calibri"/>
               </a:defRPr>
             </a:lvl8pPr>
-            <a:lvl9pPr indent="0" lvl="8" marL="0" marR="0" algn="r">
+            <a:lvl9pPr marL="0" marR="0" lvl="8" indent="0" algn="r">
               <a:lnSpc>
                 <a:spcPct val="100000"/>
               </a:lnSpc>
@@ -6452,7 +6577,7 @@
               <a:buSzPts val="1200"/>
               <a:buFont typeface="Arial"/>
               <a:buNone/>
-              <a:defRPr b="0" i="0" sz="1200" u="none" cap="none" strike="noStrike">
+              <a:defRPr sz="1200" b="0" i="0" u="none" strike="noStrike" cap="none">
                 <a:solidFill>
                   <a:srgbClr val="888888"/>
                 </a:solidFill>
@@ -6464,7 +6589,7 @@
             </a:lvl9pPr>
           </a:lstStyle>
           <a:p>
-            <a:pPr indent="0" lvl="0" marL="0" rtl="0" algn="r">
+            <a:pPr marL="0" lvl="0" indent="0" algn="r" rtl="0">
               <a:spcBef>
                 <a:spcPts val="0"/>
               </a:spcBef>
@@ -6490,11 +6615,11 @@
 </file>
 
 <file path=ppt/slideLayouts/slideLayout5.xml><?xml version="1.0" encoding="utf-8"?>
-<p:sldLayout xmlns:a="http://schemas.openxmlformats.org/drawingml/2006/main" xmlns:r="http://schemas.openxmlformats.org/officeDocument/2006/relationships" xmlns:mc="http://schemas.openxmlformats.org/markup-compatibility/2006" xmlns:mv="urn:schemas-microsoft-com:mac:vml" xmlns:p="http://schemas.openxmlformats.org/presentationml/2006/main" xmlns:c="http://schemas.openxmlformats.org/drawingml/2006/chart" xmlns:dgm="http://schemas.openxmlformats.org/drawingml/2006/diagram" xmlns:o="urn:schemas-microsoft-com:office:office" xmlns:v="urn:schemas-microsoft-com:vml" xmlns:pvml="urn:schemas-microsoft-com:office:powerpoint" xmlns:com="http://schemas.openxmlformats.org/drawingml/2006/compatibility" xmlns:p14="http://schemas.microsoft.com/office/powerpoint/2010/main" xmlns:p15="http://schemas.microsoft.com/office/powerpoint/2012/main" xmlns:ahyp="http://schemas.microsoft.com/office/drawing/2018/hyperlinkcolor" matchingName="Two Content" type="twoObj">
+<p:sldLayout xmlns:a="http://schemas.openxmlformats.org/drawingml/2006/main" xmlns:r="http://schemas.openxmlformats.org/officeDocument/2006/relationships" xmlns:p="http://schemas.openxmlformats.org/presentationml/2006/main" matchingName="Two Content" type="twoObj">
   <p:cSld name="TWO_OBJECTS">
     <p:spTree>
       <p:nvGrpSpPr>
-        <p:cNvPr id="33" name="Shape 33"/>
+        <p:cNvPr id="1" name="Shape 33"/>
         <p:cNvGrpSpPr/>
         <p:nvPr/>
       </p:nvGrpSpPr>
@@ -6509,7 +6634,9 @@
       <p:sp>
         <p:nvSpPr>
           <p:cNvPr id="34" name="Google Shape;34;p8"/>
-          <p:cNvSpPr txBox="1"/>
+          <p:cNvSpPr txBox="1">
+            <a:spLocks noGrp="1"/>
+          </p:cNvSpPr>
           <p:nvPr>
             <p:ph type="title"/>
           </p:nvPr>
@@ -6528,7 +6655,7 @@
           </a:ln>
         </p:spPr>
         <p:txBody>
-          <a:bodyPr anchorCtr="0" anchor="ctr" bIns="45700" lIns="91425" spcFirstLastPara="1" rIns="91425" wrap="square" tIns="45700">
+          <a:bodyPr spcFirstLastPara="1" wrap="square" lIns="91425" tIns="45700" rIns="91425" bIns="45700" anchor="ctr" anchorCtr="0">
             <a:normAutofit/>
           </a:bodyPr>
           <a:lstStyle>
@@ -6662,15 +6789,19 @@
               <a:defRPr/>
             </a:lvl9pPr>
           </a:lstStyle>
-          <a:p/>
+          <a:p>
+            <a:endParaRPr/>
+          </a:p>
         </p:txBody>
       </p:sp>
       <p:sp>
         <p:nvSpPr>
           <p:cNvPr id="35" name="Google Shape;35;p8"/>
-          <p:cNvSpPr txBox="1"/>
+          <p:cNvSpPr txBox="1">
+            <a:spLocks noGrp="1"/>
+          </p:cNvSpPr>
           <p:nvPr>
-            <p:ph idx="1" type="body"/>
+            <p:ph type="body" idx="1"/>
           </p:nvPr>
         </p:nvSpPr>
         <p:spPr>
@@ -6687,11 +6818,11 @@
           </a:ln>
         </p:spPr>
         <p:txBody>
-          <a:bodyPr anchorCtr="0" anchor="t" bIns="45700" lIns="91425" spcFirstLastPara="1" rIns="91425" wrap="square" tIns="45700">
+          <a:bodyPr spcFirstLastPara="1" wrap="square" lIns="91425" tIns="45700" rIns="91425" bIns="45700" anchor="t" anchorCtr="0">
             <a:normAutofit/>
           </a:bodyPr>
           <a:lstStyle>
-            <a:lvl1pPr indent="-342900" lvl="0" marL="457200" algn="l">
+            <a:lvl1pPr marL="457200" lvl="0" indent="-342900" algn="l">
               <a:lnSpc>
                 <a:spcPct val="90000"/>
               </a:lnSpc>
@@ -6708,7 +6839,7 @@
               <a:buChar char="•"/>
               <a:defRPr/>
             </a:lvl1pPr>
-            <a:lvl2pPr indent="-342900" lvl="1" marL="914400" algn="l">
+            <a:lvl2pPr marL="914400" lvl="1" indent="-342900" algn="l">
               <a:lnSpc>
                 <a:spcPct val="90000"/>
               </a:lnSpc>
@@ -6725,7 +6856,7 @@
               <a:buChar char="•"/>
               <a:defRPr/>
             </a:lvl2pPr>
-            <a:lvl3pPr indent="-342900" lvl="2" marL="1371600" algn="l">
+            <a:lvl3pPr marL="1371600" lvl="2" indent="-342900" algn="l">
               <a:lnSpc>
                 <a:spcPct val="90000"/>
               </a:lnSpc>
@@ -6742,7 +6873,7 @@
               <a:buChar char="•"/>
               <a:defRPr/>
             </a:lvl3pPr>
-            <a:lvl4pPr indent="-342900" lvl="3" marL="1828800" algn="l">
+            <a:lvl4pPr marL="1828800" lvl="3" indent="-342900" algn="l">
               <a:lnSpc>
                 <a:spcPct val="90000"/>
               </a:lnSpc>
@@ -6759,7 +6890,7 @@
               <a:buChar char="•"/>
               <a:defRPr/>
             </a:lvl4pPr>
-            <a:lvl5pPr indent="-342900" lvl="4" marL="2286000" algn="l">
+            <a:lvl5pPr marL="2286000" lvl="4" indent="-342900" algn="l">
               <a:lnSpc>
                 <a:spcPct val="90000"/>
               </a:lnSpc>
@@ -6776,7 +6907,7 @@
               <a:buChar char="•"/>
               <a:defRPr/>
             </a:lvl5pPr>
-            <a:lvl6pPr indent="-342900" lvl="5" marL="2743200" algn="l">
+            <a:lvl6pPr marL="2743200" lvl="5" indent="-342900" algn="l">
               <a:lnSpc>
                 <a:spcPct val="90000"/>
               </a:lnSpc>
@@ -6793,7 +6924,7 @@
               <a:buChar char="•"/>
               <a:defRPr/>
             </a:lvl6pPr>
-            <a:lvl7pPr indent="-342900" lvl="6" marL="3200400" algn="l">
+            <a:lvl7pPr marL="3200400" lvl="6" indent="-342900" algn="l">
               <a:lnSpc>
                 <a:spcPct val="90000"/>
               </a:lnSpc>
@@ -6810,7 +6941,7 @@
               <a:buChar char="•"/>
               <a:defRPr/>
             </a:lvl7pPr>
-            <a:lvl8pPr indent="-342900" lvl="7" marL="3657600" algn="l">
+            <a:lvl8pPr marL="3657600" lvl="7" indent="-342900" algn="l">
               <a:lnSpc>
                 <a:spcPct val="90000"/>
               </a:lnSpc>
@@ -6827,7 +6958,7 @@
               <a:buChar char="•"/>
               <a:defRPr/>
             </a:lvl8pPr>
-            <a:lvl9pPr indent="-342900" lvl="8" marL="4114800" algn="l">
+            <a:lvl9pPr marL="4114800" lvl="8" indent="-342900" algn="l">
               <a:lnSpc>
                 <a:spcPct val="90000"/>
               </a:lnSpc>
@@ -6845,15 +6976,19 @@
               <a:defRPr/>
             </a:lvl9pPr>
           </a:lstStyle>
-          <a:p/>
+          <a:p>
+            <a:endParaRPr/>
+          </a:p>
         </p:txBody>
       </p:sp>
       <p:sp>
         <p:nvSpPr>
           <p:cNvPr id="36" name="Google Shape;36;p8"/>
-          <p:cNvSpPr txBox="1"/>
+          <p:cNvSpPr txBox="1">
+            <a:spLocks noGrp="1"/>
+          </p:cNvSpPr>
           <p:nvPr>
-            <p:ph idx="2" type="body"/>
+            <p:ph type="body" idx="2"/>
           </p:nvPr>
         </p:nvSpPr>
         <p:spPr>
@@ -6870,11 +7005,11 @@
           </a:ln>
         </p:spPr>
         <p:txBody>
-          <a:bodyPr anchorCtr="0" anchor="t" bIns="45700" lIns="91425" spcFirstLastPara="1" rIns="91425" wrap="square" tIns="45700">
+          <a:bodyPr spcFirstLastPara="1" wrap="square" lIns="91425" tIns="45700" rIns="91425" bIns="45700" anchor="t" anchorCtr="0">
             <a:normAutofit/>
           </a:bodyPr>
           <a:lstStyle>
-            <a:lvl1pPr indent="-342900" lvl="0" marL="457200" algn="l">
+            <a:lvl1pPr marL="457200" lvl="0" indent="-342900" algn="l">
               <a:lnSpc>
                 <a:spcPct val="90000"/>
               </a:lnSpc>
@@ -6891,7 +7026,7 @@
               <a:buChar char="•"/>
               <a:defRPr/>
             </a:lvl1pPr>
-            <a:lvl2pPr indent="-342900" lvl="1" marL="914400" algn="l">
+            <a:lvl2pPr marL="914400" lvl="1" indent="-342900" algn="l">
               <a:lnSpc>
                 <a:spcPct val="90000"/>
               </a:lnSpc>
@@ -6908,7 +7043,7 @@
               <a:buChar char="•"/>
               <a:defRPr/>
             </a:lvl2pPr>
-            <a:lvl3pPr indent="-342900" lvl="2" marL="1371600" algn="l">
+            <a:lvl3pPr marL="1371600" lvl="2" indent="-342900" algn="l">
               <a:lnSpc>
                 <a:spcPct val="90000"/>
               </a:lnSpc>
@@ -6925,7 +7060,7 @@
               <a:buChar char="•"/>
               <a:defRPr/>
             </a:lvl3pPr>
-            <a:lvl4pPr indent="-342900" lvl="3" marL="1828800" algn="l">
+            <a:lvl4pPr marL="1828800" lvl="3" indent="-342900" algn="l">
               <a:lnSpc>
                 <a:spcPct val="90000"/>
               </a:lnSpc>
@@ -6942,7 +7077,7 @@
               <a:buChar char="•"/>
               <a:defRPr/>
             </a:lvl4pPr>
-            <a:lvl5pPr indent="-342900" lvl="4" marL="2286000" algn="l">
+            <a:lvl5pPr marL="2286000" lvl="4" indent="-342900" algn="l">
               <a:lnSpc>
                 <a:spcPct val="90000"/>
               </a:lnSpc>
@@ -6959,7 +7094,7 @@
               <a:buChar char="•"/>
               <a:defRPr/>
             </a:lvl5pPr>
-            <a:lvl6pPr indent="-342900" lvl="5" marL="2743200" algn="l">
+            <a:lvl6pPr marL="2743200" lvl="5" indent="-342900" algn="l">
               <a:lnSpc>
                 <a:spcPct val="90000"/>
               </a:lnSpc>
@@ -6976,7 +7111,7 @@
               <a:buChar char="•"/>
               <a:defRPr/>
             </a:lvl6pPr>
-            <a:lvl7pPr indent="-342900" lvl="6" marL="3200400" algn="l">
+            <a:lvl7pPr marL="3200400" lvl="6" indent="-342900" algn="l">
               <a:lnSpc>
                 <a:spcPct val="90000"/>
               </a:lnSpc>
@@ -6993,7 +7128,7 @@
               <a:buChar char="•"/>
               <a:defRPr/>
             </a:lvl7pPr>
-            <a:lvl8pPr indent="-342900" lvl="7" marL="3657600" algn="l">
+            <a:lvl8pPr marL="3657600" lvl="7" indent="-342900" algn="l">
               <a:lnSpc>
                 <a:spcPct val="90000"/>
               </a:lnSpc>
@@ -7010,7 +7145,7 @@
               <a:buChar char="•"/>
               <a:defRPr/>
             </a:lvl8pPr>
-            <a:lvl9pPr indent="-342900" lvl="8" marL="4114800" algn="l">
+            <a:lvl9pPr marL="4114800" lvl="8" indent="-342900" algn="l">
               <a:lnSpc>
                 <a:spcPct val="90000"/>
               </a:lnSpc>
@@ -7028,15 +7163,19 @@
               <a:defRPr/>
             </a:lvl9pPr>
           </a:lstStyle>
-          <a:p/>
+          <a:p>
+            <a:endParaRPr/>
+          </a:p>
         </p:txBody>
       </p:sp>
       <p:sp>
         <p:nvSpPr>
           <p:cNvPr id="37" name="Google Shape;37;p8"/>
-          <p:cNvSpPr txBox="1"/>
+          <p:cNvSpPr txBox="1">
+            <a:spLocks noGrp="1"/>
+          </p:cNvSpPr>
           <p:nvPr>
-            <p:ph idx="10" type="dt"/>
+            <p:ph type="dt" idx="10"/>
           </p:nvPr>
         </p:nvSpPr>
         <p:spPr>
@@ -7053,7 +7192,7 @@
           </a:ln>
         </p:spPr>
         <p:txBody>
-          <a:bodyPr anchorCtr="0" anchor="ctr" bIns="45700" lIns="91425" spcFirstLastPara="1" rIns="91425" wrap="square" tIns="45700">
+          <a:bodyPr spcFirstLastPara="1" wrap="square" lIns="91425" tIns="45700" rIns="91425" bIns="45700" anchor="ctr" anchorCtr="0">
             <a:noAutofit/>
           </a:bodyPr>
           <a:lstStyle>
@@ -7184,15 +7323,19 @@
               <a:defRPr/>
             </a:lvl9pPr>
           </a:lstStyle>
-          <a:p/>
+          <a:p>
+            <a:endParaRPr/>
+          </a:p>
         </p:txBody>
       </p:sp>
       <p:sp>
         <p:nvSpPr>
           <p:cNvPr id="38" name="Google Shape;38;p8"/>
-          <p:cNvSpPr txBox="1"/>
+          <p:cNvSpPr txBox="1">
+            <a:spLocks noGrp="1"/>
+          </p:cNvSpPr>
           <p:nvPr>
-            <p:ph idx="11" type="ftr"/>
+            <p:ph type="ftr" idx="11"/>
           </p:nvPr>
         </p:nvSpPr>
         <p:spPr>
@@ -7209,7 +7352,7 @@
           </a:ln>
         </p:spPr>
         <p:txBody>
-          <a:bodyPr anchorCtr="0" anchor="ctr" bIns="45700" lIns="91425" spcFirstLastPara="1" rIns="91425" wrap="square" tIns="45700">
+          <a:bodyPr spcFirstLastPara="1" wrap="square" lIns="91425" tIns="45700" rIns="91425" bIns="45700" anchor="ctr" anchorCtr="0">
             <a:noAutofit/>
           </a:bodyPr>
           <a:lstStyle>
@@ -7340,15 +7483,19 @@
               <a:defRPr/>
             </a:lvl9pPr>
           </a:lstStyle>
-          <a:p/>
+          <a:p>
+            <a:endParaRPr/>
+          </a:p>
         </p:txBody>
       </p:sp>
       <p:sp>
         <p:nvSpPr>
           <p:cNvPr id="39" name="Google Shape;39;p8"/>
-          <p:cNvSpPr txBox="1"/>
+          <p:cNvSpPr txBox="1">
+            <a:spLocks noGrp="1"/>
+          </p:cNvSpPr>
           <p:nvPr>
-            <p:ph idx="12" type="sldNum"/>
+            <p:ph type="sldNum" idx="12"/>
           </p:nvPr>
         </p:nvSpPr>
         <p:spPr>
@@ -7365,11 +7512,11 @@
           </a:ln>
         </p:spPr>
         <p:txBody>
-          <a:bodyPr anchorCtr="0" anchor="ctr" bIns="45700" lIns="91425" spcFirstLastPara="1" rIns="91425" wrap="square" tIns="45700">
+          <a:bodyPr spcFirstLastPara="1" wrap="square" lIns="91425" tIns="45700" rIns="91425" bIns="45700" anchor="ctr" anchorCtr="0">
             <a:noAutofit/>
           </a:bodyPr>
           <a:lstStyle>
-            <a:lvl1pPr indent="0" lvl="0" marL="0" marR="0" algn="r">
+            <a:lvl1pPr marL="0" marR="0" lvl="0" indent="0" algn="r">
               <a:lnSpc>
                 <a:spcPct val="100000"/>
               </a:lnSpc>
@@ -7385,7 +7532,7 @@
               <a:buSzPts val="1200"/>
               <a:buFont typeface="Arial"/>
               <a:buNone/>
-              <a:defRPr b="0" i="0" sz="1200" u="none" cap="none" strike="noStrike">
+              <a:defRPr sz="1200" b="0" i="0" u="none" strike="noStrike" cap="none">
                 <a:solidFill>
                   <a:srgbClr val="888888"/>
                 </a:solidFill>
@@ -7395,7 +7542,7 @@
                 <a:sym typeface="Calibri"/>
               </a:defRPr>
             </a:lvl1pPr>
-            <a:lvl2pPr indent="0" lvl="1" marL="0" marR="0" algn="r">
+            <a:lvl2pPr marL="0" marR="0" lvl="1" indent="0" algn="r">
               <a:lnSpc>
                 <a:spcPct val="100000"/>
               </a:lnSpc>
@@ -7411,7 +7558,7 @@
               <a:buSzPts val="1200"/>
               <a:buFont typeface="Arial"/>
               <a:buNone/>
-              <a:defRPr b="0" i="0" sz="1200" u="none" cap="none" strike="noStrike">
+              <a:defRPr sz="1200" b="0" i="0" u="none" strike="noStrike" cap="none">
                 <a:solidFill>
                   <a:srgbClr val="888888"/>
                 </a:solidFill>
@@ -7421,7 +7568,7 @@
                 <a:sym typeface="Calibri"/>
               </a:defRPr>
             </a:lvl2pPr>
-            <a:lvl3pPr indent="0" lvl="2" marL="0" marR="0" algn="r">
+            <a:lvl3pPr marL="0" marR="0" lvl="2" indent="0" algn="r">
               <a:lnSpc>
                 <a:spcPct val="100000"/>
               </a:lnSpc>
@@ -7437,7 +7584,7 @@
               <a:buSzPts val="1200"/>
               <a:buFont typeface="Arial"/>
               <a:buNone/>
-              <a:defRPr b="0" i="0" sz="1200" u="none" cap="none" strike="noStrike">
+              <a:defRPr sz="1200" b="0" i="0" u="none" strike="noStrike" cap="none">
                 <a:solidFill>
                   <a:srgbClr val="888888"/>
                 </a:solidFill>
@@ -7447,7 +7594,7 @@
                 <a:sym typeface="Calibri"/>
               </a:defRPr>
             </a:lvl3pPr>
-            <a:lvl4pPr indent="0" lvl="3" marL="0" marR="0" algn="r">
+            <a:lvl4pPr marL="0" marR="0" lvl="3" indent="0" algn="r">
               <a:lnSpc>
                 <a:spcPct val="100000"/>
               </a:lnSpc>
@@ -7463,7 +7610,7 @@
               <a:buSzPts val="1200"/>
               <a:buFont typeface="Arial"/>
               <a:buNone/>
-              <a:defRPr b="0" i="0" sz="1200" u="none" cap="none" strike="noStrike">
+              <a:defRPr sz="1200" b="0" i="0" u="none" strike="noStrike" cap="none">
                 <a:solidFill>
                   <a:srgbClr val="888888"/>
                 </a:solidFill>
@@ -7473,7 +7620,7 @@
                 <a:sym typeface="Calibri"/>
               </a:defRPr>
             </a:lvl4pPr>
-            <a:lvl5pPr indent="0" lvl="4" marL="0" marR="0" algn="r">
+            <a:lvl5pPr marL="0" marR="0" lvl="4" indent="0" algn="r">
               <a:lnSpc>
                 <a:spcPct val="100000"/>
               </a:lnSpc>
@@ -7489,7 +7636,7 @@
               <a:buSzPts val="1200"/>
               <a:buFont typeface="Arial"/>
               <a:buNone/>
-              <a:defRPr b="0" i="0" sz="1200" u="none" cap="none" strike="noStrike">
+              <a:defRPr sz="1200" b="0" i="0" u="none" strike="noStrike" cap="none">
                 <a:solidFill>
                   <a:srgbClr val="888888"/>
                 </a:solidFill>
@@ -7499,7 +7646,7 @@
                 <a:sym typeface="Calibri"/>
               </a:defRPr>
             </a:lvl5pPr>
-            <a:lvl6pPr indent="0" lvl="5" marL="0" marR="0" algn="r">
+            <a:lvl6pPr marL="0" marR="0" lvl="5" indent="0" algn="r">
               <a:lnSpc>
                 <a:spcPct val="100000"/>
               </a:lnSpc>
@@ -7515,7 +7662,7 @@
               <a:buSzPts val="1200"/>
               <a:buFont typeface="Arial"/>
               <a:buNone/>
-              <a:defRPr b="0" i="0" sz="1200" u="none" cap="none" strike="noStrike">
+              <a:defRPr sz="1200" b="0" i="0" u="none" strike="noStrike" cap="none">
                 <a:solidFill>
                   <a:srgbClr val="888888"/>
                 </a:solidFill>
@@ -7525,7 +7672,7 @@
                 <a:sym typeface="Calibri"/>
               </a:defRPr>
             </a:lvl6pPr>
-            <a:lvl7pPr indent="0" lvl="6" marL="0" marR="0" algn="r">
+            <a:lvl7pPr marL="0" marR="0" lvl="6" indent="0" algn="r">
               <a:lnSpc>
                 <a:spcPct val="100000"/>
               </a:lnSpc>
@@ -7541,7 +7688,7 @@
               <a:buSzPts val="1200"/>
               <a:buFont typeface="Arial"/>
               <a:buNone/>
-              <a:defRPr b="0" i="0" sz="1200" u="none" cap="none" strike="noStrike">
+              <a:defRPr sz="1200" b="0" i="0" u="none" strike="noStrike" cap="none">
                 <a:solidFill>
                   <a:srgbClr val="888888"/>
                 </a:solidFill>
@@ -7551,7 +7698,7 @@
                 <a:sym typeface="Calibri"/>
               </a:defRPr>
             </a:lvl7pPr>
-            <a:lvl8pPr indent="0" lvl="7" marL="0" marR="0" algn="r">
+            <a:lvl8pPr marL="0" marR="0" lvl="7" indent="0" algn="r">
               <a:lnSpc>
                 <a:spcPct val="100000"/>
               </a:lnSpc>
@@ -7567,7 +7714,7 @@
               <a:buSzPts val="1200"/>
               <a:buFont typeface="Arial"/>
               <a:buNone/>
-              <a:defRPr b="0" i="0" sz="1200" u="none" cap="none" strike="noStrike">
+              <a:defRPr sz="1200" b="0" i="0" u="none" strike="noStrike" cap="none">
                 <a:solidFill>
                   <a:srgbClr val="888888"/>
                 </a:solidFill>
@@ -7577,7 +7724,7 @@
                 <a:sym typeface="Calibri"/>
               </a:defRPr>
             </a:lvl8pPr>
-            <a:lvl9pPr indent="0" lvl="8" marL="0" marR="0" algn="r">
+            <a:lvl9pPr marL="0" marR="0" lvl="8" indent="0" algn="r">
               <a:lnSpc>
                 <a:spcPct val="100000"/>
               </a:lnSpc>
@@ -7593,7 +7740,7 @@
               <a:buSzPts val="1200"/>
               <a:buFont typeface="Arial"/>
               <a:buNone/>
-              <a:defRPr b="0" i="0" sz="1200" u="none" cap="none" strike="noStrike">
+              <a:defRPr sz="1200" b="0" i="0" u="none" strike="noStrike" cap="none">
                 <a:solidFill>
                   <a:srgbClr val="888888"/>
                 </a:solidFill>
@@ -7605,7 +7752,7 @@
             </a:lvl9pPr>
           </a:lstStyle>
           <a:p>
-            <a:pPr indent="0" lvl="0" marL="0" rtl="0" algn="r">
+            <a:pPr marL="0" lvl="0" indent="0" algn="r" rtl="0">
               <a:spcBef>
                 <a:spcPts val="0"/>
               </a:spcBef>
@@ -7631,11 +7778,11 @@
 </file>
 
 <file path=ppt/slideLayouts/slideLayout6.xml><?xml version="1.0" encoding="utf-8"?>
-<p:sldLayout xmlns:a="http://schemas.openxmlformats.org/drawingml/2006/main" xmlns:r="http://schemas.openxmlformats.org/officeDocument/2006/relationships" xmlns:mc="http://schemas.openxmlformats.org/markup-compatibility/2006" xmlns:mv="urn:schemas-microsoft-com:mac:vml" xmlns:p="http://schemas.openxmlformats.org/presentationml/2006/main" xmlns:c="http://schemas.openxmlformats.org/drawingml/2006/chart" xmlns:dgm="http://schemas.openxmlformats.org/drawingml/2006/diagram" xmlns:o="urn:schemas-microsoft-com:office:office" xmlns:v="urn:schemas-microsoft-com:vml" xmlns:pvml="urn:schemas-microsoft-com:office:powerpoint" xmlns:com="http://schemas.openxmlformats.org/drawingml/2006/compatibility" xmlns:p14="http://schemas.microsoft.com/office/powerpoint/2010/main" xmlns:p15="http://schemas.microsoft.com/office/powerpoint/2012/main" xmlns:ahyp="http://schemas.microsoft.com/office/drawing/2018/hyperlinkcolor" matchingName="Comparison" type="twoTxTwoObj">
+<p:sldLayout xmlns:a="http://schemas.openxmlformats.org/drawingml/2006/main" xmlns:r="http://schemas.openxmlformats.org/officeDocument/2006/relationships" xmlns:p="http://schemas.openxmlformats.org/presentationml/2006/main" matchingName="Comparison" type="twoTxTwoObj">
   <p:cSld name="TWO_OBJECTS_WITH_TEXT">
     <p:spTree>
       <p:nvGrpSpPr>
-        <p:cNvPr id="40" name="Shape 40"/>
+        <p:cNvPr id="1" name="Shape 40"/>
         <p:cNvGrpSpPr/>
         <p:nvPr/>
       </p:nvGrpSpPr>
@@ -7650,7 +7797,9 @@
       <p:sp>
         <p:nvSpPr>
           <p:cNvPr id="41" name="Google Shape;41;p9"/>
-          <p:cNvSpPr txBox="1"/>
+          <p:cNvSpPr txBox="1">
+            <a:spLocks noGrp="1"/>
+          </p:cNvSpPr>
           <p:nvPr>
             <p:ph type="title"/>
           </p:nvPr>
@@ -7669,7 +7818,7 @@
           </a:ln>
         </p:spPr>
         <p:txBody>
-          <a:bodyPr anchorCtr="0" anchor="ctr" bIns="45700" lIns="91425" spcFirstLastPara="1" rIns="91425" wrap="square" tIns="45700">
+          <a:bodyPr spcFirstLastPara="1" wrap="square" lIns="91425" tIns="45700" rIns="91425" bIns="45700" anchor="ctr" anchorCtr="0">
             <a:normAutofit/>
           </a:bodyPr>
           <a:lstStyle>
@@ -7803,15 +7952,19 @@
               <a:defRPr/>
             </a:lvl9pPr>
           </a:lstStyle>
-          <a:p/>
+          <a:p>
+            <a:endParaRPr/>
+          </a:p>
         </p:txBody>
       </p:sp>
       <p:sp>
         <p:nvSpPr>
           <p:cNvPr id="42" name="Google Shape;42;p9"/>
-          <p:cNvSpPr txBox="1"/>
+          <p:cNvSpPr txBox="1">
+            <a:spLocks noGrp="1"/>
+          </p:cNvSpPr>
           <p:nvPr>
-            <p:ph idx="1" type="body"/>
+            <p:ph type="body" idx="1"/>
           </p:nvPr>
         </p:nvSpPr>
         <p:spPr>
@@ -7828,11 +7981,11 @@
           </a:ln>
         </p:spPr>
         <p:txBody>
-          <a:bodyPr anchorCtr="0" anchor="b" bIns="45700" lIns="91425" spcFirstLastPara="1" rIns="91425" wrap="square" tIns="45700">
+          <a:bodyPr spcFirstLastPara="1" wrap="square" lIns="91425" tIns="45700" rIns="91425" bIns="45700" anchor="b" anchorCtr="0">
             <a:normAutofit/>
           </a:bodyPr>
           <a:lstStyle>
-            <a:lvl1pPr indent="-228600" lvl="0" marL="457200" algn="l">
+            <a:lvl1pPr marL="457200" lvl="0" indent="-228600" algn="l">
               <a:lnSpc>
                 <a:spcPct val="90000"/>
               </a:lnSpc>
@@ -7847,9 +8000,9 @@
               </a:buClr>
               <a:buSzPts val="2400"/>
               <a:buNone/>
-              <a:defRPr b="1" sz="2400"/>
+              <a:defRPr sz="2400" b="1"/>
             </a:lvl1pPr>
-            <a:lvl2pPr indent="-228600" lvl="1" marL="914400" algn="l">
+            <a:lvl2pPr marL="914400" lvl="1" indent="-228600" algn="l">
               <a:lnSpc>
                 <a:spcPct val="90000"/>
               </a:lnSpc>
@@ -7864,9 +8017,9 @@
               </a:buClr>
               <a:buSzPts val="2000"/>
               <a:buNone/>
-              <a:defRPr b="1" sz="2000"/>
+              <a:defRPr sz="2000" b="1"/>
             </a:lvl2pPr>
-            <a:lvl3pPr indent="-228600" lvl="2" marL="1371600" algn="l">
+            <a:lvl3pPr marL="1371600" lvl="2" indent="-228600" algn="l">
               <a:lnSpc>
                 <a:spcPct val="90000"/>
               </a:lnSpc>
@@ -7881,9 +8034,9 @@
               </a:buClr>
               <a:buSzPts val="1800"/>
               <a:buNone/>
-              <a:defRPr b="1" sz="1800"/>
+              <a:defRPr sz="1800" b="1"/>
             </a:lvl3pPr>
-            <a:lvl4pPr indent="-228600" lvl="3" marL="1828800" algn="l">
+            <a:lvl4pPr marL="1828800" lvl="3" indent="-228600" algn="l">
               <a:lnSpc>
                 <a:spcPct val="90000"/>
               </a:lnSpc>
@@ -7898,9 +8051,9 @@
               </a:buClr>
               <a:buSzPts val="1600"/>
               <a:buNone/>
-              <a:defRPr b="1" sz="1600"/>
+              <a:defRPr sz="1600" b="1"/>
             </a:lvl4pPr>
-            <a:lvl5pPr indent="-228600" lvl="4" marL="2286000" algn="l">
+            <a:lvl5pPr marL="2286000" lvl="4" indent="-228600" algn="l">
               <a:lnSpc>
                 <a:spcPct val="90000"/>
               </a:lnSpc>
@@ -7915,9 +8068,9 @@
               </a:buClr>
               <a:buSzPts val="1600"/>
               <a:buNone/>
-              <a:defRPr b="1" sz="1600"/>
+              <a:defRPr sz="1600" b="1"/>
             </a:lvl5pPr>
-            <a:lvl6pPr indent="-228600" lvl="5" marL="2743200" algn="l">
+            <a:lvl6pPr marL="2743200" lvl="5" indent="-228600" algn="l">
               <a:lnSpc>
                 <a:spcPct val="90000"/>
               </a:lnSpc>
@@ -7932,9 +8085,9 @@
               </a:buClr>
               <a:buSzPts val="1600"/>
               <a:buNone/>
-              <a:defRPr b="1" sz="1600"/>
+              <a:defRPr sz="1600" b="1"/>
             </a:lvl6pPr>
-            <a:lvl7pPr indent="-228600" lvl="6" marL="3200400" algn="l">
+            <a:lvl7pPr marL="3200400" lvl="6" indent="-228600" algn="l">
               <a:lnSpc>
                 <a:spcPct val="90000"/>
               </a:lnSpc>
@@ -7949,9 +8102,9 @@
               </a:buClr>
               <a:buSzPts val="1600"/>
               <a:buNone/>
-              <a:defRPr b="1" sz="1600"/>
+              <a:defRPr sz="1600" b="1"/>
             </a:lvl7pPr>
-            <a:lvl8pPr indent="-228600" lvl="7" marL="3657600" algn="l">
+            <a:lvl8pPr marL="3657600" lvl="7" indent="-228600" algn="l">
               <a:lnSpc>
                 <a:spcPct val="90000"/>
               </a:lnSpc>
@@ -7966,9 +8119,9 @@
               </a:buClr>
               <a:buSzPts val="1600"/>
               <a:buNone/>
-              <a:defRPr b="1" sz="1600"/>
+              <a:defRPr sz="1600" b="1"/>
             </a:lvl8pPr>
-            <a:lvl9pPr indent="-228600" lvl="8" marL="4114800" algn="l">
+            <a:lvl9pPr marL="4114800" lvl="8" indent="-228600" algn="l">
               <a:lnSpc>
                 <a:spcPct val="90000"/>
               </a:lnSpc>
@@ -7983,18 +8136,22 @@
               </a:buClr>
               <a:buSzPts val="1600"/>
               <a:buNone/>
-              <a:defRPr b="1" sz="1600"/>
+              <a:defRPr sz="1600" b="1"/>
             </a:lvl9pPr>
           </a:lstStyle>
-          <a:p/>
+          <a:p>
+            <a:endParaRPr/>
+          </a:p>
         </p:txBody>
       </p:sp>
       <p:sp>
         <p:nvSpPr>
           <p:cNvPr id="43" name="Google Shape;43;p9"/>
-          <p:cNvSpPr txBox="1"/>
+          <p:cNvSpPr txBox="1">
+            <a:spLocks noGrp="1"/>
+          </p:cNvSpPr>
           <p:nvPr>
-            <p:ph idx="2" type="body"/>
+            <p:ph type="body" idx="2"/>
           </p:nvPr>
         </p:nvSpPr>
         <p:spPr>
@@ -8011,11 +8168,11 @@
           </a:ln>
         </p:spPr>
         <p:txBody>
-          <a:bodyPr anchorCtr="0" anchor="t" bIns="45700" lIns="91425" spcFirstLastPara="1" rIns="91425" wrap="square" tIns="45700">
+          <a:bodyPr spcFirstLastPara="1" wrap="square" lIns="91425" tIns="45700" rIns="91425" bIns="45700" anchor="t" anchorCtr="0">
             <a:normAutofit/>
           </a:bodyPr>
           <a:lstStyle>
-            <a:lvl1pPr indent="-342900" lvl="0" marL="457200" algn="l">
+            <a:lvl1pPr marL="457200" lvl="0" indent="-342900" algn="l">
               <a:lnSpc>
                 <a:spcPct val="90000"/>
               </a:lnSpc>
@@ -8032,7 +8189,7 @@
               <a:buChar char="•"/>
               <a:defRPr/>
             </a:lvl1pPr>
-            <a:lvl2pPr indent="-342900" lvl="1" marL="914400" algn="l">
+            <a:lvl2pPr marL="914400" lvl="1" indent="-342900" algn="l">
               <a:lnSpc>
                 <a:spcPct val="90000"/>
               </a:lnSpc>
@@ -8049,7 +8206,7 @@
               <a:buChar char="•"/>
               <a:defRPr/>
             </a:lvl2pPr>
-            <a:lvl3pPr indent="-342900" lvl="2" marL="1371600" algn="l">
+            <a:lvl3pPr marL="1371600" lvl="2" indent="-342900" algn="l">
               <a:lnSpc>
                 <a:spcPct val="90000"/>
               </a:lnSpc>
@@ -8066,7 +8223,7 @@
               <a:buChar char="•"/>
               <a:defRPr/>
             </a:lvl3pPr>
-            <a:lvl4pPr indent="-342900" lvl="3" marL="1828800" algn="l">
+            <a:lvl4pPr marL="1828800" lvl="3" indent="-342900" algn="l">
               <a:lnSpc>
                 <a:spcPct val="90000"/>
               </a:lnSpc>
@@ -8083,7 +8240,7 @@
               <a:buChar char="•"/>
               <a:defRPr/>
             </a:lvl4pPr>
-            <a:lvl5pPr indent="-342900" lvl="4" marL="2286000" algn="l">
+            <a:lvl5pPr marL="2286000" lvl="4" indent="-342900" algn="l">
               <a:lnSpc>
                 <a:spcPct val="90000"/>
               </a:lnSpc>
@@ -8100,7 +8257,7 @@
               <a:buChar char="•"/>
               <a:defRPr/>
             </a:lvl5pPr>
-            <a:lvl6pPr indent="-342900" lvl="5" marL="2743200" algn="l">
+            <a:lvl6pPr marL="2743200" lvl="5" indent="-342900" algn="l">
               <a:lnSpc>
                 <a:spcPct val="90000"/>
               </a:lnSpc>
@@ -8117,7 +8274,7 @@
               <a:buChar char="•"/>
               <a:defRPr/>
             </a:lvl6pPr>
-            <a:lvl7pPr indent="-342900" lvl="6" marL="3200400" algn="l">
+            <a:lvl7pPr marL="3200400" lvl="6" indent="-342900" algn="l">
               <a:lnSpc>
                 <a:spcPct val="90000"/>
               </a:lnSpc>
@@ -8134,7 +8291,7 @@
               <a:buChar char="•"/>
               <a:defRPr/>
             </a:lvl7pPr>
-            <a:lvl8pPr indent="-342900" lvl="7" marL="3657600" algn="l">
+            <a:lvl8pPr marL="3657600" lvl="7" indent="-342900" algn="l">
               <a:lnSpc>
                 <a:spcPct val="90000"/>
               </a:lnSpc>
@@ -8151,7 +8308,7 @@
               <a:buChar char="•"/>
               <a:defRPr/>
             </a:lvl8pPr>
-            <a:lvl9pPr indent="-342900" lvl="8" marL="4114800" algn="l">
+            <a:lvl9pPr marL="4114800" lvl="8" indent="-342900" algn="l">
               <a:lnSpc>
                 <a:spcPct val="90000"/>
               </a:lnSpc>
@@ -8169,15 +8326,19 @@
               <a:defRPr/>
             </a:lvl9pPr>
           </a:lstStyle>
-          <a:p/>
+          <a:p>
+            <a:endParaRPr/>
+          </a:p>
         </p:txBody>
       </p:sp>
       <p:sp>
         <p:nvSpPr>
           <p:cNvPr id="44" name="Google Shape;44;p9"/>
-          <p:cNvSpPr txBox="1"/>
+          <p:cNvSpPr txBox="1">
+            <a:spLocks noGrp="1"/>
+          </p:cNvSpPr>
           <p:nvPr>
-            <p:ph idx="3" type="body"/>
+            <p:ph type="body" idx="3"/>
           </p:nvPr>
         </p:nvSpPr>
         <p:spPr>
@@ -8194,11 +8355,11 @@
           </a:ln>
         </p:spPr>
         <p:txBody>
-          <a:bodyPr anchorCtr="0" anchor="b" bIns="45700" lIns="91425" spcFirstLastPara="1" rIns="91425" wrap="square" tIns="45700">
+          <a:bodyPr spcFirstLastPara="1" wrap="square" lIns="91425" tIns="45700" rIns="91425" bIns="45700" anchor="b" anchorCtr="0">
             <a:normAutofit/>
           </a:bodyPr>
           <a:lstStyle>
-            <a:lvl1pPr indent="-228600" lvl="0" marL="457200" algn="l">
+            <a:lvl1pPr marL="457200" lvl="0" indent="-228600" algn="l">
               <a:lnSpc>
                 <a:spcPct val="90000"/>
               </a:lnSpc>
@@ -8213,9 +8374,9 @@
               </a:buClr>
               <a:buSzPts val="2400"/>
               <a:buNone/>
-              <a:defRPr b="1" sz="2400"/>
+              <a:defRPr sz="2400" b="1"/>
             </a:lvl1pPr>
-            <a:lvl2pPr indent="-228600" lvl="1" marL="914400" algn="l">
+            <a:lvl2pPr marL="914400" lvl="1" indent="-228600" algn="l">
               <a:lnSpc>
                 <a:spcPct val="90000"/>
               </a:lnSpc>
@@ -8230,9 +8391,9 @@
               </a:buClr>
               <a:buSzPts val="2000"/>
               <a:buNone/>
-              <a:defRPr b="1" sz="2000"/>
+              <a:defRPr sz="2000" b="1"/>
             </a:lvl2pPr>
-            <a:lvl3pPr indent="-228600" lvl="2" marL="1371600" algn="l">
+            <a:lvl3pPr marL="1371600" lvl="2" indent="-228600" algn="l">
               <a:lnSpc>
                 <a:spcPct val="90000"/>
               </a:lnSpc>
@@ -8247,9 +8408,9 @@
               </a:buClr>
               <a:buSzPts val="1800"/>
               <a:buNone/>
-              <a:defRPr b="1" sz="1800"/>
+              <a:defRPr sz="1800" b="1"/>
             </a:lvl3pPr>
-            <a:lvl4pPr indent="-228600" lvl="3" marL="1828800" algn="l">
+            <a:lvl4pPr marL="1828800" lvl="3" indent="-228600" algn="l">
               <a:lnSpc>
                 <a:spcPct val="90000"/>
               </a:lnSpc>
@@ -8264,9 +8425,9 @@
               </a:buClr>
               <a:buSzPts val="1600"/>
               <a:buNone/>
-              <a:defRPr b="1" sz="1600"/>
+              <a:defRPr sz="1600" b="1"/>
             </a:lvl4pPr>
-            <a:lvl5pPr indent="-228600" lvl="4" marL="2286000" algn="l">
+            <a:lvl5pPr marL="2286000" lvl="4" indent="-228600" algn="l">
               <a:lnSpc>
                 <a:spcPct val="90000"/>
               </a:lnSpc>
@@ -8281,9 +8442,9 @@
               </a:buClr>
               <a:buSzPts val="1600"/>
               <a:buNone/>
-              <a:defRPr b="1" sz="1600"/>
+              <a:defRPr sz="1600" b="1"/>
             </a:lvl5pPr>
-            <a:lvl6pPr indent="-228600" lvl="5" marL="2743200" algn="l">
+            <a:lvl6pPr marL="2743200" lvl="5" indent="-228600" algn="l">
               <a:lnSpc>
                 <a:spcPct val="90000"/>
               </a:lnSpc>
@@ -8298,9 +8459,9 @@
               </a:buClr>
               <a:buSzPts val="1600"/>
               <a:buNone/>
-              <a:defRPr b="1" sz="1600"/>
+              <a:defRPr sz="1600" b="1"/>
             </a:lvl6pPr>
-            <a:lvl7pPr indent="-228600" lvl="6" marL="3200400" algn="l">
+            <a:lvl7pPr marL="3200400" lvl="6" indent="-228600" algn="l">
               <a:lnSpc>
                 <a:spcPct val="90000"/>
               </a:lnSpc>
@@ -8315,9 +8476,9 @@
               </a:buClr>
               <a:buSzPts val="1600"/>
               <a:buNone/>
-              <a:defRPr b="1" sz="1600"/>
+              <a:defRPr sz="1600" b="1"/>
             </a:lvl7pPr>
-            <a:lvl8pPr indent="-228600" lvl="7" marL="3657600" algn="l">
+            <a:lvl8pPr marL="3657600" lvl="7" indent="-228600" algn="l">
               <a:lnSpc>
                 <a:spcPct val="90000"/>
               </a:lnSpc>
@@ -8332,9 +8493,9 @@
               </a:buClr>
               <a:buSzPts val="1600"/>
               <a:buNone/>
-              <a:defRPr b="1" sz="1600"/>
+              <a:defRPr sz="1600" b="1"/>
             </a:lvl8pPr>
-            <a:lvl9pPr indent="-228600" lvl="8" marL="4114800" algn="l">
+            <a:lvl9pPr marL="4114800" lvl="8" indent="-228600" algn="l">
               <a:lnSpc>
                 <a:spcPct val="90000"/>
               </a:lnSpc>
@@ -8349,18 +8510,22 @@
               </a:buClr>
               <a:buSzPts val="1600"/>
               <a:buNone/>
-              <a:defRPr b="1" sz="1600"/>
+              <a:defRPr sz="1600" b="1"/>
             </a:lvl9pPr>
           </a:lstStyle>
-          <a:p/>
+          <a:p>
+            <a:endParaRPr/>
+          </a:p>
         </p:txBody>
       </p:sp>
       <p:sp>
         <p:nvSpPr>
           <p:cNvPr id="45" name="Google Shape;45;p9"/>
-          <p:cNvSpPr txBox="1"/>
+          <p:cNvSpPr txBox="1">
+            <a:spLocks noGrp="1"/>
+          </p:cNvSpPr>
           <p:nvPr>
-            <p:ph idx="4" type="body"/>
+            <p:ph type="body" idx="4"/>
           </p:nvPr>
         </p:nvSpPr>
         <p:spPr>
@@ -8377,11 +8542,11 @@
           </a:ln>
         </p:spPr>
         <p:txBody>
-          <a:bodyPr anchorCtr="0" anchor="t" bIns="45700" lIns="91425" spcFirstLastPara="1" rIns="91425" wrap="square" tIns="45700">
+          <a:bodyPr spcFirstLastPara="1" wrap="square" lIns="91425" tIns="45700" rIns="91425" bIns="45700" anchor="t" anchorCtr="0">
             <a:normAutofit/>
           </a:bodyPr>
           <a:lstStyle>
-            <a:lvl1pPr indent="-342900" lvl="0" marL="457200" algn="l">
+            <a:lvl1pPr marL="457200" lvl="0" indent="-342900" algn="l">
               <a:lnSpc>
                 <a:spcPct val="90000"/>
               </a:lnSpc>
@@ -8398,7 +8563,7 @@
               <a:buChar char="•"/>
               <a:defRPr/>
             </a:lvl1pPr>
-            <a:lvl2pPr indent="-342900" lvl="1" marL="914400" algn="l">
+            <a:lvl2pPr marL="914400" lvl="1" indent="-342900" algn="l">
               <a:lnSpc>
                 <a:spcPct val="90000"/>
               </a:lnSpc>
@@ -8415,7 +8580,7 @@
               <a:buChar char="•"/>
               <a:defRPr/>
             </a:lvl2pPr>
-            <a:lvl3pPr indent="-342900" lvl="2" marL="1371600" algn="l">
+            <a:lvl3pPr marL="1371600" lvl="2" indent="-342900" algn="l">
               <a:lnSpc>
                 <a:spcPct val="90000"/>
               </a:lnSpc>
@@ -8432,7 +8597,7 @@
               <a:buChar char="•"/>
               <a:defRPr/>
             </a:lvl3pPr>
-            <a:lvl4pPr indent="-342900" lvl="3" marL="1828800" algn="l">
+            <a:lvl4pPr marL="1828800" lvl="3" indent="-342900" algn="l">
               <a:lnSpc>
                 <a:spcPct val="90000"/>
               </a:lnSpc>
@@ -8449,7 +8614,7 @@
               <a:buChar char="•"/>
               <a:defRPr/>
             </a:lvl4pPr>
-            <a:lvl5pPr indent="-342900" lvl="4" marL="2286000" algn="l">
+            <a:lvl5pPr marL="2286000" lvl="4" indent="-342900" algn="l">
               <a:lnSpc>
                 <a:spcPct val="90000"/>
               </a:lnSpc>
@@ -8466,7 +8631,7 @@
               <a:buChar char="•"/>
               <a:defRPr/>
             </a:lvl5pPr>
-            <a:lvl6pPr indent="-342900" lvl="5" marL="2743200" algn="l">
+            <a:lvl6pPr marL="2743200" lvl="5" indent="-342900" algn="l">
               <a:lnSpc>
                 <a:spcPct val="90000"/>
               </a:lnSpc>
@@ -8483,7 +8648,7 @@
               <a:buChar char="•"/>
               <a:defRPr/>
             </a:lvl6pPr>
-            <a:lvl7pPr indent="-342900" lvl="6" marL="3200400" algn="l">
+            <a:lvl7pPr marL="3200400" lvl="6" indent="-342900" algn="l">
               <a:lnSpc>
                 <a:spcPct val="90000"/>
               </a:lnSpc>
@@ -8500,7 +8665,7 @@
               <a:buChar char="•"/>
               <a:defRPr/>
             </a:lvl7pPr>
-            <a:lvl8pPr indent="-342900" lvl="7" marL="3657600" algn="l">
+            <a:lvl8pPr marL="3657600" lvl="7" indent="-342900" algn="l">
               <a:lnSpc>
                 <a:spcPct val="90000"/>
               </a:lnSpc>
@@ -8517,7 +8682,7 @@
               <a:buChar char="•"/>
               <a:defRPr/>
             </a:lvl8pPr>
-            <a:lvl9pPr indent="-342900" lvl="8" marL="4114800" algn="l">
+            <a:lvl9pPr marL="4114800" lvl="8" indent="-342900" algn="l">
               <a:lnSpc>
                 <a:spcPct val="90000"/>
               </a:lnSpc>
@@ -8535,15 +8700,19 @@
               <a:defRPr/>
             </a:lvl9pPr>
           </a:lstStyle>
-          <a:p/>
+          <a:p>
+            <a:endParaRPr/>
+          </a:p>
         </p:txBody>
       </p:sp>
       <p:sp>
         <p:nvSpPr>
           <p:cNvPr id="46" name="Google Shape;46;p9"/>
-          <p:cNvSpPr txBox="1"/>
+          <p:cNvSpPr txBox="1">
+            <a:spLocks noGrp="1"/>
+          </p:cNvSpPr>
           <p:nvPr>
-            <p:ph idx="10" type="dt"/>
+            <p:ph type="dt" idx="10"/>
           </p:nvPr>
         </p:nvSpPr>
         <p:spPr>
@@ -8560,7 +8729,7 @@
           </a:ln>
         </p:spPr>
         <p:txBody>
-          <a:bodyPr anchorCtr="0" anchor="ctr" bIns="45700" lIns="91425" spcFirstLastPara="1" rIns="91425" wrap="square" tIns="45700">
+          <a:bodyPr spcFirstLastPara="1" wrap="square" lIns="91425" tIns="45700" rIns="91425" bIns="45700" anchor="ctr" anchorCtr="0">
             <a:noAutofit/>
           </a:bodyPr>
           <a:lstStyle>
@@ -8691,15 +8860,19 @@
               <a:defRPr/>
             </a:lvl9pPr>
           </a:lstStyle>
-          <a:p/>
+          <a:p>
+            <a:endParaRPr/>
+          </a:p>
         </p:txBody>
       </p:sp>
       <p:sp>
         <p:nvSpPr>
           <p:cNvPr id="47" name="Google Shape;47;p9"/>
-          <p:cNvSpPr txBox="1"/>
+          <p:cNvSpPr txBox="1">
+            <a:spLocks noGrp="1"/>
+          </p:cNvSpPr>
           <p:nvPr>
-            <p:ph idx="11" type="ftr"/>
+            <p:ph type="ftr" idx="11"/>
           </p:nvPr>
         </p:nvSpPr>
         <p:spPr>
@@ -8716,7 +8889,7 @@
           </a:ln>
         </p:spPr>
         <p:txBody>
-          <a:bodyPr anchorCtr="0" anchor="ctr" bIns="45700" lIns="91425" spcFirstLastPara="1" rIns="91425" wrap="square" tIns="45700">
+          <a:bodyPr spcFirstLastPara="1" wrap="square" lIns="91425" tIns="45700" rIns="91425" bIns="45700" anchor="ctr" anchorCtr="0">
             <a:noAutofit/>
           </a:bodyPr>
           <a:lstStyle>
@@ -8847,15 +9020,19 @@
               <a:defRPr/>
             </a:lvl9pPr>
           </a:lstStyle>
-          <a:p/>
+          <a:p>
+            <a:endParaRPr/>
+          </a:p>
         </p:txBody>
       </p:sp>
       <p:sp>
         <p:nvSpPr>
           <p:cNvPr id="48" name="Google Shape;48;p9"/>
-          <p:cNvSpPr txBox="1"/>
+          <p:cNvSpPr txBox="1">
+            <a:spLocks noGrp="1"/>
+          </p:cNvSpPr>
           <p:nvPr>
-            <p:ph idx="12" type="sldNum"/>
+            <p:ph type="sldNum" idx="12"/>
           </p:nvPr>
         </p:nvSpPr>
         <p:spPr>
@@ -8872,11 +9049,11 @@
           </a:ln>
         </p:spPr>
         <p:txBody>
-          <a:bodyPr anchorCtr="0" anchor="ctr" bIns="45700" lIns="91425" spcFirstLastPara="1" rIns="91425" wrap="square" tIns="45700">
+          <a:bodyPr spcFirstLastPara="1" wrap="square" lIns="91425" tIns="45700" rIns="91425" bIns="45700" anchor="ctr" anchorCtr="0">
             <a:noAutofit/>
           </a:bodyPr>
           <a:lstStyle>
-            <a:lvl1pPr indent="0" lvl="0" marL="0" marR="0" algn="r">
+            <a:lvl1pPr marL="0" marR="0" lvl="0" indent="0" algn="r">
               <a:lnSpc>
                 <a:spcPct val="100000"/>
               </a:lnSpc>
@@ -8892,7 +9069,7 @@
               <a:buSzPts val="1200"/>
               <a:buFont typeface="Arial"/>
               <a:buNone/>
-              <a:defRPr b="0" i="0" sz="1200" u="none" cap="none" strike="noStrike">
+              <a:defRPr sz="1200" b="0" i="0" u="none" strike="noStrike" cap="none">
                 <a:solidFill>
                   <a:srgbClr val="888888"/>
                 </a:solidFill>
@@ -8902,7 +9079,7 @@
                 <a:sym typeface="Calibri"/>
               </a:defRPr>
             </a:lvl1pPr>
-            <a:lvl2pPr indent="0" lvl="1" marL="0" marR="0" algn="r">
+            <a:lvl2pPr marL="0" marR="0" lvl="1" indent="0" algn="r">
               <a:lnSpc>
                 <a:spcPct val="100000"/>
               </a:lnSpc>
@@ -8918,7 +9095,7 @@
               <a:buSzPts val="1200"/>
               <a:buFont typeface="Arial"/>
               <a:buNone/>
-              <a:defRPr b="0" i="0" sz="1200" u="none" cap="none" strike="noStrike">
+              <a:defRPr sz="1200" b="0" i="0" u="none" strike="noStrike" cap="none">
                 <a:solidFill>
                   <a:srgbClr val="888888"/>
                 </a:solidFill>
@@ -8928,7 +9105,7 @@
                 <a:sym typeface="Calibri"/>
               </a:defRPr>
             </a:lvl2pPr>
-            <a:lvl3pPr indent="0" lvl="2" marL="0" marR="0" algn="r">
+            <a:lvl3pPr marL="0" marR="0" lvl="2" indent="0" algn="r">
               <a:lnSpc>
                 <a:spcPct val="100000"/>
               </a:lnSpc>
@@ -8944,7 +9121,7 @@
               <a:buSzPts val="1200"/>
               <a:buFont typeface="Arial"/>
               <a:buNone/>
-              <a:defRPr b="0" i="0" sz="1200" u="none" cap="none" strike="noStrike">
+              <a:defRPr sz="1200" b="0" i="0" u="none" strike="noStrike" cap="none">
                 <a:solidFill>
                   <a:srgbClr val="888888"/>
                 </a:solidFill>
@@ -8954,7 +9131,7 @@
                 <a:sym typeface="Calibri"/>
               </a:defRPr>
             </a:lvl3pPr>
-            <a:lvl4pPr indent="0" lvl="3" marL="0" marR="0" algn="r">
+            <a:lvl4pPr marL="0" marR="0" lvl="3" indent="0" algn="r">
               <a:lnSpc>
                 <a:spcPct val="100000"/>
               </a:lnSpc>
@@ -8970,7 +9147,7 @@
               <a:buSzPts val="1200"/>
               <a:buFont typeface="Arial"/>
               <a:buNone/>
-              <a:defRPr b="0" i="0" sz="1200" u="none" cap="none" strike="noStrike">
+              <a:defRPr sz="1200" b="0" i="0" u="none" strike="noStrike" cap="none">
                 <a:solidFill>
                   <a:srgbClr val="888888"/>
                 </a:solidFill>
@@ -8980,7 +9157,7 @@
                 <a:sym typeface="Calibri"/>
               </a:defRPr>
             </a:lvl4pPr>
-            <a:lvl5pPr indent="0" lvl="4" marL="0" marR="0" algn="r">
+            <a:lvl5pPr marL="0" marR="0" lvl="4" indent="0" algn="r">
               <a:lnSpc>
                 <a:spcPct val="100000"/>
               </a:lnSpc>
@@ -8996,7 +9173,7 @@
               <a:buSzPts val="1200"/>
               <a:buFont typeface="Arial"/>
               <a:buNone/>
-              <a:defRPr b="0" i="0" sz="1200" u="none" cap="none" strike="noStrike">
+              <a:defRPr sz="1200" b="0" i="0" u="none" strike="noStrike" cap="none">
                 <a:solidFill>
                   <a:srgbClr val="888888"/>
                 </a:solidFill>
@@ -9006,7 +9183,7 @@
                 <a:sym typeface="Calibri"/>
               </a:defRPr>
             </a:lvl5pPr>
-            <a:lvl6pPr indent="0" lvl="5" marL="0" marR="0" algn="r">
+            <a:lvl6pPr marL="0" marR="0" lvl="5" indent="0" algn="r">
               <a:lnSpc>
                 <a:spcPct val="100000"/>
               </a:lnSpc>
@@ -9022,7 +9199,7 @@
               <a:buSzPts val="1200"/>
               <a:buFont typeface="Arial"/>
               <a:buNone/>
-              <a:defRPr b="0" i="0" sz="1200" u="none" cap="none" strike="noStrike">
+              <a:defRPr sz="1200" b="0" i="0" u="none" strike="noStrike" cap="none">
                 <a:solidFill>
                   <a:srgbClr val="888888"/>
                 </a:solidFill>
@@ -9032,7 +9209,7 @@
                 <a:sym typeface="Calibri"/>
               </a:defRPr>
             </a:lvl6pPr>
-            <a:lvl7pPr indent="0" lvl="6" marL="0" marR="0" algn="r">
+            <a:lvl7pPr marL="0" marR="0" lvl="6" indent="0" algn="r">
               <a:lnSpc>
                 <a:spcPct val="100000"/>
               </a:lnSpc>
@@ -9048,7 +9225,7 @@
               <a:buSzPts val="1200"/>
               <a:buFont typeface="Arial"/>
               <a:buNone/>
-              <a:defRPr b="0" i="0" sz="1200" u="none" cap="none" strike="noStrike">
+              <a:defRPr sz="1200" b="0" i="0" u="none" strike="noStrike" cap="none">
                 <a:solidFill>
                   <a:srgbClr val="888888"/>
                 </a:solidFill>
@@ -9058,7 +9235,7 @@
                 <a:sym typeface="Calibri"/>
               </a:defRPr>
             </a:lvl7pPr>
-            <a:lvl8pPr indent="0" lvl="7" marL="0" marR="0" algn="r">
+            <a:lvl8pPr marL="0" marR="0" lvl="7" indent="0" algn="r">
               <a:lnSpc>
                 <a:spcPct val="100000"/>
               </a:lnSpc>
@@ -9074,7 +9251,7 @@
               <a:buSzPts val="1200"/>
               <a:buFont typeface="Arial"/>
               <a:buNone/>
-              <a:defRPr b="0" i="0" sz="1200" u="none" cap="none" strike="noStrike">
+              <a:defRPr sz="1200" b="0" i="0" u="none" strike="noStrike" cap="none">
                 <a:solidFill>
                   <a:srgbClr val="888888"/>
                 </a:solidFill>
@@ -9084,7 +9261,7 @@
                 <a:sym typeface="Calibri"/>
               </a:defRPr>
             </a:lvl8pPr>
-            <a:lvl9pPr indent="0" lvl="8" marL="0" marR="0" algn="r">
+            <a:lvl9pPr marL="0" marR="0" lvl="8" indent="0" algn="r">
               <a:lnSpc>
                 <a:spcPct val="100000"/>
               </a:lnSpc>
@@ -9100,7 +9277,7 @@
               <a:buSzPts val="1200"/>
               <a:buFont typeface="Arial"/>
               <a:buNone/>
-              <a:defRPr b="0" i="0" sz="1200" u="none" cap="none" strike="noStrike">
+              <a:defRPr sz="1200" b="0" i="0" u="none" strike="noStrike" cap="none">
                 <a:solidFill>
                   <a:srgbClr val="888888"/>
                 </a:solidFill>
@@ -9112,7 +9289,7 @@
             </a:lvl9pPr>
           </a:lstStyle>
           <a:p>
-            <a:pPr indent="0" lvl="0" marL="0" rtl="0" algn="r">
+            <a:pPr marL="0" lvl="0" indent="0" algn="r" rtl="0">
               <a:spcBef>
                 <a:spcPts val="0"/>
               </a:spcBef>
@@ -9138,11 +9315,11 @@
 </file>
 
 <file path=ppt/slideLayouts/slideLayout7.xml><?xml version="1.0" encoding="utf-8"?>
-<p:sldLayout xmlns:a="http://schemas.openxmlformats.org/drawingml/2006/main" xmlns:r="http://schemas.openxmlformats.org/officeDocument/2006/relationships" xmlns:mc="http://schemas.openxmlformats.org/markup-compatibility/2006" xmlns:mv="urn:schemas-microsoft-com:mac:vml" xmlns:p="http://schemas.openxmlformats.org/presentationml/2006/main" xmlns:c="http://schemas.openxmlformats.org/drawingml/2006/chart" xmlns:dgm="http://schemas.openxmlformats.org/drawingml/2006/diagram" xmlns:o="urn:schemas-microsoft-com:office:office" xmlns:v="urn:schemas-microsoft-com:vml" xmlns:pvml="urn:schemas-microsoft-com:office:powerpoint" xmlns:com="http://schemas.openxmlformats.org/drawingml/2006/compatibility" xmlns:p14="http://schemas.microsoft.com/office/powerpoint/2010/main" xmlns:p15="http://schemas.microsoft.com/office/powerpoint/2012/main" xmlns:ahyp="http://schemas.microsoft.com/office/drawing/2018/hyperlinkcolor" matchingName="Title Only" type="titleOnly">
+<p:sldLayout xmlns:a="http://schemas.openxmlformats.org/drawingml/2006/main" xmlns:r="http://schemas.openxmlformats.org/officeDocument/2006/relationships" xmlns:p="http://schemas.openxmlformats.org/presentationml/2006/main" matchingName="Title Only" type="titleOnly">
   <p:cSld name="TITLE_ONLY">
     <p:spTree>
       <p:nvGrpSpPr>
-        <p:cNvPr id="49" name="Shape 49"/>
+        <p:cNvPr id="1" name="Shape 49"/>
         <p:cNvGrpSpPr/>
         <p:nvPr/>
       </p:nvGrpSpPr>
@@ -9157,7 +9334,9 @@
       <p:sp>
         <p:nvSpPr>
           <p:cNvPr id="50" name="Google Shape;50;p10"/>
-          <p:cNvSpPr txBox="1"/>
+          <p:cNvSpPr txBox="1">
+            <a:spLocks noGrp="1"/>
+          </p:cNvSpPr>
           <p:nvPr>
             <p:ph type="title"/>
           </p:nvPr>
@@ -9176,7 +9355,7 @@
           </a:ln>
         </p:spPr>
         <p:txBody>
-          <a:bodyPr anchorCtr="0" anchor="ctr" bIns="45700" lIns="91425" spcFirstLastPara="1" rIns="91425" wrap="square" tIns="45700">
+          <a:bodyPr spcFirstLastPara="1" wrap="square" lIns="91425" tIns="45700" rIns="91425" bIns="45700" anchor="ctr" anchorCtr="0">
             <a:normAutofit/>
           </a:bodyPr>
           <a:lstStyle>
@@ -9310,15 +9489,19 @@
               <a:defRPr/>
             </a:lvl9pPr>
           </a:lstStyle>
-          <a:p/>
+          <a:p>
+            <a:endParaRPr/>
+          </a:p>
         </p:txBody>
       </p:sp>
       <p:sp>
         <p:nvSpPr>
           <p:cNvPr id="51" name="Google Shape;51;p10"/>
-          <p:cNvSpPr txBox="1"/>
+          <p:cNvSpPr txBox="1">
+            <a:spLocks noGrp="1"/>
+          </p:cNvSpPr>
           <p:nvPr>
-            <p:ph idx="10" type="dt"/>
+            <p:ph type="dt" idx="10"/>
           </p:nvPr>
         </p:nvSpPr>
         <p:spPr>
@@ -9335,7 +9518,7 @@
           </a:ln>
         </p:spPr>
         <p:txBody>
-          <a:bodyPr anchorCtr="0" anchor="ctr" bIns="45700" lIns="91425" spcFirstLastPara="1" rIns="91425" wrap="square" tIns="45700">
+          <a:bodyPr spcFirstLastPara="1" wrap="square" lIns="91425" tIns="45700" rIns="91425" bIns="45700" anchor="ctr" anchorCtr="0">
             <a:noAutofit/>
           </a:bodyPr>
           <a:lstStyle>
@@ -9466,15 +9649,19 @@
               <a:defRPr/>
             </a:lvl9pPr>
           </a:lstStyle>
-          <a:p/>
+          <a:p>
+            <a:endParaRPr/>
+          </a:p>
         </p:txBody>
       </p:sp>
       <p:sp>
         <p:nvSpPr>
           <p:cNvPr id="52" name="Google Shape;52;p10"/>
-          <p:cNvSpPr txBox="1"/>
+          <p:cNvSpPr txBox="1">
+            <a:spLocks noGrp="1"/>
+          </p:cNvSpPr>
           <p:nvPr>
-            <p:ph idx="11" type="ftr"/>
+            <p:ph type="ftr" idx="11"/>
           </p:nvPr>
         </p:nvSpPr>
         <p:spPr>
@@ -9491,7 +9678,7 @@
           </a:ln>
         </p:spPr>
         <p:txBody>
-          <a:bodyPr anchorCtr="0" anchor="ctr" bIns="45700" lIns="91425" spcFirstLastPara="1" rIns="91425" wrap="square" tIns="45700">
+          <a:bodyPr spcFirstLastPara="1" wrap="square" lIns="91425" tIns="45700" rIns="91425" bIns="45700" anchor="ctr" anchorCtr="0">
             <a:noAutofit/>
           </a:bodyPr>
           <a:lstStyle>
@@ -9622,15 +9809,19 @@
               <a:defRPr/>
             </a:lvl9pPr>
           </a:lstStyle>
-          <a:p/>
+          <a:p>
+            <a:endParaRPr/>
+          </a:p>
         </p:txBody>
       </p:sp>
       <p:sp>
         <p:nvSpPr>
           <p:cNvPr id="53" name="Google Shape;53;p10"/>
-          <p:cNvSpPr txBox="1"/>
+          <p:cNvSpPr txBox="1">
+            <a:spLocks noGrp="1"/>
+          </p:cNvSpPr>
           <p:nvPr>
-            <p:ph idx="12" type="sldNum"/>
+            <p:ph type="sldNum" idx="12"/>
           </p:nvPr>
         </p:nvSpPr>
         <p:spPr>
@@ -9647,11 +9838,11 @@
           </a:ln>
         </p:spPr>
         <p:txBody>
-          <a:bodyPr anchorCtr="0" anchor="ctr" bIns="45700" lIns="91425" spcFirstLastPara="1" rIns="91425" wrap="square" tIns="45700">
+          <a:bodyPr spcFirstLastPara="1" wrap="square" lIns="91425" tIns="45700" rIns="91425" bIns="45700" anchor="ctr" anchorCtr="0">
             <a:noAutofit/>
           </a:bodyPr>
           <a:lstStyle>
-            <a:lvl1pPr indent="0" lvl="0" marL="0" marR="0" algn="r">
+            <a:lvl1pPr marL="0" marR="0" lvl="0" indent="0" algn="r">
               <a:lnSpc>
                 <a:spcPct val="100000"/>
               </a:lnSpc>
@@ -9667,7 +9858,7 @@
               <a:buSzPts val="1200"/>
               <a:buFont typeface="Arial"/>
               <a:buNone/>
-              <a:defRPr b="0" i="0" sz="1200" u="none" cap="none" strike="noStrike">
+              <a:defRPr sz="1200" b="0" i="0" u="none" strike="noStrike" cap="none">
                 <a:solidFill>
                   <a:srgbClr val="888888"/>
                 </a:solidFill>
@@ -9677,7 +9868,7 @@
                 <a:sym typeface="Calibri"/>
               </a:defRPr>
             </a:lvl1pPr>
-            <a:lvl2pPr indent="0" lvl="1" marL="0" marR="0" algn="r">
+            <a:lvl2pPr marL="0" marR="0" lvl="1" indent="0" algn="r">
               <a:lnSpc>
                 <a:spcPct val="100000"/>
               </a:lnSpc>
@@ -9693,7 +9884,7 @@
               <a:buSzPts val="1200"/>
               <a:buFont typeface="Arial"/>
               <a:buNone/>
-              <a:defRPr b="0" i="0" sz="1200" u="none" cap="none" strike="noStrike">
+              <a:defRPr sz="1200" b="0" i="0" u="none" strike="noStrike" cap="none">
                 <a:solidFill>
                   <a:srgbClr val="888888"/>
                 </a:solidFill>
@@ -9703,7 +9894,7 @@
                 <a:sym typeface="Calibri"/>
               </a:defRPr>
             </a:lvl2pPr>
-            <a:lvl3pPr indent="0" lvl="2" marL="0" marR="0" algn="r">
+            <a:lvl3pPr marL="0" marR="0" lvl="2" indent="0" algn="r">
               <a:lnSpc>
                 <a:spcPct val="100000"/>
               </a:lnSpc>
@@ -9719,7 +9910,7 @@
               <a:buSzPts val="1200"/>
               <a:buFont typeface="Arial"/>
               <a:buNone/>
-              <a:defRPr b="0" i="0" sz="1200" u="none" cap="none" strike="noStrike">
+              <a:defRPr sz="1200" b="0" i="0" u="none" strike="noStrike" cap="none">
                 <a:solidFill>
                   <a:srgbClr val="888888"/>
                 </a:solidFill>
@@ -9729,7 +9920,7 @@
                 <a:sym typeface="Calibri"/>
               </a:defRPr>
             </a:lvl3pPr>
-            <a:lvl4pPr indent="0" lvl="3" marL="0" marR="0" algn="r">
+            <a:lvl4pPr marL="0" marR="0" lvl="3" indent="0" algn="r">
               <a:lnSpc>
                 <a:spcPct val="100000"/>
               </a:lnSpc>
@@ -9745,7 +9936,7 @@
               <a:buSzPts val="1200"/>
               <a:buFont typeface="Arial"/>
               <a:buNone/>
-              <a:defRPr b="0" i="0" sz="1200" u="none" cap="none" strike="noStrike">
+              <a:defRPr sz="1200" b="0" i="0" u="none" strike="noStrike" cap="none">
                 <a:solidFill>
                   <a:srgbClr val="888888"/>
                 </a:solidFill>
@@ -9755,7 +9946,7 @@
                 <a:sym typeface="Calibri"/>
               </a:defRPr>
             </a:lvl4pPr>
-            <a:lvl5pPr indent="0" lvl="4" marL="0" marR="0" algn="r">
+            <a:lvl5pPr marL="0" marR="0" lvl="4" indent="0" algn="r">
               <a:lnSpc>
                 <a:spcPct val="100000"/>
               </a:lnSpc>
@@ -9771,7 +9962,7 @@
               <a:buSzPts val="1200"/>
               <a:buFont typeface="Arial"/>
               <a:buNone/>
-              <a:defRPr b="0" i="0" sz="1200" u="none" cap="none" strike="noStrike">
+              <a:defRPr sz="1200" b="0" i="0" u="none" strike="noStrike" cap="none">
                 <a:solidFill>
                   <a:srgbClr val="888888"/>
                 </a:solidFill>
@@ -9781,7 +9972,7 @@
                 <a:sym typeface="Calibri"/>
               </a:defRPr>
             </a:lvl5pPr>
-            <a:lvl6pPr indent="0" lvl="5" marL="0" marR="0" algn="r">
+            <a:lvl6pPr marL="0" marR="0" lvl="5" indent="0" algn="r">
               <a:lnSpc>
                 <a:spcPct val="100000"/>
               </a:lnSpc>
@@ -9797,7 +9988,7 @@
               <a:buSzPts val="1200"/>
               <a:buFont typeface="Arial"/>
               <a:buNone/>
-              <a:defRPr b="0" i="0" sz="1200" u="none" cap="none" strike="noStrike">
+              <a:defRPr sz="1200" b="0" i="0" u="none" strike="noStrike" cap="none">
                 <a:solidFill>
                   <a:srgbClr val="888888"/>
                 </a:solidFill>
@@ -9807,7 +9998,7 @@
                 <a:sym typeface="Calibri"/>
               </a:defRPr>
             </a:lvl6pPr>
-            <a:lvl7pPr indent="0" lvl="6" marL="0" marR="0" algn="r">
+            <a:lvl7pPr marL="0" marR="0" lvl="6" indent="0" algn="r">
               <a:lnSpc>
                 <a:spcPct val="100000"/>
               </a:lnSpc>
@@ -9823,7 +10014,7 @@
               <a:buSzPts val="1200"/>
               <a:buFont typeface="Arial"/>
               <a:buNone/>
-              <a:defRPr b="0" i="0" sz="1200" u="none" cap="none" strike="noStrike">
+              <a:defRPr sz="1200" b="0" i="0" u="none" strike="noStrike" cap="none">
                 <a:solidFill>
                   <a:srgbClr val="888888"/>
                 </a:solidFill>
@@ -9833,7 +10024,7 @@
                 <a:sym typeface="Calibri"/>
               </a:defRPr>
             </a:lvl7pPr>
-            <a:lvl8pPr indent="0" lvl="7" marL="0" marR="0" algn="r">
+            <a:lvl8pPr marL="0" marR="0" lvl="7" indent="0" algn="r">
               <a:lnSpc>
                 <a:spcPct val="100000"/>
               </a:lnSpc>
@@ -9849,7 +10040,7 @@
               <a:buSzPts val="1200"/>
               <a:buFont typeface="Arial"/>
               <a:buNone/>
-              <a:defRPr b="0" i="0" sz="1200" u="none" cap="none" strike="noStrike">
+              <a:defRPr sz="1200" b="0" i="0" u="none" strike="noStrike" cap="none">
                 <a:solidFill>
                   <a:srgbClr val="888888"/>
                 </a:solidFill>
@@ -9859,7 +10050,7 @@
                 <a:sym typeface="Calibri"/>
               </a:defRPr>
             </a:lvl8pPr>
-            <a:lvl9pPr indent="0" lvl="8" marL="0" marR="0" algn="r">
+            <a:lvl9pPr marL="0" marR="0" lvl="8" indent="0" algn="r">
               <a:lnSpc>
                 <a:spcPct val="100000"/>
               </a:lnSpc>
@@ -9875,7 +10066,7 @@
               <a:buSzPts val="1200"/>
               <a:buFont typeface="Arial"/>
               <a:buNone/>
-              <a:defRPr b="0" i="0" sz="1200" u="none" cap="none" strike="noStrike">
+              <a:defRPr sz="1200" b="0" i="0" u="none" strike="noStrike" cap="none">
                 <a:solidFill>
                   <a:srgbClr val="888888"/>
                 </a:solidFill>
@@ -9887,7 +10078,7 @@
             </a:lvl9pPr>
           </a:lstStyle>
           <a:p>
-            <a:pPr indent="0" lvl="0" marL="0" rtl="0" algn="r">
+            <a:pPr marL="0" lvl="0" indent="0" algn="r" rtl="0">
               <a:spcBef>
                 <a:spcPts val="0"/>
               </a:spcBef>
@@ -9913,11 +10104,11 @@
 </file>
 
 <file path=ppt/slideLayouts/slideLayout8.xml><?xml version="1.0" encoding="utf-8"?>
-<p:sldLayout xmlns:a="http://schemas.openxmlformats.org/drawingml/2006/main" xmlns:r="http://schemas.openxmlformats.org/officeDocument/2006/relationships" xmlns:mc="http://schemas.openxmlformats.org/markup-compatibility/2006" xmlns:mv="urn:schemas-microsoft-com:mac:vml" xmlns:p="http://schemas.openxmlformats.org/presentationml/2006/main" xmlns:c="http://schemas.openxmlformats.org/drawingml/2006/chart" xmlns:dgm="http://schemas.openxmlformats.org/drawingml/2006/diagram" xmlns:o="urn:schemas-microsoft-com:office:office" xmlns:v="urn:schemas-microsoft-com:vml" xmlns:pvml="urn:schemas-microsoft-com:office:powerpoint" xmlns:com="http://schemas.openxmlformats.org/drawingml/2006/compatibility" xmlns:p14="http://schemas.microsoft.com/office/powerpoint/2010/main" xmlns:p15="http://schemas.microsoft.com/office/powerpoint/2012/main" xmlns:ahyp="http://schemas.microsoft.com/office/drawing/2018/hyperlinkcolor" matchingName="Content with Caption" type="objTx">
+<p:sldLayout xmlns:a="http://schemas.openxmlformats.org/drawingml/2006/main" xmlns:r="http://schemas.openxmlformats.org/officeDocument/2006/relationships" xmlns:p="http://schemas.openxmlformats.org/presentationml/2006/main" matchingName="Content with Caption" type="objTx">
   <p:cSld name="OBJECT_WITH_CAPTION_TEXT">
     <p:spTree>
       <p:nvGrpSpPr>
-        <p:cNvPr id="54" name="Shape 54"/>
+        <p:cNvPr id="1" name="Shape 54"/>
         <p:cNvGrpSpPr/>
         <p:nvPr/>
       </p:nvGrpSpPr>
@@ -9932,7 +10123,9 @@
       <p:sp>
         <p:nvSpPr>
           <p:cNvPr id="55" name="Google Shape;55;p11"/>
-          <p:cNvSpPr txBox="1"/>
+          <p:cNvSpPr txBox="1">
+            <a:spLocks noGrp="1"/>
+          </p:cNvSpPr>
           <p:nvPr>
             <p:ph type="title"/>
           </p:nvPr>
@@ -9951,7 +10144,7 @@
           </a:ln>
         </p:spPr>
         <p:txBody>
-          <a:bodyPr anchorCtr="0" anchor="b" bIns="45700" lIns="91425" spcFirstLastPara="1" rIns="91425" wrap="square" tIns="45700">
+          <a:bodyPr spcFirstLastPara="1" wrap="square" lIns="91425" tIns="45700" rIns="91425" bIns="45700" anchor="b" anchorCtr="0">
             <a:normAutofit/>
           </a:bodyPr>
           <a:lstStyle>
@@ -10086,15 +10279,19 @@
               <a:defRPr/>
             </a:lvl9pPr>
           </a:lstStyle>
-          <a:p/>
+          <a:p>
+            <a:endParaRPr/>
+          </a:p>
         </p:txBody>
       </p:sp>
       <p:sp>
         <p:nvSpPr>
           <p:cNvPr id="56" name="Google Shape;56;p11"/>
-          <p:cNvSpPr txBox="1"/>
+          <p:cNvSpPr txBox="1">
+            <a:spLocks noGrp="1"/>
+          </p:cNvSpPr>
           <p:nvPr>
-            <p:ph idx="1" type="body"/>
+            <p:ph type="body" idx="1"/>
           </p:nvPr>
         </p:nvSpPr>
         <p:spPr>
@@ -10111,11 +10308,11 @@
           </a:ln>
         </p:spPr>
         <p:txBody>
-          <a:bodyPr anchorCtr="0" anchor="t" bIns="45700" lIns="91425" spcFirstLastPara="1" rIns="91425" wrap="square" tIns="45700">
+          <a:bodyPr spcFirstLastPara="1" wrap="square" lIns="91425" tIns="45700" rIns="91425" bIns="45700" anchor="t" anchorCtr="0">
             <a:normAutofit/>
           </a:bodyPr>
           <a:lstStyle>
-            <a:lvl1pPr indent="-431800" lvl="0" marL="457200" algn="l">
+            <a:lvl1pPr marL="457200" lvl="0" indent="-431800" algn="l">
               <a:lnSpc>
                 <a:spcPct val="90000"/>
               </a:lnSpc>
@@ -10132,7 +10329,7 @@
               <a:buChar char="•"/>
               <a:defRPr sz="3200"/>
             </a:lvl1pPr>
-            <a:lvl2pPr indent="-406400" lvl="1" marL="914400" algn="l">
+            <a:lvl2pPr marL="914400" lvl="1" indent="-406400" algn="l">
               <a:lnSpc>
                 <a:spcPct val="90000"/>
               </a:lnSpc>
@@ -10149,7 +10346,7 @@
               <a:buChar char="•"/>
               <a:defRPr sz="2800"/>
             </a:lvl2pPr>
-            <a:lvl3pPr indent="-381000" lvl="2" marL="1371600" algn="l">
+            <a:lvl3pPr marL="1371600" lvl="2" indent="-381000" algn="l">
               <a:lnSpc>
                 <a:spcPct val="90000"/>
               </a:lnSpc>
@@ -10166,7 +10363,7 @@
               <a:buChar char="•"/>
               <a:defRPr sz="2400"/>
             </a:lvl3pPr>
-            <a:lvl4pPr indent="-355600" lvl="3" marL="1828800" algn="l">
+            <a:lvl4pPr marL="1828800" lvl="3" indent="-355600" algn="l">
               <a:lnSpc>
                 <a:spcPct val="90000"/>
               </a:lnSpc>
@@ -10183,7 +10380,7 @@
               <a:buChar char="•"/>
               <a:defRPr sz="2000"/>
             </a:lvl4pPr>
-            <a:lvl5pPr indent="-355600" lvl="4" marL="2286000" algn="l">
+            <a:lvl5pPr marL="2286000" lvl="4" indent="-355600" algn="l">
               <a:lnSpc>
                 <a:spcPct val="90000"/>
               </a:lnSpc>
@@ -10200,7 +10397,7 @@
               <a:buChar char="•"/>
               <a:defRPr sz="2000"/>
             </a:lvl5pPr>
-            <a:lvl6pPr indent="-355600" lvl="5" marL="2743200" algn="l">
+            <a:lvl6pPr marL="2743200" lvl="5" indent="-355600" algn="l">
               <a:lnSpc>
                 <a:spcPct val="90000"/>
               </a:lnSpc>
@@ -10217,7 +10414,7 @@
               <a:buChar char="•"/>
               <a:defRPr sz="2000"/>
             </a:lvl6pPr>
-            <a:lvl7pPr indent="-355600" lvl="6" marL="3200400" algn="l">
+            <a:lvl7pPr marL="3200400" lvl="6" indent="-355600" algn="l">
               <a:lnSpc>
                 <a:spcPct val="90000"/>
               </a:lnSpc>
@@ -10234,7 +10431,7 @@
               <a:buChar char="•"/>
               <a:defRPr sz="2000"/>
             </a:lvl7pPr>
-            <a:lvl8pPr indent="-355600" lvl="7" marL="3657600" algn="l">
+            <a:lvl8pPr marL="3657600" lvl="7" indent="-355600" algn="l">
               <a:lnSpc>
                 <a:spcPct val="90000"/>
               </a:lnSpc>
@@ -10251,7 +10448,7 @@
               <a:buChar char="•"/>
               <a:defRPr sz="2000"/>
             </a:lvl8pPr>
-            <a:lvl9pPr indent="-355600" lvl="8" marL="4114800" algn="l">
+            <a:lvl9pPr marL="4114800" lvl="8" indent="-355600" algn="l">
               <a:lnSpc>
                 <a:spcPct val="90000"/>
               </a:lnSpc>
@@ -10269,15 +10466,19 @@
               <a:defRPr sz="2000"/>
             </a:lvl9pPr>
           </a:lstStyle>
-          <a:p/>
+          <a:p>
+            <a:endParaRPr/>
+          </a:p>
         </p:txBody>
       </p:sp>
       <p:sp>
         <p:nvSpPr>
           <p:cNvPr id="57" name="Google Shape;57;p11"/>
-          <p:cNvSpPr txBox="1"/>
+          <p:cNvSpPr txBox="1">
+            <a:spLocks noGrp="1"/>
+          </p:cNvSpPr>
           <p:nvPr>
-            <p:ph idx="2" type="body"/>
+            <p:ph type="body" idx="2"/>
           </p:nvPr>
         </p:nvSpPr>
         <p:spPr>
@@ -10294,11 +10495,11 @@
           </a:ln>
         </p:spPr>
         <p:txBody>
-          <a:bodyPr anchorCtr="0" anchor="t" bIns="45700" lIns="91425" spcFirstLastPara="1" rIns="91425" wrap="square" tIns="45700">
+          <a:bodyPr spcFirstLastPara="1" wrap="square" lIns="91425" tIns="45700" rIns="91425" bIns="45700" anchor="t" anchorCtr="0">
             <a:normAutofit/>
           </a:bodyPr>
           <a:lstStyle>
-            <a:lvl1pPr indent="-228600" lvl="0" marL="457200" algn="l">
+            <a:lvl1pPr marL="457200" lvl="0" indent="-228600" algn="l">
               <a:lnSpc>
                 <a:spcPct val="90000"/>
               </a:lnSpc>
@@ -10315,7 +10516,7 @@
               <a:buNone/>
               <a:defRPr sz="1600"/>
             </a:lvl1pPr>
-            <a:lvl2pPr indent="-228600" lvl="1" marL="914400" algn="l">
+            <a:lvl2pPr marL="914400" lvl="1" indent="-228600" algn="l">
               <a:lnSpc>
                 <a:spcPct val="90000"/>
               </a:lnSpc>
@@ -10332,7 +10533,7 @@
               <a:buNone/>
               <a:defRPr sz="1400"/>
             </a:lvl2pPr>
-            <a:lvl3pPr indent="-228600" lvl="2" marL="1371600" algn="l">
+            <a:lvl3pPr marL="1371600" lvl="2" indent="-228600" algn="l">
               <a:lnSpc>
                 <a:spcPct val="90000"/>
               </a:lnSpc>
@@ -10349,7 +10550,7 @@
               <a:buNone/>
               <a:defRPr sz="1200"/>
             </a:lvl3pPr>
-            <a:lvl4pPr indent="-228600" lvl="3" marL="1828800" algn="l">
+            <a:lvl4pPr marL="1828800" lvl="3" indent="-228600" algn="l">
               <a:lnSpc>
                 <a:spcPct val="90000"/>
               </a:lnSpc>
@@ -10366,7 +10567,7 @@
               <a:buNone/>
               <a:defRPr sz="1000"/>
             </a:lvl4pPr>
-            <a:lvl5pPr indent="-228600" lvl="4" marL="2286000" algn="l">
+            <a:lvl5pPr marL="2286000" lvl="4" indent="-228600" algn="l">
               <a:lnSpc>
                 <a:spcPct val="90000"/>
               </a:lnSpc>
@@ -10383,7 +10584,7 @@
               <a:buNone/>
               <a:defRPr sz="1000"/>
             </a:lvl5pPr>
-            <a:lvl6pPr indent="-228600" lvl="5" marL="2743200" algn="l">
+            <a:lvl6pPr marL="2743200" lvl="5" indent="-228600" algn="l">
               <a:lnSpc>
                 <a:spcPct val="90000"/>
               </a:lnSpc>
@@ -10400,7 +10601,7 @@
               <a:buNone/>
               <a:defRPr sz="1000"/>
             </a:lvl6pPr>
-            <a:lvl7pPr indent="-228600" lvl="6" marL="3200400" algn="l">
+            <a:lvl7pPr marL="3200400" lvl="6" indent="-228600" algn="l">
               <a:lnSpc>
                 <a:spcPct val="90000"/>
               </a:lnSpc>
@@ -10417,7 +10618,7 @@
               <a:buNone/>
               <a:defRPr sz="1000"/>
             </a:lvl7pPr>
-            <a:lvl8pPr indent="-228600" lvl="7" marL="3657600" algn="l">
+            <a:lvl8pPr marL="3657600" lvl="7" indent="-228600" algn="l">
               <a:lnSpc>
                 <a:spcPct val="90000"/>
               </a:lnSpc>
@@ -10434,7 +10635,7 @@
               <a:buNone/>
               <a:defRPr sz="1000"/>
             </a:lvl8pPr>
-            <a:lvl9pPr indent="-228600" lvl="8" marL="4114800" algn="l">
+            <a:lvl9pPr marL="4114800" lvl="8" indent="-228600" algn="l">
               <a:lnSpc>
                 <a:spcPct val="90000"/>
               </a:lnSpc>
@@ -10452,15 +10653,19 @@
               <a:defRPr sz="1000"/>
             </a:lvl9pPr>
           </a:lstStyle>
-          <a:p/>
+          <a:p>
+            <a:endParaRPr/>
+          </a:p>
         </p:txBody>
       </p:sp>
       <p:sp>
         <p:nvSpPr>
           <p:cNvPr id="58" name="Google Shape;58;p11"/>
-          <p:cNvSpPr txBox="1"/>
+          <p:cNvSpPr txBox="1">
+            <a:spLocks noGrp="1"/>
+          </p:cNvSpPr>
           <p:nvPr>
-            <p:ph idx="10" type="dt"/>
+            <p:ph type="dt" idx="10"/>
           </p:nvPr>
         </p:nvSpPr>
         <p:spPr>
@@ -10477,7 +10682,7 @@
           </a:ln>
         </p:spPr>
         <p:txBody>
-          <a:bodyPr anchorCtr="0" anchor="ctr" bIns="45700" lIns="91425" spcFirstLastPara="1" rIns="91425" wrap="square" tIns="45700">
+          <a:bodyPr spcFirstLastPara="1" wrap="square" lIns="91425" tIns="45700" rIns="91425" bIns="45700" anchor="ctr" anchorCtr="0">
             <a:noAutofit/>
           </a:bodyPr>
           <a:lstStyle>
@@ -10608,15 +10813,19 @@
               <a:defRPr/>
             </a:lvl9pPr>
           </a:lstStyle>
-          <a:p/>
+          <a:p>
+            <a:endParaRPr/>
+          </a:p>
         </p:txBody>
       </p:sp>
       <p:sp>
         <p:nvSpPr>
           <p:cNvPr id="59" name="Google Shape;59;p11"/>
-          <p:cNvSpPr txBox="1"/>
+          <p:cNvSpPr txBox="1">
+            <a:spLocks noGrp="1"/>
+          </p:cNvSpPr>
           <p:nvPr>
-            <p:ph idx="11" type="ftr"/>
+            <p:ph type="ftr" idx="11"/>
           </p:nvPr>
         </p:nvSpPr>
         <p:spPr>
@@ -10633,7 +10842,7 @@
           </a:ln>
         </p:spPr>
         <p:txBody>
-          <a:bodyPr anchorCtr="0" anchor="ctr" bIns="45700" lIns="91425" spcFirstLastPara="1" rIns="91425" wrap="square" tIns="45700">
+          <a:bodyPr spcFirstLastPara="1" wrap="square" lIns="91425" tIns="45700" rIns="91425" bIns="45700" anchor="ctr" anchorCtr="0">
             <a:noAutofit/>
           </a:bodyPr>
           <a:lstStyle>
@@ -10764,15 +10973,19 @@
               <a:defRPr/>
             </a:lvl9pPr>
           </a:lstStyle>
-          <a:p/>
+          <a:p>
+            <a:endParaRPr/>
+          </a:p>
         </p:txBody>
       </p:sp>
       <p:sp>
         <p:nvSpPr>
           <p:cNvPr id="60" name="Google Shape;60;p11"/>
-          <p:cNvSpPr txBox="1"/>
+          <p:cNvSpPr txBox="1">
+            <a:spLocks noGrp="1"/>
+          </p:cNvSpPr>
           <p:nvPr>
-            <p:ph idx="12" type="sldNum"/>
+            <p:ph type="sldNum" idx="12"/>
           </p:nvPr>
         </p:nvSpPr>
         <p:spPr>
@@ -10789,11 +11002,11 @@
           </a:ln>
         </p:spPr>
         <p:txBody>
-          <a:bodyPr anchorCtr="0" anchor="ctr" bIns="45700" lIns="91425" spcFirstLastPara="1" rIns="91425" wrap="square" tIns="45700">
+          <a:bodyPr spcFirstLastPara="1" wrap="square" lIns="91425" tIns="45700" rIns="91425" bIns="45700" anchor="ctr" anchorCtr="0">
             <a:noAutofit/>
           </a:bodyPr>
           <a:lstStyle>
-            <a:lvl1pPr indent="0" lvl="0" marL="0" marR="0" algn="r">
+            <a:lvl1pPr marL="0" marR="0" lvl="0" indent="0" algn="r">
               <a:lnSpc>
                 <a:spcPct val="100000"/>
               </a:lnSpc>
@@ -10809,7 +11022,7 @@
               <a:buSzPts val="1200"/>
               <a:buFont typeface="Arial"/>
               <a:buNone/>
-              <a:defRPr b="0" i="0" sz="1200" u="none" cap="none" strike="noStrike">
+              <a:defRPr sz="1200" b="0" i="0" u="none" strike="noStrike" cap="none">
                 <a:solidFill>
                   <a:srgbClr val="888888"/>
                 </a:solidFill>
@@ -10819,7 +11032,7 @@
                 <a:sym typeface="Calibri"/>
               </a:defRPr>
             </a:lvl1pPr>
-            <a:lvl2pPr indent="0" lvl="1" marL="0" marR="0" algn="r">
+            <a:lvl2pPr marL="0" marR="0" lvl="1" indent="0" algn="r">
               <a:lnSpc>
                 <a:spcPct val="100000"/>
               </a:lnSpc>
@@ -10835,7 +11048,7 @@
               <a:buSzPts val="1200"/>
               <a:buFont typeface="Arial"/>
               <a:buNone/>
-              <a:defRPr b="0" i="0" sz="1200" u="none" cap="none" strike="noStrike">
+              <a:defRPr sz="1200" b="0" i="0" u="none" strike="noStrike" cap="none">
                 <a:solidFill>
                   <a:srgbClr val="888888"/>
                 </a:solidFill>
@@ -10845,7 +11058,7 @@
                 <a:sym typeface="Calibri"/>
               </a:defRPr>
             </a:lvl2pPr>
-            <a:lvl3pPr indent="0" lvl="2" marL="0" marR="0" algn="r">
+            <a:lvl3pPr marL="0" marR="0" lvl="2" indent="0" algn="r">
               <a:lnSpc>
                 <a:spcPct val="100000"/>
               </a:lnSpc>
@@ -10861,7 +11074,7 @@
               <a:buSzPts val="1200"/>
               <a:buFont typeface="Arial"/>
               <a:buNone/>
-              <a:defRPr b="0" i="0" sz="1200" u="none" cap="none" strike="noStrike">
+              <a:defRPr sz="1200" b="0" i="0" u="none" strike="noStrike" cap="none">
                 <a:solidFill>
                   <a:srgbClr val="888888"/>
                 </a:solidFill>
@@ -10871,7 +11084,7 @@
                 <a:sym typeface="Calibri"/>
               </a:defRPr>
             </a:lvl3pPr>
-            <a:lvl4pPr indent="0" lvl="3" marL="0" marR="0" algn="r">
+            <a:lvl4pPr marL="0" marR="0" lvl="3" indent="0" algn="r">
               <a:lnSpc>
                 <a:spcPct val="100000"/>
               </a:lnSpc>
@@ -10887,7 +11100,7 @@
               <a:buSzPts val="1200"/>
               <a:buFont typeface="Arial"/>
               <a:buNone/>
-              <a:defRPr b="0" i="0" sz="1200" u="none" cap="none" strike="noStrike">
+              <a:defRPr sz="1200" b="0" i="0" u="none" strike="noStrike" cap="none">
                 <a:solidFill>
                   <a:srgbClr val="888888"/>
                 </a:solidFill>
@@ -10897,7 +11110,7 @@
                 <a:sym typeface="Calibri"/>
               </a:defRPr>
             </a:lvl4pPr>
-            <a:lvl5pPr indent="0" lvl="4" marL="0" marR="0" algn="r">
+            <a:lvl5pPr marL="0" marR="0" lvl="4" indent="0" algn="r">
               <a:lnSpc>
                 <a:spcPct val="100000"/>
               </a:lnSpc>
@@ -10913,7 +11126,7 @@
               <a:buSzPts val="1200"/>
               <a:buFont typeface="Arial"/>
               <a:buNone/>
-              <a:defRPr b="0" i="0" sz="1200" u="none" cap="none" strike="noStrike">
+              <a:defRPr sz="1200" b="0" i="0" u="none" strike="noStrike" cap="none">
                 <a:solidFill>
                   <a:srgbClr val="888888"/>
                 </a:solidFill>
@@ -10923,7 +11136,7 @@
                 <a:sym typeface="Calibri"/>
               </a:defRPr>
             </a:lvl5pPr>
-            <a:lvl6pPr indent="0" lvl="5" marL="0" marR="0" algn="r">
+            <a:lvl6pPr marL="0" marR="0" lvl="5" indent="0" algn="r">
               <a:lnSpc>
                 <a:spcPct val="100000"/>
               </a:lnSpc>
@@ -10939,7 +11152,7 @@
               <a:buSzPts val="1200"/>
               <a:buFont typeface="Arial"/>
               <a:buNone/>
-              <a:defRPr b="0" i="0" sz="1200" u="none" cap="none" strike="noStrike">
+              <a:defRPr sz="1200" b="0" i="0" u="none" strike="noStrike" cap="none">
                 <a:solidFill>
                   <a:srgbClr val="888888"/>
                 </a:solidFill>
@@ -10949,7 +11162,7 @@
                 <a:sym typeface="Calibri"/>
               </a:defRPr>
             </a:lvl6pPr>
-            <a:lvl7pPr indent="0" lvl="6" marL="0" marR="0" algn="r">
+            <a:lvl7pPr marL="0" marR="0" lvl="6" indent="0" algn="r">
               <a:lnSpc>
                 <a:spcPct val="100000"/>
               </a:lnSpc>
@@ -10965,7 +11178,7 @@
               <a:buSzPts val="1200"/>
               <a:buFont typeface="Arial"/>
               <a:buNone/>
-              <a:defRPr b="0" i="0" sz="1200" u="none" cap="none" strike="noStrike">
+              <a:defRPr sz="1200" b="0" i="0" u="none" strike="noStrike" cap="none">
                 <a:solidFill>
                   <a:srgbClr val="888888"/>
                 </a:solidFill>
@@ -10975,7 +11188,7 @@
                 <a:sym typeface="Calibri"/>
               </a:defRPr>
             </a:lvl7pPr>
-            <a:lvl8pPr indent="0" lvl="7" marL="0" marR="0" algn="r">
+            <a:lvl8pPr marL="0" marR="0" lvl="7" indent="0" algn="r">
               <a:lnSpc>
                 <a:spcPct val="100000"/>
               </a:lnSpc>
@@ -10991,7 +11204,7 @@
               <a:buSzPts val="1200"/>
               <a:buFont typeface="Arial"/>
               <a:buNone/>
-              <a:defRPr b="0" i="0" sz="1200" u="none" cap="none" strike="noStrike">
+              <a:defRPr sz="1200" b="0" i="0" u="none" strike="noStrike" cap="none">
                 <a:solidFill>
                   <a:srgbClr val="888888"/>
                 </a:solidFill>
@@ -11001,7 +11214,7 @@
                 <a:sym typeface="Calibri"/>
               </a:defRPr>
             </a:lvl8pPr>
-            <a:lvl9pPr indent="0" lvl="8" marL="0" marR="0" algn="r">
+            <a:lvl9pPr marL="0" marR="0" lvl="8" indent="0" algn="r">
               <a:lnSpc>
                 <a:spcPct val="100000"/>
               </a:lnSpc>
@@ -11017,7 +11230,7 @@
               <a:buSzPts val="1200"/>
               <a:buFont typeface="Arial"/>
               <a:buNone/>
-              <a:defRPr b="0" i="0" sz="1200" u="none" cap="none" strike="noStrike">
+              <a:defRPr sz="1200" b="0" i="0" u="none" strike="noStrike" cap="none">
                 <a:solidFill>
                   <a:srgbClr val="888888"/>
                 </a:solidFill>
@@ -11029,7 +11242,7 @@
             </a:lvl9pPr>
           </a:lstStyle>
           <a:p>
-            <a:pPr indent="0" lvl="0" marL="0" rtl="0" algn="r">
+            <a:pPr marL="0" lvl="0" indent="0" algn="r" rtl="0">
               <a:spcBef>
                 <a:spcPts val="0"/>
               </a:spcBef>
@@ -11055,11 +11268,11 @@
 </file>
 
 <file path=ppt/slideLayouts/slideLayout9.xml><?xml version="1.0" encoding="utf-8"?>
-<p:sldLayout xmlns:a="http://schemas.openxmlformats.org/drawingml/2006/main" xmlns:r="http://schemas.openxmlformats.org/officeDocument/2006/relationships" xmlns:mc="http://schemas.openxmlformats.org/markup-compatibility/2006" xmlns:mv="urn:schemas-microsoft-com:mac:vml" xmlns:p="http://schemas.openxmlformats.org/presentationml/2006/main" xmlns:c="http://schemas.openxmlformats.org/drawingml/2006/chart" xmlns:dgm="http://schemas.openxmlformats.org/drawingml/2006/diagram" xmlns:o="urn:schemas-microsoft-com:office:office" xmlns:v="urn:schemas-microsoft-com:vml" xmlns:pvml="urn:schemas-microsoft-com:office:powerpoint" xmlns:com="http://schemas.openxmlformats.org/drawingml/2006/compatibility" xmlns:p14="http://schemas.microsoft.com/office/powerpoint/2010/main" xmlns:p15="http://schemas.microsoft.com/office/powerpoint/2012/main" xmlns:ahyp="http://schemas.microsoft.com/office/drawing/2018/hyperlinkcolor" matchingName="Picture with Caption" type="picTx">
+<p:sldLayout xmlns:a="http://schemas.openxmlformats.org/drawingml/2006/main" xmlns:r="http://schemas.openxmlformats.org/officeDocument/2006/relationships" xmlns:p="http://schemas.openxmlformats.org/presentationml/2006/main" matchingName="Picture with Caption" type="picTx">
   <p:cSld name="PICTURE_WITH_CAPTION_TEXT">
     <p:spTree>
       <p:nvGrpSpPr>
-        <p:cNvPr id="61" name="Shape 61"/>
+        <p:cNvPr id="1" name="Shape 61"/>
         <p:cNvGrpSpPr/>
         <p:nvPr/>
       </p:nvGrpSpPr>
@@ -11074,7 +11287,9 @@
       <p:sp>
         <p:nvSpPr>
           <p:cNvPr id="62" name="Google Shape;62;p12"/>
-          <p:cNvSpPr txBox="1"/>
+          <p:cNvSpPr txBox="1">
+            <a:spLocks noGrp="1"/>
+          </p:cNvSpPr>
           <p:nvPr>
             <p:ph type="title"/>
           </p:nvPr>
@@ -11093,7 +11308,7 @@
           </a:ln>
         </p:spPr>
         <p:txBody>
-          <a:bodyPr anchorCtr="0" anchor="b" bIns="45700" lIns="91425" spcFirstLastPara="1" rIns="91425" wrap="square" tIns="45700">
+          <a:bodyPr spcFirstLastPara="1" wrap="square" lIns="91425" tIns="45700" rIns="91425" bIns="45700" anchor="b" anchorCtr="0">
             <a:normAutofit/>
           </a:bodyPr>
           <a:lstStyle>
@@ -11228,15 +11443,19 @@
               <a:defRPr/>
             </a:lvl9pPr>
           </a:lstStyle>
-          <a:p/>
+          <a:p>
+            <a:endParaRPr/>
+          </a:p>
         </p:txBody>
       </p:sp>
       <p:sp>
         <p:nvSpPr>
           <p:cNvPr id="63" name="Google Shape;63;p12"/>
-          <p:cNvSpPr/>
+          <p:cNvSpPr>
+            <a:spLocks noGrp="1"/>
+          </p:cNvSpPr>
           <p:nvPr>
-            <p:ph idx="2" type="pic"/>
+            <p:ph type="pic" idx="2"/>
           </p:nvPr>
         </p:nvSpPr>
         <p:spPr>
@@ -11256,9 +11475,11 @@
       <p:sp>
         <p:nvSpPr>
           <p:cNvPr id="64" name="Google Shape;64;p12"/>
-          <p:cNvSpPr txBox="1"/>
+          <p:cNvSpPr txBox="1">
+            <a:spLocks noGrp="1"/>
+          </p:cNvSpPr>
           <p:nvPr>
-            <p:ph idx="1" type="body"/>
+            <p:ph type="body" idx="1"/>
           </p:nvPr>
         </p:nvSpPr>
         <p:spPr>
@@ -11275,11 +11496,11 @@
           </a:ln>
         </p:spPr>
         <p:txBody>
-          <a:bodyPr anchorCtr="0" anchor="t" bIns="45700" lIns="91425" spcFirstLastPara="1" rIns="91425" wrap="square" tIns="45700">
+          <a:bodyPr spcFirstLastPara="1" wrap="square" lIns="91425" tIns="45700" rIns="91425" bIns="45700" anchor="t" anchorCtr="0">
             <a:normAutofit/>
           </a:bodyPr>
           <a:lstStyle>
-            <a:lvl1pPr indent="-228600" lvl="0" marL="457200" algn="l">
+            <a:lvl1pPr marL="457200" lvl="0" indent="-228600" algn="l">
               <a:lnSpc>
                 <a:spcPct val="90000"/>
               </a:lnSpc>
@@ -11296,7 +11517,7 @@
               <a:buNone/>
               <a:defRPr sz="1600"/>
             </a:lvl1pPr>
-            <a:lvl2pPr indent="-228600" lvl="1" marL="914400" algn="l">
+            <a:lvl2pPr marL="914400" lvl="1" indent="-228600" algn="l">
               <a:lnSpc>
                 <a:spcPct val="90000"/>
               </a:lnSpc>
@@ -11313,7 +11534,7 @@
               <a:buNone/>
               <a:defRPr sz="1400"/>
             </a:lvl2pPr>
-            <a:lvl3pPr indent="-228600" lvl="2" marL="1371600" algn="l">
+            <a:lvl3pPr marL="1371600" lvl="2" indent="-228600" algn="l">
               <a:lnSpc>
                 <a:spcPct val="90000"/>
               </a:lnSpc>
@@ -11330,7 +11551,7 @@
               <a:buNone/>
               <a:defRPr sz="1200"/>
             </a:lvl3pPr>
-            <a:lvl4pPr indent="-228600" lvl="3" marL="1828800" algn="l">
+            <a:lvl4pPr marL="1828800" lvl="3" indent="-228600" algn="l">
               <a:lnSpc>
                 <a:spcPct val="90000"/>
               </a:lnSpc>
@@ -11347,7 +11568,7 @@
               <a:buNone/>
               <a:defRPr sz="1000"/>
             </a:lvl4pPr>
-            <a:lvl5pPr indent="-228600" lvl="4" marL="2286000" algn="l">
+            <a:lvl5pPr marL="2286000" lvl="4" indent="-228600" algn="l">
               <a:lnSpc>
                 <a:spcPct val="90000"/>
               </a:lnSpc>
@@ -11364,7 +11585,7 @@
               <a:buNone/>
               <a:defRPr sz="1000"/>
             </a:lvl5pPr>
-            <a:lvl6pPr indent="-228600" lvl="5" marL="2743200" algn="l">
+            <a:lvl6pPr marL="2743200" lvl="5" indent="-228600" algn="l">
               <a:lnSpc>
                 <a:spcPct val="90000"/>
               </a:lnSpc>
@@ -11381,7 +11602,7 @@
               <a:buNone/>
               <a:defRPr sz="1000"/>
             </a:lvl6pPr>
-            <a:lvl7pPr indent="-228600" lvl="6" marL="3200400" algn="l">
+            <a:lvl7pPr marL="3200400" lvl="6" indent="-228600" algn="l">
               <a:lnSpc>
                 <a:spcPct val="90000"/>
               </a:lnSpc>
@@ -11398,7 +11619,7 @@
               <a:buNone/>
               <a:defRPr sz="1000"/>
             </a:lvl7pPr>
-            <a:lvl8pPr indent="-228600" lvl="7" marL="3657600" algn="l">
+            <a:lvl8pPr marL="3657600" lvl="7" indent="-228600" algn="l">
               <a:lnSpc>
                 <a:spcPct val="90000"/>
               </a:lnSpc>
@@ -11415,7 +11636,7 @@
               <a:buNone/>
               <a:defRPr sz="1000"/>
             </a:lvl8pPr>
-            <a:lvl9pPr indent="-228600" lvl="8" marL="4114800" algn="l">
+            <a:lvl9pPr marL="4114800" lvl="8" indent="-228600" algn="l">
               <a:lnSpc>
                 <a:spcPct val="90000"/>
               </a:lnSpc>
@@ -11433,15 +11654,19 @@
               <a:defRPr sz="1000"/>
             </a:lvl9pPr>
           </a:lstStyle>
-          <a:p/>
+          <a:p>
+            <a:endParaRPr/>
+          </a:p>
         </p:txBody>
       </p:sp>
       <p:sp>
         <p:nvSpPr>
           <p:cNvPr id="65" name="Google Shape;65;p12"/>
-          <p:cNvSpPr txBox="1"/>
+          <p:cNvSpPr txBox="1">
+            <a:spLocks noGrp="1"/>
+          </p:cNvSpPr>
           <p:nvPr>
-            <p:ph idx="10" type="dt"/>
+            <p:ph type="dt" idx="10"/>
           </p:nvPr>
         </p:nvSpPr>
         <p:spPr>
@@ -11458,7 +11683,7 @@
           </a:ln>
         </p:spPr>
         <p:txBody>
-          <a:bodyPr anchorCtr="0" anchor="ctr" bIns="45700" lIns="91425" spcFirstLastPara="1" rIns="91425" wrap="square" tIns="45700">
+          <a:bodyPr spcFirstLastPara="1" wrap="square" lIns="91425" tIns="45700" rIns="91425" bIns="45700" anchor="ctr" anchorCtr="0">
             <a:noAutofit/>
           </a:bodyPr>
           <a:lstStyle>
@@ -11589,15 +11814,19 @@
               <a:defRPr/>
             </a:lvl9pPr>
           </a:lstStyle>
-          <a:p/>
+          <a:p>
+            <a:endParaRPr/>
+          </a:p>
         </p:txBody>
       </p:sp>
       <p:sp>
         <p:nvSpPr>
           <p:cNvPr id="66" name="Google Shape;66;p12"/>
-          <p:cNvSpPr txBox="1"/>
+          <p:cNvSpPr txBox="1">
+            <a:spLocks noGrp="1"/>
+          </p:cNvSpPr>
           <p:nvPr>
-            <p:ph idx="11" type="ftr"/>
+            <p:ph type="ftr" idx="11"/>
           </p:nvPr>
         </p:nvSpPr>
         <p:spPr>
@@ -11614,7 +11843,7 @@
           </a:ln>
         </p:spPr>
         <p:txBody>
-          <a:bodyPr anchorCtr="0" anchor="ctr" bIns="45700" lIns="91425" spcFirstLastPara="1" rIns="91425" wrap="square" tIns="45700">
+          <a:bodyPr spcFirstLastPara="1" wrap="square" lIns="91425" tIns="45700" rIns="91425" bIns="45700" anchor="ctr" anchorCtr="0">
             <a:noAutofit/>
           </a:bodyPr>
           <a:lstStyle>
@@ -11745,15 +11974,19 @@
               <a:defRPr/>
             </a:lvl9pPr>
           </a:lstStyle>
-          <a:p/>
+          <a:p>
+            <a:endParaRPr/>
+          </a:p>
         </p:txBody>
       </p:sp>
       <p:sp>
         <p:nvSpPr>
           <p:cNvPr id="67" name="Google Shape;67;p12"/>
-          <p:cNvSpPr txBox="1"/>
+          <p:cNvSpPr txBox="1">
+            <a:spLocks noGrp="1"/>
+          </p:cNvSpPr>
           <p:nvPr>
-            <p:ph idx="12" type="sldNum"/>
+            <p:ph type="sldNum" idx="12"/>
           </p:nvPr>
         </p:nvSpPr>
         <p:spPr>
@@ -11770,11 +12003,11 @@
           </a:ln>
         </p:spPr>
         <p:txBody>
-          <a:bodyPr anchorCtr="0" anchor="ctr" bIns="45700" lIns="91425" spcFirstLastPara="1" rIns="91425" wrap="square" tIns="45700">
+          <a:bodyPr spcFirstLastPara="1" wrap="square" lIns="91425" tIns="45700" rIns="91425" bIns="45700" anchor="ctr" anchorCtr="0">
             <a:noAutofit/>
           </a:bodyPr>
           <a:lstStyle>
-            <a:lvl1pPr indent="0" lvl="0" marL="0" marR="0" algn="r">
+            <a:lvl1pPr marL="0" marR="0" lvl="0" indent="0" algn="r">
               <a:lnSpc>
                 <a:spcPct val="100000"/>
               </a:lnSpc>
@@ -11790,7 +12023,7 @@
               <a:buSzPts val="1200"/>
               <a:buFont typeface="Arial"/>
               <a:buNone/>
-              <a:defRPr b="0" i="0" sz="1200" u="none" cap="none" strike="noStrike">
+              <a:defRPr sz="1200" b="0" i="0" u="none" strike="noStrike" cap="none">
                 <a:solidFill>
                   <a:srgbClr val="888888"/>
                 </a:solidFill>
@@ -11800,7 +12033,7 @@
                 <a:sym typeface="Calibri"/>
               </a:defRPr>
             </a:lvl1pPr>
-            <a:lvl2pPr indent="0" lvl="1" marL="0" marR="0" algn="r">
+            <a:lvl2pPr marL="0" marR="0" lvl="1" indent="0" algn="r">
               <a:lnSpc>
                 <a:spcPct val="100000"/>
               </a:lnSpc>
@@ -11816,7 +12049,7 @@
               <a:buSzPts val="1200"/>
               <a:buFont typeface="Arial"/>
               <a:buNone/>
-              <a:defRPr b="0" i="0" sz="1200" u="none" cap="none" strike="noStrike">
+              <a:defRPr sz="1200" b="0" i="0" u="none" strike="noStrike" cap="none">
                 <a:solidFill>
                   <a:srgbClr val="888888"/>
                 </a:solidFill>
@@ -11826,7 +12059,7 @@
                 <a:sym typeface="Calibri"/>
               </a:defRPr>
             </a:lvl2pPr>
-            <a:lvl3pPr indent="0" lvl="2" marL="0" marR="0" algn="r">
+            <a:lvl3pPr marL="0" marR="0" lvl="2" indent="0" algn="r">
               <a:lnSpc>
                 <a:spcPct val="100000"/>
               </a:lnSpc>
@@ -11842,7 +12075,7 @@
               <a:buSzPts val="1200"/>
               <a:buFont typeface="Arial"/>
               <a:buNone/>
-              <a:defRPr b="0" i="0" sz="1200" u="none" cap="none" strike="noStrike">
+              <a:defRPr sz="1200" b="0" i="0" u="none" strike="noStrike" cap="none">
                 <a:solidFill>
                   <a:srgbClr val="888888"/>
                 </a:solidFill>
@@ -11852,7 +12085,7 @@
                 <a:sym typeface="Calibri"/>
               </a:defRPr>
             </a:lvl3pPr>
-            <a:lvl4pPr indent="0" lvl="3" marL="0" marR="0" algn="r">
+            <a:lvl4pPr marL="0" marR="0" lvl="3" indent="0" algn="r">
               <a:lnSpc>
                 <a:spcPct val="100000"/>
               </a:lnSpc>
@@ -11868,7 +12101,7 @@
               <a:buSzPts val="1200"/>
               <a:buFont typeface="Arial"/>
               <a:buNone/>
-              <a:defRPr b="0" i="0" sz="1200" u="none" cap="none" strike="noStrike">
+              <a:defRPr sz="1200" b="0" i="0" u="none" strike="noStrike" cap="none">
                 <a:solidFill>
                   <a:srgbClr val="888888"/>
                 </a:solidFill>
@@ -11878,7 +12111,7 @@
                 <a:sym typeface="Calibri"/>
               </a:defRPr>
             </a:lvl4pPr>
-            <a:lvl5pPr indent="0" lvl="4" marL="0" marR="0" algn="r">
+            <a:lvl5pPr marL="0" marR="0" lvl="4" indent="0" algn="r">
               <a:lnSpc>
                 <a:spcPct val="100000"/>
               </a:lnSpc>
@@ -11894,7 +12127,7 @@
               <a:buSzPts val="1200"/>
               <a:buFont typeface="Arial"/>
               <a:buNone/>
-              <a:defRPr b="0" i="0" sz="1200" u="none" cap="none" strike="noStrike">
+              <a:defRPr sz="1200" b="0" i="0" u="none" strike="noStrike" cap="none">
                 <a:solidFill>
                   <a:srgbClr val="888888"/>
                 </a:solidFill>
@@ -11904,7 +12137,7 @@
                 <a:sym typeface="Calibri"/>
               </a:defRPr>
             </a:lvl5pPr>
-            <a:lvl6pPr indent="0" lvl="5" marL="0" marR="0" algn="r">
+            <a:lvl6pPr marL="0" marR="0" lvl="5" indent="0" algn="r">
               <a:lnSpc>
                 <a:spcPct val="100000"/>
               </a:lnSpc>
@@ -11920,7 +12153,7 @@
               <a:buSzPts val="1200"/>
               <a:buFont typeface="Arial"/>
               <a:buNone/>
-              <a:defRPr b="0" i="0" sz="1200" u="none" cap="none" strike="noStrike">
+              <a:defRPr sz="1200" b="0" i="0" u="none" strike="noStrike" cap="none">
                 <a:solidFill>
                   <a:srgbClr val="888888"/>
                 </a:solidFill>
@@ -11930,7 +12163,7 @@
                 <a:sym typeface="Calibri"/>
               </a:defRPr>
             </a:lvl6pPr>
-            <a:lvl7pPr indent="0" lvl="6" marL="0" marR="0" algn="r">
+            <a:lvl7pPr marL="0" marR="0" lvl="6" indent="0" algn="r">
               <a:lnSpc>
                 <a:spcPct val="100000"/>
               </a:lnSpc>
@@ -11946,7 +12179,7 @@
               <a:buSzPts val="1200"/>
               <a:buFont typeface="Arial"/>
               <a:buNone/>
-              <a:defRPr b="0" i="0" sz="1200" u="none" cap="none" strike="noStrike">
+              <a:defRPr sz="1200" b="0" i="0" u="none" strike="noStrike" cap="none">
                 <a:solidFill>
                   <a:srgbClr val="888888"/>
                 </a:solidFill>
@@ -11956,7 +12189,7 @@
                 <a:sym typeface="Calibri"/>
               </a:defRPr>
             </a:lvl7pPr>
-            <a:lvl8pPr indent="0" lvl="7" marL="0" marR="0" algn="r">
+            <a:lvl8pPr marL="0" marR="0" lvl="7" indent="0" algn="r">
               <a:lnSpc>
                 <a:spcPct val="100000"/>
               </a:lnSpc>
@@ -11972,7 +12205,7 @@
               <a:buSzPts val="1200"/>
               <a:buFont typeface="Arial"/>
               <a:buNone/>
-              <a:defRPr b="0" i="0" sz="1200" u="none" cap="none" strike="noStrike">
+              <a:defRPr sz="1200" b="0" i="0" u="none" strike="noStrike" cap="none">
                 <a:solidFill>
                   <a:srgbClr val="888888"/>
                 </a:solidFill>
@@ -11982,7 +12215,7 @@
                 <a:sym typeface="Calibri"/>
               </a:defRPr>
             </a:lvl8pPr>
-            <a:lvl9pPr indent="0" lvl="8" marL="0" marR="0" algn="r">
+            <a:lvl9pPr marL="0" marR="0" lvl="8" indent="0" algn="r">
               <a:lnSpc>
                 <a:spcPct val="100000"/>
               </a:lnSpc>
@@ -11998,7 +12231,7 @@
               <a:buSzPts val="1200"/>
               <a:buFont typeface="Arial"/>
               <a:buNone/>
-              <a:defRPr b="0" i="0" sz="1200" u="none" cap="none" strike="noStrike">
+              <a:defRPr sz="1200" b="0" i="0" u="none" strike="noStrike" cap="none">
                 <a:solidFill>
                   <a:srgbClr val="888888"/>
                 </a:solidFill>
@@ -12010,7 +12243,7 @@
             </a:lvl9pPr>
           </a:lstStyle>
           <a:p>
-            <a:pPr indent="0" lvl="0" marL="0" rtl="0" algn="r">
+            <a:pPr marL="0" lvl="0" indent="0" algn="r" rtl="0">
               <a:spcBef>
                 <a:spcPts val="0"/>
               </a:spcBef>
@@ -12036,18 +12269,19 @@
 </file>
 
 <file path=ppt/slideMasters/slideMaster1.xml><?xml version="1.0" encoding="utf-8"?>
-<p:sldMaster xmlns:a="http://schemas.openxmlformats.org/drawingml/2006/main" xmlns:r="http://schemas.openxmlformats.org/officeDocument/2006/relationships" xmlns:mc="http://schemas.openxmlformats.org/markup-compatibility/2006" xmlns:mv="urn:schemas-microsoft-com:mac:vml" xmlns:p="http://schemas.openxmlformats.org/presentationml/2006/main" xmlns:c="http://schemas.openxmlformats.org/drawingml/2006/chart" xmlns:dgm="http://schemas.openxmlformats.org/drawingml/2006/diagram" xmlns:o="urn:schemas-microsoft-com:office:office" xmlns:v="urn:schemas-microsoft-com:vml" xmlns:pvml="urn:schemas-microsoft-com:office:powerpoint" xmlns:com="http://schemas.openxmlformats.org/drawingml/2006/compatibility" xmlns:p14="http://schemas.microsoft.com/office/powerpoint/2010/main" xmlns:p15="http://schemas.microsoft.com/office/powerpoint/2012/main" xmlns:ahyp="http://schemas.microsoft.com/office/drawing/2018/hyperlinkcolor">
+<p:sldMaster xmlns:a="http://schemas.openxmlformats.org/drawingml/2006/main" xmlns:r="http://schemas.openxmlformats.org/officeDocument/2006/relationships" xmlns:p="http://schemas.openxmlformats.org/presentationml/2006/main">
   <p:cSld>
     <p:bg>
       <p:bgPr>
         <a:solidFill>
           <a:schemeClr val="lt1"/>
         </a:solidFill>
+        <a:effectLst/>
       </p:bgPr>
     </p:bg>
     <p:spTree>
       <p:nvGrpSpPr>
-        <p:cNvPr id="5" name="Shape 5"/>
+        <p:cNvPr id="1" name="Shape 5"/>
         <p:cNvGrpSpPr/>
         <p:nvPr/>
       </p:nvGrpSpPr>
@@ -12062,7 +12296,9 @@
       <p:sp>
         <p:nvSpPr>
           <p:cNvPr id="6" name="Google Shape;6;p3"/>
-          <p:cNvSpPr txBox="1"/>
+          <p:cNvSpPr txBox="1">
+            <a:spLocks noGrp="1"/>
+          </p:cNvSpPr>
           <p:nvPr>
             <p:ph type="title"/>
           </p:nvPr>
@@ -12081,11 +12317,11 @@
           </a:ln>
         </p:spPr>
         <p:txBody>
-          <a:bodyPr anchorCtr="0" anchor="ctr" bIns="45700" lIns="91425" spcFirstLastPara="1" rIns="91425" wrap="square" tIns="45700">
+          <a:bodyPr spcFirstLastPara="1" wrap="square" lIns="91425" tIns="45700" rIns="91425" bIns="45700" anchor="ctr" anchorCtr="0">
             <a:normAutofit/>
           </a:bodyPr>
           <a:lstStyle>
-            <a:lvl1pPr lvl="0" marR="0" rtl="0" algn="l">
+            <a:lvl1pPr marR="0" lvl="0" algn="l" rtl="0">
               <a:lnSpc>
                 <a:spcPct val="90000"/>
               </a:lnSpc>
@@ -12101,7 +12337,7 @@
               <a:buSzPts val="4400"/>
               <a:buFont typeface="Calibri"/>
               <a:buNone/>
-              <a:defRPr b="0" i="0" sz="4400" u="none" cap="none" strike="noStrike">
+              <a:defRPr sz="4400" b="0" i="0" u="none" strike="noStrike" cap="none">
                 <a:solidFill>
                   <a:schemeClr val="dk1"/>
                 </a:solidFill>
@@ -12111,7 +12347,7 @@
                 <a:sym typeface="Calibri"/>
               </a:defRPr>
             </a:lvl1pPr>
-            <a:lvl2pPr lvl="1" marR="0" rtl="0" algn="l">
+            <a:lvl2pPr marR="0" lvl="1" algn="l" rtl="0">
               <a:lnSpc>
                 <a:spcPct val="100000"/>
               </a:lnSpc>
@@ -12127,7 +12363,7 @@
               <a:buSzPts val="1400"/>
               <a:buFont typeface="Arial"/>
               <a:buNone/>
-              <a:defRPr b="0" i="0" sz="1800" u="none" cap="none" strike="noStrike">
+              <a:defRPr sz="1800" b="0" i="0" u="none" strike="noStrike" cap="none">
                 <a:solidFill>
                   <a:srgbClr val="000000"/>
                 </a:solidFill>
@@ -12137,7 +12373,7 @@
                 <a:sym typeface="Arial"/>
               </a:defRPr>
             </a:lvl2pPr>
-            <a:lvl3pPr lvl="2" marR="0" rtl="0" algn="l">
+            <a:lvl3pPr marR="0" lvl="2" algn="l" rtl="0">
               <a:lnSpc>
                 <a:spcPct val="100000"/>
               </a:lnSpc>
@@ -12153,7 +12389,7 @@
               <a:buSzPts val="1400"/>
               <a:buFont typeface="Arial"/>
               <a:buNone/>
-              <a:defRPr b="0" i="0" sz="1800" u="none" cap="none" strike="noStrike">
+              <a:defRPr sz="1800" b="0" i="0" u="none" strike="noStrike" cap="none">
                 <a:solidFill>
                   <a:srgbClr val="000000"/>
                 </a:solidFill>
@@ -12163,7 +12399,7 @@
                 <a:sym typeface="Arial"/>
               </a:defRPr>
             </a:lvl3pPr>
-            <a:lvl4pPr lvl="3" marR="0" rtl="0" algn="l">
+            <a:lvl4pPr marR="0" lvl="3" algn="l" rtl="0">
               <a:lnSpc>
                 <a:spcPct val="100000"/>
               </a:lnSpc>
@@ -12179,7 +12415,7 @@
               <a:buSzPts val="1400"/>
               <a:buFont typeface="Arial"/>
               <a:buNone/>
-              <a:defRPr b="0" i="0" sz="1800" u="none" cap="none" strike="noStrike">
+              <a:defRPr sz="1800" b="0" i="0" u="none" strike="noStrike" cap="none">
                 <a:solidFill>
                   <a:srgbClr val="000000"/>
                 </a:solidFill>
@@ -12189,7 +12425,7 @@
                 <a:sym typeface="Arial"/>
               </a:defRPr>
             </a:lvl4pPr>
-            <a:lvl5pPr lvl="4" marR="0" rtl="0" algn="l">
+            <a:lvl5pPr marR="0" lvl="4" algn="l" rtl="0">
               <a:lnSpc>
                 <a:spcPct val="100000"/>
               </a:lnSpc>
@@ -12205,7 +12441,7 @@
               <a:buSzPts val="1400"/>
               <a:buFont typeface="Arial"/>
               <a:buNone/>
-              <a:defRPr b="0" i="0" sz="1800" u="none" cap="none" strike="noStrike">
+              <a:defRPr sz="1800" b="0" i="0" u="none" strike="noStrike" cap="none">
                 <a:solidFill>
                   <a:srgbClr val="000000"/>
                 </a:solidFill>
@@ -12215,7 +12451,7 @@
                 <a:sym typeface="Arial"/>
               </a:defRPr>
             </a:lvl5pPr>
-            <a:lvl6pPr lvl="5" marR="0" rtl="0" algn="l">
+            <a:lvl6pPr marR="0" lvl="5" algn="l" rtl="0">
               <a:lnSpc>
                 <a:spcPct val="100000"/>
               </a:lnSpc>
@@ -12231,7 +12467,7 @@
               <a:buSzPts val="1400"/>
               <a:buFont typeface="Arial"/>
               <a:buNone/>
-              <a:defRPr b="0" i="0" sz="1800" u="none" cap="none" strike="noStrike">
+              <a:defRPr sz="1800" b="0" i="0" u="none" strike="noStrike" cap="none">
                 <a:solidFill>
                   <a:srgbClr val="000000"/>
                 </a:solidFill>
@@ -12241,7 +12477,7 @@
                 <a:sym typeface="Arial"/>
               </a:defRPr>
             </a:lvl6pPr>
-            <a:lvl7pPr lvl="6" marR="0" rtl="0" algn="l">
+            <a:lvl7pPr marR="0" lvl="6" algn="l" rtl="0">
               <a:lnSpc>
                 <a:spcPct val="100000"/>
               </a:lnSpc>
@@ -12257,7 +12493,7 @@
               <a:buSzPts val="1400"/>
               <a:buFont typeface="Arial"/>
               <a:buNone/>
-              <a:defRPr b="0" i="0" sz="1800" u="none" cap="none" strike="noStrike">
+              <a:defRPr sz="1800" b="0" i="0" u="none" strike="noStrike" cap="none">
                 <a:solidFill>
                   <a:srgbClr val="000000"/>
                 </a:solidFill>
@@ -12267,7 +12503,7 @@
                 <a:sym typeface="Arial"/>
               </a:defRPr>
             </a:lvl7pPr>
-            <a:lvl8pPr lvl="7" marR="0" rtl="0" algn="l">
+            <a:lvl8pPr marR="0" lvl="7" algn="l" rtl="0">
               <a:lnSpc>
                 <a:spcPct val="100000"/>
               </a:lnSpc>
@@ -12283,7 +12519,7 @@
               <a:buSzPts val="1400"/>
               <a:buFont typeface="Arial"/>
               <a:buNone/>
-              <a:defRPr b="0" i="0" sz="1800" u="none" cap="none" strike="noStrike">
+              <a:defRPr sz="1800" b="0" i="0" u="none" strike="noStrike" cap="none">
                 <a:solidFill>
                   <a:srgbClr val="000000"/>
                 </a:solidFill>
@@ -12293,7 +12529,7 @@
                 <a:sym typeface="Arial"/>
               </a:defRPr>
             </a:lvl8pPr>
-            <a:lvl9pPr lvl="8" marR="0" rtl="0" algn="l">
+            <a:lvl9pPr marR="0" lvl="8" algn="l" rtl="0">
               <a:lnSpc>
                 <a:spcPct val="100000"/>
               </a:lnSpc>
@@ -12309,7 +12545,7 @@
               <a:buSzPts val="1400"/>
               <a:buFont typeface="Arial"/>
               <a:buNone/>
-              <a:defRPr b="0" i="0" sz="1800" u="none" cap="none" strike="noStrike">
+              <a:defRPr sz="1800" b="0" i="0" u="none" strike="noStrike" cap="none">
                 <a:solidFill>
                   <a:srgbClr val="000000"/>
                 </a:solidFill>
@@ -12320,15 +12556,19 @@
               </a:defRPr>
             </a:lvl9pPr>
           </a:lstStyle>
-          <a:p/>
+          <a:p>
+            <a:endParaRPr/>
+          </a:p>
         </p:txBody>
       </p:sp>
       <p:sp>
         <p:nvSpPr>
           <p:cNvPr id="7" name="Google Shape;7;p3"/>
-          <p:cNvSpPr txBox="1"/>
+          <p:cNvSpPr txBox="1">
+            <a:spLocks noGrp="1"/>
+          </p:cNvSpPr>
           <p:nvPr>
-            <p:ph idx="1" type="body"/>
+            <p:ph type="body" idx="1"/>
           </p:nvPr>
         </p:nvSpPr>
         <p:spPr>
@@ -12345,11 +12585,11 @@
           </a:ln>
         </p:spPr>
         <p:txBody>
-          <a:bodyPr anchorCtr="0" anchor="t" bIns="45700" lIns="91425" spcFirstLastPara="1" rIns="91425" wrap="square" tIns="45700">
+          <a:bodyPr spcFirstLastPara="1" wrap="square" lIns="91425" tIns="45700" rIns="91425" bIns="45700" anchor="t" anchorCtr="0">
             <a:normAutofit/>
           </a:bodyPr>
           <a:lstStyle>
-            <a:lvl1pPr indent="-406400" lvl="0" marL="457200" marR="0" rtl="0" algn="l">
+            <a:lvl1pPr marL="457200" marR="0" lvl="0" indent="-406400" algn="l" rtl="0">
               <a:lnSpc>
                 <a:spcPct val="90000"/>
               </a:lnSpc>
@@ -12365,7 +12605,7 @@
               <a:buSzPts val="2800"/>
               <a:buFont typeface="Arial"/>
               <a:buChar char="•"/>
-              <a:defRPr b="0" i="0" sz="2800" u="none" cap="none" strike="noStrike">
+              <a:defRPr sz="2800" b="0" i="0" u="none" strike="noStrike" cap="none">
                 <a:solidFill>
                   <a:schemeClr val="dk1"/>
                 </a:solidFill>
@@ -12375,7 +12615,7 @@
                 <a:sym typeface="Calibri"/>
               </a:defRPr>
             </a:lvl1pPr>
-            <a:lvl2pPr indent="-381000" lvl="1" marL="914400" marR="0" rtl="0" algn="l">
+            <a:lvl2pPr marL="914400" marR="0" lvl="1" indent="-381000" algn="l" rtl="0">
               <a:lnSpc>
                 <a:spcPct val="90000"/>
               </a:lnSpc>
@@ -12391,7 +12631,7 @@
               <a:buSzPts val="2400"/>
               <a:buFont typeface="Arial"/>
               <a:buChar char="•"/>
-              <a:defRPr b="0" i="0" sz="2400" u="none" cap="none" strike="noStrike">
+              <a:defRPr sz="2400" b="0" i="0" u="none" strike="noStrike" cap="none">
                 <a:solidFill>
                   <a:schemeClr val="dk1"/>
                 </a:solidFill>
@@ -12401,7 +12641,7 @@
                 <a:sym typeface="Calibri"/>
               </a:defRPr>
             </a:lvl2pPr>
-            <a:lvl3pPr indent="-355600" lvl="2" marL="1371600" marR="0" rtl="0" algn="l">
+            <a:lvl3pPr marL="1371600" marR="0" lvl="2" indent="-355600" algn="l" rtl="0">
               <a:lnSpc>
                 <a:spcPct val="90000"/>
               </a:lnSpc>
@@ -12417,7 +12657,7 @@
               <a:buSzPts val="2000"/>
               <a:buFont typeface="Arial"/>
               <a:buChar char="•"/>
-              <a:defRPr b="0" i="0" sz="2000" u="none" cap="none" strike="noStrike">
+              <a:defRPr sz="2000" b="0" i="0" u="none" strike="noStrike" cap="none">
                 <a:solidFill>
                   <a:schemeClr val="dk1"/>
                 </a:solidFill>
@@ -12427,7 +12667,7 @@
                 <a:sym typeface="Calibri"/>
               </a:defRPr>
             </a:lvl3pPr>
-            <a:lvl4pPr indent="-342900" lvl="3" marL="1828800" marR="0" rtl="0" algn="l">
+            <a:lvl4pPr marL="1828800" marR="0" lvl="3" indent="-342900" algn="l" rtl="0">
               <a:lnSpc>
                 <a:spcPct val="90000"/>
               </a:lnSpc>
@@ -12443,7 +12683,7 @@
               <a:buSzPts val="1800"/>
               <a:buFont typeface="Arial"/>
               <a:buChar char="•"/>
-              <a:defRPr b="0" i="0" sz="1800" u="none" cap="none" strike="noStrike">
+              <a:defRPr sz="1800" b="0" i="0" u="none" strike="noStrike" cap="none">
                 <a:solidFill>
                   <a:schemeClr val="dk1"/>
                 </a:solidFill>
@@ -12453,7 +12693,7 @@
                 <a:sym typeface="Calibri"/>
               </a:defRPr>
             </a:lvl4pPr>
-            <a:lvl5pPr indent="-342900" lvl="4" marL="2286000" marR="0" rtl="0" algn="l">
+            <a:lvl5pPr marL="2286000" marR="0" lvl="4" indent="-342900" algn="l" rtl="0">
               <a:lnSpc>
                 <a:spcPct val="90000"/>
               </a:lnSpc>
@@ -12469,7 +12709,7 @@
               <a:buSzPts val="1800"/>
               <a:buFont typeface="Arial"/>
               <a:buChar char="•"/>
-              <a:defRPr b="0" i="0" sz="1800" u="none" cap="none" strike="noStrike">
+              <a:defRPr sz="1800" b="0" i="0" u="none" strike="noStrike" cap="none">
                 <a:solidFill>
                   <a:schemeClr val="dk1"/>
                 </a:solidFill>
@@ -12479,7 +12719,7 @@
                 <a:sym typeface="Calibri"/>
               </a:defRPr>
             </a:lvl5pPr>
-            <a:lvl6pPr indent="-342900" lvl="5" marL="2743200" marR="0" rtl="0" algn="l">
+            <a:lvl6pPr marL="2743200" marR="0" lvl="5" indent="-342900" algn="l" rtl="0">
               <a:lnSpc>
                 <a:spcPct val="90000"/>
               </a:lnSpc>
@@ -12495,7 +12735,7 @@
               <a:buSzPts val="1800"/>
               <a:buFont typeface="Arial"/>
               <a:buChar char="•"/>
-              <a:defRPr b="0" i="0" sz="1800" u="none" cap="none" strike="noStrike">
+              <a:defRPr sz="1800" b="0" i="0" u="none" strike="noStrike" cap="none">
                 <a:solidFill>
                   <a:schemeClr val="dk1"/>
                 </a:solidFill>
@@ -12505,7 +12745,7 @@
                 <a:sym typeface="Calibri"/>
               </a:defRPr>
             </a:lvl6pPr>
-            <a:lvl7pPr indent="-342900" lvl="6" marL="3200400" marR="0" rtl="0" algn="l">
+            <a:lvl7pPr marL="3200400" marR="0" lvl="6" indent="-342900" algn="l" rtl="0">
               <a:lnSpc>
                 <a:spcPct val="90000"/>
               </a:lnSpc>
@@ -12521,7 +12761,7 @@
               <a:buSzPts val="1800"/>
               <a:buFont typeface="Arial"/>
               <a:buChar char="•"/>
-              <a:defRPr b="0" i="0" sz="1800" u="none" cap="none" strike="noStrike">
+              <a:defRPr sz="1800" b="0" i="0" u="none" strike="noStrike" cap="none">
                 <a:solidFill>
                   <a:schemeClr val="dk1"/>
                 </a:solidFill>
@@ -12531,7 +12771,7 @@
                 <a:sym typeface="Calibri"/>
               </a:defRPr>
             </a:lvl7pPr>
-            <a:lvl8pPr indent="-342900" lvl="7" marL="3657600" marR="0" rtl="0" algn="l">
+            <a:lvl8pPr marL="3657600" marR="0" lvl="7" indent="-342900" algn="l" rtl="0">
               <a:lnSpc>
                 <a:spcPct val="90000"/>
               </a:lnSpc>
@@ -12547,7 +12787,7 @@
               <a:buSzPts val="1800"/>
               <a:buFont typeface="Arial"/>
               <a:buChar char="•"/>
-              <a:defRPr b="0" i="0" sz="1800" u="none" cap="none" strike="noStrike">
+              <a:defRPr sz="1800" b="0" i="0" u="none" strike="noStrike" cap="none">
                 <a:solidFill>
                   <a:schemeClr val="dk1"/>
                 </a:solidFill>
@@ -12557,7 +12797,7 @@
                 <a:sym typeface="Calibri"/>
               </a:defRPr>
             </a:lvl8pPr>
-            <a:lvl9pPr indent="-342900" lvl="8" marL="4114800" marR="0" rtl="0" algn="l">
+            <a:lvl9pPr marL="4114800" marR="0" lvl="8" indent="-342900" algn="l" rtl="0">
               <a:lnSpc>
                 <a:spcPct val="90000"/>
               </a:lnSpc>
@@ -12573,7 +12813,7 @@
               <a:buSzPts val="1800"/>
               <a:buFont typeface="Arial"/>
               <a:buChar char="•"/>
-              <a:defRPr b="0" i="0" sz="1800" u="none" cap="none" strike="noStrike">
+              <a:defRPr sz="1800" b="0" i="0" u="none" strike="noStrike" cap="none">
                 <a:solidFill>
                   <a:schemeClr val="dk1"/>
                 </a:solidFill>
@@ -12584,15 +12824,19 @@
               </a:defRPr>
             </a:lvl9pPr>
           </a:lstStyle>
-          <a:p/>
+          <a:p>
+            <a:endParaRPr/>
+          </a:p>
         </p:txBody>
       </p:sp>
       <p:sp>
         <p:nvSpPr>
           <p:cNvPr id="8" name="Google Shape;8;p3"/>
-          <p:cNvSpPr txBox="1"/>
+          <p:cNvSpPr txBox="1">
+            <a:spLocks noGrp="1"/>
+          </p:cNvSpPr>
           <p:nvPr>
-            <p:ph idx="10" type="dt"/>
+            <p:ph type="dt" idx="10"/>
           </p:nvPr>
         </p:nvSpPr>
         <p:spPr>
@@ -12609,11 +12853,11 @@
           </a:ln>
         </p:spPr>
         <p:txBody>
-          <a:bodyPr anchorCtr="0" anchor="ctr" bIns="45700" lIns="91425" spcFirstLastPara="1" rIns="91425" wrap="square" tIns="45700">
+          <a:bodyPr spcFirstLastPara="1" wrap="square" lIns="91425" tIns="45700" rIns="91425" bIns="45700" anchor="ctr" anchorCtr="0">
             <a:noAutofit/>
           </a:bodyPr>
           <a:lstStyle>
-            <a:lvl1pPr lvl="0" marR="0" rtl="0" algn="l">
+            <a:lvl1pPr marR="0" lvl="0" algn="l" rtl="0">
               <a:lnSpc>
                 <a:spcPct val="100000"/>
               </a:lnSpc>
@@ -12629,7 +12873,7 @@
               <a:buSzPts val="1400"/>
               <a:buFont typeface="Arial"/>
               <a:buNone/>
-              <a:defRPr b="0" i="0" sz="1200" u="none" cap="none" strike="noStrike">
+              <a:defRPr sz="1200" b="0" i="0" u="none" strike="noStrike" cap="none">
                 <a:solidFill>
                   <a:srgbClr val="888888"/>
                 </a:solidFill>
@@ -12639,7 +12883,7 @@
                 <a:sym typeface="Calibri"/>
               </a:defRPr>
             </a:lvl1pPr>
-            <a:lvl2pPr lvl="1" marR="0" rtl="0" algn="l">
+            <a:lvl2pPr marR="0" lvl="1" algn="l" rtl="0">
               <a:lnSpc>
                 <a:spcPct val="100000"/>
               </a:lnSpc>
@@ -12655,7 +12899,7 @@
               <a:buSzPts val="1400"/>
               <a:buFont typeface="Arial"/>
               <a:buNone/>
-              <a:defRPr b="0" i="0" sz="1800" u="none" cap="none" strike="noStrike">
+              <a:defRPr sz="1800" b="0" i="0" u="none" strike="noStrike" cap="none">
                 <a:solidFill>
                   <a:schemeClr val="dk1"/>
                 </a:solidFill>
@@ -12665,7 +12909,7 @@
                 <a:sym typeface="Calibri"/>
               </a:defRPr>
             </a:lvl2pPr>
-            <a:lvl3pPr lvl="2" marR="0" rtl="0" algn="l">
+            <a:lvl3pPr marR="0" lvl="2" algn="l" rtl="0">
               <a:lnSpc>
                 <a:spcPct val="100000"/>
               </a:lnSpc>
@@ -12681,7 +12925,7 @@
               <a:buSzPts val="1400"/>
               <a:buFont typeface="Arial"/>
               <a:buNone/>
-              <a:defRPr b="0" i="0" sz="1800" u="none" cap="none" strike="noStrike">
+              <a:defRPr sz="1800" b="0" i="0" u="none" strike="noStrike" cap="none">
                 <a:solidFill>
                   <a:schemeClr val="dk1"/>
                 </a:solidFill>
@@ -12691,7 +12935,7 @@
                 <a:sym typeface="Calibri"/>
               </a:defRPr>
             </a:lvl3pPr>
-            <a:lvl4pPr lvl="3" marR="0" rtl="0" algn="l">
+            <a:lvl4pPr marR="0" lvl="3" algn="l" rtl="0">
               <a:lnSpc>
                 <a:spcPct val="100000"/>
               </a:lnSpc>
@@ -12707,7 +12951,7 @@
               <a:buSzPts val="1400"/>
               <a:buFont typeface="Arial"/>
               <a:buNone/>
-              <a:defRPr b="0" i="0" sz="1800" u="none" cap="none" strike="noStrike">
+              <a:defRPr sz="1800" b="0" i="0" u="none" strike="noStrike" cap="none">
                 <a:solidFill>
                   <a:schemeClr val="dk1"/>
                 </a:solidFill>
@@ -12717,7 +12961,7 @@
                 <a:sym typeface="Calibri"/>
               </a:defRPr>
             </a:lvl4pPr>
-            <a:lvl5pPr lvl="4" marR="0" rtl="0" algn="l">
+            <a:lvl5pPr marR="0" lvl="4" algn="l" rtl="0">
               <a:lnSpc>
                 <a:spcPct val="100000"/>
               </a:lnSpc>
@@ -12733,7 +12977,7 @@
               <a:buSzPts val="1400"/>
               <a:buFont typeface="Arial"/>
               <a:buNone/>
-              <a:defRPr b="0" i="0" sz="1800" u="none" cap="none" strike="noStrike">
+              <a:defRPr sz="1800" b="0" i="0" u="none" strike="noStrike" cap="none">
                 <a:solidFill>
                   <a:schemeClr val="dk1"/>
                 </a:solidFill>
@@ -12743,7 +12987,7 @@
                 <a:sym typeface="Calibri"/>
               </a:defRPr>
             </a:lvl5pPr>
-            <a:lvl6pPr lvl="5" marR="0" rtl="0" algn="l">
+            <a:lvl6pPr marR="0" lvl="5" algn="l" rtl="0">
               <a:lnSpc>
                 <a:spcPct val="100000"/>
               </a:lnSpc>
@@ -12759,7 +13003,7 @@
               <a:buSzPts val="1400"/>
               <a:buFont typeface="Arial"/>
               <a:buNone/>
-              <a:defRPr b="0" i="0" sz="1800" u="none" cap="none" strike="noStrike">
+              <a:defRPr sz="1800" b="0" i="0" u="none" strike="noStrike" cap="none">
                 <a:solidFill>
                   <a:schemeClr val="dk1"/>
                 </a:solidFill>
@@ -12769,7 +13013,7 @@
                 <a:sym typeface="Calibri"/>
               </a:defRPr>
             </a:lvl6pPr>
-            <a:lvl7pPr lvl="6" marR="0" rtl="0" algn="l">
+            <a:lvl7pPr marR="0" lvl="6" algn="l" rtl="0">
               <a:lnSpc>
                 <a:spcPct val="100000"/>
               </a:lnSpc>
@@ -12785,7 +13029,7 @@
               <a:buSzPts val="1400"/>
               <a:buFont typeface="Arial"/>
               <a:buNone/>
-              <a:defRPr b="0" i="0" sz="1800" u="none" cap="none" strike="noStrike">
+              <a:defRPr sz="1800" b="0" i="0" u="none" strike="noStrike" cap="none">
                 <a:solidFill>
                   <a:schemeClr val="dk1"/>
                 </a:solidFill>
@@ -12795,7 +13039,7 @@
                 <a:sym typeface="Calibri"/>
               </a:defRPr>
             </a:lvl7pPr>
-            <a:lvl8pPr lvl="7" marR="0" rtl="0" algn="l">
+            <a:lvl8pPr marR="0" lvl="7" algn="l" rtl="0">
               <a:lnSpc>
                 <a:spcPct val="100000"/>
               </a:lnSpc>
@@ -12811,7 +13055,7 @@
               <a:buSzPts val="1400"/>
               <a:buFont typeface="Arial"/>
               <a:buNone/>
-              <a:defRPr b="0" i="0" sz="1800" u="none" cap="none" strike="noStrike">
+              <a:defRPr sz="1800" b="0" i="0" u="none" strike="noStrike" cap="none">
                 <a:solidFill>
                   <a:schemeClr val="dk1"/>
                 </a:solidFill>
@@ -12821,7 +13065,7 @@
                 <a:sym typeface="Calibri"/>
               </a:defRPr>
             </a:lvl8pPr>
-            <a:lvl9pPr lvl="8" marR="0" rtl="0" algn="l">
+            <a:lvl9pPr marR="0" lvl="8" algn="l" rtl="0">
               <a:lnSpc>
                 <a:spcPct val="100000"/>
               </a:lnSpc>
@@ -12837,7 +13081,7 @@
               <a:buSzPts val="1400"/>
               <a:buFont typeface="Arial"/>
               <a:buNone/>
-              <a:defRPr b="0" i="0" sz="1800" u="none" cap="none" strike="noStrike">
+              <a:defRPr sz="1800" b="0" i="0" u="none" strike="noStrike" cap="none">
                 <a:solidFill>
                   <a:schemeClr val="dk1"/>
                 </a:solidFill>
@@ -12848,15 +13092,19 @@
               </a:defRPr>
             </a:lvl9pPr>
           </a:lstStyle>
-          <a:p/>
+          <a:p>
+            <a:endParaRPr/>
+          </a:p>
         </p:txBody>
       </p:sp>
       <p:sp>
         <p:nvSpPr>
           <p:cNvPr id="9" name="Google Shape;9;p3"/>
-          <p:cNvSpPr txBox="1"/>
+          <p:cNvSpPr txBox="1">
+            <a:spLocks noGrp="1"/>
+          </p:cNvSpPr>
           <p:nvPr>
-            <p:ph idx="11" type="ftr"/>
+            <p:ph type="ftr" idx="11"/>
           </p:nvPr>
         </p:nvSpPr>
         <p:spPr>
@@ -12873,11 +13121,11 @@
           </a:ln>
         </p:spPr>
         <p:txBody>
-          <a:bodyPr anchorCtr="0" anchor="ctr" bIns="45700" lIns="91425" spcFirstLastPara="1" rIns="91425" wrap="square" tIns="45700">
+          <a:bodyPr spcFirstLastPara="1" wrap="square" lIns="91425" tIns="45700" rIns="91425" bIns="45700" anchor="ctr" anchorCtr="0">
             <a:noAutofit/>
           </a:bodyPr>
           <a:lstStyle>
-            <a:lvl1pPr lvl="0" marR="0" rtl="0" algn="ctr">
+            <a:lvl1pPr marR="0" lvl="0" algn="ctr" rtl="0">
               <a:lnSpc>
                 <a:spcPct val="100000"/>
               </a:lnSpc>
@@ -12893,7 +13141,7 @@
               <a:buSzPts val="1400"/>
               <a:buFont typeface="Arial"/>
               <a:buNone/>
-              <a:defRPr b="0" i="0" sz="1200" u="none" cap="none" strike="noStrike">
+              <a:defRPr sz="1200" b="0" i="0" u="none" strike="noStrike" cap="none">
                 <a:solidFill>
                   <a:srgbClr val="888888"/>
                 </a:solidFill>
@@ -12903,7 +13151,7 @@
                 <a:sym typeface="Calibri"/>
               </a:defRPr>
             </a:lvl1pPr>
-            <a:lvl2pPr lvl="1" marR="0" rtl="0" algn="l">
+            <a:lvl2pPr marR="0" lvl="1" algn="l" rtl="0">
               <a:lnSpc>
                 <a:spcPct val="100000"/>
               </a:lnSpc>
@@ -12919,7 +13167,7 @@
               <a:buSzPts val="1400"/>
               <a:buFont typeface="Arial"/>
               <a:buNone/>
-              <a:defRPr b="0" i="0" sz="1800" u="none" cap="none" strike="noStrike">
+              <a:defRPr sz="1800" b="0" i="0" u="none" strike="noStrike" cap="none">
                 <a:solidFill>
                   <a:schemeClr val="dk1"/>
                 </a:solidFill>
@@ -12929,7 +13177,7 @@
                 <a:sym typeface="Calibri"/>
               </a:defRPr>
             </a:lvl2pPr>
-            <a:lvl3pPr lvl="2" marR="0" rtl="0" algn="l">
+            <a:lvl3pPr marR="0" lvl="2" algn="l" rtl="0">
               <a:lnSpc>
                 <a:spcPct val="100000"/>
               </a:lnSpc>
@@ -12945,7 +13193,7 @@
               <a:buSzPts val="1400"/>
               <a:buFont typeface="Arial"/>
               <a:buNone/>
-              <a:defRPr b="0" i="0" sz="1800" u="none" cap="none" strike="noStrike">
+              <a:defRPr sz="1800" b="0" i="0" u="none" strike="noStrike" cap="none">
                 <a:solidFill>
                   <a:schemeClr val="dk1"/>
                 </a:solidFill>
@@ -12955,7 +13203,7 @@
                 <a:sym typeface="Calibri"/>
               </a:defRPr>
             </a:lvl3pPr>
-            <a:lvl4pPr lvl="3" marR="0" rtl="0" algn="l">
+            <a:lvl4pPr marR="0" lvl="3" algn="l" rtl="0">
               <a:lnSpc>
                 <a:spcPct val="100000"/>
               </a:lnSpc>
@@ -12971,7 +13219,7 @@
               <a:buSzPts val="1400"/>
               <a:buFont typeface="Arial"/>
               <a:buNone/>
-              <a:defRPr b="0" i="0" sz="1800" u="none" cap="none" strike="noStrike">
+              <a:defRPr sz="1800" b="0" i="0" u="none" strike="noStrike" cap="none">
                 <a:solidFill>
                   <a:schemeClr val="dk1"/>
                 </a:solidFill>
@@ -12981,7 +13229,7 @@
                 <a:sym typeface="Calibri"/>
               </a:defRPr>
             </a:lvl4pPr>
-            <a:lvl5pPr lvl="4" marR="0" rtl="0" algn="l">
+            <a:lvl5pPr marR="0" lvl="4" algn="l" rtl="0">
               <a:lnSpc>
                 <a:spcPct val="100000"/>
               </a:lnSpc>
@@ -12997,7 +13245,7 @@
               <a:buSzPts val="1400"/>
               <a:buFont typeface="Arial"/>
               <a:buNone/>
-              <a:defRPr b="0" i="0" sz="1800" u="none" cap="none" strike="noStrike">
+              <a:defRPr sz="1800" b="0" i="0" u="none" strike="noStrike" cap="none">
                 <a:solidFill>
                   <a:schemeClr val="dk1"/>
                 </a:solidFill>
@@ -13007,7 +13255,7 @@
                 <a:sym typeface="Calibri"/>
               </a:defRPr>
             </a:lvl5pPr>
-            <a:lvl6pPr lvl="5" marR="0" rtl="0" algn="l">
+            <a:lvl6pPr marR="0" lvl="5" algn="l" rtl="0">
               <a:lnSpc>
                 <a:spcPct val="100000"/>
               </a:lnSpc>
@@ -13023,7 +13271,7 @@
               <a:buSzPts val="1400"/>
               <a:buFont typeface="Arial"/>
               <a:buNone/>
-              <a:defRPr b="0" i="0" sz="1800" u="none" cap="none" strike="noStrike">
+              <a:defRPr sz="1800" b="0" i="0" u="none" strike="noStrike" cap="none">
                 <a:solidFill>
                   <a:schemeClr val="dk1"/>
                 </a:solidFill>
@@ -13033,7 +13281,7 @@
                 <a:sym typeface="Calibri"/>
               </a:defRPr>
             </a:lvl6pPr>
-            <a:lvl7pPr lvl="6" marR="0" rtl="0" algn="l">
+            <a:lvl7pPr marR="0" lvl="6" algn="l" rtl="0">
               <a:lnSpc>
                 <a:spcPct val="100000"/>
               </a:lnSpc>
@@ -13049,7 +13297,7 @@
               <a:buSzPts val="1400"/>
               <a:buFont typeface="Arial"/>
               <a:buNone/>
-              <a:defRPr b="0" i="0" sz="1800" u="none" cap="none" strike="noStrike">
+              <a:defRPr sz="1800" b="0" i="0" u="none" strike="noStrike" cap="none">
                 <a:solidFill>
                   <a:schemeClr val="dk1"/>
                 </a:solidFill>
@@ -13059,7 +13307,7 @@
                 <a:sym typeface="Calibri"/>
               </a:defRPr>
             </a:lvl7pPr>
-            <a:lvl8pPr lvl="7" marR="0" rtl="0" algn="l">
+            <a:lvl8pPr marR="0" lvl="7" algn="l" rtl="0">
               <a:lnSpc>
                 <a:spcPct val="100000"/>
               </a:lnSpc>
@@ -13075,7 +13323,7 @@
               <a:buSzPts val="1400"/>
               <a:buFont typeface="Arial"/>
               <a:buNone/>
-              <a:defRPr b="0" i="0" sz="1800" u="none" cap="none" strike="noStrike">
+              <a:defRPr sz="1800" b="0" i="0" u="none" strike="noStrike" cap="none">
                 <a:solidFill>
                   <a:schemeClr val="dk1"/>
                 </a:solidFill>
@@ -13085,7 +13333,7 @@
                 <a:sym typeface="Calibri"/>
               </a:defRPr>
             </a:lvl8pPr>
-            <a:lvl9pPr lvl="8" marR="0" rtl="0" algn="l">
+            <a:lvl9pPr marR="0" lvl="8" algn="l" rtl="0">
               <a:lnSpc>
                 <a:spcPct val="100000"/>
               </a:lnSpc>
@@ -13101,7 +13349,7 @@
               <a:buSzPts val="1400"/>
               <a:buFont typeface="Arial"/>
               <a:buNone/>
-              <a:defRPr b="0" i="0" sz="1800" u="none" cap="none" strike="noStrike">
+              <a:defRPr sz="1800" b="0" i="0" u="none" strike="noStrike" cap="none">
                 <a:solidFill>
                   <a:schemeClr val="dk1"/>
                 </a:solidFill>
@@ -13112,15 +13360,19 @@
               </a:defRPr>
             </a:lvl9pPr>
           </a:lstStyle>
-          <a:p/>
+          <a:p>
+            <a:endParaRPr/>
+          </a:p>
         </p:txBody>
       </p:sp>
       <p:sp>
         <p:nvSpPr>
           <p:cNvPr id="10" name="Google Shape;10;p3"/>
-          <p:cNvSpPr txBox="1"/>
+          <p:cNvSpPr txBox="1">
+            <a:spLocks noGrp="1"/>
+          </p:cNvSpPr>
           <p:nvPr>
-            <p:ph idx="12" type="sldNum"/>
+            <p:ph type="sldNum" idx="12"/>
           </p:nvPr>
         </p:nvSpPr>
         <p:spPr>
@@ -13137,11 +13389,11 @@
           </a:ln>
         </p:spPr>
         <p:txBody>
-          <a:bodyPr anchorCtr="0" anchor="ctr" bIns="45700" lIns="91425" spcFirstLastPara="1" rIns="91425" wrap="square" tIns="45700">
+          <a:bodyPr spcFirstLastPara="1" wrap="square" lIns="91425" tIns="45700" rIns="91425" bIns="45700" anchor="ctr" anchorCtr="0">
             <a:noAutofit/>
           </a:bodyPr>
           <a:lstStyle>
-            <a:lvl1pPr indent="0" lvl="0" marL="0" marR="0" rtl="0" algn="r">
+            <a:lvl1pPr marL="0" marR="0" lvl="0" indent="0" algn="r" rtl="0">
               <a:lnSpc>
                 <a:spcPct val="100000"/>
               </a:lnSpc>
@@ -13157,7 +13409,7 @@
               <a:buSzPts val="1200"/>
               <a:buFont typeface="Arial"/>
               <a:buNone/>
-              <a:defRPr b="0" i="0" sz="1200" u="none" cap="none" strike="noStrike">
+              <a:defRPr sz="1200" b="0" i="0" u="none" strike="noStrike" cap="none">
                 <a:solidFill>
                   <a:srgbClr val="888888"/>
                 </a:solidFill>
@@ -13167,7 +13419,7 @@
                 <a:sym typeface="Calibri"/>
               </a:defRPr>
             </a:lvl1pPr>
-            <a:lvl2pPr indent="0" lvl="1" marL="0" marR="0" rtl="0" algn="r">
+            <a:lvl2pPr marL="0" marR="0" lvl="1" indent="0" algn="r" rtl="0">
               <a:lnSpc>
                 <a:spcPct val="100000"/>
               </a:lnSpc>
@@ -13183,7 +13435,7 @@
               <a:buSzPts val="1200"/>
               <a:buFont typeface="Arial"/>
               <a:buNone/>
-              <a:defRPr b="0" i="0" sz="1200" u="none" cap="none" strike="noStrike">
+              <a:defRPr sz="1200" b="0" i="0" u="none" strike="noStrike" cap="none">
                 <a:solidFill>
                   <a:srgbClr val="888888"/>
                 </a:solidFill>
@@ -13193,7 +13445,7 @@
                 <a:sym typeface="Calibri"/>
               </a:defRPr>
             </a:lvl2pPr>
-            <a:lvl3pPr indent="0" lvl="2" marL="0" marR="0" rtl="0" algn="r">
+            <a:lvl3pPr marL="0" marR="0" lvl="2" indent="0" algn="r" rtl="0">
               <a:lnSpc>
                 <a:spcPct val="100000"/>
               </a:lnSpc>
@@ -13209,7 +13461,7 @@
               <a:buSzPts val="1200"/>
               <a:buFont typeface="Arial"/>
               <a:buNone/>
-              <a:defRPr b="0" i="0" sz="1200" u="none" cap="none" strike="noStrike">
+              <a:defRPr sz="1200" b="0" i="0" u="none" strike="noStrike" cap="none">
                 <a:solidFill>
                   <a:srgbClr val="888888"/>
                 </a:solidFill>
@@ -13219,7 +13471,7 @@
                 <a:sym typeface="Calibri"/>
               </a:defRPr>
             </a:lvl3pPr>
-            <a:lvl4pPr indent="0" lvl="3" marL="0" marR="0" rtl="0" algn="r">
+            <a:lvl4pPr marL="0" marR="0" lvl="3" indent="0" algn="r" rtl="0">
               <a:lnSpc>
                 <a:spcPct val="100000"/>
               </a:lnSpc>
@@ -13235,7 +13487,7 @@
               <a:buSzPts val="1200"/>
               <a:buFont typeface="Arial"/>
               <a:buNone/>
-              <a:defRPr b="0" i="0" sz="1200" u="none" cap="none" strike="noStrike">
+              <a:defRPr sz="1200" b="0" i="0" u="none" strike="noStrike" cap="none">
                 <a:solidFill>
                   <a:srgbClr val="888888"/>
                 </a:solidFill>
@@ -13245,7 +13497,7 @@
                 <a:sym typeface="Calibri"/>
               </a:defRPr>
             </a:lvl4pPr>
-            <a:lvl5pPr indent="0" lvl="4" marL="0" marR="0" rtl="0" algn="r">
+            <a:lvl5pPr marL="0" marR="0" lvl="4" indent="0" algn="r" rtl="0">
               <a:lnSpc>
                 <a:spcPct val="100000"/>
               </a:lnSpc>
@@ -13261,7 +13513,7 @@
               <a:buSzPts val="1200"/>
               <a:buFont typeface="Arial"/>
               <a:buNone/>
-              <a:defRPr b="0" i="0" sz="1200" u="none" cap="none" strike="noStrike">
+              <a:defRPr sz="1200" b="0" i="0" u="none" strike="noStrike" cap="none">
                 <a:solidFill>
                   <a:srgbClr val="888888"/>
                 </a:solidFill>
@@ -13271,7 +13523,7 @@
                 <a:sym typeface="Calibri"/>
               </a:defRPr>
             </a:lvl5pPr>
-            <a:lvl6pPr indent="0" lvl="5" marL="0" marR="0" rtl="0" algn="r">
+            <a:lvl6pPr marL="0" marR="0" lvl="5" indent="0" algn="r" rtl="0">
               <a:lnSpc>
                 <a:spcPct val="100000"/>
               </a:lnSpc>
@@ -13287,7 +13539,7 @@
               <a:buSzPts val="1200"/>
               <a:buFont typeface="Arial"/>
               <a:buNone/>
-              <a:defRPr b="0" i="0" sz="1200" u="none" cap="none" strike="noStrike">
+              <a:defRPr sz="1200" b="0" i="0" u="none" strike="noStrike" cap="none">
                 <a:solidFill>
                   <a:srgbClr val="888888"/>
                 </a:solidFill>
@@ -13297,7 +13549,7 @@
                 <a:sym typeface="Calibri"/>
               </a:defRPr>
             </a:lvl6pPr>
-            <a:lvl7pPr indent="0" lvl="6" marL="0" marR="0" rtl="0" algn="r">
+            <a:lvl7pPr marL="0" marR="0" lvl="6" indent="0" algn="r" rtl="0">
               <a:lnSpc>
                 <a:spcPct val="100000"/>
               </a:lnSpc>
@@ -13313,7 +13565,7 @@
               <a:buSzPts val="1200"/>
               <a:buFont typeface="Arial"/>
               <a:buNone/>
-              <a:defRPr b="0" i="0" sz="1200" u="none" cap="none" strike="noStrike">
+              <a:defRPr sz="1200" b="0" i="0" u="none" strike="noStrike" cap="none">
                 <a:solidFill>
                   <a:srgbClr val="888888"/>
                 </a:solidFill>
@@ -13323,7 +13575,7 @@
                 <a:sym typeface="Calibri"/>
               </a:defRPr>
             </a:lvl7pPr>
-            <a:lvl8pPr indent="0" lvl="7" marL="0" marR="0" rtl="0" algn="r">
+            <a:lvl8pPr marL="0" marR="0" lvl="7" indent="0" algn="r" rtl="0">
               <a:lnSpc>
                 <a:spcPct val="100000"/>
               </a:lnSpc>
@@ -13339,7 +13591,7 @@
               <a:buSzPts val="1200"/>
               <a:buFont typeface="Arial"/>
               <a:buNone/>
-              <a:defRPr b="0" i="0" sz="1200" u="none" cap="none" strike="noStrike">
+              <a:defRPr sz="1200" b="0" i="0" u="none" strike="noStrike" cap="none">
                 <a:solidFill>
                   <a:srgbClr val="888888"/>
                 </a:solidFill>
@@ -13349,7 +13601,7 @@
                 <a:sym typeface="Calibri"/>
               </a:defRPr>
             </a:lvl8pPr>
-            <a:lvl9pPr indent="0" lvl="8" marL="0" marR="0" rtl="0" algn="r">
+            <a:lvl9pPr marL="0" marR="0" lvl="8" indent="0" algn="r" rtl="0">
               <a:lnSpc>
                 <a:spcPct val="100000"/>
               </a:lnSpc>
@@ -13365,7 +13617,7 @@
               <a:buSzPts val="1200"/>
               <a:buFont typeface="Arial"/>
               <a:buNone/>
-              <a:defRPr b="0" i="0" sz="1200" u="none" cap="none" strike="noStrike">
+              <a:defRPr sz="1200" b="0" i="0" u="none" strike="noStrike" cap="none">
                 <a:solidFill>
                   <a:srgbClr val="888888"/>
                 </a:solidFill>
@@ -13377,7 +13629,7 @@
             </a:lvl9pPr>
           </a:lstStyle>
           <a:p>
-            <a:pPr indent="0" lvl="0" marL="0" rtl="0" algn="r">
+            <a:pPr marL="0" lvl="0" indent="0" algn="r" rtl="0">
               <a:spcBef>
                 <a:spcPts val="0"/>
               </a:spcBef>
@@ -13396,7 +13648,7 @@
       </p:sp>
     </p:spTree>
   </p:cSld>
-  <p:clrMap accent1="accent1" accent2="accent2" accent3="accent3" accent4="accent4" accent5="accent5" accent6="accent6" bg1="lt1" bg2="dk2" tx1="dk1" tx2="lt2" folHlink="folHlink" hlink="hlink"/>
+  <p:clrMap bg1="lt1" tx1="dk1" bg2="dk2" tx2="lt2" accent1="accent1" accent2="accent2" accent3="accent3" accent4="accent4" accent5="accent5" accent6="accent6" hlink="hlink" folHlink="folHlink"/>
   <p:sldLayoutIdLst>
     <p:sldLayoutId id="2147483649" r:id="rId1"/>
     <p:sldLayoutId id="2147483650" r:id="rId2"/>
@@ -13410,10 +13662,10 @@
     <p:sldLayoutId id="2147483658" r:id="rId10"/>
     <p:sldLayoutId id="2147483659" r:id="rId11"/>
   </p:sldLayoutIdLst>
-  <p:hf dt="0" ftr="0" hdr="0" sldNum="0"/>
+  <p:hf sldNum="0" hdr="0" ftr="0" dt="0"/>
   <p:txStyles>
     <p:titleStyle>
-      <a:defPPr lvl="0" marR="0" rtl="0" algn="l">
+      <a:defPPr marR="0" lvl="0" algn="l" rtl="0">
         <a:lnSpc>
           <a:spcPct val="100000"/>
         </a:lnSpc>
@@ -13424,7 +13676,7 @@
           <a:spcPts val="0"/>
         </a:spcAft>
       </a:defPPr>
-      <a:lvl1pPr lvl="0" marR="0" rtl="0" algn="l">
+      <a:lvl1pPr marR="0" lvl="0" algn="l" rtl="0">
         <a:lnSpc>
           <a:spcPct val="100000"/>
         </a:lnSpc>
@@ -13438,7 +13690,7 @@
           <a:srgbClr val="000000"/>
         </a:buClr>
         <a:buFont typeface="Arial"/>
-        <a:defRPr b="0" i="0" sz="1400" u="none" cap="none" strike="noStrike">
+        <a:defRPr sz="1400" b="0" i="0" u="none" strike="noStrike" cap="none">
           <a:solidFill>
             <a:srgbClr val="000000"/>
           </a:solidFill>
@@ -13448,7 +13700,7 @@
           <a:sym typeface="Arial"/>
         </a:defRPr>
       </a:lvl1pPr>
-      <a:lvl2pPr lvl="1" marR="0" rtl="0" algn="l">
+      <a:lvl2pPr marR="0" lvl="1" algn="l" rtl="0">
         <a:lnSpc>
           <a:spcPct val="100000"/>
         </a:lnSpc>
@@ -13462,7 +13714,7 @@
           <a:srgbClr val="000000"/>
         </a:buClr>
         <a:buFont typeface="Arial"/>
-        <a:defRPr b="0" i="0" sz="1400" u="none" cap="none" strike="noStrike">
+        <a:defRPr sz="1400" b="0" i="0" u="none" strike="noStrike" cap="none">
           <a:solidFill>
             <a:srgbClr val="000000"/>
           </a:solidFill>
@@ -13472,7 +13724,7 @@
           <a:sym typeface="Arial"/>
         </a:defRPr>
       </a:lvl2pPr>
-      <a:lvl3pPr lvl="2" marR="0" rtl="0" algn="l">
+      <a:lvl3pPr marR="0" lvl="2" algn="l" rtl="0">
         <a:lnSpc>
           <a:spcPct val="100000"/>
         </a:lnSpc>
@@ -13486,7 +13738,7 @@
           <a:srgbClr val="000000"/>
         </a:buClr>
         <a:buFont typeface="Arial"/>
-        <a:defRPr b="0" i="0" sz="1400" u="none" cap="none" strike="noStrike">
+        <a:defRPr sz="1400" b="0" i="0" u="none" strike="noStrike" cap="none">
           <a:solidFill>
             <a:srgbClr val="000000"/>
           </a:solidFill>
@@ -13496,7 +13748,7 @@
           <a:sym typeface="Arial"/>
         </a:defRPr>
       </a:lvl3pPr>
-      <a:lvl4pPr lvl="3" marR="0" rtl="0" algn="l">
+      <a:lvl4pPr marR="0" lvl="3" algn="l" rtl="0">
         <a:lnSpc>
           <a:spcPct val="100000"/>
         </a:lnSpc>
@@ -13510,7 +13762,7 @@
           <a:srgbClr val="000000"/>
         </a:buClr>
         <a:buFont typeface="Arial"/>
-        <a:defRPr b="0" i="0" sz="1400" u="none" cap="none" strike="noStrike">
+        <a:defRPr sz="1400" b="0" i="0" u="none" strike="noStrike" cap="none">
           <a:solidFill>
             <a:srgbClr val="000000"/>
           </a:solidFill>
@@ -13520,7 +13772,7 @@
           <a:sym typeface="Arial"/>
         </a:defRPr>
       </a:lvl4pPr>
-      <a:lvl5pPr lvl="4" marR="0" rtl="0" algn="l">
+      <a:lvl5pPr marR="0" lvl="4" algn="l" rtl="0">
         <a:lnSpc>
           <a:spcPct val="100000"/>
         </a:lnSpc>
@@ -13534,7 +13786,7 @@
           <a:srgbClr val="000000"/>
         </a:buClr>
         <a:buFont typeface="Arial"/>
-        <a:defRPr b="0" i="0" sz="1400" u="none" cap="none" strike="noStrike">
+        <a:defRPr sz="1400" b="0" i="0" u="none" strike="noStrike" cap="none">
           <a:solidFill>
             <a:srgbClr val="000000"/>
           </a:solidFill>
@@ -13544,7 +13796,7 @@
           <a:sym typeface="Arial"/>
         </a:defRPr>
       </a:lvl5pPr>
-      <a:lvl6pPr lvl="5" marR="0" rtl="0" algn="l">
+      <a:lvl6pPr marR="0" lvl="5" algn="l" rtl="0">
         <a:lnSpc>
           <a:spcPct val="100000"/>
         </a:lnSpc>
@@ -13558,7 +13810,7 @@
           <a:srgbClr val="000000"/>
         </a:buClr>
         <a:buFont typeface="Arial"/>
-        <a:defRPr b="0" i="0" sz="1400" u="none" cap="none" strike="noStrike">
+        <a:defRPr sz="1400" b="0" i="0" u="none" strike="noStrike" cap="none">
           <a:solidFill>
             <a:srgbClr val="000000"/>
           </a:solidFill>
@@ -13568,7 +13820,7 @@
           <a:sym typeface="Arial"/>
         </a:defRPr>
       </a:lvl6pPr>
-      <a:lvl7pPr lvl="6" marR="0" rtl="0" algn="l">
+      <a:lvl7pPr marR="0" lvl="6" algn="l" rtl="0">
         <a:lnSpc>
           <a:spcPct val="100000"/>
         </a:lnSpc>
@@ -13582,7 +13834,7 @@
           <a:srgbClr val="000000"/>
         </a:buClr>
         <a:buFont typeface="Arial"/>
-        <a:defRPr b="0" i="0" sz="1400" u="none" cap="none" strike="noStrike">
+        <a:defRPr sz="1400" b="0" i="0" u="none" strike="noStrike" cap="none">
           <a:solidFill>
             <a:srgbClr val="000000"/>
           </a:solidFill>
@@ -13592,7 +13844,7 @@
           <a:sym typeface="Arial"/>
         </a:defRPr>
       </a:lvl7pPr>
-      <a:lvl8pPr lvl="7" marR="0" rtl="0" algn="l">
+      <a:lvl8pPr marR="0" lvl="7" algn="l" rtl="0">
         <a:lnSpc>
           <a:spcPct val="100000"/>
         </a:lnSpc>
@@ -13606,7 +13858,7 @@
           <a:srgbClr val="000000"/>
         </a:buClr>
         <a:buFont typeface="Arial"/>
-        <a:defRPr b="0" i="0" sz="1400" u="none" cap="none" strike="noStrike">
+        <a:defRPr sz="1400" b="0" i="0" u="none" strike="noStrike" cap="none">
           <a:solidFill>
             <a:srgbClr val="000000"/>
           </a:solidFill>
@@ -13616,7 +13868,7 @@
           <a:sym typeface="Arial"/>
         </a:defRPr>
       </a:lvl8pPr>
-      <a:lvl9pPr lvl="8" marR="0" rtl="0" algn="l">
+      <a:lvl9pPr marR="0" lvl="8" algn="l" rtl="0">
         <a:lnSpc>
           <a:spcPct val="100000"/>
         </a:lnSpc>
@@ -13630,7 +13882,7 @@
           <a:srgbClr val="000000"/>
         </a:buClr>
         <a:buFont typeface="Arial"/>
-        <a:defRPr b="0" i="0" sz="1400" u="none" cap="none" strike="noStrike">
+        <a:defRPr sz="1400" b="0" i="0" u="none" strike="noStrike" cap="none">
           <a:solidFill>
             <a:srgbClr val="000000"/>
           </a:solidFill>
@@ -13642,7 +13894,7 @@
       </a:lvl9pPr>
     </p:titleStyle>
     <p:bodyStyle>
-      <a:defPPr lvl="0" marR="0" rtl="0" algn="l">
+      <a:defPPr marR="0" lvl="0" algn="l" rtl="0">
         <a:lnSpc>
           <a:spcPct val="100000"/>
         </a:lnSpc>
@@ -13653,7 +13905,7 @@
           <a:spcPts val="0"/>
         </a:spcAft>
       </a:defPPr>
-      <a:lvl1pPr lvl="0" marR="0" rtl="0" algn="l">
+      <a:lvl1pPr marR="0" lvl="0" algn="l" rtl="0">
         <a:lnSpc>
           <a:spcPct val="100000"/>
         </a:lnSpc>
@@ -13667,7 +13919,7 @@
           <a:srgbClr val="000000"/>
         </a:buClr>
         <a:buFont typeface="Arial"/>
-        <a:defRPr b="0" i="0" sz="1400" u="none" cap="none" strike="noStrike">
+        <a:defRPr sz="1400" b="0" i="0" u="none" strike="noStrike" cap="none">
           <a:solidFill>
             <a:srgbClr val="000000"/>
           </a:solidFill>
@@ -13677,7 +13929,7 @@
           <a:sym typeface="Arial"/>
         </a:defRPr>
       </a:lvl1pPr>
-      <a:lvl2pPr lvl="1" marR="0" rtl="0" algn="l">
+      <a:lvl2pPr marR="0" lvl="1" algn="l" rtl="0">
         <a:lnSpc>
           <a:spcPct val="100000"/>
         </a:lnSpc>
@@ -13691,7 +13943,7 @@
           <a:srgbClr val="000000"/>
         </a:buClr>
         <a:buFont typeface="Arial"/>
-        <a:defRPr b="0" i="0" sz="1400" u="none" cap="none" strike="noStrike">
+        <a:defRPr sz="1400" b="0" i="0" u="none" strike="noStrike" cap="none">
           <a:solidFill>
             <a:srgbClr val="000000"/>
           </a:solidFill>
@@ -13701,7 +13953,7 @@
           <a:sym typeface="Arial"/>
         </a:defRPr>
       </a:lvl2pPr>
-      <a:lvl3pPr lvl="2" marR="0" rtl="0" algn="l">
+      <a:lvl3pPr marR="0" lvl="2" algn="l" rtl="0">
         <a:lnSpc>
           <a:spcPct val="100000"/>
         </a:lnSpc>
@@ -13715,7 +13967,7 @@
           <a:srgbClr val="000000"/>
         </a:buClr>
         <a:buFont typeface="Arial"/>
-        <a:defRPr b="0" i="0" sz="1400" u="none" cap="none" strike="noStrike">
+        <a:defRPr sz="1400" b="0" i="0" u="none" strike="noStrike" cap="none">
           <a:solidFill>
             <a:srgbClr val="000000"/>
           </a:solidFill>
@@ -13725,7 +13977,7 @@
           <a:sym typeface="Arial"/>
         </a:defRPr>
       </a:lvl3pPr>
-      <a:lvl4pPr lvl="3" marR="0" rtl="0" algn="l">
+      <a:lvl4pPr marR="0" lvl="3" algn="l" rtl="0">
         <a:lnSpc>
           <a:spcPct val="100000"/>
         </a:lnSpc>
@@ -13739,7 +13991,7 @@
           <a:srgbClr val="000000"/>
         </a:buClr>
         <a:buFont typeface="Arial"/>
-        <a:defRPr b="0" i="0" sz="1400" u="none" cap="none" strike="noStrike">
+        <a:defRPr sz="1400" b="0" i="0" u="none" strike="noStrike" cap="none">
           <a:solidFill>
             <a:srgbClr val="000000"/>
           </a:solidFill>
@@ -13749,7 +14001,7 @@
           <a:sym typeface="Arial"/>
         </a:defRPr>
       </a:lvl4pPr>
-      <a:lvl5pPr lvl="4" marR="0" rtl="0" algn="l">
+      <a:lvl5pPr marR="0" lvl="4" algn="l" rtl="0">
         <a:lnSpc>
           <a:spcPct val="100000"/>
         </a:lnSpc>
@@ -13763,7 +14015,7 @@
           <a:srgbClr val="000000"/>
         </a:buClr>
         <a:buFont typeface="Arial"/>
-        <a:defRPr b="0" i="0" sz="1400" u="none" cap="none" strike="noStrike">
+        <a:defRPr sz="1400" b="0" i="0" u="none" strike="noStrike" cap="none">
           <a:solidFill>
             <a:srgbClr val="000000"/>
           </a:solidFill>
@@ -13773,7 +14025,7 @@
           <a:sym typeface="Arial"/>
         </a:defRPr>
       </a:lvl5pPr>
-      <a:lvl6pPr lvl="5" marR="0" rtl="0" algn="l">
+      <a:lvl6pPr marR="0" lvl="5" algn="l" rtl="0">
         <a:lnSpc>
           <a:spcPct val="100000"/>
         </a:lnSpc>
@@ -13787,7 +14039,7 @@
           <a:srgbClr val="000000"/>
         </a:buClr>
         <a:buFont typeface="Arial"/>
-        <a:defRPr b="0" i="0" sz="1400" u="none" cap="none" strike="noStrike">
+        <a:defRPr sz="1400" b="0" i="0" u="none" strike="noStrike" cap="none">
           <a:solidFill>
             <a:srgbClr val="000000"/>
           </a:solidFill>
@@ -13797,7 +14049,7 @@
           <a:sym typeface="Arial"/>
         </a:defRPr>
       </a:lvl6pPr>
-      <a:lvl7pPr lvl="6" marR="0" rtl="0" algn="l">
+      <a:lvl7pPr marR="0" lvl="6" algn="l" rtl="0">
         <a:lnSpc>
           <a:spcPct val="100000"/>
         </a:lnSpc>
@@ -13811,7 +14063,7 @@
           <a:srgbClr val="000000"/>
         </a:buClr>
         <a:buFont typeface="Arial"/>
-        <a:defRPr b="0" i="0" sz="1400" u="none" cap="none" strike="noStrike">
+        <a:defRPr sz="1400" b="0" i="0" u="none" strike="noStrike" cap="none">
           <a:solidFill>
             <a:srgbClr val="000000"/>
           </a:solidFill>
@@ -13821,7 +14073,7 @@
           <a:sym typeface="Arial"/>
         </a:defRPr>
       </a:lvl7pPr>
-      <a:lvl8pPr lvl="7" marR="0" rtl="0" algn="l">
+      <a:lvl8pPr marR="0" lvl="7" algn="l" rtl="0">
         <a:lnSpc>
           <a:spcPct val="100000"/>
         </a:lnSpc>
@@ -13835,7 +14087,7 @@
           <a:srgbClr val="000000"/>
         </a:buClr>
         <a:buFont typeface="Arial"/>
-        <a:defRPr b="0" i="0" sz="1400" u="none" cap="none" strike="noStrike">
+        <a:defRPr sz="1400" b="0" i="0" u="none" strike="noStrike" cap="none">
           <a:solidFill>
             <a:srgbClr val="000000"/>
           </a:solidFill>
@@ -13845,7 +14097,7 @@
           <a:sym typeface="Arial"/>
         </a:defRPr>
       </a:lvl8pPr>
-      <a:lvl9pPr lvl="8" marR="0" rtl="0" algn="l">
+      <a:lvl9pPr marR="0" lvl="8" algn="l" rtl="0">
         <a:lnSpc>
           <a:spcPct val="100000"/>
         </a:lnSpc>
@@ -13859,7 +14111,7 @@
           <a:srgbClr val="000000"/>
         </a:buClr>
         <a:buFont typeface="Arial"/>
-        <a:defRPr b="0" i="0" sz="1400" u="none" cap="none" strike="noStrike">
+        <a:defRPr sz="1400" b="0" i="0" u="none" strike="noStrike" cap="none">
           <a:solidFill>
             <a:srgbClr val="000000"/>
           </a:solidFill>
@@ -13871,7 +14123,7 @@
       </a:lvl9pPr>
     </p:bodyStyle>
     <p:otherStyle>
-      <a:defPPr lvl="0" marR="0" rtl="0" algn="l">
+      <a:defPPr marR="0" lvl="0" algn="l" rtl="0">
         <a:lnSpc>
           <a:spcPct val="100000"/>
         </a:lnSpc>
@@ -13882,7 +14134,7 @@
           <a:spcPts val="0"/>
         </a:spcAft>
       </a:defPPr>
-      <a:lvl1pPr lvl="0" marR="0" rtl="0" algn="l">
+      <a:lvl1pPr marR="0" lvl="0" algn="l" rtl="0">
         <a:lnSpc>
           <a:spcPct val="100000"/>
         </a:lnSpc>
@@ -13896,7 +14148,7 @@
           <a:srgbClr val="000000"/>
         </a:buClr>
         <a:buFont typeface="Arial"/>
-        <a:defRPr b="0" i="0" sz="1400" u="none" cap="none" strike="noStrike">
+        <a:defRPr sz="1400" b="0" i="0" u="none" strike="noStrike" cap="none">
           <a:solidFill>
             <a:srgbClr val="000000"/>
           </a:solidFill>
@@ -13906,7 +14158,7 @@
           <a:sym typeface="Arial"/>
         </a:defRPr>
       </a:lvl1pPr>
-      <a:lvl2pPr lvl="1" marR="0" rtl="0" algn="l">
+      <a:lvl2pPr marR="0" lvl="1" algn="l" rtl="0">
         <a:lnSpc>
           <a:spcPct val="100000"/>
         </a:lnSpc>
@@ -13920,7 +14172,7 @@
           <a:srgbClr val="000000"/>
         </a:buClr>
         <a:buFont typeface="Arial"/>
-        <a:defRPr b="0" i="0" sz="1400" u="none" cap="none" strike="noStrike">
+        <a:defRPr sz="1400" b="0" i="0" u="none" strike="noStrike" cap="none">
           <a:solidFill>
             <a:srgbClr val="000000"/>
           </a:solidFill>
@@ -13930,7 +14182,7 @@
           <a:sym typeface="Arial"/>
         </a:defRPr>
       </a:lvl2pPr>
-      <a:lvl3pPr lvl="2" marR="0" rtl="0" algn="l">
+      <a:lvl3pPr marR="0" lvl="2" algn="l" rtl="0">
         <a:lnSpc>
           <a:spcPct val="100000"/>
         </a:lnSpc>
@@ -13944,7 +14196,7 @@
           <a:srgbClr val="000000"/>
         </a:buClr>
         <a:buFont typeface="Arial"/>
-        <a:defRPr b="0" i="0" sz="1400" u="none" cap="none" strike="noStrike">
+        <a:defRPr sz="1400" b="0" i="0" u="none" strike="noStrike" cap="none">
           <a:solidFill>
             <a:srgbClr val="000000"/>
           </a:solidFill>
@@ -13954,7 +14206,7 @@
           <a:sym typeface="Arial"/>
         </a:defRPr>
       </a:lvl3pPr>
-      <a:lvl4pPr lvl="3" marR="0" rtl="0" algn="l">
+      <a:lvl4pPr marR="0" lvl="3" algn="l" rtl="0">
         <a:lnSpc>
           <a:spcPct val="100000"/>
         </a:lnSpc>
@@ -13968,7 +14220,7 @@
           <a:srgbClr val="000000"/>
         </a:buClr>
         <a:buFont typeface="Arial"/>
-        <a:defRPr b="0" i="0" sz="1400" u="none" cap="none" strike="noStrike">
+        <a:defRPr sz="1400" b="0" i="0" u="none" strike="noStrike" cap="none">
           <a:solidFill>
             <a:srgbClr val="000000"/>
           </a:solidFill>
@@ -13978,7 +14230,7 @@
           <a:sym typeface="Arial"/>
         </a:defRPr>
       </a:lvl4pPr>
-      <a:lvl5pPr lvl="4" marR="0" rtl="0" algn="l">
+      <a:lvl5pPr marR="0" lvl="4" algn="l" rtl="0">
         <a:lnSpc>
           <a:spcPct val="100000"/>
         </a:lnSpc>
@@ -13992,7 +14244,7 @@
           <a:srgbClr val="000000"/>
         </a:buClr>
         <a:buFont typeface="Arial"/>
-        <a:defRPr b="0" i="0" sz="1400" u="none" cap="none" strike="noStrike">
+        <a:defRPr sz="1400" b="0" i="0" u="none" strike="noStrike" cap="none">
           <a:solidFill>
             <a:srgbClr val="000000"/>
           </a:solidFill>
@@ -14002,7 +14254,7 @@
           <a:sym typeface="Arial"/>
         </a:defRPr>
       </a:lvl5pPr>
-      <a:lvl6pPr lvl="5" marR="0" rtl="0" algn="l">
+      <a:lvl6pPr marR="0" lvl="5" algn="l" rtl="0">
         <a:lnSpc>
           <a:spcPct val="100000"/>
         </a:lnSpc>
@@ -14016,7 +14268,7 @@
           <a:srgbClr val="000000"/>
         </a:buClr>
         <a:buFont typeface="Arial"/>
-        <a:defRPr b="0" i="0" sz="1400" u="none" cap="none" strike="noStrike">
+        <a:defRPr sz="1400" b="0" i="0" u="none" strike="noStrike" cap="none">
           <a:solidFill>
             <a:srgbClr val="000000"/>
           </a:solidFill>
@@ -14026,7 +14278,7 @@
           <a:sym typeface="Arial"/>
         </a:defRPr>
       </a:lvl6pPr>
-      <a:lvl7pPr lvl="6" marR="0" rtl="0" algn="l">
+      <a:lvl7pPr marR="0" lvl="6" algn="l" rtl="0">
         <a:lnSpc>
           <a:spcPct val="100000"/>
         </a:lnSpc>
@@ -14040,7 +14292,7 @@
           <a:srgbClr val="000000"/>
         </a:buClr>
         <a:buFont typeface="Arial"/>
-        <a:defRPr b="0" i="0" sz="1400" u="none" cap="none" strike="noStrike">
+        <a:defRPr sz="1400" b="0" i="0" u="none" strike="noStrike" cap="none">
           <a:solidFill>
             <a:srgbClr val="000000"/>
           </a:solidFill>
@@ -14050,7 +14302,7 @@
           <a:sym typeface="Arial"/>
         </a:defRPr>
       </a:lvl7pPr>
-      <a:lvl8pPr lvl="7" marR="0" rtl="0" algn="l">
+      <a:lvl8pPr marR="0" lvl="7" algn="l" rtl="0">
         <a:lnSpc>
           <a:spcPct val="100000"/>
         </a:lnSpc>
@@ -14064,7 +14316,7 @@
           <a:srgbClr val="000000"/>
         </a:buClr>
         <a:buFont typeface="Arial"/>
-        <a:defRPr b="0" i="0" sz="1400" u="none" cap="none" strike="noStrike">
+        <a:defRPr sz="1400" b="0" i="0" u="none" strike="noStrike" cap="none">
           <a:solidFill>
             <a:srgbClr val="000000"/>
           </a:solidFill>
@@ -14074,7 +14326,7 @@
           <a:sym typeface="Arial"/>
         </a:defRPr>
       </a:lvl8pPr>
-      <a:lvl9pPr lvl="8" marR="0" rtl="0" algn="l">
+      <a:lvl9pPr marR="0" lvl="8" algn="l" rtl="0">
         <a:lnSpc>
           <a:spcPct val="100000"/>
         </a:lnSpc>
@@ -14088,7 +14340,7 @@
           <a:srgbClr val="000000"/>
         </a:buClr>
         <a:buFont typeface="Arial"/>
-        <a:defRPr b="0" i="0" sz="1400" u="none" cap="none" strike="noStrike">
+        <a:defRPr sz="1400" b="0" i="0" u="none" strike="noStrike" cap="none">
           <a:solidFill>
             <a:srgbClr val="000000"/>
           </a:solidFill>
@@ -14104,11 +14356,11 @@
 </file>
 
 <file path=ppt/slides/slide1.xml><?xml version="1.0" encoding="utf-8"?>
-<p:sld xmlns:a="http://schemas.openxmlformats.org/drawingml/2006/main" xmlns:r="http://schemas.openxmlformats.org/officeDocument/2006/relationships" xmlns:mc="http://schemas.openxmlformats.org/markup-compatibility/2006" xmlns:mv="urn:schemas-microsoft-com:mac:vml" xmlns:p="http://schemas.openxmlformats.org/presentationml/2006/main" xmlns:c="http://schemas.openxmlformats.org/drawingml/2006/chart" xmlns:dgm="http://schemas.openxmlformats.org/drawingml/2006/diagram" xmlns:o="urn:schemas-microsoft-com:office:office" xmlns:v="urn:schemas-microsoft-com:vml" xmlns:pvml="urn:schemas-microsoft-com:office:powerpoint" xmlns:com="http://schemas.openxmlformats.org/drawingml/2006/compatibility" xmlns:p14="http://schemas.microsoft.com/office/powerpoint/2010/main" xmlns:p15="http://schemas.microsoft.com/office/powerpoint/2012/main" xmlns:ahyp="http://schemas.microsoft.com/office/drawing/2018/hyperlinkcolor">
+<p:sld xmlns:a="http://schemas.openxmlformats.org/drawingml/2006/main" xmlns:r="http://schemas.openxmlformats.org/officeDocument/2006/relationships" xmlns:p="http://schemas.openxmlformats.org/presentationml/2006/main">
   <p:cSld>
     <p:spTree>
       <p:nvGrpSpPr>
-        <p:cNvPr id="83" name="Shape 83"/>
+        <p:cNvPr id="1" name="Shape 83"/>
         <p:cNvGrpSpPr/>
         <p:nvPr/>
       </p:nvGrpSpPr>
@@ -14142,12 +14394,12 @@
           </a:ln>
         </p:spPr>
         <p:txBody>
-          <a:bodyPr anchorCtr="0" anchor="t" bIns="45700" lIns="91425" spcFirstLastPara="1" rIns="91425" wrap="square" tIns="45700">
+          <a:bodyPr spcFirstLastPara="1" wrap="square" lIns="91425" tIns="45700" rIns="91425" bIns="45700" anchor="t" anchorCtr="0">
             <a:spAutoFit/>
           </a:bodyPr>
           <a:lstStyle/>
           <a:p>
-            <a:pPr indent="0" lvl="0" marL="0" marR="0" rtl="0" algn="l">
+            <a:pPr marL="0" marR="0" lvl="0" indent="0" algn="l" rtl="0">
               <a:lnSpc>
                 <a:spcPct val="100000"/>
               </a:lnSpc>
@@ -14165,7 +14417,7 @@
               <a:buNone/>
             </a:pPr>
             <a:r>
-              <a:rPr b="0" i="0" lang="en-GB" sz="1800" u="none" cap="none" strike="noStrike">
+              <a:rPr lang="en-GB" sz="1800" b="0" i="0" u="none" strike="noStrike" cap="none">
                 <a:solidFill>
                   <a:schemeClr val="dk1"/>
                 </a:solidFill>
@@ -14176,7 +14428,7 @@
               </a:rPr>
               <a:t>Requirements</a:t>
             </a:r>
-            <a:endParaRPr b="0" i="0" sz="1400" u="none" cap="none" strike="noStrike">
+            <a:endParaRPr sz="1400" b="0" i="0" u="none" strike="noStrike" cap="none">
               <a:solidFill>
                 <a:srgbClr val="000000"/>
               </a:solidFill>
@@ -14208,12 +14460,12 @@
           </a:ln>
         </p:spPr>
         <p:txBody>
-          <a:bodyPr anchorCtr="0" anchor="t" bIns="45700" lIns="91425" spcFirstLastPara="1" rIns="91425" wrap="square" tIns="45700">
+          <a:bodyPr spcFirstLastPara="1" wrap="square" lIns="91425" tIns="45700" rIns="91425" bIns="45700" anchor="t" anchorCtr="0">
             <a:spAutoFit/>
           </a:bodyPr>
           <a:lstStyle/>
           <a:p>
-            <a:pPr indent="0" lvl="0" marL="0" marR="0" rtl="0" algn="l">
+            <a:pPr marL="0" marR="0" lvl="0" indent="0" algn="l" rtl="0">
               <a:lnSpc>
                 <a:spcPct val="100000"/>
               </a:lnSpc>
@@ -14231,7 +14483,7 @@
               <a:buNone/>
             </a:pPr>
             <a:r>
-              <a:rPr b="0" i="0" lang="en-GB" sz="1800" u="none" cap="none" strike="noStrike">
+              <a:rPr lang="en-GB" sz="1800" b="0" i="0" u="none" strike="noStrike" cap="none">
                 <a:solidFill>
                   <a:schemeClr val="dk1"/>
                 </a:solidFill>
@@ -14242,7 +14494,7 @@
               </a:rPr>
               <a:t>In the selected time range, display:</a:t>
             </a:r>
-            <a:endParaRPr b="0" i="0" sz="1400" u="none" cap="none" strike="noStrike">
+            <a:endParaRPr sz="1400" b="0" i="0" u="none" strike="noStrike" cap="none">
               <a:solidFill>
                 <a:srgbClr val="000000"/>
               </a:solidFill>
@@ -14288,12 +14540,12 @@
             </a:ln>
           </p:spPr>
           <p:txBody>
-            <a:bodyPr anchorCtr="0" anchor="t" bIns="45700" lIns="91425" spcFirstLastPara="1" rIns="91425" wrap="square" tIns="45700">
+            <a:bodyPr spcFirstLastPara="1" wrap="square" lIns="91425" tIns="45700" rIns="91425" bIns="45700" anchor="t" anchorCtr="0">
               <a:spAutoFit/>
             </a:bodyPr>
             <a:lstStyle/>
             <a:p>
-              <a:pPr indent="0" lvl="0" marL="0" marR="0" rtl="0" algn="l">
+              <a:pPr marL="0" marR="0" lvl="0" indent="0" algn="l" rtl="0">
                 <a:lnSpc>
                   <a:spcPct val="100000"/>
                 </a:lnSpc>
@@ -14311,7 +14563,7 @@
                 <a:buNone/>
               </a:pPr>
               <a:r>
-                <a:rPr b="0" i="0" lang="en-GB" sz="1800" u="none" cap="none" strike="noStrike">
+                <a:rPr lang="en-GB" sz="1800" b="0" i="0" u="none" strike="noStrike" cap="none">
                   <a:solidFill>
                     <a:schemeClr val="lt2"/>
                   </a:solidFill>
@@ -14322,7 +14574,7 @@
                 </a:rPr>
                 <a:t>The total flow rate from</a:t>
               </a:r>
-              <a:endParaRPr b="0" i="0" sz="1400" u="none" cap="none" strike="noStrike">
+              <a:endParaRPr sz="1400" b="0" i="0" u="none" strike="noStrike" cap="none">
                 <a:solidFill>
                   <a:srgbClr val="000000"/>
                 </a:solidFill>
@@ -14333,7 +14585,7 @@
               </a:endParaRPr>
             </a:p>
             <a:p>
-              <a:pPr indent="0" lvl="0" marL="0" marR="0" rtl="0" algn="l">
+              <a:pPr marL="0" marR="0" lvl="0" indent="0" algn="l" rtl="0">
                 <a:lnSpc>
                   <a:spcPct val="100000"/>
                 </a:lnSpc>
@@ -14351,7 +14603,7 @@
                 <a:buNone/>
               </a:pPr>
               <a:r>
-                <a:rPr b="0" i="1" lang="en-GB" sz="1600" u="none" cap="none" strike="noStrike">
+                <a:rPr lang="en-GB" sz="1600" b="0" i="1" u="none" strike="noStrike" cap="none">
                   <a:solidFill>
                     <a:schemeClr val="lt2"/>
                   </a:solidFill>
@@ -14362,7 +14614,7 @@
                 </a:rPr>
                 <a:t>Goals: last</a:t>
               </a:r>
-              <a:endParaRPr b="0" i="0" sz="1400" u="none" cap="none" strike="noStrike">
+              <a:endParaRPr sz="1400" b="0" i="0" u="none" strike="noStrike" cap="none">
                 <a:solidFill>
                   <a:srgbClr val="000000"/>
                 </a:solidFill>
@@ -14373,7 +14625,7 @@
               </a:endParaRPr>
             </a:p>
             <a:p>
-              <a:pPr indent="0" lvl="0" marL="0" marR="0" rtl="0" algn="l">
+              <a:pPr marL="0" marR="0" lvl="0" indent="0" algn="l" rtl="0">
                 <a:lnSpc>
                   <a:spcPct val="100000"/>
                 </a:lnSpc>
@@ -14391,7 +14643,7 @@
                 <a:buNone/>
               </a:pPr>
               <a:r>
-                <a:rPr b="0" i="1" lang="en-GB" sz="1600" u="none" cap="none" strike="noStrike">
+                <a:rPr lang="en-GB" sz="1600" b="0" i="1" u="none" strike="noStrike" cap="none">
                   <a:solidFill>
                     <a:schemeClr val="lt2"/>
                   </a:solidFill>
@@ -14402,7 +14654,7 @@
                 </a:rPr>
                 <a:t>HINT: group, sum</a:t>
               </a:r>
-              <a:endParaRPr b="0" i="0" sz="1400" u="none" cap="none" strike="noStrike">
+              <a:endParaRPr sz="1400" b="0" i="0" u="none" strike="noStrike" cap="none">
                 <a:solidFill>
                   <a:srgbClr val="000000"/>
                 </a:solidFill>
@@ -14413,7 +14665,7 @@
               </a:endParaRPr>
             </a:p>
             <a:p>
-              <a:pPr indent="0" lvl="0" marL="0" marR="0" rtl="0" algn="l">
+              <a:pPr marL="0" marR="0" lvl="0" indent="0" algn="l" rtl="0">
                 <a:lnSpc>
                   <a:spcPct val="100000"/>
                 </a:lnSpc>
@@ -14430,10 +14682,7 @@
                 <a:buFont typeface="Arial"/>
                 <a:buNone/>
               </a:pPr>
-              <a:r>
-                <a:t/>
-              </a:r>
-              <a:endParaRPr b="0" i="0" sz="1800" u="none" cap="none" strike="noStrike">
+              <a:endParaRPr sz="1800" b="0" i="0" u="none" strike="noStrike" cap="none">
                 <a:solidFill>
                   <a:schemeClr val="dk1"/>
                 </a:solidFill>
@@ -14488,14 +14737,14 @@
                   <a:avLst/>
                 </a:prstGeom>
                 <a:noFill/>
-                <a:ln cap="flat" cmpd="sng" w="9525">
+                <a:ln w="9525" cap="flat" cmpd="sng">
                   <a:solidFill>
                     <a:srgbClr val="262626"/>
                   </a:solidFill>
                   <a:prstDash val="solid"/>
                   <a:miter lim="800000"/>
-                  <a:headEnd len="sm" w="sm" type="none"/>
-                  <a:tailEnd len="sm" w="sm" type="none"/>
+                  <a:headEnd type="none" w="sm" len="sm"/>
+                  <a:tailEnd type="none" w="sm" len="sm"/>
                 </a:ln>
               </p:spPr>
             </p:cxnSp>
@@ -14514,14 +14763,14 @@
                   <a:avLst/>
                 </a:prstGeom>
                 <a:noFill/>
-                <a:ln cap="flat" cmpd="sng" w="9525">
+                <a:ln w="9525" cap="flat" cmpd="sng">
                   <a:solidFill>
                     <a:srgbClr val="262626"/>
                   </a:solidFill>
                   <a:prstDash val="solid"/>
                   <a:miter lim="800000"/>
-                  <a:headEnd len="sm" w="sm" type="none"/>
-                  <a:tailEnd len="sm" w="sm" type="none"/>
+                  <a:headEnd type="none" w="sm" len="sm"/>
+                  <a:tailEnd type="none" w="sm" len="sm"/>
                 </a:ln>
               </p:spPr>
             </p:cxnSp>
@@ -14540,14 +14789,14 @@
                   <a:avLst/>
                 </a:prstGeom>
                 <a:noFill/>
-                <a:ln cap="flat" cmpd="sng" w="9525">
+                <a:ln w="9525" cap="flat" cmpd="sng">
                   <a:solidFill>
                     <a:srgbClr val="A5A5A5"/>
                   </a:solidFill>
                   <a:prstDash val="solid"/>
                   <a:miter lim="800000"/>
-                  <a:headEnd len="sm" w="sm" type="none"/>
-                  <a:tailEnd len="sm" w="sm" type="none"/>
+                  <a:headEnd type="none" w="sm" len="sm"/>
+                  <a:tailEnd type="none" w="sm" len="sm"/>
                 </a:ln>
               </p:spPr>
             </p:cxnSp>
@@ -14566,14 +14815,14 @@
                   <a:avLst/>
                 </a:prstGeom>
                 <a:noFill/>
-                <a:ln cap="flat" cmpd="sng" w="9525">
+                <a:ln w="9525" cap="flat" cmpd="sng">
                   <a:solidFill>
                     <a:srgbClr val="A5A5A5"/>
                   </a:solidFill>
                   <a:prstDash val="solid"/>
                   <a:miter lim="800000"/>
-                  <a:headEnd len="sm" w="sm" type="none"/>
-                  <a:tailEnd len="sm" w="sm" type="none"/>
+                  <a:headEnd type="none" w="sm" len="sm"/>
+                  <a:tailEnd type="none" w="sm" len="sm"/>
                 </a:ln>
               </p:spPr>
             </p:cxnSp>
@@ -14592,14 +14841,14 @@
                   <a:avLst/>
                 </a:prstGeom>
                 <a:noFill/>
-                <a:ln cap="flat" cmpd="sng" w="9525">
+                <a:ln w="9525" cap="flat" cmpd="sng">
                   <a:solidFill>
                     <a:srgbClr val="A5A5A5"/>
                   </a:solidFill>
                   <a:prstDash val="solid"/>
                   <a:miter lim="800000"/>
-                  <a:headEnd len="sm" w="sm" type="none"/>
-                  <a:tailEnd len="sm" w="sm" type="none"/>
+                  <a:headEnd type="none" w="sm" len="sm"/>
+                  <a:tailEnd type="none" w="sm" len="sm"/>
                 </a:ln>
               </p:spPr>
             </p:cxnSp>
@@ -14618,14 +14867,14 @@
                   <a:avLst/>
                 </a:prstGeom>
                 <a:noFill/>
-                <a:ln cap="flat" cmpd="sng" w="9525">
+                <a:ln w="9525" cap="flat" cmpd="sng">
                   <a:solidFill>
                     <a:srgbClr val="262626"/>
                   </a:solidFill>
                   <a:prstDash val="solid"/>
                   <a:miter lim="800000"/>
-                  <a:headEnd len="sm" w="sm" type="none"/>
-                  <a:tailEnd len="sm" w="sm" type="none"/>
+                  <a:headEnd type="none" w="sm" len="sm"/>
+                  <a:tailEnd type="none" w="sm" len="sm"/>
                 </a:ln>
               </p:spPr>
             </p:cxnSp>
@@ -14644,14 +14893,14 @@
                   <a:avLst/>
                 </a:prstGeom>
                 <a:noFill/>
-                <a:ln cap="flat" cmpd="sng" w="9525">
+                <a:ln w="9525" cap="flat" cmpd="sng">
                   <a:solidFill>
                     <a:srgbClr val="262626"/>
                   </a:solidFill>
                   <a:prstDash val="solid"/>
                   <a:miter lim="800000"/>
-                  <a:headEnd len="sm" w="sm" type="none"/>
-                  <a:tailEnd len="sm" w="sm" type="none"/>
+                  <a:headEnd type="none" w="sm" len="sm"/>
+                  <a:tailEnd type="none" w="sm" len="sm"/>
                 </a:ln>
               </p:spPr>
             </p:cxnSp>
@@ -14670,14 +14919,14 @@
                   <a:avLst/>
                 </a:prstGeom>
                 <a:noFill/>
-                <a:ln cap="flat" cmpd="sng" w="9525">
+                <a:ln w="9525" cap="flat" cmpd="sng">
                   <a:solidFill>
                     <a:srgbClr val="262626"/>
                   </a:solidFill>
                   <a:prstDash val="solid"/>
                   <a:miter lim="800000"/>
-                  <a:headEnd len="sm" w="sm" type="none"/>
-                  <a:tailEnd len="sm" w="sm" type="none"/>
+                  <a:headEnd type="none" w="sm" len="sm"/>
+                  <a:tailEnd type="none" w="sm" len="sm"/>
                 </a:ln>
               </p:spPr>
             </p:cxnSp>
@@ -14697,23 +14946,23 @@
                 <a:avLst/>
               </a:prstGeom>
               <a:noFill/>
-              <a:ln cap="flat" cmpd="sng" w="12700">
+              <a:ln w="12700" cap="flat" cmpd="sng">
                 <a:solidFill>
                   <a:srgbClr val="262626"/>
                 </a:solidFill>
                 <a:prstDash val="solid"/>
                 <a:miter lim="800000"/>
-                <a:headEnd len="sm" w="sm" type="none"/>
-                <a:tailEnd len="sm" w="sm" type="none"/>
+                <a:headEnd type="none" w="sm" len="sm"/>
+                <a:tailEnd type="none" w="sm" len="sm"/>
               </a:ln>
             </p:spPr>
             <p:txBody>
-              <a:bodyPr anchorCtr="0" anchor="ctr" bIns="45700" lIns="91425" spcFirstLastPara="1" rIns="91425" wrap="square" tIns="45700">
+              <a:bodyPr spcFirstLastPara="1" wrap="square" lIns="91425" tIns="45700" rIns="91425" bIns="45700" anchor="ctr" anchorCtr="0">
                 <a:noAutofit/>
               </a:bodyPr>
               <a:lstStyle/>
               <a:p>
-                <a:pPr indent="0" lvl="0" marL="0" marR="0" rtl="0" algn="ctr">
+                <a:pPr marL="0" marR="0" lvl="0" indent="0" algn="ctr" rtl="0">
                   <a:lnSpc>
                     <a:spcPct val="100000"/>
                   </a:lnSpc>
@@ -14730,10 +14979,7 @@
                   <a:buFont typeface="Arial"/>
                   <a:buNone/>
                 </a:pPr>
-                <a:r>
-                  <a:t/>
-                </a:r>
-                <a:endParaRPr b="0" i="0" sz="1800" u="none" cap="none" strike="noStrike">
+                <a:endParaRPr sz="1800" b="0" i="0" u="none" strike="noStrike" cap="none">
                   <a:solidFill>
                     <a:schemeClr val="lt1"/>
                   </a:solidFill>
@@ -14766,12 +15012,12 @@
             </a:ln>
           </p:spPr>
           <p:txBody>
-            <a:bodyPr anchorCtr="0" anchor="t" bIns="45700" lIns="91425" spcFirstLastPara="1" rIns="91425" wrap="square" tIns="45700">
+            <a:bodyPr spcFirstLastPara="1" wrap="square" lIns="91425" tIns="45700" rIns="91425" bIns="45700" anchor="t" anchorCtr="0">
               <a:spAutoFit/>
             </a:bodyPr>
             <a:lstStyle/>
             <a:p>
-              <a:pPr indent="0" lvl="0" marL="0" marR="0" rtl="0" algn="l">
+              <a:pPr marL="0" marR="0" lvl="0" indent="0" algn="l" rtl="0">
                 <a:lnSpc>
                   <a:spcPct val="100000"/>
                 </a:lnSpc>
@@ -14789,7 +15035,7 @@
                 <a:buNone/>
               </a:pPr>
               <a:r>
-                <a:rPr b="0" i="0" lang="en-GB" sz="1800" u="none" cap="none" strike="noStrike">
+                <a:rPr lang="en-GB" sz="1800" b="0" i="0" u="none" strike="noStrike" cap="none">
                   <a:solidFill>
                     <a:schemeClr val="dk1"/>
                   </a:solidFill>
@@ -14800,7 +15046,7 @@
                 </a:rPr>
                 <a:t>The fill level of the city water tank</a:t>
               </a:r>
-              <a:endParaRPr b="0" i="0" sz="1400" u="none" cap="none" strike="noStrike">
+              <a:endParaRPr sz="1400" b="0" i="0" u="none" strike="noStrike" cap="none">
                 <a:solidFill>
                   <a:srgbClr val="000000"/>
                 </a:solidFill>
@@ -14811,7 +15057,7 @@
               </a:endParaRPr>
             </a:p>
             <a:p>
-              <a:pPr indent="0" lvl="0" marL="0" marR="0" rtl="0" algn="l">
+              <a:pPr marL="0" marR="0" lvl="0" indent="0" algn="l" rtl="0">
                 <a:lnSpc>
                   <a:spcPct val="100000"/>
                 </a:lnSpc>
@@ -14829,7 +15075,7 @@
                 <a:buNone/>
               </a:pPr>
               <a:r>
-                <a:rPr b="0" i="1" lang="en-GB" sz="1600" u="none" cap="none" strike="noStrike">
+                <a:rPr lang="en-GB" sz="1600" b="0" i="1" u="none" strike="noStrike" cap="none">
                   <a:solidFill>
                     <a:schemeClr val="dk1"/>
                   </a:solidFill>
@@ -14840,7 +15086,7 @@
                 </a:rPr>
                 <a:t>Goals: range, filter</a:t>
               </a:r>
-              <a:endParaRPr b="0" i="0" sz="1400" u="none" cap="none" strike="noStrike">
+              <a:endParaRPr sz="1400" b="0" i="0" u="none" strike="noStrike" cap="none">
                 <a:solidFill>
                   <a:srgbClr val="000000"/>
                 </a:solidFill>
@@ -14872,12 +15118,12 @@
             </a:ln>
           </p:spPr>
           <p:txBody>
-            <a:bodyPr anchorCtr="0" anchor="t" bIns="45700" lIns="91425" spcFirstLastPara="1" rIns="91425" wrap="square" tIns="45700">
+            <a:bodyPr spcFirstLastPara="1" wrap="square" lIns="91425" tIns="45700" rIns="91425" bIns="45700" anchor="t" anchorCtr="0">
               <a:spAutoFit/>
             </a:bodyPr>
             <a:lstStyle/>
             <a:p>
-              <a:pPr indent="0" lvl="0" marL="0" marR="0" rtl="0" algn="l">
+              <a:pPr marL="0" marR="0" lvl="0" indent="0" algn="l" rtl="0">
                 <a:lnSpc>
                   <a:spcPct val="100000"/>
                 </a:lnSpc>
@@ -14895,7 +15141,7 @@
                 <a:buNone/>
               </a:pPr>
               <a:r>
-                <a:rPr b="0" i="0" lang="en-GB" sz="1800" u="none" cap="none" strike="noStrike">
+                <a:rPr lang="en-GB" sz="1800" b="0" i="0" u="none" strike="noStrike" cap="none">
                   <a:solidFill>
                     <a:schemeClr val="dk1"/>
                   </a:solidFill>
@@ -14906,7 +15152,7 @@
                 </a:rPr>
                 <a:t>The speed of the pump that refills the city water tank</a:t>
               </a:r>
-              <a:endParaRPr b="0" i="0" sz="1400" u="none" cap="none" strike="noStrike">
+              <a:endParaRPr sz="1400" b="0" i="0" u="none" strike="noStrike" cap="none">
                 <a:solidFill>
                   <a:srgbClr val="000000"/>
                 </a:solidFill>
@@ -14917,7 +15163,7 @@
               </a:endParaRPr>
             </a:p>
             <a:p>
-              <a:pPr indent="0" lvl="0" marL="0" marR="0" rtl="0" algn="l">
+              <a:pPr marL="0" marR="0" lvl="0" indent="0" algn="l" rtl="0">
                 <a:lnSpc>
                   <a:spcPct val="100000"/>
                 </a:lnSpc>
@@ -14935,7 +15181,7 @@
                 <a:buNone/>
               </a:pPr>
               <a:r>
-                <a:rPr b="0" i="1" lang="en-GB" sz="1600" u="none" cap="none" strike="noStrike">
+                <a:rPr lang="en-GB" sz="1600" b="0" i="1" u="none" strike="noStrike" cap="none">
                   <a:solidFill>
                     <a:srgbClr val="000000"/>
                   </a:solidFill>
@@ -14946,7 +15192,7 @@
                 </a:rPr>
                 <a:t>Goals: range, filter</a:t>
               </a:r>
-              <a:endParaRPr b="0" i="0" sz="1400" u="none" cap="none" strike="noStrike">
+              <a:endParaRPr sz="1400" b="0" i="0" u="none" strike="noStrike" cap="none">
                 <a:solidFill>
                   <a:srgbClr val="000000"/>
                 </a:solidFill>
@@ -14957,7 +15203,7 @@
               </a:endParaRPr>
             </a:p>
             <a:p>
-              <a:pPr indent="0" lvl="0" marL="0" marR="0" rtl="0" algn="l">
+              <a:pPr marL="0" marR="0" lvl="0" indent="0" algn="l" rtl="0">
                 <a:lnSpc>
                   <a:spcPct val="100000"/>
                 </a:lnSpc>
@@ -14974,10 +15220,7 @@
                 <a:buFont typeface="Arial"/>
                 <a:buNone/>
               </a:pPr>
-              <a:r>
-                <a:t/>
-              </a:r>
-              <a:endParaRPr b="0" i="0" sz="1800" u="none" cap="none" strike="noStrike">
+              <a:endParaRPr sz="1800" b="0" i="0" u="none" strike="noStrike" cap="none">
                 <a:solidFill>
                   <a:schemeClr val="dk1"/>
                 </a:solidFill>
@@ -15009,12 +15252,12 @@
             </a:ln>
           </p:spPr>
           <p:txBody>
-            <a:bodyPr anchorCtr="0" anchor="t" bIns="45700" lIns="91425" spcFirstLastPara="1" rIns="91425" wrap="square" tIns="45700">
+            <a:bodyPr spcFirstLastPara="1" wrap="square" lIns="91425" tIns="45700" rIns="91425" bIns="45700" anchor="t" anchorCtr="0">
               <a:spAutoFit/>
             </a:bodyPr>
             <a:lstStyle/>
             <a:p>
-              <a:pPr indent="0" lvl="0" marL="0" marR="0" rtl="0" algn="l">
+              <a:pPr marL="0" marR="0" lvl="0" indent="0" algn="l" rtl="0">
                 <a:lnSpc>
                   <a:spcPct val="100000"/>
                 </a:lnSpc>
@@ -15032,7 +15275,7 @@
                 <a:buNone/>
               </a:pPr>
               <a:r>
-                <a:rPr b="0" i="0" lang="en-GB" sz="1800" u="none" cap="none" strike="noStrike">
+                <a:rPr lang="en-GB" sz="1800" b="0" i="0" u="none" strike="noStrike" cap="none">
                   <a:solidFill>
                     <a:schemeClr val="lt2"/>
                   </a:solidFill>
@@ -15044,7 +15287,7 @@
                 <a:t>The most recent state of each valve. </a:t>
               </a:r>
               <a:br>
-                <a:rPr b="0" i="0" lang="en-GB" sz="1800" u="none" cap="none" strike="noStrike">
+                <a:rPr lang="en-GB" sz="1800" b="0" i="0" u="none" strike="noStrike" cap="none">
                   <a:solidFill>
                     <a:schemeClr val="lt2"/>
                   </a:solidFill>
@@ -15055,7 +15298,7 @@
                 </a:rPr>
               </a:br>
               <a:r>
-                <a:rPr b="0" i="0" lang="en-GB" sz="1800" u="none" cap="none" strike="noStrike">
+                <a:rPr lang="en-GB" sz="1800" b="0" i="0" u="none" strike="noStrike" cap="none">
                   <a:solidFill>
                     <a:schemeClr val="lt2"/>
                   </a:solidFill>
@@ -15066,7 +15309,7 @@
                 </a:rPr>
                 <a:t>Use a green “1” to represent an open valve and a red “0” when is closed</a:t>
               </a:r>
-              <a:endParaRPr b="0" i="0" sz="1400" u="none" cap="none" strike="noStrike">
+              <a:endParaRPr sz="1400" b="0" i="0" u="none" strike="noStrike" cap="none">
                 <a:solidFill>
                   <a:srgbClr val="000000"/>
                 </a:solidFill>
@@ -15077,7 +15320,7 @@
               </a:endParaRPr>
             </a:p>
             <a:p>
-              <a:pPr indent="0" lvl="0" marL="0" marR="0" rtl="0" algn="l">
+              <a:pPr marL="0" marR="0" lvl="0" indent="0" algn="l" rtl="0">
                 <a:lnSpc>
                   <a:spcPct val="100000"/>
                 </a:lnSpc>
@@ -15095,7 +15338,7 @@
                 <a:buNone/>
               </a:pPr>
               <a:r>
-                <a:rPr b="0" i="1" lang="en-GB" sz="1600" u="none" cap="none" strike="noStrike">
+                <a:rPr lang="en-GB" sz="1600" b="0" i="1" u="none" strike="noStrike" cap="none">
                   <a:solidFill>
                     <a:schemeClr val="lt2"/>
                   </a:solidFill>
@@ -15106,7 +15349,7 @@
                 </a:rPr>
                 <a:t>Goals: last, custom function</a:t>
               </a:r>
-              <a:endParaRPr b="0" i="0" sz="1400" u="none" cap="none" strike="noStrike">
+              <a:endParaRPr sz="1400" b="0" i="0" u="none" strike="noStrike" cap="none">
                 <a:solidFill>
                   <a:srgbClr val="000000"/>
                 </a:solidFill>
@@ -15117,7 +15360,7 @@
               </a:endParaRPr>
             </a:p>
             <a:p>
-              <a:pPr indent="0" lvl="0" marL="0" marR="0" rtl="0" algn="l">
+              <a:pPr marL="0" marR="0" lvl="0" indent="0" algn="l" rtl="0">
                 <a:lnSpc>
                   <a:spcPct val="100000"/>
                 </a:lnSpc>
@@ -15134,10 +15377,7 @@
                 <a:buFont typeface="Arial"/>
                 <a:buNone/>
               </a:pPr>
-              <a:r>
-                <a:t/>
-              </a:r>
-              <a:endParaRPr b="0" i="0" sz="1800" u="none" cap="none" strike="noStrike">
+              <a:endParaRPr sz="1800" b="0" i="0" u="none" strike="noStrike" cap="none">
                 <a:solidFill>
                   <a:schemeClr val="dk1"/>
                 </a:solidFill>
@@ -15169,12 +15409,12 @@
             </a:ln>
           </p:spPr>
           <p:txBody>
-            <a:bodyPr anchorCtr="0" anchor="t" bIns="45700" lIns="91425" spcFirstLastPara="1" rIns="91425" wrap="square" tIns="45700">
+            <a:bodyPr spcFirstLastPara="1" wrap="square" lIns="91425" tIns="45700" rIns="91425" bIns="45700" anchor="t" anchorCtr="0">
               <a:spAutoFit/>
             </a:bodyPr>
             <a:lstStyle/>
             <a:p>
-              <a:pPr indent="0" lvl="0" marL="0" marR="0" rtl="0" algn="l">
+              <a:pPr marL="0" marR="0" lvl="0" indent="0" algn="l" rtl="0">
                 <a:lnSpc>
                   <a:spcPct val="100000"/>
                 </a:lnSpc>
@@ -15192,7 +15432,7 @@
                 <a:buNone/>
               </a:pPr>
               <a:r>
-                <a:rPr b="0" i="0" lang="en-GB" sz="1800" u="none" cap="none" strike="noStrike">
+                <a:rPr lang="en-GB" sz="1800" b="0" i="0" u="none" strike="noStrike" cap="none">
                   <a:solidFill>
                     <a:schemeClr val="dk1"/>
                   </a:solidFill>
@@ -15203,7 +15443,7 @@
                 </a:rPr>
                 <a:t>The fill level of each tank down sampled to 1 min</a:t>
               </a:r>
-              <a:endParaRPr b="0" i="0" sz="1400" u="none" cap="none" strike="noStrike">
+              <a:endParaRPr sz="1400" b="0" i="0" u="none" strike="noStrike" cap="none">
                 <a:solidFill>
                   <a:srgbClr val="000000"/>
                 </a:solidFill>
@@ -15214,7 +15454,7 @@
               </a:endParaRPr>
             </a:p>
             <a:p>
-              <a:pPr indent="0" lvl="0" marL="0" marR="0" rtl="0" algn="l">
+              <a:pPr marL="0" marR="0" lvl="0" indent="0" algn="l" rtl="0">
                 <a:lnSpc>
                   <a:spcPct val="100000"/>
                 </a:lnSpc>
@@ -15232,7 +15472,7 @@
                 <a:buNone/>
               </a:pPr>
               <a:r>
-                <a:rPr b="0" i="1" lang="en-GB" sz="1600" u="none" cap="none" strike="noStrike">
+                <a:rPr lang="en-GB" sz="1600" b="0" i="1" u="none" strike="noStrike" cap="none">
                   <a:solidFill>
                     <a:srgbClr val="000000"/>
                   </a:solidFill>
@@ -15243,7 +15483,7 @@
                 </a:rPr>
                 <a:t>Goals: aggregateWindow</a:t>
               </a:r>
-              <a:endParaRPr b="0" i="1" sz="1600" u="none" cap="none" strike="noStrike">
+              <a:endParaRPr sz="1600" b="0" i="1" u="none" strike="noStrike" cap="none">
                 <a:solidFill>
                   <a:srgbClr val="000000"/>
                 </a:solidFill>
@@ -15254,7 +15494,7 @@
               </a:endParaRPr>
             </a:p>
             <a:p>
-              <a:pPr indent="0" lvl="0" marL="0" marR="0" rtl="0" algn="l">
+              <a:pPr marL="0" marR="0" lvl="0" indent="0" algn="l" rtl="0">
                 <a:lnSpc>
                   <a:spcPct val="100000"/>
                 </a:lnSpc>
@@ -15271,10 +15511,7 @@
                 <a:buFont typeface="Arial"/>
                 <a:buNone/>
               </a:pPr>
-              <a:r>
-                <a:t/>
-              </a:r>
-              <a:endParaRPr b="0" i="0" sz="1800" u="none" cap="none" strike="noStrike">
+              <a:endParaRPr sz="1800" b="0" i="0" u="none" strike="noStrike" cap="none">
                 <a:solidFill>
                   <a:schemeClr val="dk1"/>
                 </a:solidFill>
@@ -15306,12 +15543,12 @@
             </a:ln>
           </p:spPr>
           <p:txBody>
-            <a:bodyPr anchorCtr="0" anchor="t" bIns="45700" lIns="91425" spcFirstLastPara="1" rIns="91425" wrap="square" tIns="45700">
+            <a:bodyPr spcFirstLastPara="1" wrap="square" lIns="91425" tIns="45700" rIns="91425" bIns="45700" anchor="t" anchorCtr="0">
               <a:spAutoFit/>
             </a:bodyPr>
             <a:lstStyle/>
             <a:p>
-              <a:pPr indent="0" lvl="0" marL="0" marR="0" rtl="0" algn="l">
+              <a:pPr marL="0" marR="0" lvl="0" indent="0" algn="l" rtl="0">
                 <a:lnSpc>
                   <a:spcPct val="100000"/>
                 </a:lnSpc>
@@ -15329,7 +15566,7 @@
                 <a:buNone/>
               </a:pPr>
               <a:r>
-                <a:rPr b="0" i="0" lang="en-GB" sz="1800" u="none" cap="none" strike="noStrike">
+                <a:rPr lang="en-GB" sz="1800" b="0" i="0" u="none" strike="noStrike" cap="none">
                   <a:solidFill>
                     <a:schemeClr val="dk1"/>
                   </a:solidFill>
@@ -15340,7 +15577,7 @@
                 </a:rPr>
                 <a:t>The flow rate of each valve</a:t>
               </a:r>
-              <a:endParaRPr b="0" i="0" sz="1400" u="none" cap="none" strike="noStrike">
+              <a:endParaRPr sz="1400" b="0" i="0" u="none" strike="noStrike" cap="none">
                 <a:solidFill>
                   <a:srgbClr val="000000"/>
                 </a:solidFill>
@@ -15351,7 +15588,7 @@
               </a:endParaRPr>
             </a:p>
             <a:p>
-              <a:pPr indent="0" lvl="0" marL="0" marR="0" rtl="0" algn="l">
+              <a:pPr marL="0" marR="0" lvl="0" indent="0" algn="l" rtl="0">
                 <a:lnSpc>
                   <a:spcPct val="100000"/>
                 </a:lnSpc>
@@ -15369,7 +15606,7 @@
                 <a:buNone/>
               </a:pPr>
               <a:r>
-                <a:rPr b="0" i="1" lang="en-GB" sz="1600" u="none" cap="none" strike="noStrike">
+                <a:rPr lang="en-GB" sz="1600" b="0" i="1" u="none" strike="noStrike" cap="none">
                   <a:solidFill>
                     <a:srgbClr val="000000"/>
                   </a:solidFill>
@@ -15380,7 +15617,7 @@
                 </a:rPr>
                 <a:t>Goals: last</a:t>
               </a:r>
-              <a:endParaRPr b="0" i="0" sz="1400" u="none" cap="none" strike="noStrike">
+              <a:endParaRPr sz="1400" b="0" i="0" u="none" strike="noStrike" cap="none">
                 <a:solidFill>
                   <a:srgbClr val="000000"/>
                 </a:solidFill>
@@ -15391,7 +15628,7 @@
               </a:endParaRPr>
             </a:p>
             <a:p>
-              <a:pPr indent="0" lvl="0" marL="0" marR="0" rtl="0" algn="l">
+              <a:pPr marL="0" marR="0" lvl="0" indent="0" algn="l" rtl="0">
                 <a:lnSpc>
                   <a:spcPct val="100000"/>
                 </a:lnSpc>
@@ -15408,10 +15645,7 @@
                 <a:buFont typeface="Arial"/>
                 <a:buNone/>
               </a:pPr>
-              <a:r>
-                <a:t/>
-              </a:r>
-              <a:endParaRPr b="0" i="0" sz="1800" u="none" cap="none" strike="noStrike">
+              <a:endParaRPr sz="1800" b="0" i="0" u="none" strike="noStrike" cap="none">
                 <a:solidFill>
                   <a:schemeClr val="dk1"/>
                 </a:solidFill>
@@ -15443,12 +15677,12 @@
             </a:ln>
           </p:spPr>
           <p:txBody>
-            <a:bodyPr anchorCtr="0" anchor="t" bIns="45700" lIns="91425" spcFirstLastPara="1" rIns="91425" wrap="square" tIns="45700">
+            <a:bodyPr spcFirstLastPara="1" wrap="square" lIns="91425" tIns="45700" rIns="91425" bIns="45700" anchor="t" anchorCtr="0">
               <a:spAutoFit/>
             </a:bodyPr>
             <a:lstStyle/>
             <a:p>
-              <a:pPr indent="0" lvl="0" marL="0" marR="0" rtl="0" algn="l">
+              <a:pPr marL="0" marR="0" lvl="0" indent="0" algn="l" rtl="0">
                 <a:lnSpc>
                   <a:spcPct val="100000"/>
                 </a:lnSpc>
@@ -15466,7 +15700,7 @@
                 <a:buNone/>
               </a:pPr>
               <a:r>
-                <a:rPr b="0" i="0" lang="en-GB" sz="1800" u="none" cap="none" strike="noStrike">
+                <a:rPr lang="en-GB" sz="1800" b="0" i="0" u="none" strike="noStrike" cap="none">
                   <a:solidFill>
                     <a:schemeClr val="lt2"/>
                   </a:solidFill>
@@ -15477,7 +15711,7 @@
                 </a:rPr>
                 <a:t>The number of open valve</a:t>
               </a:r>
-              <a:endParaRPr b="0" i="0" sz="1400" u="none" cap="none" strike="noStrike">
+              <a:endParaRPr sz="1400" b="0" i="0" u="none" strike="noStrike" cap="none">
                 <a:solidFill>
                   <a:srgbClr val="000000"/>
                 </a:solidFill>
@@ -15488,7 +15722,7 @@
               </a:endParaRPr>
             </a:p>
             <a:p>
-              <a:pPr indent="0" lvl="0" marL="0" marR="0" rtl="0" algn="l">
+              <a:pPr marL="0" marR="0" lvl="0" indent="0" algn="l" rtl="0">
                 <a:lnSpc>
                   <a:spcPct val="100000"/>
                 </a:lnSpc>
@@ -15506,7 +15740,7 @@
                 <a:buNone/>
               </a:pPr>
               <a:r>
-                <a:rPr b="0" i="1" lang="en-GB" sz="1600" u="none" cap="none" strike="noStrike">
+                <a:rPr lang="en-GB" sz="1600" b="0" i="1" u="none" strike="noStrike" cap="none">
                   <a:solidFill>
                     <a:schemeClr val="lt2"/>
                   </a:solidFill>
@@ -15517,7 +15751,7 @@
                 </a:rPr>
                 <a:t>Goals: last</a:t>
               </a:r>
-              <a:endParaRPr b="0" i="0" sz="1400" u="none" cap="none" strike="noStrike">
+              <a:endParaRPr sz="1400" b="0" i="0" u="none" strike="noStrike" cap="none">
                 <a:solidFill>
                   <a:srgbClr val="000000"/>
                 </a:solidFill>
@@ -15528,7 +15762,7 @@
               </a:endParaRPr>
             </a:p>
             <a:p>
-              <a:pPr indent="0" lvl="0" marL="0" marR="0" rtl="0" algn="l">
+              <a:pPr marL="0" marR="0" lvl="0" indent="0" algn="l" rtl="0">
                 <a:lnSpc>
                   <a:spcPct val="100000"/>
                 </a:lnSpc>
@@ -15546,7 +15780,7 @@
                 <a:buNone/>
               </a:pPr>
               <a:r>
-                <a:rPr b="0" i="1" lang="en-GB" sz="1600" u="none" cap="none" strike="noStrike">
+                <a:rPr lang="en-GB" sz="1600" b="0" i="1" u="none" strike="noStrike" cap="none">
                   <a:solidFill>
                     <a:schemeClr val="lt2"/>
                   </a:solidFill>
@@ -15557,7 +15791,7 @@
                 </a:rPr>
                 <a:t>HINT: group, sum</a:t>
               </a:r>
-              <a:endParaRPr b="0" i="0" sz="1400" u="none" cap="none" strike="noStrike">
+              <a:endParaRPr sz="1400" b="0" i="0" u="none" strike="noStrike" cap="none">
                 <a:solidFill>
                   <a:srgbClr val="000000"/>
                 </a:solidFill>
@@ -15568,7 +15802,7 @@
               </a:endParaRPr>
             </a:p>
             <a:p>
-              <a:pPr indent="0" lvl="0" marL="0" marR="0" rtl="0" algn="l">
+              <a:pPr marL="0" marR="0" lvl="0" indent="0" algn="l" rtl="0">
                 <a:lnSpc>
                   <a:spcPct val="100000"/>
                 </a:lnSpc>
@@ -15585,10 +15819,7 @@
                 <a:buFont typeface="Arial"/>
                 <a:buNone/>
               </a:pPr>
-              <a:r>
-                <a:t/>
-              </a:r>
-              <a:endParaRPr b="0" i="0" sz="1800" u="none" cap="none" strike="noStrike">
+              <a:endParaRPr sz="1800" b="0" i="0" u="none" strike="noStrike" cap="none">
                 <a:solidFill>
                   <a:schemeClr val="dk1"/>
                 </a:solidFill>
@@ -15620,12 +15851,12 @@
             </a:ln>
           </p:spPr>
           <p:txBody>
-            <a:bodyPr anchorCtr="0" anchor="t" bIns="45700" lIns="91425" spcFirstLastPara="1" rIns="91425" wrap="square" tIns="45700">
+            <a:bodyPr spcFirstLastPara="1" wrap="square" lIns="91425" tIns="45700" rIns="91425" bIns="45700" anchor="t" anchorCtr="0">
               <a:spAutoFit/>
             </a:bodyPr>
             <a:lstStyle/>
             <a:p>
-              <a:pPr indent="0" lvl="0" marL="0" marR="0" rtl="0" algn="l">
+              <a:pPr marL="0" marR="0" lvl="0" indent="0" algn="l" rtl="0">
                 <a:lnSpc>
                   <a:spcPct val="100000"/>
                 </a:lnSpc>
@@ -15643,7 +15874,7 @@
                 <a:buNone/>
               </a:pPr>
               <a:r>
-                <a:rPr b="0" i="0" lang="en-GB" sz="1800" u="none" cap="none" strike="noStrike">
+                <a:rPr lang="en-GB" sz="1800" b="0" i="0" u="none" strike="noStrike" cap="none">
                   <a:solidFill>
                     <a:schemeClr val="lt2"/>
                   </a:solidFill>
@@ -15655,7 +15886,7 @@
                 <a:t>The difference between the </a:t>
               </a:r>
               <a:br>
-                <a:rPr b="0" i="0" lang="en-GB" sz="1800" u="none" cap="none" strike="noStrike">
+                <a:rPr lang="en-GB" sz="1800" b="0" i="0" u="none" strike="noStrike" cap="none">
                   <a:solidFill>
                     <a:schemeClr val="lt2"/>
                   </a:solidFill>
@@ -15666,7 +15897,7 @@
                 </a:rPr>
               </a:br>
               <a:r>
-                <a:rPr b="0" i="0" lang="en-GB" sz="1800" u="none" cap="none" strike="noStrike">
+                <a:rPr lang="en-GB" sz="1800" b="0" i="0" u="none" strike="noStrike" cap="none">
                   <a:solidFill>
                     <a:schemeClr val="lt2"/>
                   </a:solidFill>
@@ -15678,7 +15909,7 @@
                 <a:t>average water </a:t>
               </a:r>
               <a:br>
-                <a:rPr b="0" i="0" lang="en-GB" sz="1800" u="none" cap="none" strike="noStrike">
+                <a:rPr lang="en-GB" sz="1800" b="0" i="0" u="none" strike="noStrike" cap="none">
                   <a:solidFill>
                     <a:schemeClr val="lt2"/>
                   </a:solidFill>
@@ -15689,7 +15920,7 @@
                 </a:rPr>
               </a:br>
               <a:r>
-                <a:rPr b="0" i="0" lang="en-GB" sz="1800" u="none" cap="none" strike="noStrike">
+                <a:rPr lang="en-GB" sz="1800" b="0" i="0" u="none" strike="noStrike" cap="none">
                   <a:solidFill>
                     <a:schemeClr val="lt2"/>
                   </a:solidFill>
@@ -15700,7 +15931,7 @@
                 </a:rPr>
                 <a:t>levels in two consecutive windows of one minute.</a:t>
               </a:r>
-              <a:endParaRPr b="0" i="0" sz="1400" u="none" cap="none" strike="noStrike">
+              <a:endParaRPr sz="1400" b="0" i="0" u="none" strike="noStrike" cap="none">
                 <a:solidFill>
                   <a:srgbClr val="000000"/>
                 </a:solidFill>
@@ -15711,7 +15942,7 @@
               </a:endParaRPr>
             </a:p>
             <a:p>
-              <a:pPr indent="0" lvl="0" marL="0" marR="0" rtl="0" algn="l">
+              <a:pPr marL="0" marR="0" lvl="0" indent="0" algn="l" rtl="0">
                 <a:lnSpc>
                   <a:spcPct val="100000"/>
                 </a:lnSpc>
@@ -15729,7 +15960,7 @@
                 <a:buNone/>
               </a:pPr>
               <a:r>
-                <a:rPr b="0" i="1" lang="en-GB" sz="1600" u="none" cap="none" strike="noStrike">
+                <a:rPr lang="en-GB" sz="1600" b="0" i="1" u="none" strike="noStrike" cap="none">
                   <a:solidFill>
                     <a:schemeClr val="lt2"/>
                   </a:solidFill>
@@ -15740,7 +15971,7 @@
                 </a:rPr>
                 <a:t>Goals: join, aggregateWindow, map</a:t>
               </a:r>
-              <a:endParaRPr b="0" i="0" sz="1800" u="none" cap="none" strike="noStrike">
+              <a:endParaRPr sz="1800" b="0" i="0" u="none" strike="noStrike" cap="none">
                 <a:solidFill>
                   <a:schemeClr val="lt2"/>
                 </a:solidFill>
@@ -15751,7 +15982,7 @@
               </a:endParaRPr>
             </a:p>
             <a:p>
-              <a:pPr indent="0" lvl="0" marL="0" marR="0" rtl="0" algn="l">
+              <a:pPr marL="0" marR="0" lvl="0" indent="0" algn="l" rtl="0">
                 <a:lnSpc>
                   <a:spcPct val="100000"/>
                 </a:lnSpc>
@@ -15769,7 +16000,7 @@
                 <a:buNone/>
               </a:pPr>
               <a:r>
-                <a:rPr b="0" i="1" lang="en-GB" sz="1600" u="none" cap="none" strike="noStrike">
+                <a:rPr lang="en-GB" sz="1600" b="0" i="1" u="none" strike="noStrike" cap="none">
                   <a:solidFill>
                     <a:schemeClr val="lt2"/>
                   </a:solidFill>
@@ -15780,7 +16011,7 @@
                 </a:rPr>
                 <a:t>HINT: timeShift</a:t>
               </a:r>
-              <a:endParaRPr b="0" i="1" sz="1600" u="none" cap="none" strike="noStrike">
+              <a:endParaRPr sz="1600" b="0" i="1" u="none" strike="noStrike" cap="none">
                 <a:solidFill>
                   <a:schemeClr val="lt2"/>
                 </a:solidFill>
@@ -15814,12 +16045,12 @@
             </a:ln>
           </p:spPr>
           <p:txBody>
-            <a:bodyPr anchorCtr="0" anchor="t" bIns="45700" lIns="91425" spcFirstLastPara="1" rIns="91425" wrap="square" tIns="45700">
+            <a:bodyPr spcFirstLastPara="1" wrap="square" lIns="91425" tIns="45700" rIns="91425" bIns="45700" anchor="t" anchorCtr="0">
               <a:spAutoFit/>
             </a:bodyPr>
             <a:lstStyle/>
             <a:p>
-              <a:pPr indent="0" lvl="0" marL="0" marR="0" rtl="0" algn="ctr">
+              <a:pPr marL="0" marR="0" lvl="0" indent="0" algn="ctr" rtl="0">
                 <a:lnSpc>
                   <a:spcPct val="100000"/>
                 </a:lnSpc>
@@ -15837,7 +16068,7 @@
                 <a:buNone/>
               </a:pPr>
               <a:r>
-                <a:rPr b="0" i="0" lang="en-GB" sz="1800" u="none" cap="none" strike="noStrike">
+                <a:rPr lang="en-GB" sz="1800" b="0" i="0" u="none" strike="noStrike" cap="none">
                   <a:solidFill>
                     <a:schemeClr val="dk1"/>
                   </a:solidFill>
@@ -15848,7 +16079,7 @@
                 </a:rPr>
                 <a:t>☆</a:t>
               </a:r>
-              <a:endParaRPr b="0" i="0" sz="1400" u="none" cap="none" strike="noStrike">
+              <a:endParaRPr sz="1400" b="0" i="0" u="none" strike="noStrike" cap="none">
                 <a:solidFill>
                   <a:srgbClr val="000000"/>
                 </a:solidFill>
@@ -15882,12 +16113,12 @@
             </a:ln>
           </p:spPr>
           <p:txBody>
-            <a:bodyPr anchorCtr="0" anchor="t" bIns="45700" lIns="91425" spcFirstLastPara="1" rIns="91425" wrap="square" tIns="45700">
+            <a:bodyPr spcFirstLastPara="1" wrap="square" lIns="91425" tIns="45700" rIns="91425" bIns="45700" anchor="t" anchorCtr="0">
               <a:spAutoFit/>
             </a:bodyPr>
             <a:lstStyle/>
             <a:p>
-              <a:pPr indent="0" lvl="0" marL="0" marR="0" rtl="0" algn="ctr">
+              <a:pPr marL="0" marR="0" lvl="0" indent="0" algn="ctr" rtl="0">
                 <a:lnSpc>
                   <a:spcPct val="100000"/>
                 </a:lnSpc>
@@ -15905,7 +16136,7 @@
                 <a:buNone/>
               </a:pPr>
               <a:r>
-                <a:rPr b="0" i="0" lang="en-GB" sz="1800" u="none" cap="none" strike="noStrike">
+                <a:rPr lang="en-GB" sz="1800" b="0" i="0" u="none" strike="noStrike" cap="none">
                   <a:solidFill>
                     <a:srgbClr val="AEABAB"/>
                   </a:solidFill>
@@ -15916,7 +16147,7 @@
                 </a:rPr>
                 <a:t>☆☆☆☆</a:t>
               </a:r>
-              <a:endParaRPr b="0" i="0" sz="1400" u="none" cap="none" strike="noStrike">
+              <a:endParaRPr sz="1400" b="0" i="0" u="none" strike="noStrike" cap="none">
                 <a:solidFill>
                   <a:srgbClr val="000000"/>
                 </a:solidFill>
@@ -15950,12 +16181,12 @@
             </a:ln>
           </p:spPr>
           <p:txBody>
-            <a:bodyPr anchorCtr="0" anchor="t" bIns="45700" lIns="91425" spcFirstLastPara="1" rIns="91425" wrap="square" tIns="45700">
+            <a:bodyPr spcFirstLastPara="1" wrap="square" lIns="91425" tIns="45700" rIns="91425" bIns="45700" anchor="t" anchorCtr="0">
               <a:spAutoFit/>
             </a:bodyPr>
             <a:lstStyle/>
             <a:p>
-              <a:pPr indent="0" lvl="0" marL="0" marR="0" rtl="0" algn="ctr">
+              <a:pPr marL="0" marR="0" lvl="0" indent="0" algn="ctr" rtl="0">
                 <a:lnSpc>
                   <a:spcPct val="100000"/>
                 </a:lnSpc>
@@ -15973,7 +16204,7 @@
                 <a:buNone/>
               </a:pPr>
               <a:r>
-                <a:rPr b="0" i="0" lang="en-GB" sz="1800" u="none" cap="none" strike="noStrike">
+                <a:rPr lang="en-GB" sz="1800" b="0" i="0" u="none" strike="noStrike" cap="none">
                   <a:solidFill>
                     <a:schemeClr val="dk1"/>
                   </a:solidFill>
@@ -15984,7 +16215,7 @@
                 </a:rPr>
                 <a:t>☆☆</a:t>
               </a:r>
-              <a:endParaRPr b="0" i="0" sz="1400" u="none" cap="none" strike="noStrike">
+              <a:endParaRPr sz="1400" b="0" i="0" u="none" strike="noStrike" cap="none">
                 <a:solidFill>
                   <a:srgbClr val="000000"/>
                 </a:solidFill>
@@ -16018,12 +16249,12 @@
             </a:ln>
           </p:spPr>
           <p:txBody>
-            <a:bodyPr anchorCtr="0" anchor="t" bIns="45700" lIns="91425" spcFirstLastPara="1" rIns="91425" wrap="square" tIns="45700">
+            <a:bodyPr spcFirstLastPara="1" wrap="square" lIns="91425" tIns="45700" rIns="91425" bIns="45700" anchor="t" anchorCtr="0">
               <a:spAutoFit/>
             </a:bodyPr>
             <a:lstStyle/>
             <a:p>
-              <a:pPr indent="0" lvl="0" marL="0" marR="0" rtl="0" algn="ctr">
+              <a:pPr marL="0" marR="0" lvl="0" indent="0" algn="ctr" rtl="0">
                 <a:lnSpc>
                   <a:spcPct val="100000"/>
                 </a:lnSpc>
@@ -16041,7 +16272,7 @@
                 <a:buNone/>
               </a:pPr>
               <a:r>
-                <a:rPr b="0" i="0" lang="en-GB" sz="1800" u="none" cap="none" strike="noStrike">
+                <a:rPr lang="en-GB" sz="1800" b="0" i="0" u="none" strike="noStrike" cap="none">
                   <a:solidFill>
                     <a:srgbClr val="AEABAB"/>
                   </a:solidFill>
@@ -16052,7 +16283,7 @@
                 </a:rPr>
                 <a:t>☆☆☆</a:t>
               </a:r>
-              <a:endParaRPr b="0" i="0" sz="1400" u="none" cap="none" strike="noStrike">
+              <a:endParaRPr sz="1400" b="0" i="0" u="none" strike="noStrike" cap="none">
                 <a:solidFill>
                   <a:srgbClr val="000000"/>
                 </a:solidFill>
@@ -16086,12 +16317,12 @@
             </a:ln>
           </p:spPr>
           <p:txBody>
-            <a:bodyPr anchorCtr="0" anchor="t" bIns="45700" lIns="91425" spcFirstLastPara="1" rIns="91425" wrap="square" tIns="45700">
+            <a:bodyPr spcFirstLastPara="1" wrap="square" lIns="91425" tIns="45700" rIns="91425" bIns="45700" anchor="t" anchorCtr="0">
               <a:spAutoFit/>
             </a:bodyPr>
             <a:lstStyle/>
             <a:p>
-              <a:pPr indent="0" lvl="0" marL="0" marR="0" rtl="0" algn="ctr">
+              <a:pPr marL="0" marR="0" lvl="0" indent="0" algn="ctr" rtl="0">
                 <a:lnSpc>
                   <a:spcPct val="100000"/>
                 </a:lnSpc>
@@ -16109,7 +16340,7 @@
                 <a:buNone/>
               </a:pPr>
               <a:r>
-                <a:rPr b="0" i="0" lang="en-GB" sz="1800" u="none" cap="none" strike="noStrike">
+                <a:rPr lang="en-GB" sz="1800" b="0" i="0" u="none" strike="noStrike" cap="none">
                   <a:solidFill>
                     <a:srgbClr val="AEABAB"/>
                   </a:solidFill>
@@ -16120,7 +16351,7 @@
                 </a:rPr>
                 <a:t>☆☆☆☆</a:t>
               </a:r>
-              <a:endParaRPr b="0" i="0" sz="1400" u="none" cap="none" strike="noStrike">
+              <a:endParaRPr sz="1400" b="0" i="0" u="none" strike="noStrike" cap="none">
                 <a:solidFill>
                   <a:srgbClr val="000000"/>
                 </a:solidFill>
@@ -16154,12 +16385,12 @@
             </a:ln>
           </p:spPr>
           <p:txBody>
-            <a:bodyPr anchorCtr="0" anchor="t" bIns="45700" lIns="91425" spcFirstLastPara="1" rIns="91425" wrap="square" tIns="45700">
+            <a:bodyPr spcFirstLastPara="1" wrap="square" lIns="91425" tIns="45700" rIns="91425" bIns="45700" anchor="t" anchorCtr="0">
               <a:spAutoFit/>
             </a:bodyPr>
             <a:lstStyle/>
             <a:p>
-              <a:pPr indent="0" lvl="0" marL="0" marR="0" rtl="0" algn="ctr">
+              <a:pPr marL="0" marR="0" lvl="0" indent="0" algn="ctr" rtl="0">
                 <a:lnSpc>
                   <a:spcPct val="100000"/>
                 </a:lnSpc>
@@ -16177,7 +16408,7 @@
                 <a:buNone/>
               </a:pPr>
               <a:r>
-                <a:rPr b="0" i="0" lang="en-GB" sz="1800" u="none" cap="none" strike="noStrike">
+                <a:rPr lang="en-GB" sz="1800" b="0" i="0" u="none" strike="noStrike" cap="none">
                   <a:solidFill>
                     <a:schemeClr val="dk1"/>
                   </a:solidFill>
@@ -16188,7 +16419,7 @@
                 </a:rPr>
                 <a:t>☆</a:t>
               </a:r>
-              <a:endParaRPr b="0" i="0" sz="1400" u="none" cap="none" strike="noStrike">
+              <a:endParaRPr sz="1400" b="0" i="0" u="none" strike="noStrike" cap="none">
                 <a:solidFill>
                   <a:srgbClr val="000000"/>
                 </a:solidFill>
@@ -16222,12 +16453,12 @@
             </a:ln>
           </p:spPr>
           <p:txBody>
-            <a:bodyPr anchorCtr="0" anchor="t" bIns="45700" lIns="91425" spcFirstLastPara="1" rIns="91425" wrap="square" tIns="45700">
+            <a:bodyPr spcFirstLastPara="1" wrap="square" lIns="91425" tIns="45700" rIns="91425" bIns="45700" anchor="t" anchorCtr="0">
               <a:spAutoFit/>
             </a:bodyPr>
             <a:lstStyle/>
             <a:p>
-              <a:pPr indent="0" lvl="0" marL="0" marR="0" rtl="0" algn="ctr">
+              <a:pPr marL="0" marR="0" lvl="0" indent="0" algn="ctr" rtl="0">
                 <a:lnSpc>
                   <a:spcPct val="100000"/>
                 </a:lnSpc>
@@ -16245,7 +16476,7 @@
                 <a:buNone/>
               </a:pPr>
               <a:r>
-                <a:rPr b="0" i="0" lang="en-GB" sz="1800" u="none" cap="none" strike="noStrike">
+                <a:rPr lang="en-GB" sz="1800" b="0" i="0" u="none" strike="noStrike" cap="none">
                   <a:solidFill>
                     <a:srgbClr val="AEABAB"/>
                   </a:solidFill>
@@ -16256,7 +16487,7 @@
                 </a:rPr>
                 <a:t>☆☆☆☆</a:t>
               </a:r>
-              <a:endParaRPr b="0" i="0" sz="1400" u="none" cap="none" strike="noStrike">
+              <a:endParaRPr sz="1400" b="0" i="0" u="none" strike="noStrike" cap="none">
                 <a:solidFill>
                   <a:srgbClr val="000000"/>
                 </a:solidFill>
@@ -16290,12 +16521,12 @@
             </a:ln>
           </p:spPr>
           <p:txBody>
-            <a:bodyPr anchorCtr="0" anchor="t" bIns="45700" lIns="91425" spcFirstLastPara="1" rIns="91425" wrap="square" tIns="45700">
+            <a:bodyPr spcFirstLastPara="1" wrap="square" lIns="91425" tIns="45700" rIns="91425" bIns="45700" anchor="t" anchorCtr="0">
               <a:spAutoFit/>
             </a:bodyPr>
             <a:lstStyle/>
             <a:p>
-              <a:pPr indent="0" lvl="0" marL="0" marR="0" rtl="0" algn="ctr">
+              <a:pPr marL="0" marR="0" lvl="0" indent="0" algn="ctr" rtl="0">
                 <a:lnSpc>
                   <a:spcPct val="100000"/>
                 </a:lnSpc>
@@ -16313,7 +16544,7 @@
                 <a:buNone/>
               </a:pPr>
               <a:r>
-                <a:rPr b="0" i="0" lang="en-GB" sz="1800" u="none" cap="none" strike="noStrike">
+                <a:rPr lang="en-GB" sz="1800" b="0" i="0" u="none" strike="noStrike" cap="none">
                   <a:solidFill>
                     <a:schemeClr val="dk1"/>
                   </a:solidFill>
@@ -16324,7 +16555,7 @@
                 </a:rPr>
                 <a:t>☆☆</a:t>
               </a:r>
-              <a:endParaRPr b="0" i="0" sz="1400" u="none" cap="none" strike="noStrike">
+              <a:endParaRPr sz="1400" b="0" i="0" u="none" strike="noStrike" cap="none">
                 <a:solidFill>
                   <a:srgbClr val="000000"/>
                 </a:solidFill>
@@ -16356,12 +16587,12 @@
             </a:ln>
           </p:spPr>
           <p:txBody>
-            <a:bodyPr anchorCtr="0" anchor="t" bIns="45700" lIns="91425" spcFirstLastPara="1" rIns="91425" wrap="square" tIns="45700">
+            <a:bodyPr spcFirstLastPara="1" wrap="square" lIns="91425" tIns="45700" rIns="91425" bIns="45700" anchor="t" anchorCtr="0">
               <a:spAutoFit/>
             </a:bodyPr>
             <a:lstStyle/>
             <a:p>
-              <a:pPr indent="0" lvl="0" marL="0" marR="0" rtl="0" algn="l">
+              <a:pPr marL="0" marR="0" lvl="0" indent="0" algn="l" rtl="0">
                 <a:lnSpc>
                   <a:spcPct val="100000"/>
                 </a:lnSpc>
@@ -16379,7 +16610,7 @@
                 <a:buNone/>
               </a:pPr>
               <a:r>
-                <a:rPr b="0" i="0" lang="en-GB" sz="1800" u="none" cap="none" strike="noStrike">
+                <a:rPr lang="en-GB" sz="1800" b="0" i="0" u="none" strike="noStrike" cap="none">
                   <a:solidFill>
                     <a:schemeClr val="lt2"/>
                   </a:solidFill>
@@ -16390,7 +16621,7 @@
                 </a:rPr>
                 <a:t>The sum of the level of the 4 Tanks A1, A2, B1 and B2 </a:t>
               </a:r>
-              <a:endParaRPr b="0" i="0" sz="1400" u="none" cap="none" strike="noStrike">
+              <a:endParaRPr sz="1400" b="0" i="0" u="none" strike="noStrike" cap="none">
                 <a:solidFill>
                   <a:srgbClr val="000000"/>
                 </a:solidFill>
@@ -16401,7 +16632,35 @@
               </a:endParaRPr>
             </a:p>
             <a:p>
-              <a:pPr indent="0" lvl="0" marL="0" marR="0" rtl="0" algn="l">
+              <a:pPr marL="0" marR="0" lvl="0" indent="0" algn="l" rtl="0">
+                <a:lnSpc>
+                  <a:spcPct val="100000"/>
+                </a:lnSpc>
+                <a:spcBef>
+                  <a:spcPts val="0"/>
+                </a:spcBef>
+                <a:spcAft>
+                  <a:spcPts val="0"/>
+                </a:spcAft>
+                <a:buClr>
+                  <a:srgbClr val="000000"/>
+                </a:buClr>
+                <a:buSzPts val="1600"/>
+                <a:buFont typeface="Arial"/>
+                <a:buNone/>
+              </a:pPr>
+              <a:endParaRPr sz="1600" b="0" i="1" u="none" strike="noStrike" cap="none">
+                <a:solidFill>
+                  <a:schemeClr val="lt2"/>
+                </a:solidFill>
+                <a:latin typeface="Arial"/>
+                <a:ea typeface="Arial"/>
+                <a:cs typeface="Arial"/>
+                <a:sym typeface="Arial"/>
+              </a:endParaRPr>
+            </a:p>
+            <a:p>
+              <a:pPr marL="0" marR="0" lvl="0" indent="0" algn="l" rtl="0">
                 <a:lnSpc>
                   <a:spcPct val="100000"/>
                 </a:lnSpc>
@@ -16419,38 +16678,7 @@
                 <a:buNone/>
               </a:pPr>
               <a:r>
-                <a:t/>
-              </a:r>
-              <a:endParaRPr b="0" i="1" sz="1600" u="none" cap="none" strike="noStrike">
-                <a:solidFill>
-                  <a:schemeClr val="lt2"/>
-                </a:solidFill>
-                <a:latin typeface="Arial"/>
-                <a:ea typeface="Arial"/>
-                <a:cs typeface="Arial"/>
-                <a:sym typeface="Arial"/>
-              </a:endParaRPr>
-            </a:p>
-            <a:p>
-              <a:pPr indent="0" lvl="0" marL="0" marR="0" rtl="0" algn="l">
-                <a:lnSpc>
-                  <a:spcPct val="100000"/>
-                </a:lnSpc>
-                <a:spcBef>
-                  <a:spcPts val="0"/>
-                </a:spcBef>
-                <a:spcAft>
-                  <a:spcPts val="0"/>
-                </a:spcAft>
-                <a:buClr>
-                  <a:srgbClr val="000000"/>
-                </a:buClr>
-                <a:buSzPts val="1600"/>
-                <a:buFont typeface="Arial"/>
-                <a:buNone/>
-              </a:pPr>
-              <a:r>
-                <a:rPr b="0" i="1" lang="en-GB" sz="1600" u="none" cap="none" strike="noStrike">
+                <a:rPr lang="en-GB" sz="1600" b="0" i="1" u="none" strike="noStrike" cap="none">
                   <a:solidFill>
                     <a:schemeClr val="lt2"/>
                   </a:solidFill>
@@ -16461,7 +16689,7 @@
                 </a:rPr>
                 <a:t>Goals:aggregateWindow, map, and pivot</a:t>
               </a:r>
-              <a:endParaRPr b="0" i="0" sz="1800" u="none" cap="none" strike="noStrike">
+              <a:endParaRPr sz="1800" b="0" i="0" u="none" strike="noStrike" cap="none">
                 <a:solidFill>
                   <a:schemeClr val="lt2"/>
                 </a:solidFill>
@@ -16495,12 +16723,12 @@
             </a:ln>
           </p:spPr>
           <p:txBody>
-            <a:bodyPr anchorCtr="0" anchor="t" bIns="45700" lIns="91425" spcFirstLastPara="1" rIns="91425" wrap="square" tIns="45700">
+            <a:bodyPr spcFirstLastPara="1" wrap="square" lIns="91425" tIns="45700" rIns="91425" bIns="45700" anchor="t" anchorCtr="0">
               <a:spAutoFit/>
             </a:bodyPr>
             <a:lstStyle/>
             <a:p>
-              <a:pPr indent="0" lvl="0" marL="0" marR="0" rtl="0" algn="ctr">
+              <a:pPr marL="0" marR="0" lvl="0" indent="0" algn="ctr" rtl="0">
                 <a:lnSpc>
                   <a:spcPct val="100000"/>
                 </a:lnSpc>
@@ -16518,7 +16746,7 @@
                 <a:buNone/>
               </a:pPr>
               <a:r>
-                <a:rPr b="0" i="0" lang="en-GB" sz="1800" u="none" cap="none" strike="noStrike">
+                <a:rPr lang="en-GB" sz="1800" b="0" i="0" u="none" strike="noStrike" cap="none">
                   <a:solidFill>
                     <a:schemeClr val="dk1"/>
                   </a:solidFill>
@@ -16529,7 +16757,7 @@
                 </a:rPr>
                 <a:t>GAIN INDEPENCENCE</a:t>
               </a:r>
-              <a:endParaRPr b="0" i="0" sz="1400" u="none" cap="none" strike="noStrike">
+              <a:endParaRPr sz="1400" b="0" i="0" u="none" strike="noStrike" cap="none">
                 <a:solidFill>
                   <a:srgbClr val="000000"/>
                 </a:solidFill>
@@ -16551,11 +16779,11 @@
 </file>
 
 <file path=ppt/slides/slide2.xml><?xml version="1.0" encoding="utf-8"?>
-<p:sld xmlns:a="http://schemas.openxmlformats.org/drawingml/2006/main" xmlns:r="http://schemas.openxmlformats.org/officeDocument/2006/relationships" xmlns:mc="http://schemas.openxmlformats.org/markup-compatibility/2006" xmlns:mv="urn:schemas-microsoft-com:mac:vml" xmlns:p="http://schemas.openxmlformats.org/presentationml/2006/main" xmlns:c="http://schemas.openxmlformats.org/drawingml/2006/chart" xmlns:dgm="http://schemas.openxmlformats.org/drawingml/2006/diagram" xmlns:o="urn:schemas-microsoft-com:office:office" xmlns:v="urn:schemas-microsoft-com:vml" xmlns:pvml="urn:schemas-microsoft-com:office:powerpoint" xmlns:com="http://schemas.openxmlformats.org/drawingml/2006/compatibility" xmlns:p14="http://schemas.microsoft.com/office/powerpoint/2010/main" xmlns:p15="http://schemas.microsoft.com/office/powerpoint/2012/main" xmlns:ahyp="http://schemas.microsoft.com/office/drawing/2018/hyperlinkcolor">
+<p:sld xmlns:a="http://schemas.openxmlformats.org/drawingml/2006/main" xmlns:r="http://schemas.openxmlformats.org/officeDocument/2006/relationships" xmlns:p="http://schemas.openxmlformats.org/presentationml/2006/main">
   <p:cSld>
     <p:spTree>
       <p:nvGrpSpPr>
-        <p:cNvPr id="119" name="Shape 119"/>
+        <p:cNvPr id="1" name="Shape 119"/>
         <p:cNvGrpSpPr/>
         <p:nvPr/>
       </p:nvGrpSpPr>
@@ -16587,30 +16815,16 @@
           </a:ln>
         </p:spPr>
         <p:txBody>
-          <a:bodyPr anchorCtr="0" anchor="t" bIns="45700" lIns="91425" spcFirstLastPara="1" rIns="91425" wrap="square" tIns="45700">
+          <a:bodyPr spcFirstLastPara="1" wrap="square" lIns="91425" tIns="45700" rIns="91425" bIns="45700" anchor="t" anchorCtr="0">
             <a:spAutoFit/>
           </a:bodyPr>
           <a:lstStyle/>
           <a:p>
-            <a:pPr indent="0" lvl="0" marL="0" marR="0" rtl="0" algn="l">
-              <a:lnSpc>
-                <a:spcPct val="100000"/>
-              </a:lnSpc>
-              <a:spcBef>
-                <a:spcPts val="0"/>
-              </a:spcBef>
-              <a:spcAft>
-                <a:spcPts val="0"/>
-              </a:spcAft>
-              <a:buClr>
-                <a:srgbClr val="000000"/>
-              </a:buClr>
+            <a:pPr lvl="0">
               <a:buSzPts val="1600"/>
-              <a:buFont typeface="Arial"/>
-              <a:buNone/>
             </a:pPr>
             <a:r>
-              <a:rPr b="1" i="0" lang="en-GB" sz="1600" u="none" cap="none" strike="noStrike">
+              <a:rPr lang="en-GB" sz="1600" b="1" i="0" u="none" strike="noStrike" cap="none" dirty="0">
                 <a:solidFill>
                   <a:schemeClr val="dk1"/>
                 </a:solidFill>
@@ -16622,7 +16836,39 @@
               <a:t>Start</a:t>
             </a:r>
             <a:r>
-              <a:rPr b="0" i="0" lang="en-GB" sz="1600" u="none" cap="none" strike="noStrike">
+              <a:rPr lang="en-GB" sz="1600" dirty="0">
+                <a:solidFill>
+                  <a:schemeClr val="dk1"/>
+                </a:solidFill>
+              </a:rPr>
+              <a:t>: 2021-10-11 </a:t>
+            </a:r>
+            <a:r>
+              <a:rPr lang="en-GB" sz="1600" b="0" i="0" u="none" strike="noStrike" cap="none" dirty="0">
+                <a:solidFill>
+                  <a:schemeClr val="dk1"/>
+                </a:solidFill>
+                <a:latin typeface="Arial"/>
+                <a:ea typeface="Arial"/>
+                <a:cs typeface="Arial"/>
+                <a:sym typeface="Arial"/>
+              </a:rPr>
+              <a:t>12:00:00.000 (UTC) - </a:t>
+            </a:r>
+            <a:r>
+              <a:rPr lang="en-GB" sz="1600" b="1" i="0" u="none" strike="noStrike" cap="none" dirty="0">
+                <a:solidFill>
+                  <a:schemeClr val="dk1"/>
+                </a:solidFill>
+                <a:latin typeface="Arial"/>
+                <a:ea typeface="Arial"/>
+                <a:cs typeface="Arial"/>
+                <a:sym typeface="Arial"/>
+              </a:rPr>
+              <a:t>Stop</a:t>
+            </a:r>
+            <a:r>
+              <a:rPr lang="en-GB" sz="1600" b="0" i="0" u="none" strike="noStrike" cap="none" dirty="0">
                 <a:solidFill>
                   <a:schemeClr val="dk1"/>
                 </a:solidFill>
@@ -16634,91 +16880,15 @@
               <a:t>: </a:t>
             </a:r>
             <a:r>
-              <a:rPr b="0" i="0" lang="en-GB" sz="1600" u="none" cap="none" strike="noStrike">
+              <a:rPr lang="en-GB" sz="1600" dirty="0">
                 <a:solidFill>
                   <a:schemeClr val="dk1"/>
                 </a:solidFill>
-                <a:latin typeface="Arial"/>
-                <a:ea typeface="Arial"/>
-                <a:cs typeface="Arial"/>
-                <a:sym typeface="Arial"/>
               </a:rPr>
-              <a:t>2021-</a:t>
+              <a:t>2021-10-11</a:t>
             </a:r>
             <a:r>
-              <a:rPr lang="en-GB" sz="1600">
-                <a:solidFill>
-                  <a:schemeClr val="dk1"/>
-                </a:solidFill>
-              </a:rPr>
-              <a:t>09</a:t>
-            </a:r>
-            <a:r>
-              <a:rPr b="0" i="0" lang="en-GB" sz="1600" u="none" cap="none" strike="noStrike">
-                <a:solidFill>
-                  <a:schemeClr val="dk1"/>
-                </a:solidFill>
-                <a:latin typeface="Arial"/>
-                <a:ea typeface="Arial"/>
-                <a:cs typeface="Arial"/>
-                <a:sym typeface="Arial"/>
-              </a:rPr>
-              <a:t>-</a:t>
-            </a:r>
-            <a:r>
-              <a:rPr lang="en-GB" sz="1600">
-                <a:solidFill>
-                  <a:schemeClr val="dk1"/>
-                </a:solidFill>
-              </a:rPr>
-              <a:t>28</a:t>
-            </a:r>
-            <a:r>
-              <a:rPr b="0" i="0" lang="en-GB" sz="1600" u="none" cap="none" strike="noStrike">
-                <a:solidFill>
-                  <a:schemeClr val="dk1"/>
-                </a:solidFill>
-                <a:latin typeface="Arial"/>
-                <a:ea typeface="Arial"/>
-                <a:cs typeface="Arial"/>
-                <a:sym typeface="Arial"/>
-              </a:rPr>
-              <a:t> 12:00:00.000 (UTC) - </a:t>
-            </a:r>
-            <a:r>
-              <a:rPr b="1" i="0" lang="en-GB" sz="1600" u="none" cap="none" strike="noStrike">
-                <a:solidFill>
-                  <a:schemeClr val="dk1"/>
-                </a:solidFill>
-                <a:latin typeface="Arial"/>
-                <a:ea typeface="Arial"/>
-                <a:cs typeface="Arial"/>
-                <a:sym typeface="Arial"/>
-              </a:rPr>
-              <a:t>Stop</a:t>
-            </a:r>
-            <a:r>
-              <a:rPr b="0" i="0" lang="en-GB" sz="1600" u="none" cap="none" strike="noStrike">
-                <a:solidFill>
-                  <a:schemeClr val="dk1"/>
-                </a:solidFill>
-                <a:latin typeface="Arial"/>
-                <a:ea typeface="Arial"/>
-                <a:cs typeface="Arial"/>
-                <a:sym typeface="Arial"/>
-              </a:rPr>
-              <a:t>: </a:t>
-            </a:r>
-            <a:r>
-              <a:rPr lang="en-GB" sz="1600">
-                <a:solidFill>
-                  <a:schemeClr val="dk1"/>
-                </a:solidFill>
-              </a:rPr>
-              <a:t>2021-09-28</a:t>
-            </a:r>
-            <a:r>
-              <a:rPr b="0" i="0" lang="en-GB" sz="1600" u="none" cap="none" strike="noStrike">
+              <a:rPr lang="en-GB" sz="1600" b="0" i="0" u="none" strike="noStrike" cap="none" dirty="0">
                 <a:solidFill>
                   <a:schemeClr val="dk1"/>
                 </a:solidFill>
@@ -16730,7 +16900,7 @@
               <a:t> 13:</a:t>
             </a:r>
             <a:r>
-              <a:rPr b="1" i="0" lang="en-GB" sz="1600" u="none" cap="none" strike="noStrike">
+              <a:rPr lang="en-GB" sz="1600" b="1" i="0" u="none" strike="noStrike" cap="none" dirty="0">
                 <a:solidFill>
                   <a:schemeClr val="dk1"/>
                 </a:solidFill>
@@ -16742,7 +16912,7 @@
               <a:t>30</a:t>
             </a:r>
             <a:r>
-              <a:rPr b="0" i="0" lang="en-GB" sz="1600" u="none" cap="none" strike="noStrike">
+              <a:rPr lang="en-GB" sz="1600" b="0" i="0" u="none" strike="noStrike" cap="none" dirty="0">
                 <a:solidFill>
                   <a:schemeClr val="dk1"/>
                 </a:solidFill>
@@ -16753,7 +16923,7 @@
               </a:rPr>
               <a:t>:00.000 (UTC)</a:t>
             </a:r>
-            <a:endParaRPr b="0" i="0" sz="1400" u="none" cap="none" strike="noStrike">
+            <a:endParaRPr sz="1400" b="0" i="0" u="none" strike="noStrike" cap="none" dirty="0">
               <a:solidFill>
                 <a:srgbClr val="000000"/>
               </a:solidFill>
@@ -16787,12 +16957,12 @@
           </a:ln>
         </p:spPr>
         <p:txBody>
-          <a:bodyPr anchorCtr="0" anchor="t" bIns="45700" lIns="91425" spcFirstLastPara="1" rIns="91425" wrap="square" tIns="45700">
+          <a:bodyPr spcFirstLastPara="1" wrap="square" lIns="91425" tIns="45700" rIns="91425" bIns="45700" anchor="t" anchorCtr="0">
             <a:spAutoFit/>
           </a:bodyPr>
           <a:lstStyle/>
           <a:p>
-            <a:pPr indent="0" lvl="0" marL="0" marR="0" rtl="0" algn="l">
+            <a:pPr marL="0" marR="0" lvl="0" indent="0" algn="l" rtl="0">
               <a:lnSpc>
                 <a:spcPct val="100000"/>
               </a:lnSpc>
@@ -16810,7 +16980,7 @@
               <a:buNone/>
             </a:pPr>
             <a:r>
-              <a:rPr b="0" i="0" lang="en-GB" sz="1800" u="none" cap="none" strike="noStrike">
+              <a:rPr lang="en-GB" sz="1800" b="0" i="0" u="none" strike="noStrike" cap="none">
                 <a:solidFill>
                   <a:schemeClr val="dk1"/>
                 </a:solidFill>
@@ -16821,7 +16991,7 @@
               </a:rPr>
               <a:t>Test cases</a:t>
             </a:r>
-            <a:endParaRPr b="0" i="0" sz="1400" u="none" cap="none" strike="noStrike">
+            <a:endParaRPr sz="1400" b="0" i="0" u="none" strike="noStrike" cap="none">
               <a:solidFill>
                 <a:srgbClr val="000000"/>
               </a:solidFill>
@@ -16843,7 +17013,7 @@
           <a:blip r:embed="rId3">
             <a:alphaModFix/>
           </a:blip>
-          <a:srcRect b="0" l="0" r="0" t="0"/>
+          <a:srcRect/>
           <a:stretch/>
         </p:blipFill>
         <p:spPr>
@@ -16870,7 +17040,7 @@
           <a:blip r:embed="rId4">
             <a:alphaModFix/>
           </a:blip>
-          <a:srcRect b="0" l="0" r="0" t="0"/>
+          <a:srcRect/>
           <a:stretch/>
         </p:blipFill>
         <p:spPr>
@@ -16925,12 +17095,12 @@
             </a:ln>
           </p:spPr>
           <p:txBody>
-            <a:bodyPr anchorCtr="0" anchor="ctr" bIns="45700" lIns="91425" spcFirstLastPara="1" rIns="91425" wrap="square" tIns="45700">
+            <a:bodyPr spcFirstLastPara="1" wrap="square" lIns="91425" tIns="45700" rIns="91425" bIns="45700" anchor="ctr" anchorCtr="0">
               <a:noAutofit/>
             </a:bodyPr>
             <a:lstStyle/>
             <a:p>
-              <a:pPr indent="0" lvl="0" marL="0" marR="0" rtl="0" algn="ctr">
+              <a:pPr marL="0" marR="0" lvl="0" indent="0" algn="ctr" rtl="0">
                 <a:lnSpc>
                   <a:spcPct val="100000"/>
                 </a:lnSpc>
@@ -16947,10 +17117,7 @@
                 <a:buFont typeface="Arial"/>
                 <a:buNone/>
               </a:pPr>
-              <a:r>
-                <a:t/>
-              </a:r>
-              <a:endParaRPr b="0" i="0" sz="1800" u="none" cap="none" strike="noStrike">
+              <a:endParaRPr sz="1800" b="0" i="0" u="none" strike="noStrike" cap="none">
                 <a:solidFill>
                   <a:schemeClr val="lt1"/>
                 </a:solidFill>
@@ -16986,12 +17153,12 @@
             </a:ln>
           </p:spPr>
           <p:txBody>
-            <a:bodyPr anchorCtr="0" anchor="ctr" bIns="45700" lIns="91425" spcFirstLastPara="1" rIns="91425" wrap="square" tIns="45700">
+            <a:bodyPr spcFirstLastPara="1" wrap="square" lIns="91425" tIns="45700" rIns="91425" bIns="45700" anchor="ctr" anchorCtr="0">
               <a:noAutofit/>
             </a:bodyPr>
             <a:lstStyle/>
             <a:p>
-              <a:pPr indent="0" lvl="0" marL="0" marR="0" rtl="0" algn="ctr">
+              <a:pPr marL="0" marR="0" lvl="0" indent="0" algn="ctr" rtl="0">
                 <a:lnSpc>
                   <a:spcPct val="100000"/>
                 </a:lnSpc>
@@ -17008,10 +17175,7 @@
                 <a:buFont typeface="Arial"/>
                 <a:buNone/>
               </a:pPr>
-              <a:r>
-                <a:t/>
-              </a:r>
-              <a:endParaRPr b="0" i="0" sz="1800" u="none" cap="none" strike="noStrike">
+              <a:endParaRPr sz="1800" b="0" i="0" u="none" strike="noStrike" cap="none">
                 <a:solidFill>
                   <a:schemeClr val="lt1"/>
                 </a:solidFill>
@@ -17047,12 +17211,12 @@
             </a:ln>
           </p:spPr>
           <p:txBody>
-            <a:bodyPr anchorCtr="0" anchor="ctr" bIns="45700" lIns="91425" spcFirstLastPara="1" rIns="91425" wrap="square" tIns="45700">
+            <a:bodyPr spcFirstLastPara="1" wrap="square" lIns="91425" tIns="45700" rIns="91425" bIns="45700" anchor="ctr" anchorCtr="0">
               <a:noAutofit/>
             </a:bodyPr>
             <a:lstStyle/>
             <a:p>
-              <a:pPr indent="0" lvl="0" marL="0" marR="0" rtl="0" algn="ctr">
+              <a:pPr marL="0" marR="0" lvl="0" indent="0" algn="ctr" rtl="0">
                 <a:lnSpc>
                   <a:spcPct val="100000"/>
                 </a:lnSpc>
@@ -17069,10 +17233,7 @@
                 <a:buFont typeface="Arial"/>
                 <a:buNone/>
               </a:pPr>
-              <a:r>
-                <a:t/>
-              </a:r>
-              <a:endParaRPr b="0" i="0" sz="1800" u="none" cap="none" strike="noStrike">
+              <a:endParaRPr sz="1800" b="0" i="0" u="none" strike="noStrike" cap="none">
                 <a:solidFill>
                   <a:schemeClr val="lt1"/>
                 </a:solidFill>
@@ -17123,12 +17284,12 @@
             </a:ln>
           </p:spPr>
           <p:txBody>
-            <a:bodyPr anchorCtr="0" anchor="ctr" bIns="45700" lIns="91425" spcFirstLastPara="1" rIns="91425" wrap="square" tIns="45700">
+            <a:bodyPr spcFirstLastPara="1" wrap="square" lIns="91425" tIns="45700" rIns="91425" bIns="45700" anchor="ctr" anchorCtr="0">
               <a:noAutofit/>
             </a:bodyPr>
             <a:lstStyle/>
             <a:p>
-              <a:pPr indent="0" lvl="0" marL="0" marR="0" rtl="0" algn="ctr">
+              <a:pPr marL="0" marR="0" lvl="0" indent="0" algn="ctr" rtl="0">
                 <a:lnSpc>
                   <a:spcPct val="100000"/>
                 </a:lnSpc>
@@ -17145,10 +17306,7 @@
                 <a:buFont typeface="Arial"/>
                 <a:buNone/>
               </a:pPr>
-              <a:r>
-                <a:t/>
-              </a:r>
-              <a:endParaRPr b="0" i="0" sz="1800" u="none" cap="none" strike="noStrike">
+              <a:endParaRPr sz="1800" b="0" i="0" u="none" strike="noStrike" cap="none">
                 <a:solidFill>
                   <a:schemeClr val="lt1"/>
                 </a:solidFill>
@@ -17184,12 +17342,12 @@
             </a:ln>
           </p:spPr>
           <p:txBody>
-            <a:bodyPr anchorCtr="0" anchor="ctr" bIns="45700" lIns="91425" spcFirstLastPara="1" rIns="91425" wrap="square" tIns="45700">
+            <a:bodyPr spcFirstLastPara="1" wrap="square" lIns="91425" tIns="45700" rIns="91425" bIns="45700" anchor="ctr" anchorCtr="0">
               <a:noAutofit/>
             </a:bodyPr>
             <a:lstStyle/>
             <a:p>
-              <a:pPr indent="0" lvl="0" marL="0" marR="0" rtl="0" algn="ctr">
+              <a:pPr marL="0" marR="0" lvl="0" indent="0" algn="ctr" rtl="0">
                 <a:lnSpc>
                   <a:spcPct val="100000"/>
                 </a:lnSpc>
@@ -17206,10 +17364,7 @@
                 <a:buFont typeface="Arial"/>
                 <a:buNone/>
               </a:pPr>
-              <a:r>
-                <a:t/>
-              </a:r>
-              <a:endParaRPr b="0" i="0" sz="1800" u="none" cap="none" strike="noStrike">
+              <a:endParaRPr sz="1800" b="0" i="0" u="none" strike="noStrike" cap="none">
                 <a:solidFill>
                   <a:schemeClr val="lt1"/>
                 </a:solidFill>
@@ -17245,12 +17400,12 @@
             </a:ln>
           </p:spPr>
           <p:txBody>
-            <a:bodyPr anchorCtr="0" anchor="ctr" bIns="45700" lIns="91425" spcFirstLastPara="1" rIns="91425" wrap="square" tIns="45700">
+            <a:bodyPr spcFirstLastPara="1" wrap="square" lIns="91425" tIns="45700" rIns="91425" bIns="45700" anchor="ctr" anchorCtr="0">
               <a:noAutofit/>
             </a:bodyPr>
             <a:lstStyle/>
             <a:p>
-              <a:pPr indent="0" lvl="0" marL="0" marR="0" rtl="0" algn="ctr">
+              <a:pPr marL="0" marR="0" lvl="0" indent="0" algn="ctr" rtl="0">
                 <a:lnSpc>
                   <a:spcPct val="100000"/>
                 </a:lnSpc>
@@ -17267,10 +17422,7 @@
                 <a:buFont typeface="Arial"/>
                 <a:buNone/>
               </a:pPr>
-              <a:r>
-                <a:t/>
-              </a:r>
-              <a:endParaRPr b="0" i="0" sz="1800" u="none" cap="none" strike="noStrike">
+              <a:endParaRPr sz="1800" b="0" i="0" u="none" strike="noStrike" cap="none">
                 <a:solidFill>
                   <a:schemeClr val="lt1"/>
                 </a:solidFill>
@@ -17303,30 +17455,16 @@
           </a:ln>
         </p:spPr>
         <p:txBody>
-          <a:bodyPr anchorCtr="0" anchor="t" bIns="45700" lIns="91425" spcFirstLastPara="1" rIns="91425" wrap="square" tIns="45700">
+          <a:bodyPr spcFirstLastPara="1" wrap="square" lIns="91425" tIns="45700" rIns="91425" bIns="45700" anchor="t" anchorCtr="0">
             <a:spAutoFit/>
           </a:bodyPr>
           <a:lstStyle/>
           <a:p>
-            <a:pPr indent="0" lvl="0" marL="0" marR="0" rtl="0" algn="l">
-              <a:lnSpc>
-                <a:spcPct val="100000"/>
-              </a:lnSpc>
-              <a:spcBef>
-                <a:spcPts val="0"/>
-              </a:spcBef>
-              <a:spcAft>
-                <a:spcPts val="0"/>
-              </a:spcAft>
-              <a:buClr>
-                <a:srgbClr val="000000"/>
-              </a:buClr>
+            <a:pPr lvl="0">
               <a:buSzPts val="1600"/>
-              <a:buFont typeface="Arial"/>
-              <a:buNone/>
             </a:pPr>
             <a:r>
-              <a:rPr b="1" i="0" lang="en-GB" sz="1600" u="none" cap="none" strike="noStrike">
+              <a:rPr lang="en-GB" sz="1600" b="1" i="0" u="none" strike="noStrike" cap="none" dirty="0">
                 <a:solidFill>
                   <a:schemeClr val="dk1"/>
                 </a:solidFill>
@@ -17338,7 +17476,7 @@
               <a:t>Start</a:t>
             </a:r>
             <a:r>
-              <a:rPr b="0" i="0" lang="en-GB" sz="1600" u="none" cap="none" strike="noStrike">
+              <a:rPr lang="en-GB" sz="1600" b="0" i="0" u="none" strike="noStrike" cap="none">
                 <a:solidFill>
                   <a:schemeClr val="dk1"/>
                 </a:solidFill>
@@ -17355,10 +17493,10 @@
                   <a:schemeClr val="dk1"/>
                 </a:solidFill>
               </a:rPr>
-              <a:t>2021-09-28</a:t>
+              <a:t>2021-10-11</a:t>
             </a:r>
             <a:r>
-              <a:rPr b="0" i="0" lang="en-GB" sz="1600" u="none" cap="none" strike="noStrike">
+              <a:rPr lang="en-GB" sz="1600" b="0" i="0" u="none" strike="noStrike" cap="none">
                 <a:solidFill>
                   <a:schemeClr val="dk1"/>
                 </a:solidFill>
@@ -17367,10 +17505,22 @@
                 <a:cs typeface="Arial"/>
                 <a:sym typeface="Arial"/>
               </a:rPr>
-              <a:t> 12:00:00.000 (UTC) - </a:t>
+              <a:t> </a:t>
             </a:r>
             <a:r>
-              <a:rPr b="1" i="0" lang="en-GB" sz="1600" u="none" cap="none" strike="noStrike">
+              <a:rPr lang="en-GB" sz="1600" b="0" i="0" u="none" strike="noStrike" cap="none" dirty="0">
+                <a:solidFill>
+                  <a:schemeClr val="dk1"/>
+                </a:solidFill>
+                <a:latin typeface="Arial"/>
+                <a:ea typeface="Arial"/>
+                <a:cs typeface="Arial"/>
+                <a:sym typeface="Arial"/>
+              </a:rPr>
+              <a:t>12:00:00.000 (UTC) - </a:t>
+            </a:r>
+            <a:r>
+              <a:rPr lang="en-GB" sz="1600" b="1" i="0" u="none" strike="noStrike" cap="none" dirty="0">
                 <a:solidFill>
                   <a:schemeClr val="dk1"/>
                 </a:solidFill>
@@ -17382,7 +17532,7 @@
               <a:t>Stop</a:t>
             </a:r>
             <a:r>
-              <a:rPr b="0" i="0" lang="en-GB" sz="1600" u="none" cap="none" strike="noStrike">
+              <a:rPr lang="en-GB" sz="1600" b="0" i="0" u="none" strike="noStrike" cap="none" dirty="0">
                 <a:solidFill>
                   <a:schemeClr val="dk1"/>
                 </a:solidFill>
@@ -17394,15 +17544,15 @@
               <a:t>: </a:t>
             </a:r>
             <a:r>
-              <a:rPr lang="en-GB" sz="1600">
+              <a:rPr lang="en-GB" sz="1600" dirty="0">
                 <a:solidFill>
                   <a:schemeClr val="dk1"/>
                 </a:solidFill>
               </a:rPr>
-              <a:t>2021-09-28</a:t>
+              <a:t>2021-10-11</a:t>
             </a:r>
             <a:r>
-              <a:rPr b="0" i="0" lang="en-GB" sz="1600" u="none" cap="none" strike="noStrike">
+              <a:rPr lang="en-GB" sz="1600" b="0" i="0" u="none" strike="noStrike" cap="none" dirty="0">
                 <a:solidFill>
                   <a:schemeClr val="dk1"/>
                 </a:solidFill>
@@ -17414,7 +17564,7 @@
               <a:t> 13:</a:t>
             </a:r>
             <a:r>
-              <a:rPr b="1" i="0" lang="en-GB" sz="1600" u="none" cap="none" strike="noStrike">
+              <a:rPr lang="en-GB" sz="1600" b="1" i="0" u="none" strike="noStrike" cap="none" dirty="0">
                 <a:solidFill>
                   <a:schemeClr val="dk1"/>
                 </a:solidFill>
@@ -17426,7 +17576,7 @@
               <a:t>40</a:t>
             </a:r>
             <a:r>
-              <a:rPr b="0" i="0" lang="en-GB" sz="1600" u="none" cap="none" strike="noStrike">
+              <a:rPr lang="en-GB" sz="1600" b="0" i="0" u="none" strike="noStrike" cap="none" dirty="0">
                 <a:solidFill>
                   <a:schemeClr val="dk1"/>
                 </a:solidFill>
@@ -17437,7 +17587,7 @@
               </a:rPr>
               <a:t>:00.000 (UTC) </a:t>
             </a:r>
-            <a:endParaRPr b="0" i="0" sz="1400" u="none" cap="none" strike="noStrike">
+            <a:endParaRPr sz="1400" b="0" i="0" u="none" strike="noStrike" cap="none" dirty="0">
               <a:solidFill>
                 <a:srgbClr val="000000"/>
               </a:solidFill>
@@ -17458,7 +17608,7 @@
 </file>
 
 <file path=ppt/theme/theme1.xml><?xml version="1.0" encoding="utf-8"?>
-<a:theme xmlns:a="http://schemas.openxmlformats.org/drawingml/2006/main" xmlns:r="http://schemas.openxmlformats.org/officeDocument/2006/relationships" name="Office Theme">
+<a:theme xmlns:a="http://schemas.openxmlformats.org/drawingml/2006/main" name="Office Theme">
   <a:themeElements>
     <a:clrScheme name="Office Theme">
       <a:dk1>
@@ -17733,11 +17883,13 @@
       </a:bgFillStyleLst>
     </a:fmtScheme>
   </a:themeElements>
+  <a:objectDefaults/>
+  <a:extraClrSchemeLst/>
 </a:theme>
 </file>
 
 <file path=ppt/theme/theme2.xml><?xml version="1.0" encoding="utf-8"?>
-<a:theme xmlns:a="http://schemas.openxmlformats.org/drawingml/2006/main" xmlns:r="http://schemas.openxmlformats.org/officeDocument/2006/relationships">
+<a:theme xmlns:a="http://schemas.openxmlformats.org/drawingml/2006/main">
   <a:themeElements>
     <a:clrScheme name="Default">
       <a:dk1>
@@ -18012,5 +18164,7 @@
       </a:bgFillStyleLst>
     </a:fmtScheme>
   </a:themeElements>
+  <a:objectDefaults/>
+  <a:extraClrSchemeLst/>
 </a:theme>
 </file>